--- a/figs/fig_results_ratecount_annotated.pptx
+++ b/figs/fig_results_ratecount_annotated.pptx
@@ -2,15 +2,15 @@
 <file path=ppt/presentation.xml><?xml version="1.0" encoding="utf-8"?>
 <p:presentation xmlns:a="http://schemas.openxmlformats.org/drawingml/2006/main" xmlns:r="http://schemas.openxmlformats.org/officeDocument/2006/relationships" xmlns:p="http://schemas.openxmlformats.org/presentationml/2006/main" saveSubsetFonts="1" autoCompressPictures="0">
   <p:sldMasterIdLst>
-    <p:sldMasterId id="2147483660" r:id="rId1"/>
+    <p:sldMasterId id="2147483672" r:id="rId1"/>
   </p:sldMasterIdLst>
   <p:notesMasterIdLst>
     <p:notesMasterId r:id="rId3"/>
   </p:notesMasterIdLst>
   <p:sldIdLst>
-    <p:sldId id="256" r:id="rId2"/>
+    <p:sldId id="257" r:id="rId2"/>
   </p:sldIdLst>
-  <p:sldSz cx="13212763" cy="9144000"/>
+  <p:sldSz cx="13212763" cy="10698163"/>
   <p:notesSz cx="6858000" cy="9144000"/>
   <p:defaultTextStyle>
     <a:defPPr>
@@ -107,7 +107,706 @@
       </a:defRPr>
     </a:lvl9pPr>
   </p:defaultTextStyle>
+  <p:extLst>
+    <p:ext uri="{EFAFB233-063F-42B5-8137-9DF3F51BA10A}">
+      <p15:sldGuideLst xmlns:p15="http://schemas.microsoft.com/office/powerpoint/2012/main"/>
+    </p:ext>
+  </p:extLst>
 </p:presentation>
+</file>
+
+<file path=ppt/revisionInfo.xml><?xml version="1.0" encoding="utf-8"?>
+<p1510:revInfo xmlns:a="http://schemas.openxmlformats.org/drawingml/2006/main" xmlns:r="http://schemas.openxmlformats.org/officeDocument/2006/relationships" xmlns:p1510="http://schemas.microsoft.com/office/powerpoint/2015/10/main">
+  <p1510:revLst>
+    <p1510:client id="{AE73B4D5-7497-0F41-8DCD-42BE02F6FF1D}" v="17" dt="2025-05-18T05:09:49.952"/>
+  </p1510:revLst>
+</p1510:revInfo>
+</file>
+
+<file path=ppt/changesInfos/changesInfo1.xml><?xml version="1.0" encoding="utf-8"?>
+<pc:chgInfo xmlns:a="http://schemas.openxmlformats.org/drawingml/2006/main" xmlns:r="http://schemas.openxmlformats.org/officeDocument/2006/relationships" xmlns:ac="http://schemas.microsoft.com/office/drawing/2013/main/command" xmlns:pc="http://schemas.microsoft.com/office/powerpoint/2013/main/command">
+  <pc:docChgLst>
+    <pc:chgData name="Barkasi, Michael" userId="604489e9-c8b5-4a18-ae0d-3a3e29c44efc" providerId="ADAL" clId="{AE73B4D5-7497-0F41-8DCD-42BE02F6FF1D}"/>
+    <pc:docChg chg="undo custSel addSld delSld modSld modMainMaster modNotesMaster">
+      <pc:chgData name="Barkasi, Michael" userId="604489e9-c8b5-4a18-ae0d-3a3e29c44efc" providerId="ADAL" clId="{AE73B4D5-7497-0F41-8DCD-42BE02F6FF1D}" dt="2025-05-18T05:12:12.618" v="116" actId="2696"/>
+      <pc:docMkLst>
+        <pc:docMk/>
+      </pc:docMkLst>
+      <pc:sldChg chg="modSp del modNotes">
+        <pc:chgData name="Barkasi, Michael" userId="604489e9-c8b5-4a18-ae0d-3a3e29c44efc" providerId="ADAL" clId="{AE73B4D5-7497-0F41-8DCD-42BE02F6FF1D}" dt="2025-05-18T05:12:12.618" v="116" actId="2696"/>
+        <pc:sldMkLst>
+          <pc:docMk/>
+          <pc:sldMk cId="3272903639" sldId="256"/>
+        </pc:sldMkLst>
+        <pc:spChg chg="mod">
+          <ac:chgData name="Barkasi, Michael" userId="604489e9-c8b5-4a18-ae0d-3a3e29c44efc" providerId="ADAL" clId="{AE73B4D5-7497-0F41-8DCD-42BE02F6FF1D}" dt="2025-05-18T04:50:09.394" v="3"/>
+          <ac:spMkLst>
+            <pc:docMk/>
+            <pc:sldMk cId="3272903639" sldId="256"/>
+            <ac:spMk id="13" creationId="{6A38B3C0-3EF8-9373-3B9F-3217E36692D5}"/>
+          </ac:spMkLst>
+        </pc:spChg>
+        <pc:spChg chg="mod">
+          <ac:chgData name="Barkasi, Michael" userId="604489e9-c8b5-4a18-ae0d-3a3e29c44efc" providerId="ADAL" clId="{AE73B4D5-7497-0F41-8DCD-42BE02F6FF1D}" dt="2025-05-18T04:50:09.394" v="3"/>
+          <ac:spMkLst>
+            <pc:docMk/>
+            <pc:sldMk cId="3272903639" sldId="256"/>
+            <ac:spMk id="14" creationId="{B16DABFD-B943-D568-A434-E3279AFEFCF3}"/>
+          </ac:spMkLst>
+        </pc:spChg>
+        <pc:spChg chg="mod">
+          <ac:chgData name="Barkasi, Michael" userId="604489e9-c8b5-4a18-ae0d-3a3e29c44efc" providerId="ADAL" clId="{AE73B4D5-7497-0F41-8DCD-42BE02F6FF1D}" dt="2025-05-18T04:50:09.394" v="3"/>
+          <ac:spMkLst>
+            <pc:docMk/>
+            <pc:sldMk cId="3272903639" sldId="256"/>
+            <ac:spMk id="15" creationId="{24CD2FBE-2A5D-FC89-7E2A-1E84DDAEA57D}"/>
+          </ac:spMkLst>
+        </pc:spChg>
+        <pc:spChg chg="mod">
+          <ac:chgData name="Barkasi, Michael" userId="604489e9-c8b5-4a18-ae0d-3a3e29c44efc" providerId="ADAL" clId="{AE73B4D5-7497-0F41-8DCD-42BE02F6FF1D}" dt="2025-05-18T04:50:09.394" v="3"/>
+          <ac:spMkLst>
+            <pc:docMk/>
+            <pc:sldMk cId="3272903639" sldId="256"/>
+            <ac:spMk id="26" creationId="{69388D23-69A5-CFF9-E0B4-E8BBC379842F}"/>
+          </ac:spMkLst>
+        </pc:spChg>
+        <pc:spChg chg="mod">
+          <ac:chgData name="Barkasi, Michael" userId="604489e9-c8b5-4a18-ae0d-3a3e29c44efc" providerId="ADAL" clId="{AE73B4D5-7497-0F41-8DCD-42BE02F6FF1D}" dt="2025-05-18T04:50:09.394" v="3"/>
+          <ac:spMkLst>
+            <pc:docMk/>
+            <pc:sldMk cId="3272903639" sldId="256"/>
+            <ac:spMk id="27" creationId="{F284F9B9-F838-5B56-B945-41B17863B74F}"/>
+          </ac:spMkLst>
+        </pc:spChg>
+        <pc:spChg chg="mod">
+          <ac:chgData name="Barkasi, Michael" userId="604489e9-c8b5-4a18-ae0d-3a3e29c44efc" providerId="ADAL" clId="{AE73B4D5-7497-0F41-8DCD-42BE02F6FF1D}" dt="2025-05-18T04:50:09.394" v="3"/>
+          <ac:spMkLst>
+            <pc:docMk/>
+            <pc:sldMk cId="3272903639" sldId="256"/>
+            <ac:spMk id="28" creationId="{4061AEFB-C2F2-99A9-5294-6CE631CDBC76}"/>
+          </ac:spMkLst>
+        </pc:spChg>
+        <pc:spChg chg="mod">
+          <ac:chgData name="Barkasi, Michael" userId="604489e9-c8b5-4a18-ae0d-3a3e29c44efc" providerId="ADAL" clId="{AE73B4D5-7497-0F41-8DCD-42BE02F6FF1D}" dt="2025-05-18T04:50:09.394" v="3"/>
+          <ac:spMkLst>
+            <pc:docMk/>
+            <pc:sldMk cId="3272903639" sldId="256"/>
+            <ac:spMk id="29" creationId="{E2961A19-B3B5-DD25-3B2A-F33A7B35C192}"/>
+          </ac:spMkLst>
+        </pc:spChg>
+        <pc:spChg chg="mod">
+          <ac:chgData name="Barkasi, Michael" userId="604489e9-c8b5-4a18-ae0d-3a3e29c44efc" providerId="ADAL" clId="{AE73B4D5-7497-0F41-8DCD-42BE02F6FF1D}" dt="2025-05-18T04:50:09.394" v="3"/>
+          <ac:spMkLst>
+            <pc:docMk/>
+            <pc:sldMk cId="3272903639" sldId="256"/>
+            <ac:spMk id="30" creationId="{36E4EA35-8D8A-156B-5475-3F802B8E4719}"/>
+          </ac:spMkLst>
+        </pc:spChg>
+        <pc:spChg chg="mod">
+          <ac:chgData name="Barkasi, Michael" userId="604489e9-c8b5-4a18-ae0d-3a3e29c44efc" providerId="ADAL" clId="{AE73B4D5-7497-0F41-8DCD-42BE02F6FF1D}" dt="2025-05-18T04:50:09.394" v="3"/>
+          <ac:spMkLst>
+            <pc:docMk/>
+            <pc:sldMk cId="3272903639" sldId="256"/>
+            <ac:spMk id="32" creationId="{1EBE8E1A-B5FA-4C1F-1FB1-3367B89556A3}"/>
+          </ac:spMkLst>
+        </pc:spChg>
+        <pc:spChg chg="mod">
+          <ac:chgData name="Barkasi, Michael" userId="604489e9-c8b5-4a18-ae0d-3a3e29c44efc" providerId="ADAL" clId="{AE73B4D5-7497-0F41-8DCD-42BE02F6FF1D}" dt="2025-05-18T04:50:09.394" v="3"/>
+          <ac:spMkLst>
+            <pc:docMk/>
+            <pc:sldMk cId="3272903639" sldId="256"/>
+            <ac:spMk id="37" creationId="{EA0206E1-D113-002D-A944-7589C80A377B}"/>
+          </ac:spMkLst>
+        </pc:spChg>
+      </pc:sldChg>
+      <pc:sldChg chg="addSp delSp modSp new mod">
+        <pc:chgData name="Barkasi, Michael" userId="604489e9-c8b5-4a18-ae0d-3a3e29c44efc" providerId="ADAL" clId="{AE73B4D5-7497-0F41-8DCD-42BE02F6FF1D}" dt="2025-05-18T05:11:17.959" v="115" actId="478"/>
+        <pc:sldMkLst>
+          <pc:docMk/>
+          <pc:sldMk cId="2771342219" sldId="257"/>
+        </pc:sldMkLst>
+        <pc:spChg chg="del">
+          <ac:chgData name="Barkasi, Michael" userId="604489e9-c8b5-4a18-ae0d-3a3e29c44efc" providerId="ADAL" clId="{AE73B4D5-7497-0F41-8DCD-42BE02F6FF1D}" dt="2025-05-18T04:47:18.808" v="1" actId="478"/>
+          <ac:spMkLst>
+            <pc:docMk/>
+            <pc:sldMk cId="2771342219" sldId="257"/>
+            <ac:spMk id="2" creationId="{47AA70BD-7F4C-720D-093C-6195C850DE29}"/>
+          </ac:spMkLst>
+        </pc:spChg>
+        <pc:spChg chg="del">
+          <ac:chgData name="Barkasi, Michael" userId="604489e9-c8b5-4a18-ae0d-3a3e29c44efc" providerId="ADAL" clId="{AE73B4D5-7497-0F41-8DCD-42BE02F6FF1D}" dt="2025-05-18T04:47:20.079" v="2" actId="478"/>
+          <ac:spMkLst>
+            <pc:docMk/>
+            <pc:sldMk cId="2771342219" sldId="257"/>
+            <ac:spMk id="3" creationId="{D04A4130-4508-9E30-771B-E8A2D6A2CDDE}"/>
+          </ac:spMkLst>
+        </pc:spChg>
+        <pc:spChg chg="add mod">
+          <ac:chgData name="Barkasi, Michael" userId="604489e9-c8b5-4a18-ae0d-3a3e29c44efc" providerId="ADAL" clId="{AE73B4D5-7497-0F41-8DCD-42BE02F6FF1D}" dt="2025-05-18T05:03:58.310" v="73" actId="207"/>
+          <ac:spMkLst>
+            <pc:docMk/>
+            <pc:sldMk cId="2771342219" sldId="257"/>
+            <ac:spMk id="10" creationId="{084C86F4-E1E9-30B7-FB39-681A6577B7C5}"/>
+          </ac:spMkLst>
+        </pc:spChg>
+        <pc:spChg chg="add mod">
+          <ac:chgData name="Barkasi, Michael" userId="604489e9-c8b5-4a18-ae0d-3a3e29c44efc" providerId="ADAL" clId="{AE73B4D5-7497-0F41-8DCD-42BE02F6FF1D}" dt="2025-05-18T05:04:01.663" v="74" actId="207"/>
+          <ac:spMkLst>
+            <pc:docMk/>
+            <pc:sldMk cId="2771342219" sldId="257"/>
+            <ac:spMk id="11" creationId="{73607309-C1CD-D192-385D-6E3686D3F848}"/>
+          </ac:spMkLst>
+        </pc:spChg>
+        <pc:spChg chg="add mod">
+          <ac:chgData name="Barkasi, Michael" userId="604489e9-c8b5-4a18-ae0d-3a3e29c44efc" providerId="ADAL" clId="{AE73B4D5-7497-0F41-8DCD-42BE02F6FF1D}" dt="2025-05-18T05:04:06.788" v="75" actId="207"/>
+          <ac:spMkLst>
+            <pc:docMk/>
+            <pc:sldMk cId="2771342219" sldId="257"/>
+            <ac:spMk id="12" creationId="{88F88EC0-F378-44EA-C765-8C8BF2575E5E}"/>
+          </ac:spMkLst>
+        </pc:spChg>
+        <pc:spChg chg="add mod">
+          <ac:chgData name="Barkasi, Michael" userId="604489e9-c8b5-4a18-ae0d-3a3e29c44efc" providerId="ADAL" clId="{AE73B4D5-7497-0F41-8DCD-42BE02F6FF1D}" dt="2025-05-18T05:04:10.536" v="76" actId="207"/>
+          <ac:spMkLst>
+            <pc:docMk/>
+            <pc:sldMk cId="2771342219" sldId="257"/>
+            <ac:spMk id="13" creationId="{18EF2094-E0BF-2B4A-1D50-659B09E5A586}"/>
+          </ac:spMkLst>
+        </pc:spChg>
+        <pc:spChg chg="add mod">
+          <ac:chgData name="Barkasi, Michael" userId="604489e9-c8b5-4a18-ae0d-3a3e29c44efc" providerId="ADAL" clId="{AE73B4D5-7497-0F41-8DCD-42BE02F6FF1D}" dt="2025-05-18T05:04:13.858" v="77" actId="207"/>
+          <ac:spMkLst>
+            <pc:docMk/>
+            <pc:sldMk cId="2771342219" sldId="257"/>
+            <ac:spMk id="14" creationId="{F24465FB-E068-83A6-A618-BBA5CA19F9F2}"/>
+          </ac:spMkLst>
+        </pc:spChg>
+        <pc:spChg chg="add mod">
+          <ac:chgData name="Barkasi, Michael" userId="604489e9-c8b5-4a18-ae0d-3a3e29c44efc" providerId="ADAL" clId="{AE73B4D5-7497-0F41-8DCD-42BE02F6FF1D}" dt="2025-05-18T05:03:32.497" v="71" actId="1076"/>
+          <ac:spMkLst>
+            <pc:docMk/>
+            <pc:sldMk cId="2771342219" sldId="257"/>
+            <ac:spMk id="17" creationId="{7A705662-BC37-69B8-1D14-C84044BC25A3}"/>
+          </ac:spMkLst>
+        </pc:spChg>
+        <pc:spChg chg="add mod">
+          <ac:chgData name="Barkasi, Michael" userId="604489e9-c8b5-4a18-ae0d-3a3e29c44efc" providerId="ADAL" clId="{AE73B4D5-7497-0F41-8DCD-42BE02F6FF1D}" dt="2025-05-18T05:03:46.235" v="72" actId="1076"/>
+          <ac:spMkLst>
+            <pc:docMk/>
+            <pc:sldMk cId="2771342219" sldId="257"/>
+            <ac:spMk id="18" creationId="{22182B28-F2C6-42A3-660E-A91CEEBF1EEA}"/>
+          </ac:spMkLst>
+        </pc:spChg>
+        <pc:spChg chg="add mod">
+          <ac:chgData name="Barkasi, Michael" userId="604489e9-c8b5-4a18-ae0d-3a3e29c44efc" providerId="ADAL" clId="{AE73B4D5-7497-0F41-8DCD-42BE02F6FF1D}" dt="2025-05-18T05:03:32.497" v="71" actId="1076"/>
+          <ac:spMkLst>
+            <pc:docMk/>
+            <pc:sldMk cId="2771342219" sldId="257"/>
+            <ac:spMk id="19" creationId="{87EC310C-7343-7C0B-A984-1CECBB1B4D1D}"/>
+          </ac:spMkLst>
+        </pc:spChg>
+        <pc:spChg chg="add mod">
+          <ac:chgData name="Barkasi, Michael" userId="604489e9-c8b5-4a18-ae0d-3a3e29c44efc" providerId="ADAL" clId="{AE73B4D5-7497-0F41-8DCD-42BE02F6FF1D}" dt="2025-05-18T05:03:32.497" v="71" actId="1076"/>
+          <ac:spMkLst>
+            <pc:docMk/>
+            <pc:sldMk cId="2771342219" sldId="257"/>
+            <ac:spMk id="20" creationId="{3CEAAFA4-4B14-C560-6D6B-5B0E73157F60}"/>
+          </ac:spMkLst>
+        </pc:spChg>
+        <pc:spChg chg="add mod">
+          <ac:chgData name="Barkasi, Michael" userId="604489e9-c8b5-4a18-ae0d-3a3e29c44efc" providerId="ADAL" clId="{AE73B4D5-7497-0F41-8DCD-42BE02F6FF1D}" dt="2025-05-18T05:03:26.415" v="70" actId="571"/>
+          <ac:spMkLst>
+            <pc:docMk/>
+            <pc:sldMk cId="2771342219" sldId="257"/>
+            <ac:spMk id="23" creationId="{B00004DF-7D68-7C4C-8853-B60DFCBF0DD8}"/>
+          </ac:spMkLst>
+        </pc:spChg>
+        <pc:spChg chg="add mod">
+          <ac:chgData name="Barkasi, Michael" userId="604489e9-c8b5-4a18-ae0d-3a3e29c44efc" providerId="ADAL" clId="{AE73B4D5-7497-0F41-8DCD-42BE02F6FF1D}" dt="2025-05-18T05:03:26.415" v="70" actId="571"/>
+          <ac:spMkLst>
+            <pc:docMk/>
+            <pc:sldMk cId="2771342219" sldId="257"/>
+            <ac:spMk id="24" creationId="{96E281C4-6AC5-B818-6F01-CCF582FD1575}"/>
+          </ac:spMkLst>
+        </pc:spChg>
+        <pc:spChg chg="add mod">
+          <ac:chgData name="Barkasi, Michael" userId="604489e9-c8b5-4a18-ae0d-3a3e29c44efc" providerId="ADAL" clId="{AE73B4D5-7497-0F41-8DCD-42BE02F6FF1D}" dt="2025-05-18T05:03:26.415" v="70" actId="571"/>
+          <ac:spMkLst>
+            <pc:docMk/>
+            <pc:sldMk cId="2771342219" sldId="257"/>
+            <ac:spMk id="25" creationId="{781E6351-F09E-F217-1A49-1136D12E2494}"/>
+          </ac:spMkLst>
+        </pc:spChg>
+        <pc:spChg chg="add mod">
+          <ac:chgData name="Barkasi, Michael" userId="604489e9-c8b5-4a18-ae0d-3a3e29c44efc" providerId="ADAL" clId="{AE73B4D5-7497-0F41-8DCD-42BE02F6FF1D}" dt="2025-05-18T05:03:26.415" v="70" actId="571"/>
+          <ac:spMkLst>
+            <pc:docMk/>
+            <pc:sldMk cId="2771342219" sldId="257"/>
+            <ac:spMk id="26" creationId="{45B4E1E8-3275-6002-C275-DFAC5F6B0906}"/>
+          </ac:spMkLst>
+        </pc:spChg>
+        <pc:spChg chg="add mod">
+          <ac:chgData name="Barkasi, Michael" userId="604489e9-c8b5-4a18-ae0d-3a3e29c44efc" providerId="ADAL" clId="{AE73B4D5-7497-0F41-8DCD-42BE02F6FF1D}" dt="2025-05-18T05:08:07.258" v="98" actId="1076"/>
+          <ac:spMkLst>
+            <pc:docMk/>
+            <pc:sldMk cId="2771342219" sldId="257"/>
+            <ac:spMk id="27" creationId="{958F7C7A-1B34-A3E0-726D-A3261E3F2D4C}"/>
+          </ac:spMkLst>
+        </pc:spChg>
+        <pc:spChg chg="add mod">
+          <ac:chgData name="Barkasi, Michael" userId="604489e9-c8b5-4a18-ae0d-3a3e29c44efc" providerId="ADAL" clId="{AE73B4D5-7497-0F41-8DCD-42BE02F6FF1D}" dt="2025-05-18T05:06:19.332" v="87" actId="1076"/>
+          <ac:spMkLst>
+            <pc:docMk/>
+            <pc:sldMk cId="2771342219" sldId="257"/>
+            <ac:spMk id="31" creationId="{1950F63D-2984-1F88-CF6A-5B08256A2FE2}"/>
+          </ac:spMkLst>
+        </pc:spChg>
+        <pc:spChg chg="add mod">
+          <ac:chgData name="Barkasi, Michael" userId="604489e9-c8b5-4a18-ae0d-3a3e29c44efc" providerId="ADAL" clId="{AE73B4D5-7497-0F41-8DCD-42BE02F6FF1D}" dt="2025-05-18T05:06:33.236" v="88" actId="1076"/>
+          <ac:spMkLst>
+            <pc:docMk/>
+            <pc:sldMk cId="2771342219" sldId="257"/>
+            <ac:spMk id="32" creationId="{D5F83796-D4C3-8395-EAB4-1AD4829DEB34}"/>
+          </ac:spMkLst>
+        </pc:spChg>
+        <pc:spChg chg="add mod">
+          <ac:chgData name="Barkasi, Michael" userId="604489e9-c8b5-4a18-ae0d-3a3e29c44efc" providerId="ADAL" clId="{AE73B4D5-7497-0F41-8DCD-42BE02F6FF1D}" dt="2025-05-18T05:07:11.930" v="89" actId="1076"/>
+          <ac:spMkLst>
+            <pc:docMk/>
+            <pc:sldMk cId="2771342219" sldId="257"/>
+            <ac:spMk id="33" creationId="{7D8581A1-3D60-1855-B718-FF2860F6EC4C}"/>
+          </ac:spMkLst>
+        </pc:spChg>
+        <pc:spChg chg="add mod">
+          <ac:chgData name="Barkasi, Michael" userId="604489e9-c8b5-4a18-ae0d-3a3e29c44efc" providerId="ADAL" clId="{AE73B4D5-7497-0F41-8DCD-42BE02F6FF1D}" dt="2025-05-18T05:09:49.952" v="107" actId="164"/>
+          <ac:spMkLst>
+            <pc:docMk/>
+            <pc:sldMk cId="2771342219" sldId="257"/>
+            <ac:spMk id="34" creationId="{47D5AC6D-AFDB-4FD0-0618-A6C60C0F28E2}"/>
+          </ac:spMkLst>
+        </pc:spChg>
+        <pc:spChg chg="add mod">
+          <ac:chgData name="Barkasi, Michael" userId="604489e9-c8b5-4a18-ae0d-3a3e29c44efc" providerId="ADAL" clId="{AE73B4D5-7497-0F41-8DCD-42BE02F6FF1D}" dt="2025-05-18T05:09:49.952" v="107" actId="164"/>
+          <ac:spMkLst>
+            <pc:docMk/>
+            <pc:sldMk cId="2771342219" sldId="257"/>
+            <ac:spMk id="35" creationId="{54A0724D-2BD7-7638-2498-BF1771EB37AC}"/>
+          </ac:spMkLst>
+        </pc:spChg>
+        <pc:spChg chg="mod">
+          <ac:chgData name="Barkasi, Michael" userId="604489e9-c8b5-4a18-ae0d-3a3e29c44efc" providerId="ADAL" clId="{AE73B4D5-7497-0F41-8DCD-42BE02F6FF1D}" dt="2025-05-18T05:06:12.643" v="86" actId="164"/>
+          <ac:spMkLst>
+            <pc:docMk/>
+            <pc:sldMk cId="2771342219" sldId="257"/>
+            <ac:spMk id="37" creationId="{76003F91-7471-8420-E059-ADDD50B0D6D8}"/>
+          </ac:spMkLst>
+        </pc:spChg>
+        <pc:spChg chg="mod">
+          <ac:chgData name="Barkasi, Michael" userId="604489e9-c8b5-4a18-ae0d-3a3e29c44efc" providerId="ADAL" clId="{AE73B4D5-7497-0F41-8DCD-42BE02F6FF1D}" dt="2025-05-18T05:06:12.643" v="86" actId="164"/>
+          <ac:spMkLst>
+            <pc:docMk/>
+            <pc:sldMk cId="2771342219" sldId="257"/>
+            <ac:spMk id="38" creationId="{62281851-1479-B76A-DC3A-AAA57F88E356}"/>
+          </ac:spMkLst>
+        </pc:spChg>
+        <pc:spChg chg="add mod">
+          <ac:chgData name="Barkasi, Michael" userId="604489e9-c8b5-4a18-ae0d-3a3e29c44efc" providerId="ADAL" clId="{AE73B4D5-7497-0F41-8DCD-42BE02F6FF1D}" dt="2025-05-18T05:11:00.773" v="113" actId="1076"/>
+          <ac:spMkLst>
+            <pc:docMk/>
+            <pc:sldMk cId="2771342219" sldId="257"/>
+            <ac:spMk id="39" creationId="{36DD74EB-BE2B-2179-C13B-58B0D28CB09E}"/>
+          </ac:spMkLst>
+        </pc:spChg>
+        <pc:spChg chg="add mod">
+          <ac:chgData name="Barkasi, Michael" userId="604489e9-c8b5-4a18-ae0d-3a3e29c44efc" providerId="ADAL" clId="{AE73B4D5-7497-0F41-8DCD-42BE02F6FF1D}" dt="2025-05-18T05:06:33.236" v="88" actId="1076"/>
+          <ac:spMkLst>
+            <pc:docMk/>
+            <pc:sldMk cId="2771342219" sldId="257"/>
+            <ac:spMk id="40" creationId="{B2D754C9-0945-9116-1F5A-E4A85BC910C9}"/>
+          </ac:spMkLst>
+        </pc:spChg>
+        <pc:grpChg chg="mod">
+          <ac:chgData name="Barkasi, Michael" userId="604489e9-c8b5-4a18-ae0d-3a3e29c44efc" providerId="ADAL" clId="{AE73B4D5-7497-0F41-8DCD-42BE02F6FF1D}" dt="2025-05-18T05:06:33.236" v="88" actId="1076"/>
+          <ac:grpSpMkLst>
+            <pc:docMk/>
+            <pc:sldMk cId="2771342219" sldId="257"/>
+            <ac:grpSpMk id="36" creationId="{B8BA6957-FC42-8D1F-B405-D825FD885781}"/>
+          </ac:grpSpMkLst>
+        </pc:grpChg>
+        <pc:grpChg chg="add mod">
+          <ac:chgData name="Barkasi, Michael" userId="604489e9-c8b5-4a18-ae0d-3a3e29c44efc" providerId="ADAL" clId="{AE73B4D5-7497-0F41-8DCD-42BE02F6FF1D}" dt="2025-05-18T05:06:10.679" v="85" actId="1076"/>
+          <ac:grpSpMkLst>
+            <pc:docMk/>
+            <pc:sldMk cId="2771342219" sldId="257"/>
+            <ac:grpSpMk id="41" creationId="{0F813DFD-8B63-0425-9B77-4AC1C8295ABE}"/>
+          </ac:grpSpMkLst>
+        </pc:grpChg>
+        <pc:grpChg chg="add mod">
+          <ac:chgData name="Barkasi, Michael" userId="604489e9-c8b5-4a18-ae0d-3a3e29c44efc" providerId="ADAL" clId="{AE73B4D5-7497-0F41-8DCD-42BE02F6FF1D}" dt="2025-05-18T05:09:49.952" v="107" actId="164"/>
+          <ac:grpSpMkLst>
+            <pc:docMk/>
+            <pc:sldMk cId="2771342219" sldId="257"/>
+            <ac:grpSpMk id="42" creationId="{D4891DC2-75E2-F321-052E-B91DAF56A534}"/>
+          </ac:grpSpMkLst>
+        </pc:grpChg>
+        <pc:picChg chg="add del mod">
+          <ac:chgData name="Barkasi, Michael" userId="604489e9-c8b5-4a18-ae0d-3a3e29c44efc" providerId="ADAL" clId="{AE73B4D5-7497-0F41-8DCD-42BE02F6FF1D}" dt="2025-05-18T04:57:40.668" v="22" actId="478"/>
+          <ac:picMkLst>
+            <pc:docMk/>
+            <pc:sldMk cId="2771342219" sldId="257"/>
+            <ac:picMk id="5" creationId="{1914FFFC-28CA-2B48-BC72-CB7BEE515C6E}"/>
+          </ac:picMkLst>
+        </pc:picChg>
+        <pc:picChg chg="add mod modCrop">
+          <ac:chgData name="Barkasi, Michael" userId="604489e9-c8b5-4a18-ae0d-3a3e29c44efc" providerId="ADAL" clId="{AE73B4D5-7497-0F41-8DCD-42BE02F6FF1D}" dt="2025-05-18T04:51:59.455" v="21" actId="1076"/>
+          <ac:picMkLst>
+            <pc:docMk/>
+            <pc:sldMk cId="2771342219" sldId="257"/>
+            <ac:picMk id="7" creationId="{5348D071-C2DF-0EFF-D61B-51DC5C2A964F}"/>
+          </ac:picMkLst>
+        </pc:picChg>
+        <pc:picChg chg="add mod">
+          <ac:chgData name="Barkasi, Michael" userId="604489e9-c8b5-4a18-ae0d-3a3e29c44efc" providerId="ADAL" clId="{AE73B4D5-7497-0F41-8DCD-42BE02F6FF1D}" dt="2025-05-18T05:10:53.040" v="112" actId="1076"/>
+          <ac:picMkLst>
+            <pc:docMk/>
+            <pc:sldMk cId="2771342219" sldId="257"/>
+            <ac:picMk id="9" creationId="{E4016535-52E8-D9F4-FB39-29EEF06A2DFD}"/>
+          </ac:picMkLst>
+        </pc:picChg>
+        <pc:cxnChg chg="add mod">
+          <ac:chgData name="Barkasi, Michael" userId="604489e9-c8b5-4a18-ae0d-3a3e29c44efc" providerId="ADAL" clId="{AE73B4D5-7497-0F41-8DCD-42BE02F6FF1D}" dt="2025-05-18T05:03:32.497" v="71" actId="1076"/>
+          <ac:cxnSpMkLst>
+            <pc:docMk/>
+            <pc:sldMk cId="2771342219" sldId="257"/>
+            <ac:cxnSpMk id="15" creationId="{B27A5B33-7A71-E552-64D3-364CB213A3F0}"/>
+          </ac:cxnSpMkLst>
+        </pc:cxnChg>
+        <pc:cxnChg chg="add mod">
+          <ac:chgData name="Barkasi, Michael" userId="604489e9-c8b5-4a18-ae0d-3a3e29c44efc" providerId="ADAL" clId="{AE73B4D5-7497-0F41-8DCD-42BE02F6FF1D}" dt="2025-05-18T05:03:32.497" v="71" actId="1076"/>
+          <ac:cxnSpMkLst>
+            <pc:docMk/>
+            <pc:sldMk cId="2771342219" sldId="257"/>
+            <ac:cxnSpMk id="16" creationId="{4C50C9A7-AF1D-5559-BD8E-138D6774BD9E}"/>
+          </ac:cxnSpMkLst>
+        </pc:cxnChg>
+        <pc:cxnChg chg="add mod">
+          <ac:chgData name="Barkasi, Michael" userId="604489e9-c8b5-4a18-ae0d-3a3e29c44efc" providerId="ADAL" clId="{AE73B4D5-7497-0F41-8DCD-42BE02F6FF1D}" dt="2025-05-18T05:03:26.415" v="70" actId="571"/>
+          <ac:cxnSpMkLst>
+            <pc:docMk/>
+            <pc:sldMk cId="2771342219" sldId="257"/>
+            <ac:cxnSpMk id="21" creationId="{8BFCBF24-670D-5AB1-8D5E-4CF4C19AF3F6}"/>
+          </ac:cxnSpMkLst>
+        </pc:cxnChg>
+        <pc:cxnChg chg="add mod">
+          <ac:chgData name="Barkasi, Michael" userId="604489e9-c8b5-4a18-ae0d-3a3e29c44efc" providerId="ADAL" clId="{AE73B4D5-7497-0F41-8DCD-42BE02F6FF1D}" dt="2025-05-18T05:03:26.415" v="70" actId="571"/>
+          <ac:cxnSpMkLst>
+            <pc:docMk/>
+            <pc:sldMk cId="2771342219" sldId="257"/>
+            <ac:cxnSpMk id="22" creationId="{98DC0FD2-764A-B6BC-B67E-2644D0D70594}"/>
+          </ac:cxnSpMkLst>
+        </pc:cxnChg>
+        <pc:cxnChg chg="mod">
+          <ac:chgData name="Barkasi, Michael" userId="604489e9-c8b5-4a18-ae0d-3a3e29c44efc" providerId="ADAL" clId="{AE73B4D5-7497-0F41-8DCD-42BE02F6FF1D}" dt="2025-05-18T05:06:33.236" v="88" actId="1076"/>
+          <ac:cxnSpMkLst>
+            <pc:docMk/>
+            <pc:sldMk cId="2771342219" sldId="257"/>
+            <ac:cxnSpMk id="28" creationId="{8850A432-B56E-ACDF-A4FB-A43F62321A0E}"/>
+          </ac:cxnSpMkLst>
+        </pc:cxnChg>
+        <pc:cxnChg chg="mod">
+          <ac:chgData name="Barkasi, Michael" userId="604489e9-c8b5-4a18-ae0d-3a3e29c44efc" providerId="ADAL" clId="{AE73B4D5-7497-0F41-8DCD-42BE02F6FF1D}" dt="2025-05-18T05:07:11.930" v="89" actId="1076"/>
+          <ac:cxnSpMkLst>
+            <pc:docMk/>
+            <pc:sldMk cId="2771342219" sldId="257"/>
+            <ac:cxnSpMk id="29" creationId="{1CD26346-E81A-4470-528F-3277BD56AF43}"/>
+          </ac:cxnSpMkLst>
+        </pc:cxnChg>
+        <pc:cxnChg chg="add del mod">
+          <ac:chgData name="Barkasi, Michael" userId="604489e9-c8b5-4a18-ae0d-3a3e29c44efc" providerId="ADAL" clId="{AE73B4D5-7497-0F41-8DCD-42BE02F6FF1D}" dt="2025-05-18T05:11:17.959" v="115" actId="478"/>
+          <ac:cxnSpMkLst>
+            <pc:docMk/>
+            <pc:sldMk cId="2771342219" sldId="257"/>
+            <ac:cxnSpMk id="44" creationId="{B3C8FFD1-CE2C-1DAB-784D-22B194B5FD7C}"/>
+          </ac:cxnSpMkLst>
+        </pc:cxnChg>
+      </pc:sldChg>
+      <pc:sldMasterChg chg="modSp modSldLayout">
+        <pc:chgData name="Barkasi, Michael" userId="604489e9-c8b5-4a18-ae0d-3a3e29c44efc" providerId="ADAL" clId="{AE73B4D5-7497-0F41-8DCD-42BE02F6FF1D}" dt="2025-05-18T04:50:09.394" v="3"/>
+        <pc:sldMasterMkLst>
+          <pc:docMk/>
+          <pc:sldMasterMk cId="1250940944" sldId="2147483660"/>
+        </pc:sldMasterMkLst>
+        <pc:spChg chg="mod">
+          <ac:chgData name="Barkasi, Michael" userId="604489e9-c8b5-4a18-ae0d-3a3e29c44efc" providerId="ADAL" clId="{AE73B4D5-7497-0F41-8DCD-42BE02F6FF1D}" dt="2025-05-18T04:50:09.394" v="3"/>
+          <ac:spMkLst>
+            <pc:docMk/>
+            <pc:sldMasterMk cId="1250940944" sldId="2147483660"/>
+            <ac:spMk id="2" creationId="{00000000-0000-0000-0000-000000000000}"/>
+          </ac:spMkLst>
+        </pc:spChg>
+        <pc:spChg chg="mod">
+          <ac:chgData name="Barkasi, Michael" userId="604489e9-c8b5-4a18-ae0d-3a3e29c44efc" providerId="ADAL" clId="{AE73B4D5-7497-0F41-8DCD-42BE02F6FF1D}" dt="2025-05-18T04:50:09.394" v="3"/>
+          <ac:spMkLst>
+            <pc:docMk/>
+            <pc:sldMasterMk cId="1250940944" sldId="2147483660"/>
+            <ac:spMk id="3" creationId="{00000000-0000-0000-0000-000000000000}"/>
+          </ac:spMkLst>
+        </pc:spChg>
+        <pc:spChg chg="mod">
+          <ac:chgData name="Barkasi, Michael" userId="604489e9-c8b5-4a18-ae0d-3a3e29c44efc" providerId="ADAL" clId="{AE73B4D5-7497-0F41-8DCD-42BE02F6FF1D}" dt="2025-05-18T04:50:09.394" v="3"/>
+          <ac:spMkLst>
+            <pc:docMk/>
+            <pc:sldMasterMk cId="1250940944" sldId="2147483660"/>
+            <ac:spMk id="4" creationId="{00000000-0000-0000-0000-000000000000}"/>
+          </ac:spMkLst>
+        </pc:spChg>
+        <pc:spChg chg="mod">
+          <ac:chgData name="Barkasi, Michael" userId="604489e9-c8b5-4a18-ae0d-3a3e29c44efc" providerId="ADAL" clId="{AE73B4D5-7497-0F41-8DCD-42BE02F6FF1D}" dt="2025-05-18T04:50:09.394" v="3"/>
+          <ac:spMkLst>
+            <pc:docMk/>
+            <pc:sldMasterMk cId="1250940944" sldId="2147483660"/>
+            <ac:spMk id="5" creationId="{00000000-0000-0000-0000-000000000000}"/>
+          </ac:spMkLst>
+        </pc:spChg>
+        <pc:spChg chg="mod">
+          <ac:chgData name="Barkasi, Michael" userId="604489e9-c8b5-4a18-ae0d-3a3e29c44efc" providerId="ADAL" clId="{AE73B4D5-7497-0F41-8DCD-42BE02F6FF1D}" dt="2025-05-18T04:50:09.394" v="3"/>
+          <ac:spMkLst>
+            <pc:docMk/>
+            <pc:sldMasterMk cId="1250940944" sldId="2147483660"/>
+            <ac:spMk id="6" creationId="{00000000-0000-0000-0000-000000000000}"/>
+          </ac:spMkLst>
+        </pc:spChg>
+        <pc:sldLayoutChg chg="modSp">
+          <pc:chgData name="Barkasi, Michael" userId="604489e9-c8b5-4a18-ae0d-3a3e29c44efc" providerId="ADAL" clId="{AE73B4D5-7497-0F41-8DCD-42BE02F6FF1D}" dt="2025-05-18T04:50:09.394" v="3"/>
+          <pc:sldLayoutMkLst>
+            <pc:docMk/>
+            <pc:sldMasterMk cId="1250940944" sldId="2147483660"/>
+            <pc:sldLayoutMk cId="3716982854" sldId="2147483661"/>
+          </pc:sldLayoutMkLst>
+          <pc:spChg chg="mod">
+            <ac:chgData name="Barkasi, Michael" userId="604489e9-c8b5-4a18-ae0d-3a3e29c44efc" providerId="ADAL" clId="{AE73B4D5-7497-0F41-8DCD-42BE02F6FF1D}" dt="2025-05-18T04:50:09.394" v="3"/>
+            <ac:spMkLst>
+              <pc:docMk/>
+              <pc:sldMasterMk cId="1250940944" sldId="2147483660"/>
+              <pc:sldLayoutMk cId="3716982854" sldId="2147483661"/>
+              <ac:spMk id="2" creationId="{00000000-0000-0000-0000-000000000000}"/>
+            </ac:spMkLst>
+          </pc:spChg>
+          <pc:spChg chg="mod">
+            <ac:chgData name="Barkasi, Michael" userId="604489e9-c8b5-4a18-ae0d-3a3e29c44efc" providerId="ADAL" clId="{AE73B4D5-7497-0F41-8DCD-42BE02F6FF1D}" dt="2025-05-18T04:50:09.394" v="3"/>
+            <ac:spMkLst>
+              <pc:docMk/>
+              <pc:sldMasterMk cId="1250940944" sldId="2147483660"/>
+              <pc:sldLayoutMk cId="3716982854" sldId="2147483661"/>
+              <ac:spMk id="3" creationId="{00000000-0000-0000-0000-000000000000}"/>
+            </ac:spMkLst>
+          </pc:spChg>
+        </pc:sldLayoutChg>
+        <pc:sldLayoutChg chg="modSp">
+          <pc:chgData name="Barkasi, Michael" userId="604489e9-c8b5-4a18-ae0d-3a3e29c44efc" providerId="ADAL" clId="{AE73B4D5-7497-0F41-8DCD-42BE02F6FF1D}" dt="2025-05-18T04:50:09.394" v="3"/>
+          <pc:sldLayoutMkLst>
+            <pc:docMk/>
+            <pc:sldMasterMk cId="1250940944" sldId="2147483660"/>
+            <pc:sldLayoutMk cId="611910895" sldId="2147483663"/>
+          </pc:sldLayoutMkLst>
+          <pc:spChg chg="mod">
+            <ac:chgData name="Barkasi, Michael" userId="604489e9-c8b5-4a18-ae0d-3a3e29c44efc" providerId="ADAL" clId="{AE73B4D5-7497-0F41-8DCD-42BE02F6FF1D}" dt="2025-05-18T04:50:09.394" v="3"/>
+            <ac:spMkLst>
+              <pc:docMk/>
+              <pc:sldMasterMk cId="1250940944" sldId="2147483660"/>
+              <pc:sldLayoutMk cId="611910895" sldId="2147483663"/>
+              <ac:spMk id="2" creationId="{00000000-0000-0000-0000-000000000000}"/>
+            </ac:spMkLst>
+          </pc:spChg>
+          <pc:spChg chg="mod">
+            <ac:chgData name="Barkasi, Michael" userId="604489e9-c8b5-4a18-ae0d-3a3e29c44efc" providerId="ADAL" clId="{AE73B4D5-7497-0F41-8DCD-42BE02F6FF1D}" dt="2025-05-18T04:50:09.394" v="3"/>
+            <ac:spMkLst>
+              <pc:docMk/>
+              <pc:sldMasterMk cId="1250940944" sldId="2147483660"/>
+              <pc:sldLayoutMk cId="611910895" sldId="2147483663"/>
+              <ac:spMk id="3" creationId="{00000000-0000-0000-0000-000000000000}"/>
+            </ac:spMkLst>
+          </pc:spChg>
+        </pc:sldLayoutChg>
+        <pc:sldLayoutChg chg="modSp">
+          <pc:chgData name="Barkasi, Michael" userId="604489e9-c8b5-4a18-ae0d-3a3e29c44efc" providerId="ADAL" clId="{AE73B4D5-7497-0F41-8DCD-42BE02F6FF1D}" dt="2025-05-18T04:50:09.394" v="3"/>
+          <pc:sldLayoutMkLst>
+            <pc:docMk/>
+            <pc:sldMasterMk cId="1250940944" sldId="2147483660"/>
+            <pc:sldLayoutMk cId="3377708964" sldId="2147483664"/>
+          </pc:sldLayoutMkLst>
+          <pc:spChg chg="mod">
+            <ac:chgData name="Barkasi, Michael" userId="604489e9-c8b5-4a18-ae0d-3a3e29c44efc" providerId="ADAL" clId="{AE73B4D5-7497-0F41-8DCD-42BE02F6FF1D}" dt="2025-05-18T04:50:09.394" v="3"/>
+            <ac:spMkLst>
+              <pc:docMk/>
+              <pc:sldMasterMk cId="1250940944" sldId="2147483660"/>
+              <pc:sldLayoutMk cId="3377708964" sldId="2147483664"/>
+              <ac:spMk id="3" creationId="{00000000-0000-0000-0000-000000000000}"/>
+            </ac:spMkLst>
+          </pc:spChg>
+          <pc:spChg chg="mod">
+            <ac:chgData name="Barkasi, Michael" userId="604489e9-c8b5-4a18-ae0d-3a3e29c44efc" providerId="ADAL" clId="{AE73B4D5-7497-0F41-8DCD-42BE02F6FF1D}" dt="2025-05-18T04:50:09.394" v="3"/>
+            <ac:spMkLst>
+              <pc:docMk/>
+              <pc:sldMasterMk cId="1250940944" sldId="2147483660"/>
+              <pc:sldLayoutMk cId="3377708964" sldId="2147483664"/>
+              <ac:spMk id="4" creationId="{00000000-0000-0000-0000-000000000000}"/>
+            </ac:spMkLst>
+          </pc:spChg>
+        </pc:sldLayoutChg>
+        <pc:sldLayoutChg chg="modSp">
+          <pc:chgData name="Barkasi, Michael" userId="604489e9-c8b5-4a18-ae0d-3a3e29c44efc" providerId="ADAL" clId="{AE73B4D5-7497-0F41-8DCD-42BE02F6FF1D}" dt="2025-05-18T04:50:09.394" v="3"/>
+          <pc:sldLayoutMkLst>
+            <pc:docMk/>
+            <pc:sldMasterMk cId="1250940944" sldId="2147483660"/>
+            <pc:sldLayoutMk cId="519659420" sldId="2147483665"/>
+          </pc:sldLayoutMkLst>
+          <pc:spChg chg="mod">
+            <ac:chgData name="Barkasi, Michael" userId="604489e9-c8b5-4a18-ae0d-3a3e29c44efc" providerId="ADAL" clId="{AE73B4D5-7497-0F41-8DCD-42BE02F6FF1D}" dt="2025-05-18T04:50:09.394" v="3"/>
+            <ac:spMkLst>
+              <pc:docMk/>
+              <pc:sldMasterMk cId="1250940944" sldId="2147483660"/>
+              <pc:sldLayoutMk cId="519659420" sldId="2147483665"/>
+              <ac:spMk id="2" creationId="{00000000-0000-0000-0000-000000000000}"/>
+            </ac:spMkLst>
+          </pc:spChg>
+          <pc:spChg chg="mod">
+            <ac:chgData name="Barkasi, Michael" userId="604489e9-c8b5-4a18-ae0d-3a3e29c44efc" providerId="ADAL" clId="{AE73B4D5-7497-0F41-8DCD-42BE02F6FF1D}" dt="2025-05-18T04:50:09.394" v="3"/>
+            <ac:spMkLst>
+              <pc:docMk/>
+              <pc:sldMasterMk cId="1250940944" sldId="2147483660"/>
+              <pc:sldLayoutMk cId="519659420" sldId="2147483665"/>
+              <ac:spMk id="3" creationId="{00000000-0000-0000-0000-000000000000}"/>
+            </ac:spMkLst>
+          </pc:spChg>
+          <pc:spChg chg="mod">
+            <ac:chgData name="Barkasi, Michael" userId="604489e9-c8b5-4a18-ae0d-3a3e29c44efc" providerId="ADAL" clId="{AE73B4D5-7497-0F41-8DCD-42BE02F6FF1D}" dt="2025-05-18T04:50:09.394" v="3"/>
+            <ac:spMkLst>
+              <pc:docMk/>
+              <pc:sldMasterMk cId="1250940944" sldId="2147483660"/>
+              <pc:sldLayoutMk cId="519659420" sldId="2147483665"/>
+              <ac:spMk id="4" creationId="{00000000-0000-0000-0000-000000000000}"/>
+            </ac:spMkLst>
+          </pc:spChg>
+          <pc:spChg chg="mod">
+            <ac:chgData name="Barkasi, Michael" userId="604489e9-c8b5-4a18-ae0d-3a3e29c44efc" providerId="ADAL" clId="{AE73B4D5-7497-0F41-8DCD-42BE02F6FF1D}" dt="2025-05-18T04:50:09.394" v="3"/>
+            <ac:spMkLst>
+              <pc:docMk/>
+              <pc:sldMasterMk cId="1250940944" sldId="2147483660"/>
+              <pc:sldLayoutMk cId="519659420" sldId="2147483665"/>
+              <ac:spMk id="5" creationId="{00000000-0000-0000-0000-000000000000}"/>
+            </ac:spMkLst>
+          </pc:spChg>
+          <pc:spChg chg="mod">
+            <ac:chgData name="Barkasi, Michael" userId="604489e9-c8b5-4a18-ae0d-3a3e29c44efc" providerId="ADAL" clId="{AE73B4D5-7497-0F41-8DCD-42BE02F6FF1D}" dt="2025-05-18T04:50:09.394" v="3"/>
+            <ac:spMkLst>
+              <pc:docMk/>
+              <pc:sldMasterMk cId="1250940944" sldId="2147483660"/>
+              <pc:sldLayoutMk cId="519659420" sldId="2147483665"/>
+              <ac:spMk id="6" creationId="{00000000-0000-0000-0000-000000000000}"/>
+            </ac:spMkLst>
+          </pc:spChg>
+        </pc:sldLayoutChg>
+        <pc:sldLayoutChg chg="modSp">
+          <pc:chgData name="Barkasi, Michael" userId="604489e9-c8b5-4a18-ae0d-3a3e29c44efc" providerId="ADAL" clId="{AE73B4D5-7497-0F41-8DCD-42BE02F6FF1D}" dt="2025-05-18T04:50:09.394" v="3"/>
+          <pc:sldLayoutMkLst>
+            <pc:docMk/>
+            <pc:sldMasterMk cId="1250940944" sldId="2147483660"/>
+            <pc:sldLayoutMk cId="3876721991" sldId="2147483668"/>
+          </pc:sldLayoutMkLst>
+          <pc:spChg chg="mod">
+            <ac:chgData name="Barkasi, Michael" userId="604489e9-c8b5-4a18-ae0d-3a3e29c44efc" providerId="ADAL" clId="{AE73B4D5-7497-0F41-8DCD-42BE02F6FF1D}" dt="2025-05-18T04:50:09.394" v="3"/>
+            <ac:spMkLst>
+              <pc:docMk/>
+              <pc:sldMasterMk cId="1250940944" sldId="2147483660"/>
+              <pc:sldLayoutMk cId="3876721991" sldId="2147483668"/>
+              <ac:spMk id="2" creationId="{00000000-0000-0000-0000-000000000000}"/>
+            </ac:spMkLst>
+          </pc:spChg>
+          <pc:spChg chg="mod">
+            <ac:chgData name="Barkasi, Michael" userId="604489e9-c8b5-4a18-ae0d-3a3e29c44efc" providerId="ADAL" clId="{AE73B4D5-7497-0F41-8DCD-42BE02F6FF1D}" dt="2025-05-18T04:50:09.394" v="3"/>
+            <ac:spMkLst>
+              <pc:docMk/>
+              <pc:sldMasterMk cId="1250940944" sldId="2147483660"/>
+              <pc:sldLayoutMk cId="3876721991" sldId="2147483668"/>
+              <ac:spMk id="3" creationId="{00000000-0000-0000-0000-000000000000}"/>
+            </ac:spMkLst>
+          </pc:spChg>
+          <pc:spChg chg="mod">
+            <ac:chgData name="Barkasi, Michael" userId="604489e9-c8b5-4a18-ae0d-3a3e29c44efc" providerId="ADAL" clId="{AE73B4D5-7497-0F41-8DCD-42BE02F6FF1D}" dt="2025-05-18T04:50:09.394" v="3"/>
+            <ac:spMkLst>
+              <pc:docMk/>
+              <pc:sldMasterMk cId="1250940944" sldId="2147483660"/>
+              <pc:sldLayoutMk cId="3876721991" sldId="2147483668"/>
+              <ac:spMk id="4" creationId="{00000000-0000-0000-0000-000000000000}"/>
+            </ac:spMkLst>
+          </pc:spChg>
+        </pc:sldLayoutChg>
+        <pc:sldLayoutChg chg="modSp">
+          <pc:chgData name="Barkasi, Michael" userId="604489e9-c8b5-4a18-ae0d-3a3e29c44efc" providerId="ADAL" clId="{AE73B4D5-7497-0F41-8DCD-42BE02F6FF1D}" dt="2025-05-18T04:50:09.394" v="3"/>
+          <pc:sldLayoutMkLst>
+            <pc:docMk/>
+            <pc:sldMasterMk cId="1250940944" sldId="2147483660"/>
+            <pc:sldLayoutMk cId="1419495245" sldId="2147483669"/>
+          </pc:sldLayoutMkLst>
+          <pc:spChg chg="mod">
+            <ac:chgData name="Barkasi, Michael" userId="604489e9-c8b5-4a18-ae0d-3a3e29c44efc" providerId="ADAL" clId="{AE73B4D5-7497-0F41-8DCD-42BE02F6FF1D}" dt="2025-05-18T04:50:09.394" v="3"/>
+            <ac:spMkLst>
+              <pc:docMk/>
+              <pc:sldMasterMk cId="1250940944" sldId="2147483660"/>
+              <pc:sldLayoutMk cId="1419495245" sldId="2147483669"/>
+              <ac:spMk id="2" creationId="{00000000-0000-0000-0000-000000000000}"/>
+            </ac:spMkLst>
+          </pc:spChg>
+          <pc:spChg chg="mod">
+            <ac:chgData name="Barkasi, Michael" userId="604489e9-c8b5-4a18-ae0d-3a3e29c44efc" providerId="ADAL" clId="{AE73B4D5-7497-0F41-8DCD-42BE02F6FF1D}" dt="2025-05-18T04:50:09.394" v="3"/>
+            <ac:spMkLst>
+              <pc:docMk/>
+              <pc:sldMasterMk cId="1250940944" sldId="2147483660"/>
+              <pc:sldLayoutMk cId="1419495245" sldId="2147483669"/>
+              <ac:spMk id="3" creationId="{00000000-0000-0000-0000-000000000000}"/>
+            </ac:spMkLst>
+          </pc:spChg>
+          <pc:spChg chg="mod">
+            <ac:chgData name="Barkasi, Michael" userId="604489e9-c8b5-4a18-ae0d-3a3e29c44efc" providerId="ADAL" clId="{AE73B4D5-7497-0F41-8DCD-42BE02F6FF1D}" dt="2025-05-18T04:50:09.394" v="3"/>
+            <ac:spMkLst>
+              <pc:docMk/>
+              <pc:sldMasterMk cId="1250940944" sldId="2147483660"/>
+              <pc:sldLayoutMk cId="1419495245" sldId="2147483669"/>
+              <ac:spMk id="4" creationId="{00000000-0000-0000-0000-000000000000}"/>
+            </ac:spMkLst>
+          </pc:spChg>
+        </pc:sldLayoutChg>
+        <pc:sldLayoutChg chg="modSp">
+          <pc:chgData name="Barkasi, Michael" userId="604489e9-c8b5-4a18-ae0d-3a3e29c44efc" providerId="ADAL" clId="{AE73B4D5-7497-0F41-8DCD-42BE02F6FF1D}" dt="2025-05-18T04:50:09.394" v="3"/>
+          <pc:sldLayoutMkLst>
+            <pc:docMk/>
+            <pc:sldMasterMk cId="1250940944" sldId="2147483660"/>
+            <pc:sldLayoutMk cId="4134210253" sldId="2147483671"/>
+          </pc:sldLayoutMkLst>
+          <pc:spChg chg="mod">
+            <ac:chgData name="Barkasi, Michael" userId="604489e9-c8b5-4a18-ae0d-3a3e29c44efc" providerId="ADAL" clId="{AE73B4D5-7497-0F41-8DCD-42BE02F6FF1D}" dt="2025-05-18T04:50:09.394" v="3"/>
+            <ac:spMkLst>
+              <pc:docMk/>
+              <pc:sldMasterMk cId="1250940944" sldId="2147483660"/>
+              <pc:sldLayoutMk cId="4134210253" sldId="2147483671"/>
+              <ac:spMk id="2" creationId="{00000000-0000-0000-0000-000000000000}"/>
+            </ac:spMkLst>
+          </pc:spChg>
+          <pc:spChg chg="mod">
+            <ac:chgData name="Barkasi, Michael" userId="604489e9-c8b5-4a18-ae0d-3a3e29c44efc" providerId="ADAL" clId="{AE73B4D5-7497-0F41-8DCD-42BE02F6FF1D}" dt="2025-05-18T04:50:09.394" v="3"/>
+            <ac:spMkLst>
+              <pc:docMk/>
+              <pc:sldMasterMk cId="1250940944" sldId="2147483660"/>
+              <pc:sldLayoutMk cId="4134210253" sldId="2147483671"/>
+              <ac:spMk id="3" creationId="{00000000-0000-0000-0000-000000000000}"/>
+            </ac:spMkLst>
+          </pc:spChg>
+        </pc:sldLayoutChg>
+      </pc:sldMasterChg>
+    </pc:docChg>
+  </pc:docChgLst>
+</pc:chgInfo>
 </file>
 
 <file path=ppt/notesMasters/notesMaster1.xml><?xml version="1.0" encoding="utf-8"?>
@@ -192,7 +891,7 @@
           <a:p>
             <a:fld id="{9AA0B02C-3D9A-2B40-92EC-C41DFECE8672}" type="datetimeFigureOut">
               <a:rPr lang="en-US" smtClean="0"/>
-              <a:t>5/13/25</a:t>
+              <a:t>5/17/25</a:t>
             </a:fld>
             <a:endParaRPr lang="en-US"/>
           </a:p>
@@ -210,8 +909,8 @@
         </p:nvSpPr>
         <p:spPr>
           <a:xfrm>
-            <a:off x="1198563" y="1143000"/>
-            <a:ext cx="4460875" cy="3086100"/>
+            <a:off x="1524000" y="1143000"/>
+            <a:ext cx="3810000" cy="3086100"/>
           </a:xfrm>
           <a:prstGeom prst="rect">
             <a:avLst/>
@@ -459,98 +1158,6 @@
 </p:notesMaster>
 </file>
 
-<file path=ppt/notesSlides/notesSlide1.xml><?xml version="1.0" encoding="utf-8"?>
-<p:notes xmlns:a="http://schemas.openxmlformats.org/drawingml/2006/main" xmlns:r="http://schemas.openxmlformats.org/officeDocument/2006/relationships" xmlns:p="http://schemas.openxmlformats.org/presentationml/2006/main">
-  <p:cSld>
-    <p:spTree>
-      <p:nvGrpSpPr>
-        <p:cNvPr id="1" name=""/>
-        <p:cNvGrpSpPr/>
-        <p:nvPr/>
-      </p:nvGrpSpPr>
-      <p:grpSpPr>
-        <a:xfrm>
-          <a:off x="0" y="0"/>
-          <a:ext cx="0" cy="0"/>
-          <a:chOff x="0" y="0"/>
-          <a:chExt cx="0" cy="0"/>
-        </a:xfrm>
-      </p:grpSpPr>
-      <p:sp>
-        <p:nvSpPr>
-          <p:cNvPr id="2" name="Slide Image Placeholder 1"/>
-          <p:cNvSpPr>
-            <a:spLocks noGrp="1" noRot="1" noChangeAspect="1"/>
-          </p:cNvSpPr>
-          <p:nvPr>
-            <p:ph type="sldImg"/>
-          </p:nvPr>
-        </p:nvSpPr>
-        <p:spPr>
-          <a:xfrm>
-            <a:off x="1198563" y="1143000"/>
-            <a:ext cx="4460875" cy="3086100"/>
-          </a:xfrm>
-        </p:spPr>
-      </p:sp>
-      <p:sp>
-        <p:nvSpPr>
-          <p:cNvPr id="3" name="Notes Placeholder 2"/>
-          <p:cNvSpPr>
-            <a:spLocks noGrp="1"/>
-          </p:cNvSpPr>
-          <p:nvPr>
-            <p:ph type="body" idx="1"/>
-          </p:nvPr>
-        </p:nvSpPr>
-        <p:spPr/>
-        <p:txBody>
-          <a:bodyPr/>
-          <a:lstStyle/>
-          <a:p>
-            <a:r>
-              <a:rPr lang="en-US" dirty="0"/>
-              <a:t>Ratio: 1.445</a:t>
-            </a:r>
-          </a:p>
-        </p:txBody>
-      </p:sp>
-      <p:sp>
-        <p:nvSpPr>
-          <p:cNvPr id="4" name="Slide Number Placeholder 3"/>
-          <p:cNvSpPr>
-            <a:spLocks noGrp="1"/>
-          </p:cNvSpPr>
-          <p:nvPr>
-            <p:ph type="sldNum" sz="quarter" idx="5"/>
-          </p:nvPr>
-        </p:nvSpPr>
-        <p:spPr/>
-        <p:txBody>
-          <a:bodyPr/>
-          <a:lstStyle/>
-          <a:p>
-            <a:fld id="{D87355D0-5C22-A449-ACEB-669054485924}" type="slidenum">
-              <a:rPr lang="en-US" smtClean="0"/>
-              <a:t>1</a:t>
-            </a:fld>
-            <a:endParaRPr lang="en-US"/>
-          </a:p>
-        </p:txBody>
-      </p:sp>
-    </p:spTree>
-    <p:extLst>
-      <p:ext uri="{BB962C8B-B14F-4D97-AF65-F5344CB8AC3E}">
-        <p14:creationId xmlns:p14="http://schemas.microsoft.com/office/powerpoint/2010/main" val="2863627134"/>
-      </p:ext>
-    </p:extLst>
-  </p:cSld>
-  <p:clrMapOvr>
-    <a:masterClrMapping/>
-  </p:clrMapOvr>
-</p:notes>
-</file>
-
 <file path=ppt/slideLayouts/slideLayout1.xml><?xml version="1.0" encoding="utf-8"?>
 <p:sldLayout xmlns:a="http://schemas.openxmlformats.org/drawingml/2006/main" xmlns:r="http://schemas.openxmlformats.org/officeDocument/2006/relationships" xmlns:p="http://schemas.openxmlformats.org/presentationml/2006/main" type="title" preserve="1">
   <p:cSld name="Title Slide">
@@ -580,15 +1187,15 @@
         </p:nvSpPr>
         <p:spPr>
           <a:xfrm>
-            <a:off x="990957" y="1496484"/>
-            <a:ext cx="11230849" cy="3183467"/>
+            <a:off x="990957" y="1750834"/>
+            <a:ext cx="11230849" cy="3724546"/>
           </a:xfrm>
         </p:spPr>
         <p:txBody>
           <a:bodyPr anchor="b"/>
           <a:lstStyle>
             <a:lvl1pPr algn="ctr">
-              <a:defRPr sz="8000"/>
+              <a:defRPr sz="8670"/>
             </a:lvl1pPr>
           </a:lstStyle>
           <a:p>
@@ -612,8 +1219,8 @@
         </p:nvSpPr>
         <p:spPr>
           <a:xfrm>
-            <a:off x="1651596" y="4802717"/>
-            <a:ext cx="9909572" cy="2207683"/>
+            <a:off x="1651596" y="5619013"/>
+            <a:ext cx="9909572" cy="2582912"/>
           </a:xfrm>
         </p:spPr>
         <p:txBody>
@@ -621,39 +1228,39 @@
           <a:lstStyle>
             <a:lvl1pPr marL="0" indent="0" algn="ctr">
               <a:buNone/>
-              <a:defRPr sz="3200"/>
+              <a:defRPr sz="3468"/>
             </a:lvl1pPr>
-            <a:lvl2pPr marL="609585" indent="0" algn="ctr">
+            <a:lvl2pPr marL="660654" indent="0" algn="ctr">
               <a:buNone/>
-              <a:defRPr sz="2667"/>
+              <a:defRPr sz="2890"/>
             </a:lvl2pPr>
-            <a:lvl3pPr marL="1219170" indent="0" algn="ctr">
+            <a:lvl3pPr marL="1321308" indent="0" algn="ctr">
               <a:buNone/>
-              <a:defRPr sz="2400"/>
+              <a:defRPr sz="2601"/>
             </a:lvl3pPr>
-            <a:lvl4pPr marL="1828754" indent="0" algn="ctr">
+            <a:lvl4pPr marL="1981962" indent="0" algn="ctr">
               <a:buNone/>
-              <a:defRPr sz="2133"/>
+              <a:defRPr sz="2312"/>
             </a:lvl4pPr>
-            <a:lvl5pPr marL="2438339" indent="0" algn="ctr">
+            <a:lvl5pPr marL="2642616" indent="0" algn="ctr">
               <a:buNone/>
-              <a:defRPr sz="2133"/>
+              <a:defRPr sz="2312"/>
             </a:lvl5pPr>
-            <a:lvl6pPr marL="3047924" indent="0" algn="ctr">
+            <a:lvl6pPr marL="3303270" indent="0" algn="ctr">
               <a:buNone/>
-              <a:defRPr sz="2133"/>
+              <a:defRPr sz="2312"/>
             </a:lvl6pPr>
-            <a:lvl7pPr marL="3657509" indent="0" algn="ctr">
+            <a:lvl7pPr marL="3963924" indent="0" algn="ctr">
               <a:buNone/>
-              <a:defRPr sz="2133"/>
+              <a:defRPr sz="2312"/>
             </a:lvl7pPr>
-            <a:lvl8pPr marL="4267093" indent="0" algn="ctr">
+            <a:lvl8pPr marL="4624578" indent="0" algn="ctr">
               <a:buNone/>
-              <a:defRPr sz="2133"/>
+              <a:defRPr sz="2312"/>
             </a:lvl8pPr>
-            <a:lvl9pPr marL="4876678" indent="0" algn="ctr">
+            <a:lvl9pPr marL="5285232" indent="0" algn="ctr">
               <a:buNone/>
-              <a:defRPr sz="2133"/>
+              <a:defRPr sz="2312"/>
             </a:lvl9pPr>
           </a:lstStyle>
           <a:p>
@@ -682,7 +1289,7 @@
           <a:p>
             <a:fld id="{252C473C-6492-1647-A49C-2EF4321B0E0D}" type="datetimeFigureOut">
               <a:rPr lang="en-US" smtClean="0"/>
-              <a:t>5/13/25</a:t>
+              <a:t>5/17/25</a:t>
             </a:fld>
             <a:endParaRPr lang="en-US"/>
           </a:p>
@@ -733,7 +1340,7 @@
     </p:spTree>
     <p:extLst>
       <p:ext uri="{BB962C8B-B14F-4D97-AF65-F5344CB8AC3E}">
-        <p14:creationId xmlns:p14="http://schemas.microsoft.com/office/powerpoint/2010/main" val="3716982854"/>
+        <p14:creationId xmlns:p14="http://schemas.microsoft.com/office/powerpoint/2010/main" val="1126041070"/>
       </p:ext>
     </p:extLst>
   </p:cSld>
@@ -852,7 +1459,7 @@
           <a:p>
             <a:fld id="{252C473C-6492-1647-A49C-2EF4321B0E0D}" type="datetimeFigureOut">
               <a:rPr lang="en-US" smtClean="0"/>
-              <a:t>5/13/25</a:t>
+              <a:t>5/17/25</a:t>
             </a:fld>
             <a:endParaRPr lang="en-US"/>
           </a:p>
@@ -903,7 +1510,7 @@
     </p:spTree>
     <p:extLst>
       <p:ext uri="{BB962C8B-B14F-4D97-AF65-F5344CB8AC3E}">
-        <p14:creationId xmlns:p14="http://schemas.microsoft.com/office/powerpoint/2010/main" val="4227734698"/>
+        <p14:creationId xmlns:p14="http://schemas.microsoft.com/office/powerpoint/2010/main" val="3860965866"/>
       </p:ext>
     </p:extLst>
   </p:cSld>
@@ -942,8 +1549,8 @@
         </p:nvSpPr>
         <p:spPr>
           <a:xfrm>
-            <a:off x="9455384" y="486833"/>
-            <a:ext cx="2849002" cy="7749117"/>
+            <a:off x="9455384" y="569578"/>
+            <a:ext cx="2849002" cy="9066199"/>
           </a:xfrm>
         </p:spPr>
         <p:txBody>
@@ -970,8 +1577,8 @@
         </p:nvSpPr>
         <p:spPr>
           <a:xfrm>
-            <a:off x="908378" y="486833"/>
-            <a:ext cx="8381847" cy="7749117"/>
+            <a:off x="908378" y="569578"/>
+            <a:ext cx="8381847" cy="9066199"/>
           </a:xfrm>
         </p:spPr>
         <p:txBody>
@@ -1032,7 +1639,7 @@
           <a:p>
             <a:fld id="{252C473C-6492-1647-A49C-2EF4321B0E0D}" type="datetimeFigureOut">
               <a:rPr lang="en-US" smtClean="0"/>
-              <a:t>5/13/25</a:t>
+              <a:t>5/17/25</a:t>
             </a:fld>
             <a:endParaRPr lang="en-US"/>
           </a:p>
@@ -1083,7 +1690,7 @@
     </p:spTree>
     <p:extLst>
       <p:ext uri="{BB962C8B-B14F-4D97-AF65-F5344CB8AC3E}">
-        <p14:creationId xmlns:p14="http://schemas.microsoft.com/office/powerpoint/2010/main" val="4134210253"/>
+        <p14:creationId xmlns:p14="http://schemas.microsoft.com/office/powerpoint/2010/main" val="1535478862"/>
       </p:ext>
     </p:extLst>
   </p:cSld>
@@ -1202,7 +1809,7 @@
           <a:p>
             <a:fld id="{252C473C-6492-1647-A49C-2EF4321B0E0D}" type="datetimeFigureOut">
               <a:rPr lang="en-US" smtClean="0"/>
-              <a:t>5/13/25</a:t>
+              <a:t>5/17/25</a:t>
             </a:fld>
             <a:endParaRPr lang="en-US"/>
           </a:p>
@@ -1253,7 +1860,7 @@
     </p:spTree>
     <p:extLst>
       <p:ext uri="{BB962C8B-B14F-4D97-AF65-F5344CB8AC3E}">
-        <p14:creationId xmlns:p14="http://schemas.microsoft.com/office/powerpoint/2010/main" val="773871865"/>
+        <p14:creationId xmlns:p14="http://schemas.microsoft.com/office/powerpoint/2010/main" val="1332273509"/>
       </p:ext>
     </p:extLst>
   </p:cSld>
@@ -1292,15 +1899,15 @@
         </p:nvSpPr>
         <p:spPr>
           <a:xfrm>
-            <a:off x="901497" y="2279653"/>
-            <a:ext cx="11396008" cy="3803649"/>
+            <a:off x="901497" y="2667115"/>
+            <a:ext cx="11396008" cy="4450138"/>
           </a:xfrm>
         </p:spPr>
         <p:txBody>
           <a:bodyPr anchor="b"/>
           <a:lstStyle>
             <a:lvl1pPr>
-              <a:defRPr sz="8000"/>
+              <a:defRPr sz="8670"/>
             </a:lvl1pPr>
           </a:lstStyle>
           <a:p>
@@ -1324,8 +1931,8 @@
         </p:nvSpPr>
         <p:spPr>
           <a:xfrm>
-            <a:off x="901497" y="6119286"/>
-            <a:ext cx="11396008" cy="2000249"/>
+            <a:off x="901497" y="7159353"/>
+            <a:ext cx="11396008" cy="2340222"/>
           </a:xfrm>
         </p:spPr>
         <p:txBody>
@@ -1333,7 +1940,7 @@
           <a:lstStyle>
             <a:lvl1pPr marL="0" indent="0">
               <a:buNone/>
-              <a:defRPr sz="3200">
+              <a:defRPr sz="3468">
                 <a:solidFill>
                   <a:schemeClr val="tx1">
                     <a:tint val="82000"/>
@@ -1341,9 +1948,9 @@
                 </a:solidFill>
               </a:defRPr>
             </a:lvl1pPr>
-            <a:lvl2pPr marL="609585" indent="0">
+            <a:lvl2pPr marL="660654" indent="0">
               <a:buNone/>
-              <a:defRPr sz="2667">
+              <a:defRPr sz="2890">
                 <a:solidFill>
                   <a:schemeClr val="tx1">
                     <a:tint val="82000"/>
@@ -1351,9 +1958,9 @@
                 </a:solidFill>
               </a:defRPr>
             </a:lvl2pPr>
-            <a:lvl3pPr marL="1219170" indent="0">
+            <a:lvl3pPr marL="1321308" indent="0">
               <a:buNone/>
-              <a:defRPr sz="2400">
+              <a:defRPr sz="2601">
                 <a:solidFill>
                   <a:schemeClr val="tx1">
                     <a:tint val="82000"/>
@@ -1361,9 +1968,9 @@
                 </a:solidFill>
               </a:defRPr>
             </a:lvl3pPr>
-            <a:lvl4pPr marL="1828754" indent="0">
+            <a:lvl4pPr marL="1981962" indent="0">
               <a:buNone/>
-              <a:defRPr sz="2133">
+              <a:defRPr sz="2312">
                 <a:solidFill>
                   <a:schemeClr val="tx1">
                     <a:tint val="82000"/>
@@ -1371,9 +1978,9 @@
                 </a:solidFill>
               </a:defRPr>
             </a:lvl4pPr>
-            <a:lvl5pPr marL="2438339" indent="0">
+            <a:lvl5pPr marL="2642616" indent="0">
               <a:buNone/>
-              <a:defRPr sz="2133">
+              <a:defRPr sz="2312">
                 <a:solidFill>
                   <a:schemeClr val="tx1">
                     <a:tint val="82000"/>
@@ -1381,9 +1988,9 @@
                 </a:solidFill>
               </a:defRPr>
             </a:lvl5pPr>
-            <a:lvl6pPr marL="3047924" indent="0">
+            <a:lvl6pPr marL="3303270" indent="0">
               <a:buNone/>
-              <a:defRPr sz="2133">
+              <a:defRPr sz="2312">
                 <a:solidFill>
                   <a:schemeClr val="tx1">
                     <a:tint val="82000"/>
@@ -1391,9 +1998,9 @@
                 </a:solidFill>
               </a:defRPr>
             </a:lvl6pPr>
-            <a:lvl7pPr marL="3657509" indent="0">
+            <a:lvl7pPr marL="3963924" indent="0">
               <a:buNone/>
-              <a:defRPr sz="2133">
+              <a:defRPr sz="2312">
                 <a:solidFill>
                   <a:schemeClr val="tx1">
                     <a:tint val="82000"/>
@@ -1401,9 +2008,9 @@
                 </a:solidFill>
               </a:defRPr>
             </a:lvl7pPr>
-            <a:lvl8pPr marL="4267093" indent="0">
+            <a:lvl8pPr marL="4624578" indent="0">
               <a:buNone/>
-              <a:defRPr sz="2133">
+              <a:defRPr sz="2312">
                 <a:solidFill>
                   <a:schemeClr val="tx1">
                     <a:tint val="82000"/>
@@ -1411,9 +2018,9 @@
                 </a:solidFill>
               </a:defRPr>
             </a:lvl8pPr>
-            <a:lvl9pPr marL="4876678" indent="0">
+            <a:lvl9pPr marL="5285232" indent="0">
               <a:buNone/>
-              <a:defRPr sz="2133">
+              <a:defRPr sz="2312">
                 <a:solidFill>
                   <a:schemeClr val="tx1">
                     <a:tint val="82000"/>
@@ -1448,7 +2055,7 @@
           <a:p>
             <a:fld id="{252C473C-6492-1647-A49C-2EF4321B0E0D}" type="datetimeFigureOut">
               <a:rPr lang="en-US" smtClean="0"/>
-              <a:t>5/13/25</a:t>
+              <a:t>5/17/25</a:t>
             </a:fld>
             <a:endParaRPr lang="en-US"/>
           </a:p>
@@ -1499,7 +2106,7 @@
     </p:spTree>
     <p:extLst>
       <p:ext uri="{BB962C8B-B14F-4D97-AF65-F5344CB8AC3E}">
-        <p14:creationId xmlns:p14="http://schemas.microsoft.com/office/powerpoint/2010/main" val="611910895"/>
+        <p14:creationId xmlns:p14="http://schemas.microsoft.com/office/powerpoint/2010/main" val="301873738"/>
       </p:ext>
     </p:extLst>
   </p:cSld>
@@ -1561,8 +2168,8 @@
         </p:nvSpPr>
         <p:spPr>
           <a:xfrm>
-            <a:off x="908378" y="2434167"/>
-            <a:ext cx="5615424" cy="5801784"/>
+            <a:off x="908378" y="2847891"/>
+            <a:ext cx="5615424" cy="6787886"/>
           </a:xfrm>
         </p:spPr>
         <p:txBody>
@@ -1618,8 +2225,8 @@
         </p:nvSpPr>
         <p:spPr>
           <a:xfrm>
-            <a:off x="6688961" y="2434167"/>
-            <a:ext cx="5615424" cy="5801784"/>
+            <a:off x="6688961" y="2847891"/>
+            <a:ext cx="5615424" cy="6787886"/>
           </a:xfrm>
         </p:spPr>
         <p:txBody>
@@ -1680,7 +2287,7 @@
           <a:p>
             <a:fld id="{252C473C-6492-1647-A49C-2EF4321B0E0D}" type="datetimeFigureOut">
               <a:rPr lang="en-US" smtClean="0"/>
-              <a:t>5/13/25</a:t>
+              <a:t>5/17/25</a:t>
             </a:fld>
             <a:endParaRPr lang="en-US"/>
           </a:p>
@@ -1731,7 +2338,7 @@
     </p:spTree>
     <p:extLst>
       <p:ext uri="{BB962C8B-B14F-4D97-AF65-F5344CB8AC3E}">
-        <p14:creationId xmlns:p14="http://schemas.microsoft.com/office/powerpoint/2010/main" val="3377708964"/>
+        <p14:creationId xmlns:p14="http://schemas.microsoft.com/office/powerpoint/2010/main" val="1938351253"/>
       </p:ext>
     </p:extLst>
   </p:cSld>
@@ -1770,8 +2377,8 @@
         </p:nvSpPr>
         <p:spPr>
           <a:xfrm>
-            <a:off x="910098" y="486835"/>
-            <a:ext cx="11396008" cy="1767417"/>
+            <a:off x="910098" y="569580"/>
+            <a:ext cx="11396008" cy="2067817"/>
           </a:xfrm>
         </p:spPr>
         <p:txBody>
@@ -1798,8 +2405,8 @@
         </p:nvSpPr>
         <p:spPr>
           <a:xfrm>
-            <a:off x="910100" y="2241551"/>
-            <a:ext cx="5589617" cy="1098549"/>
+            <a:off x="910100" y="2622536"/>
+            <a:ext cx="5589617" cy="1285265"/>
           </a:xfrm>
         </p:spPr>
         <p:txBody>
@@ -1807,39 +2414,39 @@
           <a:lstStyle>
             <a:lvl1pPr marL="0" indent="0">
               <a:buNone/>
-              <a:defRPr sz="3200" b="1"/>
+              <a:defRPr sz="3468" b="1"/>
             </a:lvl1pPr>
-            <a:lvl2pPr marL="609585" indent="0">
+            <a:lvl2pPr marL="660654" indent="0">
               <a:buNone/>
-              <a:defRPr sz="2667" b="1"/>
+              <a:defRPr sz="2890" b="1"/>
             </a:lvl2pPr>
-            <a:lvl3pPr marL="1219170" indent="0">
+            <a:lvl3pPr marL="1321308" indent="0">
               <a:buNone/>
-              <a:defRPr sz="2400" b="1"/>
+              <a:defRPr sz="2601" b="1"/>
             </a:lvl3pPr>
-            <a:lvl4pPr marL="1828754" indent="0">
+            <a:lvl4pPr marL="1981962" indent="0">
               <a:buNone/>
-              <a:defRPr sz="2133" b="1"/>
+              <a:defRPr sz="2312" b="1"/>
             </a:lvl4pPr>
-            <a:lvl5pPr marL="2438339" indent="0">
+            <a:lvl5pPr marL="2642616" indent="0">
               <a:buNone/>
-              <a:defRPr sz="2133" b="1"/>
+              <a:defRPr sz="2312" b="1"/>
             </a:lvl5pPr>
-            <a:lvl6pPr marL="3047924" indent="0">
+            <a:lvl6pPr marL="3303270" indent="0">
               <a:buNone/>
-              <a:defRPr sz="2133" b="1"/>
+              <a:defRPr sz="2312" b="1"/>
             </a:lvl6pPr>
-            <a:lvl7pPr marL="3657509" indent="0">
+            <a:lvl7pPr marL="3963924" indent="0">
               <a:buNone/>
-              <a:defRPr sz="2133" b="1"/>
+              <a:defRPr sz="2312" b="1"/>
             </a:lvl7pPr>
-            <a:lvl8pPr marL="4267093" indent="0">
+            <a:lvl8pPr marL="4624578" indent="0">
               <a:buNone/>
-              <a:defRPr sz="2133" b="1"/>
+              <a:defRPr sz="2312" b="1"/>
             </a:lvl8pPr>
-            <a:lvl9pPr marL="4876678" indent="0">
+            <a:lvl9pPr marL="5285232" indent="0">
               <a:buNone/>
-              <a:defRPr sz="2133" b="1"/>
+              <a:defRPr sz="2312" b="1"/>
             </a:lvl9pPr>
           </a:lstStyle>
           <a:p>
@@ -1863,8 +2470,8 @@
         </p:nvSpPr>
         <p:spPr>
           <a:xfrm>
-            <a:off x="910100" y="3340100"/>
-            <a:ext cx="5589617" cy="4912784"/>
+            <a:off x="910100" y="3907801"/>
+            <a:ext cx="5589617" cy="5747787"/>
           </a:xfrm>
         </p:spPr>
         <p:txBody>
@@ -1920,8 +2527,8 @@
         </p:nvSpPr>
         <p:spPr>
           <a:xfrm>
-            <a:off x="6688962" y="2241551"/>
-            <a:ext cx="5617145" cy="1098549"/>
+            <a:off x="6688962" y="2622536"/>
+            <a:ext cx="5617145" cy="1285265"/>
           </a:xfrm>
         </p:spPr>
         <p:txBody>
@@ -1929,39 +2536,39 @@
           <a:lstStyle>
             <a:lvl1pPr marL="0" indent="0">
               <a:buNone/>
-              <a:defRPr sz="3200" b="1"/>
+              <a:defRPr sz="3468" b="1"/>
             </a:lvl1pPr>
-            <a:lvl2pPr marL="609585" indent="0">
+            <a:lvl2pPr marL="660654" indent="0">
               <a:buNone/>
-              <a:defRPr sz="2667" b="1"/>
+              <a:defRPr sz="2890" b="1"/>
             </a:lvl2pPr>
-            <a:lvl3pPr marL="1219170" indent="0">
+            <a:lvl3pPr marL="1321308" indent="0">
               <a:buNone/>
-              <a:defRPr sz="2400" b="1"/>
+              <a:defRPr sz="2601" b="1"/>
             </a:lvl3pPr>
-            <a:lvl4pPr marL="1828754" indent="0">
+            <a:lvl4pPr marL="1981962" indent="0">
               <a:buNone/>
-              <a:defRPr sz="2133" b="1"/>
+              <a:defRPr sz="2312" b="1"/>
             </a:lvl4pPr>
-            <a:lvl5pPr marL="2438339" indent="0">
+            <a:lvl5pPr marL="2642616" indent="0">
               <a:buNone/>
-              <a:defRPr sz="2133" b="1"/>
+              <a:defRPr sz="2312" b="1"/>
             </a:lvl5pPr>
-            <a:lvl6pPr marL="3047924" indent="0">
+            <a:lvl6pPr marL="3303270" indent="0">
               <a:buNone/>
-              <a:defRPr sz="2133" b="1"/>
+              <a:defRPr sz="2312" b="1"/>
             </a:lvl6pPr>
-            <a:lvl7pPr marL="3657509" indent="0">
+            <a:lvl7pPr marL="3963924" indent="0">
               <a:buNone/>
-              <a:defRPr sz="2133" b="1"/>
+              <a:defRPr sz="2312" b="1"/>
             </a:lvl7pPr>
-            <a:lvl8pPr marL="4267093" indent="0">
+            <a:lvl8pPr marL="4624578" indent="0">
               <a:buNone/>
-              <a:defRPr sz="2133" b="1"/>
+              <a:defRPr sz="2312" b="1"/>
             </a:lvl8pPr>
-            <a:lvl9pPr marL="4876678" indent="0">
+            <a:lvl9pPr marL="5285232" indent="0">
               <a:buNone/>
-              <a:defRPr sz="2133" b="1"/>
+              <a:defRPr sz="2312" b="1"/>
             </a:lvl9pPr>
           </a:lstStyle>
           <a:p>
@@ -1985,8 +2592,8 @@
         </p:nvSpPr>
         <p:spPr>
           <a:xfrm>
-            <a:off x="6688962" y="3340100"/>
-            <a:ext cx="5617145" cy="4912784"/>
+            <a:off x="6688962" y="3907801"/>
+            <a:ext cx="5617145" cy="5747787"/>
           </a:xfrm>
         </p:spPr>
         <p:txBody>
@@ -2047,7 +2654,7 @@
           <a:p>
             <a:fld id="{252C473C-6492-1647-A49C-2EF4321B0E0D}" type="datetimeFigureOut">
               <a:rPr lang="en-US" smtClean="0"/>
-              <a:t>5/13/25</a:t>
+              <a:t>5/17/25</a:t>
             </a:fld>
             <a:endParaRPr lang="en-US"/>
           </a:p>
@@ -2098,7 +2705,7 @@
     </p:spTree>
     <p:extLst>
       <p:ext uri="{BB962C8B-B14F-4D97-AF65-F5344CB8AC3E}">
-        <p14:creationId xmlns:p14="http://schemas.microsoft.com/office/powerpoint/2010/main" val="519659420"/>
+        <p14:creationId xmlns:p14="http://schemas.microsoft.com/office/powerpoint/2010/main" val="3933334897"/>
       </p:ext>
     </p:extLst>
   </p:cSld>
@@ -2165,7 +2772,7 @@
           <a:p>
             <a:fld id="{252C473C-6492-1647-A49C-2EF4321B0E0D}" type="datetimeFigureOut">
               <a:rPr lang="en-US" smtClean="0"/>
-              <a:t>5/13/25</a:t>
+              <a:t>5/17/25</a:t>
             </a:fld>
             <a:endParaRPr lang="en-US"/>
           </a:p>
@@ -2216,7 +2823,7 @@
     </p:spTree>
     <p:extLst>
       <p:ext uri="{BB962C8B-B14F-4D97-AF65-F5344CB8AC3E}">
-        <p14:creationId xmlns:p14="http://schemas.microsoft.com/office/powerpoint/2010/main" val="3285193406"/>
+        <p14:creationId xmlns:p14="http://schemas.microsoft.com/office/powerpoint/2010/main" val="3320229858"/>
       </p:ext>
     </p:extLst>
   </p:cSld>
@@ -2260,7 +2867,7 @@
           <a:p>
             <a:fld id="{252C473C-6492-1647-A49C-2EF4321B0E0D}" type="datetimeFigureOut">
               <a:rPr lang="en-US" smtClean="0"/>
-              <a:t>5/13/25</a:t>
+              <a:t>5/17/25</a:t>
             </a:fld>
             <a:endParaRPr lang="en-US"/>
           </a:p>
@@ -2311,7 +2918,7 @@
     </p:spTree>
     <p:extLst>
       <p:ext uri="{BB962C8B-B14F-4D97-AF65-F5344CB8AC3E}">
-        <p14:creationId xmlns:p14="http://schemas.microsoft.com/office/powerpoint/2010/main" val="1865936128"/>
+        <p14:creationId xmlns:p14="http://schemas.microsoft.com/office/powerpoint/2010/main" val="268802114"/>
       </p:ext>
     </p:extLst>
   </p:cSld>
@@ -2350,15 +2957,15 @@
         </p:nvSpPr>
         <p:spPr>
           <a:xfrm>
-            <a:off x="910098" y="609600"/>
-            <a:ext cx="4261460" cy="2133600"/>
+            <a:off x="910098" y="713211"/>
+            <a:ext cx="4261460" cy="2496238"/>
           </a:xfrm>
         </p:spPr>
         <p:txBody>
           <a:bodyPr anchor="b"/>
           <a:lstStyle>
             <a:lvl1pPr>
-              <a:defRPr sz="4267"/>
+              <a:defRPr sz="4624"/>
             </a:lvl1pPr>
           </a:lstStyle>
           <a:p>
@@ -2382,39 +2989,39 @@
         </p:nvSpPr>
         <p:spPr>
           <a:xfrm>
-            <a:off x="5617145" y="1316568"/>
-            <a:ext cx="6688961" cy="6498167"/>
+            <a:off x="5617145" y="1540340"/>
+            <a:ext cx="6688961" cy="7602630"/>
           </a:xfrm>
         </p:spPr>
         <p:txBody>
           <a:bodyPr/>
           <a:lstStyle>
             <a:lvl1pPr>
-              <a:defRPr sz="4267"/>
+              <a:defRPr sz="4624"/>
             </a:lvl1pPr>
             <a:lvl2pPr>
-              <a:defRPr sz="3733"/>
+              <a:defRPr sz="4046"/>
             </a:lvl2pPr>
             <a:lvl3pPr>
-              <a:defRPr sz="3200"/>
+              <a:defRPr sz="3468"/>
             </a:lvl3pPr>
             <a:lvl4pPr>
-              <a:defRPr sz="2667"/>
+              <a:defRPr sz="2890"/>
             </a:lvl4pPr>
             <a:lvl5pPr>
-              <a:defRPr sz="2667"/>
+              <a:defRPr sz="2890"/>
             </a:lvl5pPr>
             <a:lvl6pPr>
-              <a:defRPr sz="2667"/>
+              <a:defRPr sz="2890"/>
             </a:lvl6pPr>
             <a:lvl7pPr>
-              <a:defRPr sz="2667"/>
+              <a:defRPr sz="2890"/>
             </a:lvl7pPr>
             <a:lvl8pPr>
-              <a:defRPr sz="2667"/>
+              <a:defRPr sz="2890"/>
             </a:lvl8pPr>
             <a:lvl9pPr>
-              <a:defRPr sz="2667"/>
+              <a:defRPr sz="2890"/>
             </a:lvl9pPr>
           </a:lstStyle>
           <a:p>
@@ -2467,8 +3074,8 @@
         </p:nvSpPr>
         <p:spPr>
           <a:xfrm>
-            <a:off x="910098" y="2743200"/>
-            <a:ext cx="4261460" cy="5082117"/>
+            <a:off x="910098" y="3209449"/>
+            <a:ext cx="4261460" cy="5945901"/>
           </a:xfrm>
         </p:spPr>
         <p:txBody>
@@ -2476,39 +3083,39 @@
           <a:lstStyle>
             <a:lvl1pPr marL="0" indent="0">
               <a:buNone/>
-              <a:defRPr sz="2133"/>
+              <a:defRPr sz="2312"/>
             </a:lvl1pPr>
-            <a:lvl2pPr marL="609585" indent="0">
+            <a:lvl2pPr marL="660654" indent="0">
               <a:buNone/>
-              <a:defRPr sz="1867"/>
+              <a:defRPr sz="2023"/>
             </a:lvl2pPr>
-            <a:lvl3pPr marL="1219170" indent="0">
+            <a:lvl3pPr marL="1321308" indent="0">
               <a:buNone/>
-              <a:defRPr sz="1600"/>
+              <a:defRPr sz="1734"/>
             </a:lvl3pPr>
-            <a:lvl4pPr marL="1828754" indent="0">
+            <a:lvl4pPr marL="1981962" indent="0">
               <a:buNone/>
-              <a:defRPr sz="1333"/>
+              <a:defRPr sz="1445"/>
             </a:lvl4pPr>
-            <a:lvl5pPr marL="2438339" indent="0">
+            <a:lvl5pPr marL="2642616" indent="0">
               <a:buNone/>
-              <a:defRPr sz="1333"/>
+              <a:defRPr sz="1445"/>
             </a:lvl5pPr>
-            <a:lvl6pPr marL="3047924" indent="0">
+            <a:lvl6pPr marL="3303270" indent="0">
               <a:buNone/>
-              <a:defRPr sz="1333"/>
+              <a:defRPr sz="1445"/>
             </a:lvl6pPr>
-            <a:lvl7pPr marL="3657509" indent="0">
+            <a:lvl7pPr marL="3963924" indent="0">
               <a:buNone/>
-              <a:defRPr sz="1333"/>
+              <a:defRPr sz="1445"/>
             </a:lvl7pPr>
-            <a:lvl8pPr marL="4267093" indent="0">
+            <a:lvl8pPr marL="4624578" indent="0">
               <a:buNone/>
-              <a:defRPr sz="1333"/>
+              <a:defRPr sz="1445"/>
             </a:lvl8pPr>
-            <a:lvl9pPr marL="4876678" indent="0">
+            <a:lvl9pPr marL="5285232" indent="0">
               <a:buNone/>
-              <a:defRPr sz="1333"/>
+              <a:defRPr sz="1445"/>
             </a:lvl9pPr>
           </a:lstStyle>
           <a:p>
@@ -2537,7 +3144,7 @@
           <a:p>
             <a:fld id="{252C473C-6492-1647-A49C-2EF4321B0E0D}" type="datetimeFigureOut">
               <a:rPr lang="en-US" smtClean="0"/>
-              <a:t>5/13/25</a:t>
+              <a:t>5/17/25</a:t>
             </a:fld>
             <a:endParaRPr lang="en-US"/>
           </a:p>
@@ -2588,7 +3195,7 @@
     </p:spTree>
     <p:extLst>
       <p:ext uri="{BB962C8B-B14F-4D97-AF65-F5344CB8AC3E}">
-        <p14:creationId xmlns:p14="http://schemas.microsoft.com/office/powerpoint/2010/main" val="3876721991"/>
+        <p14:creationId xmlns:p14="http://schemas.microsoft.com/office/powerpoint/2010/main" val="3117661625"/>
       </p:ext>
     </p:extLst>
   </p:cSld>
@@ -2627,15 +3234,15 @@
         </p:nvSpPr>
         <p:spPr>
           <a:xfrm>
-            <a:off x="910098" y="609600"/>
-            <a:ext cx="4261460" cy="2133600"/>
+            <a:off x="910098" y="713211"/>
+            <a:ext cx="4261460" cy="2496238"/>
           </a:xfrm>
         </p:spPr>
         <p:txBody>
           <a:bodyPr anchor="b"/>
           <a:lstStyle>
             <a:lvl1pPr>
-              <a:defRPr sz="4267"/>
+              <a:defRPr sz="4624"/>
             </a:lvl1pPr>
           </a:lstStyle>
           <a:p>
@@ -2659,8 +3266,8 @@
         </p:nvSpPr>
         <p:spPr>
           <a:xfrm>
-            <a:off x="5617145" y="1316568"/>
-            <a:ext cx="6688961" cy="6498167"/>
+            <a:off x="5617145" y="1540340"/>
+            <a:ext cx="6688961" cy="7602630"/>
           </a:xfrm>
         </p:spPr>
         <p:txBody>
@@ -2668,39 +3275,39 @@
           <a:lstStyle>
             <a:lvl1pPr marL="0" indent="0">
               <a:buNone/>
-              <a:defRPr sz="4267"/>
+              <a:defRPr sz="4624"/>
             </a:lvl1pPr>
-            <a:lvl2pPr marL="609585" indent="0">
+            <a:lvl2pPr marL="660654" indent="0">
               <a:buNone/>
-              <a:defRPr sz="3733"/>
+              <a:defRPr sz="4046"/>
             </a:lvl2pPr>
-            <a:lvl3pPr marL="1219170" indent="0">
+            <a:lvl3pPr marL="1321308" indent="0">
               <a:buNone/>
-              <a:defRPr sz="3200"/>
+              <a:defRPr sz="3468"/>
             </a:lvl3pPr>
-            <a:lvl4pPr marL="1828754" indent="0">
+            <a:lvl4pPr marL="1981962" indent="0">
               <a:buNone/>
-              <a:defRPr sz="2667"/>
+              <a:defRPr sz="2890"/>
             </a:lvl4pPr>
-            <a:lvl5pPr marL="2438339" indent="0">
+            <a:lvl5pPr marL="2642616" indent="0">
               <a:buNone/>
-              <a:defRPr sz="2667"/>
+              <a:defRPr sz="2890"/>
             </a:lvl5pPr>
-            <a:lvl6pPr marL="3047924" indent="0">
+            <a:lvl6pPr marL="3303270" indent="0">
               <a:buNone/>
-              <a:defRPr sz="2667"/>
+              <a:defRPr sz="2890"/>
             </a:lvl6pPr>
-            <a:lvl7pPr marL="3657509" indent="0">
+            <a:lvl7pPr marL="3963924" indent="0">
               <a:buNone/>
-              <a:defRPr sz="2667"/>
+              <a:defRPr sz="2890"/>
             </a:lvl7pPr>
-            <a:lvl8pPr marL="4267093" indent="0">
+            <a:lvl8pPr marL="4624578" indent="0">
               <a:buNone/>
-              <a:defRPr sz="2667"/>
+              <a:defRPr sz="2890"/>
             </a:lvl8pPr>
-            <a:lvl9pPr marL="4876678" indent="0">
+            <a:lvl9pPr marL="5285232" indent="0">
               <a:buNone/>
-              <a:defRPr sz="2667"/>
+              <a:defRPr sz="2890"/>
             </a:lvl9pPr>
           </a:lstStyle>
           <a:p>
@@ -2724,8 +3331,8 @@
         </p:nvSpPr>
         <p:spPr>
           <a:xfrm>
-            <a:off x="910098" y="2743200"/>
-            <a:ext cx="4261460" cy="5082117"/>
+            <a:off x="910098" y="3209449"/>
+            <a:ext cx="4261460" cy="5945901"/>
           </a:xfrm>
         </p:spPr>
         <p:txBody>
@@ -2733,39 +3340,39 @@
           <a:lstStyle>
             <a:lvl1pPr marL="0" indent="0">
               <a:buNone/>
-              <a:defRPr sz="2133"/>
+              <a:defRPr sz="2312"/>
             </a:lvl1pPr>
-            <a:lvl2pPr marL="609585" indent="0">
+            <a:lvl2pPr marL="660654" indent="0">
               <a:buNone/>
-              <a:defRPr sz="1867"/>
+              <a:defRPr sz="2023"/>
             </a:lvl2pPr>
-            <a:lvl3pPr marL="1219170" indent="0">
+            <a:lvl3pPr marL="1321308" indent="0">
               <a:buNone/>
-              <a:defRPr sz="1600"/>
+              <a:defRPr sz="1734"/>
             </a:lvl3pPr>
-            <a:lvl4pPr marL="1828754" indent="0">
+            <a:lvl4pPr marL="1981962" indent="0">
               <a:buNone/>
-              <a:defRPr sz="1333"/>
+              <a:defRPr sz="1445"/>
             </a:lvl4pPr>
-            <a:lvl5pPr marL="2438339" indent="0">
+            <a:lvl5pPr marL="2642616" indent="0">
               <a:buNone/>
-              <a:defRPr sz="1333"/>
+              <a:defRPr sz="1445"/>
             </a:lvl5pPr>
-            <a:lvl6pPr marL="3047924" indent="0">
+            <a:lvl6pPr marL="3303270" indent="0">
               <a:buNone/>
-              <a:defRPr sz="1333"/>
+              <a:defRPr sz="1445"/>
             </a:lvl6pPr>
-            <a:lvl7pPr marL="3657509" indent="0">
+            <a:lvl7pPr marL="3963924" indent="0">
               <a:buNone/>
-              <a:defRPr sz="1333"/>
+              <a:defRPr sz="1445"/>
             </a:lvl7pPr>
-            <a:lvl8pPr marL="4267093" indent="0">
+            <a:lvl8pPr marL="4624578" indent="0">
               <a:buNone/>
-              <a:defRPr sz="1333"/>
+              <a:defRPr sz="1445"/>
             </a:lvl8pPr>
-            <a:lvl9pPr marL="4876678" indent="0">
+            <a:lvl9pPr marL="5285232" indent="0">
               <a:buNone/>
-              <a:defRPr sz="1333"/>
+              <a:defRPr sz="1445"/>
             </a:lvl9pPr>
           </a:lstStyle>
           <a:p>
@@ -2794,7 +3401,7 @@
           <a:p>
             <a:fld id="{252C473C-6492-1647-A49C-2EF4321B0E0D}" type="datetimeFigureOut">
               <a:rPr lang="en-US" smtClean="0"/>
-              <a:t>5/13/25</a:t>
+              <a:t>5/17/25</a:t>
             </a:fld>
             <a:endParaRPr lang="en-US"/>
           </a:p>
@@ -2845,7 +3452,7 @@
     </p:spTree>
     <p:extLst>
       <p:ext uri="{BB962C8B-B14F-4D97-AF65-F5344CB8AC3E}">
-        <p14:creationId xmlns:p14="http://schemas.microsoft.com/office/powerpoint/2010/main" val="1419495245"/>
+        <p14:creationId xmlns:p14="http://schemas.microsoft.com/office/powerpoint/2010/main" val="3865056719"/>
       </p:ext>
     </p:extLst>
   </p:cSld>
@@ -2889,8 +3496,8 @@
         </p:nvSpPr>
         <p:spPr>
           <a:xfrm>
-            <a:off x="908378" y="486835"/>
-            <a:ext cx="11396008" cy="1767417"/>
+            <a:off x="908378" y="569580"/>
+            <a:ext cx="11396008" cy="2067817"/>
           </a:xfrm>
           <a:prstGeom prst="rect">
             <a:avLst/>
@@ -2922,8 +3529,8 @@
         </p:nvSpPr>
         <p:spPr>
           <a:xfrm>
-            <a:off x="908378" y="2434167"/>
-            <a:ext cx="11396008" cy="5801784"/>
+            <a:off x="908378" y="2847891"/>
+            <a:ext cx="11396008" cy="6787886"/>
           </a:xfrm>
           <a:prstGeom prst="rect">
             <a:avLst/>
@@ -2984,8 +3591,8 @@
         </p:nvSpPr>
         <p:spPr>
           <a:xfrm>
-            <a:off x="908377" y="8475136"/>
-            <a:ext cx="2972872" cy="486833"/>
+            <a:off x="908377" y="9915615"/>
+            <a:ext cx="2972872" cy="569578"/>
           </a:xfrm>
           <a:prstGeom prst="rect">
             <a:avLst/>
@@ -2995,7 +3602,7 @@
           <a:bodyPr vert="horz" lIns="91440" tIns="45720" rIns="91440" bIns="45720" rtlCol="0" anchor="ctr"/>
           <a:lstStyle>
             <a:lvl1pPr algn="l">
-              <a:defRPr sz="1600">
+              <a:defRPr sz="1734">
                 <a:solidFill>
                   <a:schemeClr val="tx1">
                     <a:tint val="82000"/>
@@ -3007,7 +3614,7 @@
           <a:p>
             <a:fld id="{252C473C-6492-1647-A49C-2EF4321B0E0D}" type="datetimeFigureOut">
               <a:rPr lang="en-US" smtClean="0"/>
-              <a:t>5/13/25</a:t>
+              <a:t>5/17/25</a:t>
             </a:fld>
             <a:endParaRPr lang="en-US"/>
           </a:p>
@@ -3025,8 +3632,8 @@
         </p:nvSpPr>
         <p:spPr>
           <a:xfrm>
-            <a:off x="4376728" y="8475136"/>
-            <a:ext cx="4459308" cy="486833"/>
+            <a:off x="4376728" y="9915615"/>
+            <a:ext cx="4459308" cy="569578"/>
           </a:xfrm>
           <a:prstGeom prst="rect">
             <a:avLst/>
@@ -3036,7 +3643,7 @@
           <a:bodyPr vert="horz" lIns="91440" tIns="45720" rIns="91440" bIns="45720" rtlCol="0" anchor="ctr"/>
           <a:lstStyle>
             <a:lvl1pPr algn="ctr">
-              <a:defRPr sz="1600">
+              <a:defRPr sz="1734">
                 <a:solidFill>
                   <a:schemeClr val="tx1">
                     <a:tint val="82000"/>
@@ -3062,8 +3669,8 @@
         </p:nvSpPr>
         <p:spPr>
           <a:xfrm>
-            <a:off x="9331514" y="8475136"/>
-            <a:ext cx="2972872" cy="486833"/>
+            <a:off x="9331514" y="9915615"/>
+            <a:ext cx="2972872" cy="569578"/>
           </a:xfrm>
           <a:prstGeom prst="rect">
             <a:avLst/>
@@ -3073,7 +3680,7 @@
           <a:bodyPr vert="horz" lIns="91440" tIns="45720" rIns="91440" bIns="45720" rtlCol="0" anchor="ctr"/>
           <a:lstStyle>
             <a:lvl1pPr algn="r">
-              <a:defRPr sz="1600">
+              <a:defRPr sz="1734">
                 <a:solidFill>
                   <a:schemeClr val="tx1">
                     <a:tint val="82000"/>
@@ -3094,27 +3701,27 @@
     </p:spTree>
     <p:extLst>
       <p:ext uri="{BB962C8B-B14F-4D97-AF65-F5344CB8AC3E}">
-        <p14:creationId xmlns:p14="http://schemas.microsoft.com/office/powerpoint/2010/main" val="1250940944"/>
+        <p14:creationId xmlns:p14="http://schemas.microsoft.com/office/powerpoint/2010/main" val="1238286571"/>
       </p:ext>
     </p:extLst>
   </p:cSld>
   <p:clrMap bg1="lt1" tx1="dk1" bg2="lt2" tx2="dk2" accent1="accent1" accent2="accent2" accent3="accent3" accent4="accent4" accent5="accent5" accent6="accent6" hlink="hlink" folHlink="folHlink"/>
   <p:sldLayoutIdLst>
-    <p:sldLayoutId id="2147483661" r:id="rId1"/>
-    <p:sldLayoutId id="2147483662" r:id="rId2"/>
-    <p:sldLayoutId id="2147483663" r:id="rId3"/>
-    <p:sldLayoutId id="2147483664" r:id="rId4"/>
-    <p:sldLayoutId id="2147483665" r:id="rId5"/>
-    <p:sldLayoutId id="2147483666" r:id="rId6"/>
-    <p:sldLayoutId id="2147483667" r:id="rId7"/>
-    <p:sldLayoutId id="2147483668" r:id="rId8"/>
-    <p:sldLayoutId id="2147483669" r:id="rId9"/>
-    <p:sldLayoutId id="2147483670" r:id="rId10"/>
-    <p:sldLayoutId id="2147483671" r:id="rId11"/>
+    <p:sldLayoutId id="2147483673" r:id="rId1"/>
+    <p:sldLayoutId id="2147483674" r:id="rId2"/>
+    <p:sldLayoutId id="2147483675" r:id="rId3"/>
+    <p:sldLayoutId id="2147483676" r:id="rId4"/>
+    <p:sldLayoutId id="2147483677" r:id="rId5"/>
+    <p:sldLayoutId id="2147483678" r:id="rId6"/>
+    <p:sldLayoutId id="2147483679" r:id="rId7"/>
+    <p:sldLayoutId id="2147483680" r:id="rId8"/>
+    <p:sldLayoutId id="2147483681" r:id="rId9"/>
+    <p:sldLayoutId id="2147483682" r:id="rId10"/>
+    <p:sldLayoutId id="2147483683" r:id="rId11"/>
   </p:sldLayoutIdLst>
   <p:txStyles>
     <p:titleStyle>
-      <a:lvl1pPr algn="l" defTabSz="1219170" rtl="0" eaLnBrk="1" latinLnBrk="0" hangingPunct="1">
+      <a:lvl1pPr algn="l" defTabSz="1321308" rtl="0" eaLnBrk="1" latinLnBrk="0" hangingPunct="1">
         <a:lnSpc>
           <a:spcPct val="90000"/>
         </a:lnSpc>
@@ -3122,7 +3729,7 @@
           <a:spcPct val="0"/>
         </a:spcBef>
         <a:buNone/>
-        <a:defRPr sz="5867" kern="1200">
+        <a:defRPr sz="6358" kern="1200">
           <a:solidFill>
             <a:schemeClr val="tx1"/>
           </a:solidFill>
@@ -3133,16 +3740,16 @@
       </a:lvl1pPr>
     </p:titleStyle>
     <p:bodyStyle>
-      <a:lvl1pPr marL="304792" indent="-304792" algn="l" defTabSz="1219170" rtl="0" eaLnBrk="1" latinLnBrk="0" hangingPunct="1">
+      <a:lvl1pPr marL="330327" indent="-330327" algn="l" defTabSz="1321308" rtl="0" eaLnBrk="1" latinLnBrk="0" hangingPunct="1">
         <a:lnSpc>
           <a:spcPct val="90000"/>
         </a:lnSpc>
         <a:spcBef>
-          <a:spcPts val="1333"/>
+          <a:spcPts val="1445"/>
         </a:spcBef>
         <a:buFont typeface="Arial" panose="020B0604020202020204" pitchFamily="34" charset="0"/>
         <a:buChar char="•"/>
-        <a:defRPr sz="3733" kern="1200">
+        <a:defRPr sz="4046" kern="1200">
           <a:solidFill>
             <a:schemeClr val="tx1"/>
           </a:solidFill>
@@ -3151,16 +3758,16 @@
           <a:cs typeface="+mn-cs"/>
         </a:defRPr>
       </a:lvl1pPr>
-      <a:lvl2pPr marL="914377" indent="-304792" algn="l" defTabSz="1219170" rtl="0" eaLnBrk="1" latinLnBrk="0" hangingPunct="1">
+      <a:lvl2pPr marL="990981" indent="-330327" algn="l" defTabSz="1321308" rtl="0" eaLnBrk="1" latinLnBrk="0" hangingPunct="1">
         <a:lnSpc>
           <a:spcPct val="90000"/>
         </a:lnSpc>
         <a:spcBef>
-          <a:spcPts val="667"/>
+          <a:spcPts val="723"/>
         </a:spcBef>
         <a:buFont typeface="Arial" panose="020B0604020202020204" pitchFamily="34" charset="0"/>
         <a:buChar char="•"/>
-        <a:defRPr sz="3200" kern="1200">
+        <a:defRPr sz="3468" kern="1200">
           <a:solidFill>
             <a:schemeClr val="tx1"/>
           </a:solidFill>
@@ -3169,16 +3776,16 @@
           <a:cs typeface="+mn-cs"/>
         </a:defRPr>
       </a:lvl2pPr>
-      <a:lvl3pPr marL="1523962" indent="-304792" algn="l" defTabSz="1219170" rtl="0" eaLnBrk="1" latinLnBrk="0" hangingPunct="1">
+      <a:lvl3pPr marL="1651635" indent="-330327" algn="l" defTabSz="1321308" rtl="0" eaLnBrk="1" latinLnBrk="0" hangingPunct="1">
         <a:lnSpc>
           <a:spcPct val="90000"/>
         </a:lnSpc>
         <a:spcBef>
-          <a:spcPts val="667"/>
+          <a:spcPts val="723"/>
         </a:spcBef>
         <a:buFont typeface="Arial" panose="020B0604020202020204" pitchFamily="34" charset="0"/>
         <a:buChar char="•"/>
-        <a:defRPr sz="2667" kern="1200">
+        <a:defRPr sz="2890" kern="1200">
           <a:solidFill>
             <a:schemeClr val="tx1"/>
           </a:solidFill>
@@ -3187,16 +3794,16 @@
           <a:cs typeface="+mn-cs"/>
         </a:defRPr>
       </a:lvl3pPr>
-      <a:lvl4pPr marL="2133547" indent="-304792" algn="l" defTabSz="1219170" rtl="0" eaLnBrk="1" latinLnBrk="0" hangingPunct="1">
+      <a:lvl4pPr marL="2312289" indent="-330327" algn="l" defTabSz="1321308" rtl="0" eaLnBrk="1" latinLnBrk="0" hangingPunct="1">
         <a:lnSpc>
           <a:spcPct val="90000"/>
         </a:lnSpc>
         <a:spcBef>
-          <a:spcPts val="667"/>
+          <a:spcPts val="723"/>
         </a:spcBef>
         <a:buFont typeface="Arial" panose="020B0604020202020204" pitchFamily="34" charset="0"/>
         <a:buChar char="•"/>
-        <a:defRPr sz="2400" kern="1200">
+        <a:defRPr sz="2601" kern="1200">
           <a:solidFill>
             <a:schemeClr val="tx1"/>
           </a:solidFill>
@@ -3205,16 +3812,16 @@
           <a:cs typeface="+mn-cs"/>
         </a:defRPr>
       </a:lvl4pPr>
-      <a:lvl5pPr marL="2743131" indent="-304792" algn="l" defTabSz="1219170" rtl="0" eaLnBrk="1" latinLnBrk="0" hangingPunct="1">
+      <a:lvl5pPr marL="2972943" indent="-330327" algn="l" defTabSz="1321308" rtl="0" eaLnBrk="1" latinLnBrk="0" hangingPunct="1">
         <a:lnSpc>
           <a:spcPct val="90000"/>
         </a:lnSpc>
         <a:spcBef>
-          <a:spcPts val="667"/>
+          <a:spcPts val="723"/>
         </a:spcBef>
         <a:buFont typeface="Arial" panose="020B0604020202020204" pitchFamily="34" charset="0"/>
         <a:buChar char="•"/>
-        <a:defRPr sz="2400" kern="1200">
+        <a:defRPr sz="2601" kern="1200">
           <a:solidFill>
             <a:schemeClr val="tx1"/>
           </a:solidFill>
@@ -3223,16 +3830,16 @@
           <a:cs typeface="+mn-cs"/>
         </a:defRPr>
       </a:lvl5pPr>
-      <a:lvl6pPr marL="3352716" indent="-304792" algn="l" defTabSz="1219170" rtl="0" eaLnBrk="1" latinLnBrk="0" hangingPunct="1">
+      <a:lvl6pPr marL="3633597" indent="-330327" algn="l" defTabSz="1321308" rtl="0" eaLnBrk="1" latinLnBrk="0" hangingPunct="1">
         <a:lnSpc>
           <a:spcPct val="90000"/>
         </a:lnSpc>
         <a:spcBef>
-          <a:spcPts val="667"/>
+          <a:spcPts val="723"/>
         </a:spcBef>
         <a:buFont typeface="Arial" panose="020B0604020202020204" pitchFamily="34" charset="0"/>
         <a:buChar char="•"/>
-        <a:defRPr sz="2400" kern="1200">
+        <a:defRPr sz="2601" kern="1200">
           <a:solidFill>
             <a:schemeClr val="tx1"/>
           </a:solidFill>
@@ -3241,16 +3848,16 @@
           <a:cs typeface="+mn-cs"/>
         </a:defRPr>
       </a:lvl6pPr>
-      <a:lvl7pPr marL="3962301" indent="-304792" algn="l" defTabSz="1219170" rtl="0" eaLnBrk="1" latinLnBrk="0" hangingPunct="1">
+      <a:lvl7pPr marL="4294251" indent="-330327" algn="l" defTabSz="1321308" rtl="0" eaLnBrk="1" latinLnBrk="0" hangingPunct="1">
         <a:lnSpc>
           <a:spcPct val="90000"/>
         </a:lnSpc>
         <a:spcBef>
-          <a:spcPts val="667"/>
+          <a:spcPts val="723"/>
         </a:spcBef>
         <a:buFont typeface="Arial" panose="020B0604020202020204" pitchFamily="34" charset="0"/>
         <a:buChar char="•"/>
-        <a:defRPr sz="2400" kern="1200">
+        <a:defRPr sz="2601" kern="1200">
           <a:solidFill>
             <a:schemeClr val="tx1"/>
           </a:solidFill>
@@ -3259,16 +3866,16 @@
           <a:cs typeface="+mn-cs"/>
         </a:defRPr>
       </a:lvl7pPr>
-      <a:lvl8pPr marL="4571886" indent="-304792" algn="l" defTabSz="1219170" rtl="0" eaLnBrk="1" latinLnBrk="0" hangingPunct="1">
+      <a:lvl8pPr marL="4954905" indent="-330327" algn="l" defTabSz="1321308" rtl="0" eaLnBrk="1" latinLnBrk="0" hangingPunct="1">
         <a:lnSpc>
           <a:spcPct val="90000"/>
         </a:lnSpc>
         <a:spcBef>
-          <a:spcPts val="667"/>
+          <a:spcPts val="723"/>
         </a:spcBef>
         <a:buFont typeface="Arial" panose="020B0604020202020204" pitchFamily="34" charset="0"/>
         <a:buChar char="•"/>
-        <a:defRPr sz="2400" kern="1200">
+        <a:defRPr sz="2601" kern="1200">
           <a:solidFill>
             <a:schemeClr val="tx1"/>
           </a:solidFill>
@@ -3277,16 +3884,16 @@
           <a:cs typeface="+mn-cs"/>
         </a:defRPr>
       </a:lvl8pPr>
-      <a:lvl9pPr marL="5181470" indent="-304792" algn="l" defTabSz="1219170" rtl="0" eaLnBrk="1" latinLnBrk="0" hangingPunct="1">
+      <a:lvl9pPr marL="5615559" indent="-330327" algn="l" defTabSz="1321308" rtl="0" eaLnBrk="1" latinLnBrk="0" hangingPunct="1">
         <a:lnSpc>
           <a:spcPct val="90000"/>
         </a:lnSpc>
         <a:spcBef>
-          <a:spcPts val="667"/>
+          <a:spcPts val="723"/>
         </a:spcBef>
         <a:buFont typeface="Arial" panose="020B0604020202020204" pitchFamily="34" charset="0"/>
         <a:buChar char="•"/>
-        <a:defRPr sz="2400" kern="1200">
+        <a:defRPr sz="2601" kern="1200">
           <a:solidFill>
             <a:schemeClr val="tx1"/>
           </a:solidFill>
@@ -3300,8 +3907,8 @@
       <a:defPPr>
         <a:defRPr lang="en-US"/>
       </a:defPPr>
-      <a:lvl1pPr marL="0" algn="l" defTabSz="1219170" rtl="0" eaLnBrk="1" latinLnBrk="0" hangingPunct="1">
-        <a:defRPr sz="2400" kern="1200">
+      <a:lvl1pPr marL="0" algn="l" defTabSz="1321308" rtl="0" eaLnBrk="1" latinLnBrk="0" hangingPunct="1">
+        <a:defRPr sz="2601" kern="1200">
           <a:solidFill>
             <a:schemeClr val="tx1"/>
           </a:solidFill>
@@ -3310,8 +3917,8 @@
           <a:cs typeface="+mn-cs"/>
         </a:defRPr>
       </a:lvl1pPr>
-      <a:lvl2pPr marL="609585" algn="l" defTabSz="1219170" rtl="0" eaLnBrk="1" latinLnBrk="0" hangingPunct="1">
-        <a:defRPr sz="2400" kern="1200">
+      <a:lvl2pPr marL="660654" algn="l" defTabSz="1321308" rtl="0" eaLnBrk="1" latinLnBrk="0" hangingPunct="1">
+        <a:defRPr sz="2601" kern="1200">
           <a:solidFill>
             <a:schemeClr val="tx1"/>
           </a:solidFill>
@@ -3320,8 +3927,8 @@
           <a:cs typeface="+mn-cs"/>
         </a:defRPr>
       </a:lvl2pPr>
-      <a:lvl3pPr marL="1219170" algn="l" defTabSz="1219170" rtl="0" eaLnBrk="1" latinLnBrk="0" hangingPunct="1">
-        <a:defRPr sz="2400" kern="1200">
+      <a:lvl3pPr marL="1321308" algn="l" defTabSz="1321308" rtl="0" eaLnBrk="1" latinLnBrk="0" hangingPunct="1">
+        <a:defRPr sz="2601" kern="1200">
           <a:solidFill>
             <a:schemeClr val="tx1"/>
           </a:solidFill>
@@ -3330,8 +3937,8 @@
           <a:cs typeface="+mn-cs"/>
         </a:defRPr>
       </a:lvl3pPr>
-      <a:lvl4pPr marL="1828754" algn="l" defTabSz="1219170" rtl="0" eaLnBrk="1" latinLnBrk="0" hangingPunct="1">
-        <a:defRPr sz="2400" kern="1200">
+      <a:lvl4pPr marL="1981962" algn="l" defTabSz="1321308" rtl="0" eaLnBrk="1" latinLnBrk="0" hangingPunct="1">
+        <a:defRPr sz="2601" kern="1200">
           <a:solidFill>
             <a:schemeClr val="tx1"/>
           </a:solidFill>
@@ -3340,8 +3947,8 @@
           <a:cs typeface="+mn-cs"/>
         </a:defRPr>
       </a:lvl4pPr>
-      <a:lvl5pPr marL="2438339" algn="l" defTabSz="1219170" rtl="0" eaLnBrk="1" latinLnBrk="0" hangingPunct="1">
-        <a:defRPr sz="2400" kern="1200">
+      <a:lvl5pPr marL="2642616" algn="l" defTabSz="1321308" rtl="0" eaLnBrk="1" latinLnBrk="0" hangingPunct="1">
+        <a:defRPr sz="2601" kern="1200">
           <a:solidFill>
             <a:schemeClr val="tx1"/>
           </a:solidFill>
@@ -3350,8 +3957,8 @@
           <a:cs typeface="+mn-cs"/>
         </a:defRPr>
       </a:lvl5pPr>
-      <a:lvl6pPr marL="3047924" algn="l" defTabSz="1219170" rtl="0" eaLnBrk="1" latinLnBrk="0" hangingPunct="1">
-        <a:defRPr sz="2400" kern="1200">
+      <a:lvl6pPr marL="3303270" algn="l" defTabSz="1321308" rtl="0" eaLnBrk="1" latinLnBrk="0" hangingPunct="1">
+        <a:defRPr sz="2601" kern="1200">
           <a:solidFill>
             <a:schemeClr val="tx1"/>
           </a:solidFill>
@@ -3360,8 +3967,8 @@
           <a:cs typeface="+mn-cs"/>
         </a:defRPr>
       </a:lvl6pPr>
-      <a:lvl7pPr marL="3657509" algn="l" defTabSz="1219170" rtl="0" eaLnBrk="1" latinLnBrk="0" hangingPunct="1">
-        <a:defRPr sz="2400" kern="1200">
+      <a:lvl7pPr marL="3963924" algn="l" defTabSz="1321308" rtl="0" eaLnBrk="1" latinLnBrk="0" hangingPunct="1">
+        <a:defRPr sz="2601" kern="1200">
           <a:solidFill>
             <a:schemeClr val="tx1"/>
           </a:solidFill>
@@ -3370,8 +3977,8 @@
           <a:cs typeface="+mn-cs"/>
         </a:defRPr>
       </a:lvl7pPr>
-      <a:lvl8pPr marL="4267093" algn="l" defTabSz="1219170" rtl="0" eaLnBrk="1" latinLnBrk="0" hangingPunct="1">
-        <a:defRPr sz="2400" kern="1200">
+      <a:lvl8pPr marL="4624578" algn="l" defTabSz="1321308" rtl="0" eaLnBrk="1" latinLnBrk="0" hangingPunct="1">
+        <a:defRPr sz="2601" kern="1200">
           <a:solidFill>
             <a:schemeClr val="tx1"/>
           </a:solidFill>
@@ -3380,8 +3987,8 @@
           <a:cs typeface="+mn-cs"/>
         </a:defRPr>
       </a:lvl8pPr>
-      <a:lvl9pPr marL="4876678" algn="l" defTabSz="1219170" rtl="0" eaLnBrk="1" latinLnBrk="0" hangingPunct="1">
-        <a:defRPr sz="2400" kern="1200">
+      <a:lvl9pPr marL="5285232" algn="l" defTabSz="1321308" rtl="0" eaLnBrk="1" latinLnBrk="0" hangingPunct="1">
+        <a:defRPr sz="2601" kern="1200">
           <a:solidFill>
             <a:schemeClr val="tx1"/>
           </a:solidFill>
@@ -3414,10 +4021,40 @@
       </p:grpSpPr>
       <p:pic>
         <p:nvPicPr>
-          <p:cNvPr id="5" name="Picture 4">
+          <p:cNvPr id="9" name="Picture 8" descr="A screenshot of a graph&#10;&#10;AI-generated content may be incorrect.">
             <a:extLst>
               <a:ext uri="{FF2B5EF4-FFF2-40B4-BE49-F238E27FC236}">
-                <a16:creationId xmlns:a16="http://schemas.microsoft.com/office/drawing/2014/main" id="{FE58F4A4-2BC4-4F9D-03A9-760E51D727BB}"/>
+                <a16:creationId xmlns:a16="http://schemas.microsoft.com/office/drawing/2014/main" id="{E4016535-52E8-D9F4-FB39-29EEF06A2DFD}"/>
+              </a:ext>
+            </a:extLst>
+          </p:cNvPr>
+          <p:cNvPicPr>
+            <a:picLocks noChangeAspect="1"/>
+          </p:cNvPicPr>
+          <p:nvPr/>
+        </p:nvPicPr>
+        <p:blipFill>
+          <a:blip r:embed="rId2"/>
+          <a:stretch>
+            <a:fillRect/>
+          </a:stretch>
+        </p:blipFill>
+        <p:spPr>
+          <a:xfrm>
+            <a:off x="198653" y="158822"/>
+            <a:ext cx="12815456" cy="10380518"/>
+          </a:xfrm>
+          <a:prstGeom prst="rect">
+            <a:avLst/>
+          </a:prstGeom>
+        </p:spPr>
+      </p:pic>
+      <p:pic>
+        <p:nvPicPr>
+          <p:cNvPr id="7" name="Picture 6" descr="A screenshot of a graph&#10;&#10;AI-generated content may be incorrect.">
+            <a:extLst>
+              <a:ext uri="{FF2B5EF4-FFF2-40B4-BE49-F238E27FC236}">
+                <a16:creationId xmlns:a16="http://schemas.microsoft.com/office/drawing/2014/main" id="{5348D071-C2DF-0EFF-D61B-51DC5C2A964F}"/>
               </a:ext>
             </a:extLst>
           </p:cNvPr>
@@ -3428,25 +4065,242 @@
         </p:nvPicPr>
         <p:blipFill>
           <a:blip r:embed="rId3"/>
-          <a:srcRect/>
-          <a:stretch/>
+          <a:srcRect l="18950" t="96554" r="50167" b="902"/>
+          <a:stretch>
+            <a:fillRect/>
+          </a:stretch>
         </p:blipFill>
         <p:spPr>
           <a:xfrm>
-            <a:off x="317544" y="219701"/>
-            <a:ext cx="12577672" cy="8704598"/>
+            <a:off x="1776845" y="10131136"/>
+            <a:ext cx="5760707" cy="384464"/>
           </a:xfrm>
           <a:prstGeom prst="rect">
             <a:avLst/>
           </a:prstGeom>
         </p:spPr>
       </p:pic>
+      <p:sp>
+        <p:nvSpPr>
+          <p:cNvPr id="10" name="TextBox 9">
+            <a:extLst>
+              <a:ext uri="{FF2B5EF4-FFF2-40B4-BE49-F238E27FC236}">
+                <a16:creationId xmlns:a16="http://schemas.microsoft.com/office/drawing/2014/main" id="{084C86F4-E1E9-30B7-FB39-681A6577B7C5}"/>
+              </a:ext>
+            </a:extLst>
+          </p:cNvPr>
+          <p:cNvSpPr txBox="1"/>
+          <p:nvPr/>
+        </p:nvSpPr>
+        <p:spPr>
+          <a:xfrm>
+            <a:off x="749983" y="5481935"/>
+            <a:ext cx="439544" cy="276999"/>
+          </a:xfrm>
+          <a:prstGeom prst="rect">
+            <a:avLst/>
+          </a:prstGeom>
+          <a:noFill/>
+        </p:spPr>
+        <p:txBody>
+          <a:bodyPr wrap="none" rtlCol="0">
+            <a:spAutoFit/>
+          </a:bodyPr>
+          <a:lstStyle/>
+          <a:p>
+            <a:r>
+              <a:rPr lang="en-US" sz="1200" dirty="0">
+                <a:solidFill>
+                  <a:schemeClr val="bg1">
+                    <a:lumMod val="50000"/>
+                  </a:schemeClr>
+                </a:solidFill>
+                <a:latin typeface="Arial" panose="020B0604020202020204" pitchFamily="34" charset="0"/>
+                <a:cs typeface="Arial" panose="020B0604020202020204" pitchFamily="34" charset="0"/>
+              </a:rPr>
+              <a:t>L6b</a:t>
+            </a:r>
+          </a:p>
+        </p:txBody>
+      </p:sp>
+      <p:sp>
+        <p:nvSpPr>
+          <p:cNvPr id="11" name="TextBox 10">
+            <a:extLst>
+              <a:ext uri="{FF2B5EF4-FFF2-40B4-BE49-F238E27FC236}">
+                <a16:creationId xmlns:a16="http://schemas.microsoft.com/office/drawing/2014/main" id="{73607309-C1CD-D192-385D-6E3686D3F848}"/>
+              </a:ext>
+            </a:extLst>
+          </p:cNvPr>
+          <p:cNvSpPr txBox="1"/>
+          <p:nvPr/>
+        </p:nvSpPr>
+        <p:spPr>
+          <a:xfrm>
+            <a:off x="1143336" y="5748543"/>
+            <a:ext cx="569387" cy="369332"/>
+          </a:xfrm>
+          <a:prstGeom prst="rect">
+            <a:avLst/>
+          </a:prstGeom>
+          <a:noFill/>
+        </p:spPr>
+        <p:txBody>
+          <a:bodyPr wrap="none" rtlCol="0">
+            <a:spAutoFit/>
+          </a:bodyPr>
+          <a:lstStyle/>
+          <a:p>
+            <a:r>
+              <a:rPr lang="en-US" dirty="0">
+                <a:solidFill>
+                  <a:schemeClr val="bg1">
+                    <a:lumMod val="50000"/>
+                  </a:schemeClr>
+                </a:solidFill>
+                <a:latin typeface="Arial" panose="020B0604020202020204" pitchFamily="34" charset="0"/>
+                <a:cs typeface="Arial" panose="020B0604020202020204" pitchFamily="34" charset="0"/>
+              </a:rPr>
+              <a:t>L6a</a:t>
+            </a:r>
+          </a:p>
+        </p:txBody>
+      </p:sp>
+      <p:sp>
+        <p:nvSpPr>
+          <p:cNvPr id="12" name="TextBox 11">
+            <a:extLst>
+              <a:ext uri="{FF2B5EF4-FFF2-40B4-BE49-F238E27FC236}">
+                <a16:creationId xmlns:a16="http://schemas.microsoft.com/office/drawing/2014/main" id="{88F88EC0-F378-44EA-C765-8C8BF2575E5E}"/>
+              </a:ext>
+            </a:extLst>
+          </p:cNvPr>
+          <p:cNvSpPr txBox="1"/>
+          <p:nvPr/>
+        </p:nvSpPr>
+        <p:spPr>
+          <a:xfrm>
+            <a:off x="4216052" y="5748543"/>
+            <a:ext cx="441146" cy="369332"/>
+          </a:xfrm>
+          <a:prstGeom prst="rect">
+            <a:avLst/>
+          </a:prstGeom>
+          <a:noFill/>
+        </p:spPr>
+        <p:txBody>
+          <a:bodyPr wrap="none" rtlCol="0">
+            <a:spAutoFit/>
+          </a:bodyPr>
+          <a:lstStyle/>
+          <a:p>
+            <a:r>
+              <a:rPr lang="en-US" dirty="0">
+                <a:solidFill>
+                  <a:schemeClr val="bg1">
+                    <a:lumMod val="50000"/>
+                  </a:schemeClr>
+                </a:solidFill>
+                <a:latin typeface="Arial" panose="020B0604020202020204" pitchFamily="34" charset="0"/>
+                <a:cs typeface="Arial" panose="020B0604020202020204" pitchFamily="34" charset="0"/>
+              </a:rPr>
+              <a:t>L5</a:t>
+            </a:r>
+          </a:p>
+        </p:txBody>
+      </p:sp>
+      <p:sp>
+        <p:nvSpPr>
+          <p:cNvPr id="13" name="TextBox 12">
+            <a:extLst>
+              <a:ext uri="{FF2B5EF4-FFF2-40B4-BE49-F238E27FC236}">
+                <a16:creationId xmlns:a16="http://schemas.microsoft.com/office/drawing/2014/main" id="{18EF2094-E0BF-2B4A-1D50-659B09E5A586}"/>
+              </a:ext>
+            </a:extLst>
+          </p:cNvPr>
+          <p:cNvSpPr txBox="1"/>
+          <p:nvPr/>
+        </p:nvSpPr>
+        <p:spPr>
+          <a:xfrm>
+            <a:off x="5769005" y="5748543"/>
+            <a:ext cx="441146" cy="369332"/>
+          </a:xfrm>
+          <a:prstGeom prst="rect">
+            <a:avLst/>
+          </a:prstGeom>
+          <a:noFill/>
+        </p:spPr>
+        <p:txBody>
+          <a:bodyPr wrap="none" rtlCol="0">
+            <a:spAutoFit/>
+          </a:bodyPr>
+          <a:lstStyle/>
+          <a:p>
+            <a:r>
+              <a:rPr lang="en-US" dirty="0">
+                <a:solidFill>
+                  <a:schemeClr val="bg1">
+                    <a:lumMod val="50000"/>
+                  </a:schemeClr>
+                </a:solidFill>
+                <a:latin typeface="Arial" panose="020B0604020202020204" pitchFamily="34" charset="0"/>
+                <a:cs typeface="Arial" panose="020B0604020202020204" pitchFamily="34" charset="0"/>
+              </a:rPr>
+              <a:t>L4</a:t>
+            </a:r>
+          </a:p>
+        </p:txBody>
+      </p:sp>
+      <p:sp>
+        <p:nvSpPr>
+          <p:cNvPr id="14" name="TextBox 13">
+            <a:extLst>
+              <a:ext uri="{FF2B5EF4-FFF2-40B4-BE49-F238E27FC236}">
+                <a16:creationId xmlns:a16="http://schemas.microsoft.com/office/drawing/2014/main" id="{F24465FB-E068-83A6-A618-BBA5CA19F9F2}"/>
+              </a:ext>
+            </a:extLst>
+          </p:cNvPr>
+          <p:cNvSpPr txBox="1"/>
+          <p:nvPr/>
+        </p:nvSpPr>
+        <p:spPr>
+          <a:xfrm>
+            <a:off x="6761969" y="5748543"/>
+            <a:ext cx="633507" cy="369332"/>
+          </a:xfrm>
+          <a:prstGeom prst="rect">
+            <a:avLst/>
+          </a:prstGeom>
+          <a:noFill/>
+        </p:spPr>
+        <p:txBody>
+          <a:bodyPr wrap="none" rtlCol="0">
+            <a:spAutoFit/>
+          </a:bodyPr>
+          <a:lstStyle/>
+          <a:p>
+            <a:r>
+              <a:rPr lang="en-US" dirty="0">
+                <a:solidFill>
+                  <a:schemeClr val="bg1">
+                    <a:lumMod val="50000"/>
+                  </a:schemeClr>
+                </a:solidFill>
+                <a:latin typeface="Arial" panose="020B0604020202020204" pitchFamily="34" charset="0"/>
+                <a:cs typeface="Arial" panose="020B0604020202020204" pitchFamily="34" charset="0"/>
+              </a:rPr>
+              <a:t>L2/3</a:t>
+            </a:r>
+          </a:p>
+        </p:txBody>
+      </p:sp>
       <p:cxnSp>
         <p:nvCxnSpPr>
-          <p:cNvPr id="7" name="Straight Arrow Connector 6">
+          <p:cNvPr id="15" name="Straight Arrow Connector 14">
             <a:extLst>
               <a:ext uri="{FF2B5EF4-FFF2-40B4-BE49-F238E27FC236}">
-                <a16:creationId xmlns:a16="http://schemas.microsoft.com/office/drawing/2014/main" id="{14E55E1F-C3E4-9015-89B1-A6A9DFD3E452}"/>
+                <a16:creationId xmlns:a16="http://schemas.microsoft.com/office/drawing/2014/main" id="{B27A5B33-7A71-E552-64D3-364CB213A3F0}"/>
               </a:ext>
             </a:extLst>
           </p:cNvPr>
@@ -3457,7 +4311,7 @@
         </p:nvCxnSpPr>
         <p:spPr>
           <a:xfrm flipV="1">
-            <a:off x="4473273" y="1811867"/>
+            <a:off x="4961646" y="5930984"/>
             <a:ext cx="0" cy="2226734"/>
           </a:xfrm>
           <a:prstGeom prst="straightConnector1">
@@ -3488,10 +4342,10 @@
       </p:cxnSp>
       <p:cxnSp>
         <p:nvCxnSpPr>
-          <p:cNvPr id="10" name="Straight Arrow Connector 9">
+          <p:cNvPr id="16" name="Straight Arrow Connector 15">
             <a:extLst>
               <a:ext uri="{FF2B5EF4-FFF2-40B4-BE49-F238E27FC236}">
-                <a16:creationId xmlns:a16="http://schemas.microsoft.com/office/drawing/2014/main" id="{0ED83394-7165-F21F-7368-036309070759}"/>
+                <a16:creationId xmlns:a16="http://schemas.microsoft.com/office/drawing/2014/main" id="{4C50C9A7-AF1D-5559-BD8E-138D6774BD9E}"/>
               </a:ext>
             </a:extLst>
           </p:cNvPr>
@@ -3502,7 +4356,7 @@
         </p:nvCxnSpPr>
         <p:spPr>
           <a:xfrm>
-            <a:off x="4216400" y="1811867"/>
+            <a:off x="4704773" y="5930984"/>
             <a:ext cx="0" cy="651934"/>
           </a:xfrm>
           <a:prstGeom prst="straightConnector1">
@@ -3533,10 +4387,10 @@
       </p:cxnSp>
       <p:sp>
         <p:nvSpPr>
-          <p:cNvPr id="13" name="TextBox 12">
+          <p:cNvPr id="17" name="TextBox 16">
             <a:extLst>
               <a:ext uri="{FF2B5EF4-FFF2-40B4-BE49-F238E27FC236}">
-                <a16:creationId xmlns:a16="http://schemas.microsoft.com/office/drawing/2014/main" id="{6A38B3C0-3EF8-9373-3B9F-3217E36692D5}"/>
+                <a16:creationId xmlns:a16="http://schemas.microsoft.com/office/drawing/2014/main" id="{7A705662-BC37-69B8-1D14-C84044BC25A3}"/>
               </a:ext>
             </a:extLst>
           </p:cNvPr>
@@ -3545,7 +4399,7 @@
         </p:nvSpPr>
         <p:spPr>
           <a:xfrm>
-            <a:off x="3767667" y="3539672"/>
+            <a:off x="4256040" y="7658789"/>
             <a:ext cx="660400" cy="400110"/>
           </a:xfrm>
           <a:prstGeom prst="rect">
@@ -3582,10 +4436,10 @@
       </p:sp>
       <p:sp>
         <p:nvSpPr>
-          <p:cNvPr id="14" name="TextBox 13">
+          <p:cNvPr id="18" name="TextBox 17">
             <a:extLst>
               <a:ext uri="{FF2B5EF4-FFF2-40B4-BE49-F238E27FC236}">
-                <a16:creationId xmlns:a16="http://schemas.microsoft.com/office/drawing/2014/main" id="{B16DABFD-B943-D568-A434-E3279AFEFCF3}"/>
+                <a16:creationId xmlns:a16="http://schemas.microsoft.com/office/drawing/2014/main" id="{22182B28-F2C6-42A3-660E-A91CEEBF1EEA}"/>
               </a:ext>
             </a:extLst>
           </p:cNvPr>
@@ -3594,7 +4448,7 @@
         </p:nvSpPr>
         <p:spPr>
           <a:xfrm>
-            <a:off x="3084245" y="1816715"/>
+            <a:off x="3541445" y="6164432"/>
             <a:ext cx="1072888" cy="400110"/>
           </a:xfrm>
           <a:prstGeom prst="rect">
@@ -3631,10 +4485,62 @@
       </p:sp>
       <p:sp>
         <p:nvSpPr>
-          <p:cNvPr id="15" name="TextBox 14">
+          <p:cNvPr id="19" name="Rectangle 18">
             <a:extLst>
               <a:ext uri="{FF2B5EF4-FFF2-40B4-BE49-F238E27FC236}">
-                <a16:creationId xmlns:a16="http://schemas.microsoft.com/office/drawing/2014/main" id="{24CD2FBE-2A5D-FC89-7E2A-1E84DDAEA57D}"/>
+                <a16:creationId xmlns:a16="http://schemas.microsoft.com/office/drawing/2014/main" id="{87EC310C-7343-7C0B-A984-1CECBB1B4D1D}"/>
+              </a:ext>
+            </a:extLst>
+          </p:cNvPr>
+          <p:cNvSpPr/>
+          <p:nvPr/>
+        </p:nvSpPr>
+        <p:spPr>
+          <a:xfrm>
+            <a:off x="3439926" y="5788527"/>
+            <a:ext cx="2096822" cy="2508307"/>
+          </a:xfrm>
+          <a:prstGeom prst="rect">
+            <a:avLst/>
+          </a:prstGeom>
+          <a:noFill/>
+          <a:ln w="31750">
+            <a:solidFill>
+              <a:srgbClr val="FF9300"/>
+            </a:solidFill>
+          </a:ln>
+        </p:spPr>
+        <p:style>
+          <a:lnRef idx="2">
+            <a:schemeClr val="accent1">
+              <a:shade val="15000"/>
+            </a:schemeClr>
+          </a:lnRef>
+          <a:fillRef idx="1">
+            <a:schemeClr val="accent1"/>
+          </a:fillRef>
+          <a:effectRef idx="0">
+            <a:schemeClr val="accent1"/>
+          </a:effectRef>
+          <a:fontRef idx="minor">
+            <a:schemeClr val="lt1"/>
+          </a:fontRef>
+        </p:style>
+        <p:txBody>
+          <a:bodyPr rtlCol="0" anchor="ctr"/>
+          <a:lstStyle/>
+          <a:p>
+            <a:pPr algn="ctr"/>
+            <a:endParaRPr lang="en-US"/>
+          </a:p>
+        </p:txBody>
+      </p:sp>
+      <p:sp>
+        <p:nvSpPr>
+          <p:cNvPr id="20" name="TextBox 19">
+            <a:extLst>
+              <a:ext uri="{FF2B5EF4-FFF2-40B4-BE49-F238E27FC236}">
+                <a16:creationId xmlns:a16="http://schemas.microsoft.com/office/drawing/2014/main" id="{3CEAAFA4-4B14-C560-6D6B-5B0E73157F60}"/>
               </a:ext>
             </a:extLst>
           </p:cNvPr>
@@ -3643,7 +4549,48 @@
         </p:nvSpPr>
         <p:spPr>
           <a:xfrm>
-            <a:off x="4976237" y="5669280"/>
+            <a:off x="3012437" y="5388416"/>
+            <a:ext cx="854978" cy="400110"/>
+          </a:xfrm>
+          <a:prstGeom prst="rect">
+            <a:avLst/>
+          </a:prstGeom>
+          <a:noFill/>
+        </p:spPr>
+        <p:txBody>
+          <a:bodyPr wrap="none" rtlCol="0">
+            <a:spAutoFit/>
+          </a:bodyPr>
+          <a:lstStyle/>
+          <a:p>
+            <a:r>
+              <a:rPr lang="en-US" sz="2000" dirty="0">
+                <a:solidFill>
+                  <a:srgbClr val="FF9300"/>
+                </a:solidFill>
+                <a:latin typeface="Arial" panose="020B0604020202020204" pitchFamily="34" charset="0"/>
+                <a:cs typeface="Arial" panose="020B0604020202020204" pitchFamily="34" charset="0"/>
+              </a:rPr>
+              <a:t>Box A</a:t>
+            </a:r>
+          </a:p>
+        </p:txBody>
+      </p:sp>
+      <p:sp>
+        <p:nvSpPr>
+          <p:cNvPr id="27" name="TextBox 26">
+            <a:extLst>
+              <a:ext uri="{FF2B5EF4-FFF2-40B4-BE49-F238E27FC236}">
+                <a16:creationId xmlns:a16="http://schemas.microsoft.com/office/drawing/2014/main" id="{958F7C7A-1B34-A3E0-726D-A3261E3F2D4C}"/>
+              </a:ext>
+            </a:extLst>
+          </p:cNvPr>
+          <p:cNvSpPr txBox="1"/>
+          <p:nvPr/>
+        </p:nvSpPr>
+        <p:spPr>
+          <a:xfrm>
+            <a:off x="6046501" y="9324642"/>
             <a:ext cx="660400" cy="400110"/>
           </a:xfrm>
           <a:prstGeom prst="rect">
@@ -3676,10 +4623,10 @@
       </p:sp>
       <p:cxnSp>
         <p:nvCxnSpPr>
-          <p:cNvPr id="16" name="Straight Arrow Connector 15">
+          <p:cNvPr id="28" name="Straight Arrow Connector 27">
             <a:extLst>
               <a:ext uri="{FF2B5EF4-FFF2-40B4-BE49-F238E27FC236}">
-                <a16:creationId xmlns:a16="http://schemas.microsoft.com/office/drawing/2014/main" id="{BDCA0413-4965-A7C9-C067-3ECC9BD9E794}"/>
+                <a16:creationId xmlns:a16="http://schemas.microsoft.com/office/drawing/2014/main" id="{8850A432-B56E-ACDF-A4FB-A43F62321A0E}"/>
               </a:ext>
             </a:extLst>
           </p:cNvPr>
@@ -3690,7 +4637,7 @@
         </p:nvCxnSpPr>
         <p:spPr>
           <a:xfrm>
-            <a:off x="6251914" y="5669280"/>
+            <a:off x="7010451" y="9802624"/>
             <a:ext cx="203199" cy="0"/>
           </a:xfrm>
           <a:prstGeom prst="straightConnector1">
@@ -3721,10 +4668,10 @@
       </p:cxnSp>
       <p:cxnSp>
         <p:nvCxnSpPr>
-          <p:cNvPr id="18" name="Straight Arrow Connector 17">
+          <p:cNvPr id="29" name="Straight Arrow Connector 28">
             <a:extLst>
               <a:ext uri="{FF2B5EF4-FFF2-40B4-BE49-F238E27FC236}">
-                <a16:creationId xmlns:a16="http://schemas.microsoft.com/office/drawing/2014/main" id="{C4875059-CA7D-67F6-2234-304B089CE933}"/>
+                <a16:creationId xmlns:a16="http://schemas.microsoft.com/office/drawing/2014/main" id="{1CD26346-E81A-4470-528F-3277BD56AF43}"/>
               </a:ext>
             </a:extLst>
           </p:cNvPr>
@@ -3735,7 +4682,7 @@
         </p:nvCxnSpPr>
         <p:spPr>
           <a:xfrm>
-            <a:off x="5137793" y="5669280"/>
+            <a:off x="5709294" y="9802624"/>
             <a:ext cx="160865" cy="0"/>
           </a:xfrm>
           <a:prstGeom prst="straightConnector1">
@@ -3766,10 +4713,10 @@
       </p:cxnSp>
       <p:cxnSp>
         <p:nvCxnSpPr>
-          <p:cNvPr id="19" name="Straight Arrow Connector 18">
+          <p:cNvPr id="30" name="Straight Arrow Connector 29">
             <a:extLst>
               <a:ext uri="{FF2B5EF4-FFF2-40B4-BE49-F238E27FC236}">
-                <a16:creationId xmlns:a16="http://schemas.microsoft.com/office/drawing/2014/main" id="{9865B931-C02C-4492-61F5-30B63DEFED3A}"/>
+                <a16:creationId xmlns:a16="http://schemas.microsoft.com/office/drawing/2014/main" id="{97CA7731-B0BA-57F1-65CE-F9D9A821826C}"/>
               </a:ext>
             </a:extLst>
           </p:cNvPr>
@@ -3780,7 +4727,7 @@
         </p:nvCxnSpPr>
         <p:spPr>
           <a:xfrm flipH="1">
-            <a:off x="4216400" y="5669280"/>
+            <a:off x="4621646" y="9761061"/>
             <a:ext cx="118533" cy="0"/>
           </a:xfrm>
           <a:prstGeom prst="straightConnector1">
@@ -3811,10 +4758,10 @@
       </p:cxnSp>
       <p:sp>
         <p:nvSpPr>
-          <p:cNvPr id="26" name="Freeform 25">
+          <p:cNvPr id="31" name="Freeform 30">
             <a:extLst>
               <a:ext uri="{FF2B5EF4-FFF2-40B4-BE49-F238E27FC236}">
-                <a16:creationId xmlns:a16="http://schemas.microsoft.com/office/drawing/2014/main" id="{69388D23-69A5-CFF9-E0B4-E8BBC379842F}"/>
+                <a16:creationId xmlns:a16="http://schemas.microsoft.com/office/drawing/2014/main" id="{1950F63D-2984-1F88-CF6A-5B08256A2FE2}"/>
               </a:ext>
             </a:extLst>
           </p:cNvPr>
@@ -3823,7 +4770,7 @@
         </p:nvSpPr>
         <p:spPr>
           <a:xfrm>
-            <a:off x="3500454" y="5542521"/>
+            <a:off x="3905700" y="9634302"/>
             <a:ext cx="300671" cy="218086"/>
           </a:xfrm>
           <a:custGeom>
@@ -3982,10 +4929,10 @@
       </p:sp>
       <p:sp>
         <p:nvSpPr>
-          <p:cNvPr id="27" name="Freeform 26">
+          <p:cNvPr id="32" name="Freeform 31">
             <a:extLst>
               <a:ext uri="{FF2B5EF4-FFF2-40B4-BE49-F238E27FC236}">
-                <a16:creationId xmlns:a16="http://schemas.microsoft.com/office/drawing/2014/main" id="{F284F9B9-F838-5B56-B945-41B17863B74F}"/>
+                <a16:creationId xmlns:a16="http://schemas.microsoft.com/office/drawing/2014/main" id="{D5F83796-D4C3-8395-EAB4-1AD4829DEB34}"/>
               </a:ext>
             </a:extLst>
           </p:cNvPr>
@@ -3994,7 +4941,7 @@
         </p:nvSpPr>
         <p:spPr>
           <a:xfrm rot="17669824">
-            <a:off x="6512983" y="5524849"/>
+            <a:off x="7271519" y="9658193"/>
             <a:ext cx="186794" cy="185894"/>
           </a:xfrm>
           <a:custGeom>
@@ -4217,10 +5164,10 @@
       </p:sp>
       <p:sp>
         <p:nvSpPr>
-          <p:cNvPr id="28" name="Freeform 27">
+          <p:cNvPr id="33" name="Freeform 32">
             <a:extLst>
               <a:ext uri="{FF2B5EF4-FFF2-40B4-BE49-F238E27FC236}">
-                <a16:creationId xmlns:a16="http://schemas.microsoft.com/office/drawing/2014/main" id="{4061AEFB-C2F2-99A9-5294-6CE631CDBC76}"/>
+                <a16:creationId xmlns:a16="http://schemas.microsoft.com/office/drawing/2014/main" id="{7D8581A1-3D60-1855-B718-FF2860F6EC4C}"/>
               </a:ext>
             </a:extLst>
           </p:cNvPr>
@@ -4229,7 +5176,7 @@
         </p:nvSpPr>
         <p:spPr>
           <a:xfrm rot="17669824">
-            <a:off x="5073967" y="5497964"/>
+            <a:off x="5645468" y="9631308"/>
             <a:ext cx="146627" cy="89114"/>
           </a:xfrm>
           <a:custGeom>
@@ -4482,170 +5429,12 @@
           </a:p>
         </p:txBody>
       </p:sp>
-      <p:sp>
-        <p:nvSpPr>
-          <p:cNvPr id="29" name="Rectangle 28">
+      <p:grpSp>
+        <p:nvGrpSpPr>
+          <p:cNvPr id="42" name="Group 41">
             <a:extLst>
               <a:ext uri="{FF2B5EF4-FFF2-40B4-BE49-F238E27FC236}">
-                <a16:creationId xmlns:a16="http://schemas.microsoft.com/office/drawing/2014/main" id="{E2961A19-B3B5-DD25-3B2A-F33A7B35C192}"/>
-              </a:ext>
-            </a:extLst>
-          </p:cNvPr>
-          <p:cNvSpPr/>
-          <p:nvPr/>
-        </p:nvSpPr>
-        <p:spPr>
-          <a:xfrm>
-            <a:off x="2951553" y="1669409"/>
-            <a:ext cx="2096822" cy="2508307"/>
-          </a:xfrm>
-          <a:prstGeom prst="rect">
-            <a:avLst/>
-          </a:prstGeom>
-          <a:noFill/>
-          <a:ln w="31750">
-            <a:solidFill>
-              <a:srgbClr val="FF9300"/>
-            </a:solidFill>
-          </a:ln>
-        </p:spPr>
-        <p:style>
-          <a:lnRef idx="2">
-            <a:schemeClr val="accent1">
-              <a:shade val="15000"/>
-            </a:schemeClr>
-          </a:lnRef>
-          <a:fillRef idx="1">
-            <a:schemeClr val="accent1"/>
-          </a:fillRef>
-          <a:effectRef idx="0">
-            <a:schemeClr val="accent1"/>
-          </a:effectRef>
-          <a:fontRef idx="minor">
-            <a:schemeClr val="lt1"/>
-          </a:fontRef>
-        </p:style>
-        <p:txBody>
-          <a:bodyPr rtlCol="0" anchor="ctr"/>
-          <a:lstStyle/>
-          <a:p>
-            <a:pPr algn="ctr"/>
-            <a:endParaRPr lang="en-US"/>
-          </a:p>
-        </p:txBody>
-      </p:sp>
-      <p:sp>
-        <p:nvSpPr>
-          <p:cNvPr id="32" name="Rectangle 31">
-            <a:extLst>
-              <a:ext uri="{FF2B5EF4-FFF2-40B4-BE49-F238E27FC236}">
-                <a16:creationId xmlns:a16="http://schemas.microsoft.com/office/drawing/2014/main" id="{1EBE8E1A-B5FA-4C1F-1FB1-3367B89556A3}"/>
-              </a:ext>
-            </a:extLst>
-          </p:cNvPr>
-          <p:cNvSpPr/>
-          <p:nvPr/>
-        </p:nvSpPr>
-        <p:spPr>
-          <a:xfrm>
-            <a:off x="3167989" y="5175999"/>
-            <a:ext cx="1271487" cy="662910"/>
-          </a:xfrm>
-          <a:prstGeom prst="rect">
-            <a:avLst/>
-          </a:prstGeom>
-          <a:noFill/>
-          <a:ln w="79375">
-            <a:solidFill>
-              <a:schemeClr val="bg1">
-                <a:alpha val="65000"/>
-              </a:schemeClr>
-            </a:solidFill>
-          </a:ln>
-        </p:spPr>
-        <p:style>
-          <a:lnRef idx="2">
-            <a:schemeClr val="accent1">
-              <a:shade val="15000"/>
-            </a:schemeClr>
-          </a:lnRef>
-          <a:fillRef idx="1">
-            <a:schemeClr val="accent1"/>
-          </a:fillRef>
-          <a:effectRef idx="0">
-            <a:schemeClr val="accent1"/>
-          </a:effectRef>
-          <a:fontRef idx="minor">
-            <a:schemeClr val="lt1"/>
-          </a:fontRef>
-        </p:style>
-        <p:txBody>
-          <a:bodyPr rtlCol="0" anchor="ctr"/>
-          <a:lstStyle/>
-          <a:p>
-            <a:pPr algn="ctr"/>
-            <a:endParaRPr lang="en-US"/>
-          </a:p>
-        </p:txBody>
-      </p:sp>
-      <p:sp>
-        <p:nvSpPr>
-          <p:cNvPr id="30" name="Rectangle 29">
-            <a:extLst>
-              <a:ext uri="{FF2B5EF4-FFF2-40B4-BE49-F238E27FC236}">
-                <a16:creationId xmlns:a16="http://schemas.microsoft.com/office/drawing/2014/main" id="{36E4EA35-8D8A-156B-5475-3F802B8E4719}"/>
-              </a:ext>
-            </a:extLst>
-          </p:cNvPr>
-          <p:cNvSpPr/>
-          <p:nvPr/>
-        </p:nvSpPr>
-        <p:spPr>
-          <a:xfrm>
-            <a:off x="3111680" y="5105206"/>
-            <a:ext cx="1457986" cy="778119"/>
-          </a:xfrm>
-          <a:prstGeom prst="rect">
-            <a:avLst/>
-          </a:prstGeom>
-          <a:noFill/>
-          <a:ln w="31750">
-            <a:solidFill>
-              <a:srgbClr val="FF9300"/>
-            </a:solidFill>
-          </a:ln>
-        </p:spPr>
-        <p:style>
-          <a:lnRef idx="2">
-            <a:schemeClr val="accent1">
-              <a:shade val="15000"/>
-            </a:schemeClr>
-          </a:lnRef>
-          <a:fillRef idx="1">
-            <a:schemeClr val="accent1"/>
-          </a:fillRef>
-          <a:effectRef idx="0">
-            <a:schemeClr val="accent1"/>
-          </a:effectRef>
-          <a:fontRef idx="minor">
-            <a:schemeClr val="lt1"/>
-          </a:fontRef>
-        </p:style>
-        <p:txBody>
-          <a:bodyPr rtlCol="0" anchor="ctr"/>
-          <a:lstStyle/>
-          <a:p>
-            <a:pPr algn="ctr"/>
-            <a:endParaRPr lang="en-US"/>
-          </a:p>
-        </p:txBody>
-      </p:sp>
-      <p:grpSp>
-        <p:nvGrpSpPr>
-          <p:cNvPr id="34" name="Group 33">
-            <a:extLst>
-              <a:ext uri="{FF2B5EF4-FFF2-40B4-BE49-F238E27FC236}">
-                <a16:creationId xmlns:a16="http://schemas.microsoft.com/office/drawing/2014/main" id="{84810E97-E8E3-0D8A-5990-920F90A92A5B}"/>
+                <a16:creationId xmlns:a16="http://schemas.microsoft.com/office/drawing/2014/main" id="{D4891DC2-75E2-F321-052E-B91DAF56A534}"/>
               </a:ext>
             </a:extLst>
           </p:cNvPr>
@@ -4654,7 +5443,134 @@
         </p:nvGrpSpPr>
         <p:grpSpPr>
           <a:xfrm>
-            <a:off x="6035648" y="5068808"/>
+            <a:off x="3387436" y="9196988"/>
+            <a:ext cx="1662546" cy="788676"/>
+            <a:chOff x="3387436" y="9196988"/>
+            <a:chExt cx="1662546" cy="788676"/>
+          </a:xfrm>
+        </p:grpSpPr>
+        <p:sp>
+          <p:nvSpPr>
+            <p:cNvPr id="34" name="Rectangle 33">
+              <a:extLst>
+                <a:ext uri="{FF2B5EF4-FFF2-40B4-BE49-F238E27FC236}">
+                  <a16:creationId xmlns:a16="http://schemas.microsoft.com/office/drawing/2014/main" id="{47D5AC6D-AFDB-4FD0-0618-A6C60C0F28E2}"/>
+                </a:ext>
+              </a:extLst>
+            </p:cNvPr>
+            <p:cNvSpPr/>
+            <p:nvPr/>
+          </p:nvSpPr>
+          <p:spPr>
+            <a:xfrm>
+              <a:off x="3387436" y="9206345"/>
+              <a:ext cx="1662545" cy="779319"/>
+            </a:xfrm>
+            <a:prstGeom prst="rect">
+              <a:avLst/>
+            </a:prstGeom>
+            <a:noFill/>
+            <a:ln w="79375">
+              <a:solidFill>
+                <a:schemeClr val="bg1">
+                  <a:alpha val="65000"/>
+                </a:schemeClr>
+              </a:solidFill>
+            </a:ln>
+          </p:spPr>
+          <p:style>
+            <a:lnRef idx="2">
+              <a:schemeClr val="accent1">
+                <a:shade val="15000"/>
+              </a:schemeClr>
+            </a:lnRef>
+            <a:fillRef idx="1">
+              <a:schemeClr val="accent1"/>
+            </a:fillRef>
+            <a:effectRef idx="0">
+              <a:schemeClr val="accent1"/>
+            </a:effectRef>
+            <a:fontRef idx="minor">
+              <a:schemeClr val="lt1"/>
+            </a:fontRef>
+          </p:style>
+          <p:txBody>
+            <a:bodyPr rtlCol="0" anchor="ctr"/>
+            <a:lstStyle/>
+            <a:p>
+              <a:pPr algn="ctr"/>
+              <a:endParaRPr lang="en-US"/>
+            </a:p>
+          </p:txBody>
+        </p:sp>
+        <p:sp>
+          <p:nvSpPr>
+            <p:cNvPr id="35" name="Rectangle 34">
+              <a:extLst>
+                <a:ext uri="{FF2B5EF4-FFF2-40B4-BE49-F238E27FC236}">
+                  <a16:creationId xmlns:a16="http://schemas.microsoft.com/office/drawing/2014/main" id="{54A0724D-2BD7-7638-2498-BF1771EB37AC}"/>
+                </a:ext>
+              </a:extLst>
+            </p:cNvPr>
+            <p:cNvSpPr/>
+            <p:nvPr/>
+          </p:nvSpPr>
+          <p:spPr>
+            <a:xfrm>
+              <a:off x="3397828" y="9196988"/>
+              <a:ext cx="1652154" cy="778119"/>
+            </a:xfrm>
+            <a:prstGeom prst="rect">
+              <a:avLst/>
+            </a:prstGeom>
+            <a:noFill/>
+            <a:ln w="31750">
+              <a:solidFill>
+                <a:srgbClr val="FF9300"/>
+              </a:solidFill>
+            </a:ln>
+          </p:spPr>
+          <p:style>
+            <a:lnRef idx="2">
+              <a:schemeClr val="accent1">
+                <a:shade val="15000"/>
+              </a:schemeClr>
+            </a:lnRef>
+            <a:fillRef idx="1">
+              <a:schemeClr val="accent1"/>
+            </a:fillRef>
+            <a:effectRef idx="0">
+              <a:schemeClr val="accent1"/>
+            </a:effectRef>
+            <a:fontRef idx="minor">
+              <a:schemeClr val="lt1"/>
+            </a:fontRef>
+          </p:style>
+          <p:txBody>
+            <a:bodyPr rtlCol="0" anchor="ctr"/>
+            <a:lstStyle/>
+            <a:p>
+              <a:pPr algn="ctr"/>
+              <a:endParaRPr lang="en-US"/>
+            </a:p>
+          </p:txBody>
+        </p:sp>
+      </p:grpSp>
+      <p:grpSp>
+        <p:nvGrpSpPr>
+          <p:cNvPr id="36" name="Group 35">
+            <a:extLst>
+              <a:ext uri="{FF2B5EF4-FFF2-40B4-BE49-F238E27FC236}">
+                <a16:creationId xmlns:a16="http://schemas.microsoft.com/office/drawing/2014/main" id="{B8BA6957-FC42-8D1F-B405-D825FD885781}"/>
+              </a:ext>
+            </a:extLst>
+          </p:cNvPr>
+          <p:cNvGrpSpPr/>
+          <p:nvPr/>
+        </p:nvGrpSpPr>
+        <p:grpSpPr>
+          <a:xfrm>
+            <a:off x="6794185" y="9202153"/>
             <a:ext cx="838929" cy="782785"/>
             <a:chOff x="6095271" y="5125876"/>
             <a:chExt cx="750147" cy="666834"/>
@@ -4662,10 +5578,10 @@
         </p:grpSpPr>
         <p:sp>
           <p:nvSpPr>
-            <p:cNvPr id="33" name="Rectangle 32">
+            <p:cNvPr id="37" name="Rectangle 36">
               <a:extLst>
                 <a:ext uri="{FF2B5EF4-FFF2-40B4-BE49-F238E27FC236}">
-                  <a16:creationId xmlns:a16="http://schemas.microsoft.com/office/drawing/2014/main" id="{D36A0A9A-4684-9FFC-52A5-4186A09AD136}"/>
+                  <a16:creationId xmlns:a16="http://schemas.microsoft.com/office/drawing/2014/main" id="{76003F91-7471-8420-E059-ADDD50B0D6D8}"/>
                 </a:ext>
               </a:extLst>
             </p:cNvPr>
@@ -4716,10 +5632,10 @@
         </p:sp>
         <p:sp>
           <p:nvSpPr>
-            <p:cNvPr id="31" name="Rectangle 30">
+            <p:cNvPr id="38" name="Rectangle 37">
               <a:extLst>
                 <a:ext uri="{FF2B5EF4-FFF2-40B4-BE49-F238E27FC236}">
-                  <a16:creationId xmlns:a16="http://schemas.microsoft.com/office/drawing/2014/main" id="{973D2758-D768-BD59-E7DD-1E33BF96BC27}"/>
+                  <a16:creationId xmlns:a16="http://schemas.microsoft.com/office/drawing/2014/main" id="{62281851-1479-B76A-DC3A-AAA57F88E356}"/>
                 </a:ext>
               </a:extLst>
             </p:cNvPr>
@@ -4769,10 +5685,10 @@
       </p:grpSp>
       <p:sp>
         <p:nvSpPr>
-          <p:cNvPr id="35" name="TextBox 34">
+          <p:cNvPr id="39" name="TextBox 38">
             <a:extLst>
               <a:ext uri="{FF2B5EF4-FFF2-40B4-BE49-F238E27FC236}">
-                <a16:creationId xmlns:a16="http://schemas.microsoft.com/office/drawing/2014/main" id="{565FC788-0942-B62B-D4F4-140D5E7FE189}"/>
+                <a16:creationId xmlns:a16="http://schemas.microsoft.com/office/drawing/2014/main" id="{36DD74EB-BE2B-2179-C13B-58B0D28CB09E}"/>
               </a:ext>
             </a:extLst>
           </p:cNvPr>
@@ -4781,48 +5697,7 @@
         </p:nvSpPr>
         <p:spPr>
           <a:xfrm>
-            <a:off x="2524064" y="1269299"/>
-            <a:ext cx="854978" cy="400110"/>
-          </a:xfrm>
-          <a:prstGeom prst="rect">
-            <a:avLst/>
-          </a:prstGeom>
-          <a:noFill/>
-        </p:spPr>
-        <p:txBody>
-          <a:bodyPr wrap="none" rtlCol="0">
-            <a:spAutoFit/>
-          </a:bodyPr>
-          <a:lstStyle/>
-          <a:p>
-            <a:r>
-              <a:rPr lang="en-US" sz="2000" dirty="0">
-                <a:solidFill>
-                  <a:srgbClr val="FF9300"/>
-                </a:solidFill>
-                <a:latin typeface="Arial" panose="020B0604020202020204" pitchFamily="34" charset="0"/>
-                <a:cs typeface="Arial" panose="020B0604020202020204" pitchFamily="34" charset="0"/>
-              </a:rPr>
-              <a:t>Box A</a:t>
-            </a:r>
-          </a:p>
-        </p:txBody>
-      </p:sp>
-      <p:sp>
-        <p:nvSpPr>
-          <p:cNvPr id="36" name="TextBox 35">
-            <a:extLst>
-              <a:ext uri="{FF2B5EF4-FFF2-40B4-BE49-F238E27FC236}">
-                <a16:creationId xmlns:a16="http://schemas.microsoft.com/office/drawing/2014/main" id="{0C9A92BD-1226-1FD2-B4AA-0AF57E332EB4}"/>
-              </a:ext>
-            </a:extLst>
-          </p:cNvPr>
-          <p:cNvSpPr txBox="1"/>
-          <p:nvPr/>
-        </p:nvSpPr>
-        <p:spPr>
-          <a:xfrm>
-            <a:off x="2199959" y="5307399"/>
+            <a:off x="2522759" y="9444150"/>
             <a:ext cx="869149" cy="400110"/>
           </a:xfrm>
           <a:prstGeom prst="rect">
@@ -4851,10 +5726,10 @@
       </p:sp>
       <p:sp>
         <p:nvSpPr>
-          <p:cNvPr id="37" name="TextBox 36">
+          <p:cNvPr id="40" name="TextBox 39">
             <a:extLst>
               <a:ext uri="{FF2B5EF4-FFF2-40B4-BE49-F238E27FC236}">
-                <a16:creationId xmlns:a16="http://schemas.microsoft.com/office/drawing/2014/main" id="{EA0206E1-D113-002D-A944-7589C80A377B}"/>
+                <a16:creationId xmlns:a16="http://schemas.microsoft.com/office/drawing/2014/main" id="{B2D754C9-0945-9116-1F5A-E4A85BC910C9}"/>
               </a:ext>
             </a:extLst>
           </p:cNvPr>
@@ -4863,7 +5738,7 @@
         </p:nvSpPr>
         <p:spPr>
           <a:xfrm>
-            <a:off x="6902537" y="5307399"/>
+            <a:off x="7661074" y="9440743"/>
             <a:ext cx="883575" cy="400110"/>
           </a:xfrm>
           <a:prstGeom prst="rect">
@@ -4893,7 +5768,7 @@
     </p:spTree>
     <p:extLst>
       <p:ext uri="{BB962C8B-B14F-4D97-AF65-F5344CB8AC3E}">
-        <p14:creationId xmlns:p14="http://schemas.microsoft.com/office/powerpoint/2010/main" val="3272903639"/>
+        <p14:creationId xmlns:p14="http://schemas.microsoft.com/office/powerpoint/2010/main" val="2771342219"/>
       </p:ext>
     </p:extLst>
   </p:cSld>

--- a/figs/fig_results_ratecount_annotated.pptx
+++ b/figs/fig_results_ratecount_annotated.pptx
@@ -118,7 +118,7 @@
 <file path=ppt/revisionInfo.xml><?xml version="1.0" encoding="utf-8"?>
 <p1510:revInfo xmlns:a="http://schemas.openxmlformats.org/drawingml/2006/main" xmlns:r="http://schemas.openxmlformats.org/officeDocument/2006/relationships" xmlns:p1510="http://schemas.microsoft.com/office/powerpoint/2015/10/main">
   <p1510:revLst>
-    <p1510:client id="{AE73B4D5-7497-0F41-8DCD-42BE02F6FF1D}" v="17" dt="2025-05-18T05:09:49.952"/>
+    <p1510:client id="{AE73B4D5-7497-0F41-8DCD-42BE02F6FF1D}" v="35" dt="2025-05-18T15:47:32.141"/>
   </p1510:revLst>
 </p1510:revInfo>
 </file>
@@ -128,7 +128,7 @@
   <pc:docChgLst>
     <pc:chgData name="Barkasi, Michael" userId="604489e9-c8b5-4a18-ae0d-3a3e29c44efc" providerId="ADAL" clId="{AE73B4D5-7497-0F41-8DCD-42BE02F6FF1D}"/>
     <pc:docChg chg="undo custSel addSld delSld modSld modMainMaster modNotesMaster">
-      <pc:chgData name="Barkasi, Michael" userId="604489e9-c8b5-4a18-ae0d-3a3e29c44efc" providerId="ADAL" clId="{AE73B4D5-7497-0F41-8DCD-42BE02F6FF1D}" dt="2025-05-18T05:12:12.618" v="116" actId="2696"/>
+      <pc:chgData name="Barkasi, Michael" userId="604489e9-c8b5-4a18-ae0d-3a3e29c44efc" providerId="ADAL" clId="{AE73B4D5-7497-0F41-8DCD-42BE02F6FF1D}" dt="2025-05-18T15:49:51.935" v="199" actId="1076"/>
       <pc:docMkLst>
         <pc:docMk/>
       </pc:docMkLst>
@@ -220,7 +220,7 @@
         </pc:spChg>
       </pc:sldChg>
       <pc:sldChg chg="addSp delSp modSp new mod">
-        <pc:chgData name="Barkasi, Michael" userId="604489e9-c8b5-4a18-ae0d-3a3e29c44efc" providerId="ADAL" clId="{AE73B4D5-7497-0F41-8DCD-42BE02F6FF1D}" dt="2025-05-18T05:11:17.959" v="115" actId="478"/>
+        <pc:chgData name="Barkasi, Michael" userId="604489e9-c8b5-4a18-ae0d-3a3e29c44efc" providerId="ADAL" clId="{AE73B4D5-7497-0F41-8DCD-42BE02F6FF1D}" dt="2025-05-18T15:49:51.935" v="199" actId="1076"/>
         <pc:sldMkLst>
           <pc:docMk/>
           <pc:sldMk cId="2771342219" sldId="257"/>
@@ -233,12 +233,60 @@
             <ac:spMk id="2" creationId="{47AA70BD-7F4C-720D-093C-6195C850DE29}"/>
           </ac:spMkLst>
         </pc:spChg>
+        <pc:spChg chg="add mod">
+          <ac:chgData name="Barkasi, Michael" userId="604489e9-c8b5-4a18-ae0d-3a3e29c44efc" providerId="ADAL" clId="{AE73B4D5-7497-0F41-8DCD-42BE02F6FF1D}" dt="2025-05-18T15:06:34.343" v="160" actId="1076"/>
+          <ac:spMkLst>
+            <pc:docMk/>
+            <pc:sldMk cId="2771342219" sldId="257"/>
+            <ac:spMk id="2" creationId="{EF73ECB2-138A-46A0-9274-40B73B8DE9AF}"/>
+          </ac:spMkLst>
+        </pc:spChg>
+        <pc:spChg chg="add mod">
+          <ac:chgData name="Barkasi, Michael" userId="604489e9-c8b5-4a18-ae0d-3a3e29c44efc" providerId="ADAL" clId="{AE73B4D5-7497-0F41-8DCD-42BE02F6FF1D}" dt="2025-05-18T15:06:53.538" v="161" actId="1076"/>
+          <ac:spMkLst>
+            <pc:docMk/>
+            <pc:sldMk cId="2771342219" sldId="257"/>
+            <ac:spMk id="3" creationId="{CA1D5E9D-2276-76F4-325E-D63964C9F823}"/>
+          </ac:spMkLst>
+        </pc:spChg>
         <pc:spChg chg="del">
           <ac:chgData name="Barkasi, Michael" userId="604489e9-c8b5-4a18-ae0d-3a3e29c44efc" providerId="ADAL" clId="{AE73B4D5-7497-0F41-8DCD-42BE02F6FF1D}" dt="2025-05-18T04:47:20.079" v="2" actId="478"/>
           <ac:spMkLst>
             <pc:docMk/>
             <pc:sldMk cId="2771342219" sldId="257"/>
             <ac:spMk id="3" creationId="{D04A4130-4508-9E30-771B-E8A2D6A2CDDE}"/>
+          </ac:spMkLst>
+        </pc:spChg>
+        <pc:spChg chg="add mod">
+          <ac:chgData name="Barkasi, Michael" userId="604489e9-c8b5-4a18-ae0d-3a3e29c44efc" providerId="ADAL" clId="{AE73B4D5-7497-0F41-8DCD-42BE02F6FF1D}" dt="2025-05-18T15:05:42.676" v="156" actId="1076"/>
+          <ac:spMkLst>
+            <pc:docMk/>
+            <pc:sldMk cId="2771342219" sldId="257"/>
+            <ac:spMk id="4" creationId="{EA0706E9-AEF1-077B-72C6-8673863940A8}"/>
+          </ac:spMkLst>
+        </pc:spChg>
+        <pc:spChg chg="add mod">
+          <ac:chgData name="Barkasi, Michael" userId="604489e9-c8b5-4a18-ae0d-3a3e29c44efc" providerId="ADAL" clId="{AE73B4D5-7497-0F41-8DCD-42BE02F6FF1D}" dt="2025-05-18T15:07:13.365" v="164" actId="1076"/>
+          <ac:spMkLst>
+            <pc:docMk/>
+            <pc:sldMk cId="2771342219" sldId="257"/>
+            <ac:spMk id="5" creationId="{7938405D-DE20-98D2-1FF3-62B7F54A8349}"/>
+          </ac:spMkLst>
+        </pc:spChg>
+        <pc:spChg chg="add mod">
+          <ac:chgData name="Barkasi, Michael" userId="604489e9-c8b5-4a18-ae0d-3a3e29c44efc" providerId="ADAL" clId="{AE73B4D5-7497-0F41-8DCD-42BE02F6FF1D}" dt="2025-05-18T15:08:11.266" v="166" actId="1076"/>
+          <ac:spMkLst>
+            <pc:docMk/>
+            <pc:sldMk cId="2771342219" sldId="257"/>
+            <ac:spMk id="6" creationId="{30162D44-F5CD-47B5-5B97-8F7674656F8C}"/>
+          </ac:spMkLst>
+        </pc:spChg>
+        <pc:spChg chg="add mod">
+          <ac:chgData name="Barkasi, Michael" userId="604489e9-c8b5-4a18-ae0d-3a3e29c44efc" providerId="ADAL" clId="{AE73B4D5-7497-0F41-8DCD-42BE02F6FF1D}" dt="2025-05-18T15:10:22.689" v="176" actId="1076"/>
+          <ac:spMkLst>
+            <pc:docMk/>
+            <pc:sldMk cId="2771342219" sldId="257"/>
+            <ac:spMk id="8" creationId="{4366D932-45ED-729C-8325-15DA12B9EBD2}"/>
           </ac:spMkLst>
         </pc:spChg>
         <pc:spChg chg="add mod">
@@ -298,7 +346,7 @@
           </ac:spMkLst>
         </pc:spChg>
         <pc:spChg chg="add mod">
-          <ac:chgData name="Barkasi, Michael" userId="604489e9-c8b5-4a18-ae0d-3a3e29c44efc" providerId="ADAL" clId="{AE73B4D5-7497-0F41-8DCD-42BE02F6FF1D}" dt="2025-05-18T05:03:32.497" v="71" actId="1076"/>
+          <ac:chgData name="Barkasi, Michael" userId="604489e9-c8b5-4a18-ae0d-3a3e29c44efc" providerId="ADAL" clId="{AE73B4D5-7497-0F41-8DCD-42BE02F6FF1D}" dt="2025-05-18T15:49:45.306" v="198" actId="14100"/>
           <ac:spMkLst>
             <pc:docMk/>
             <pc:sldMk cId="2771342219" sldId="257"/>
@@ -306,11 +354,35 @@
           </ac:spMkLst>
         </pc:spChg>
         <pc:spChg chg="add mod">
-          <ac:chgData name="Barkasi, Michael" userId="604489e9-c8b5-4a18-ae0d-3a3e29c44efc" providerId="ADAL" clId="{AE73B4D5-7497-0F41-8DCD-42BE02F6FF1D}" dt="2025-05-18T05:03:32.497" v="71" actId="1076"/>
+          <ac:chgData name="Barkasi, Michael" userId="604489e9-c8b5-4a18-ae0d-3a3e29c44efc" providerId="ADAL" clId="{AE73B4D5-7497-0F41-8DCD-42BE02F6FF1D}" dt="2025-05-18T15:49:51.935" v="199" actId="1076"/>
           <ac:spMkLst>
             <pc:docMk/>
             <pc:sldMk cId="2771342219" sldId="257"/>
             <ac:spMk id="20" creationId="{3CEAAFA4-4B14-C560-6D6B-5B0E73157F60}"/>
+          </ac:spMkLst>
+        </pc:spChg>
+        <pc:spChg chg="add mod">
+          <ac:chgData name="Barkasi, Michael" userId="604489e9-c8b5-4a18-ae0d-3a3e29c44efc" providerId="ADAL" clId="{AE73B4D5-7497-0F41-8DCD-42BE02F6FF1D}" dt="2025-05-18T15:10:03.683" v="173" actId="1076"/>
+          <ac:spMkLst>
+            <pc:docMk/>
+            <pc:sldMk cId="2771342219" sldId="257"/>
+            <ac:spMk id="21" creationId="{99B94336-7AAB-9A8C-3599-00C1C65E7458}"/>
+          </ac:spMkLst>
+        </pc:spChg>
+        <pc:spChg chg="add mod">
+          <ac:chgData name="Barkasi, Michael" userId="604489e9-c8b5-4a18-ae0d-3a3e29c44efc" providerId="ADAL" clId="{AE73B4D5-7497-0F41-8DCD-42BE02F6FF1D}" dt="2025-05-18T15:09:31.471" v="171" actId="1076"/>
+          <ac:spMkLst>
+            <pc:docMk/>
+            <pc:sldMk cId="2771342219" sldId="257"/>
+            <ac:spMk id="22" creationId="{C5F9E485-263D-575D-3AC7-2F1481FF45F5}"/>
+          </ac:spMkLst>
+        </pc:spChg>
+        <pc:spChg chg="add mod">
+          <ac:chgData name="Barkasi, Michael" userId="604489e9-c8b5-4a18-ae0d-3a3e29c44efc" providerId="ADAL" clId="{AE73B4D5-7497-0F41-8DCD-42BE02F6FF1D}" dt="2025-05-18T15:09:48.967" v="172" actId="1076"/>
+          <ac:spMkLst>
+            <pc:docMk/>
+            <pc:sldMk cId="2771342219" sldId="257"/>
+            <ac:spMk id="23" creationId="{6C3F63B6-DBA5-F65A-D8D7-3FF717630A5D}"/>
           </ac:spMkLst>
         </pc:spChg>
         <pc:spChg chg="add mod">
@@ -330,6 +402,14 @@
           </ac:spMkLst>
         </pc:spChg>
         <pc:spChg chg="add mod">
+          <ac:chgData name="Barkasi, Michael" userId="604489e9-c8b5-4a18-ae0d-3a3e29c44efc" providerId="ADAL" clId="{AE73B4D5-7497-0F41-8DCD-42BE02F6FF1D}" dt="2025-05-18T15:07:37.502" v="165" actId="1076"/>
+          <ac:spMkLst>
+            <pc:docMk/>
+            <pc:sldMk cId="2771342219" sldId="257"/>
+            <ac:spMk id="24" creationId="{E8AD2673-73AD-1F92-DEFD-EABD10A48FCD}"/>
+          </ac:spMkLst>
+        </pc:spChg>
+        <pc:spChg chg="add mod">
           <ac:chgData name="Barkasi, Michael" userId="604489e9-c8b5-4a18-ae0d-3a3e29c44efc" providerId="ADAL" clId="{AE73B4D5-7497-0F41-8DCD-42BE02F6FF1D}" dt="2025-05-18T05:03:26.415" v="70" actId="571"/>
           <ac:spMkLst>
             <pc:docMk/>
@@ -338,6 +418,22 @@
           </ac:spMkLst>
         </pc:spChg>
         <pc:spChg chg="add mod">
+          <ac:chgData name="Barkasi, Michael" userId="604489e9-c8b5-4a18-ae0d-3a3e29c44efc" providerId="ADAL" clId="{AE73B4D5-7497-0F41-8DCD-42BE02F6FF1D}" dt="2025-05-18T15:07:05.689" v="163" actId="571"/>
+          <ac:spMkLst>
+            <pc:docMk/>
+            <pc:sldMk cId="2771342219" sldId="257"/>
+            <ac:spMk id="25" creationId="{FA1C5EF2-50F4-8CDA-47C5-E68B9ED4FAD9}"/>
+          </ac:spMkLst>
+        </pc:spChg>
+        <pc:spChg chg="add mod">
+          <ac:chgData name="Barkasi, Michael" userId="604489e9-c8b5-4a18-ae0d-3a3e29c44efc" providerId="ADAL" clId="{AE73B4D5-7497-0F41-8DCD-42BE02F6FF1D}" dt="2025-05-18T15:09:04.217" v="170" actId="571"/>
+          <ac:spMkLst>
+            <pc:docMk/>
+            <pc:sldMk cId="2771342219" sldId="257"/>
+            <ac:spMk id="26" creationId="{21B1F4BD-B386-0AD8-41B3-C79027C3595F}"/>
+          </ac:spMkLst>
+        </pc:spChg>
+        <pc:spChg chg="add mod">
           <ac:chgData name="Barkasi, Michael" userId="604489e9-c8b5-4a18-ae0d-3a3e29c44efc" providerId="ADAL" clId="{AE73B4D5-7497-0F41-8DCD-42BE02F6FF1D}" dt="2025-05-18T05:03:26.415" v="70" actId="571"/>
           <ac:spMkLst>
             <pc:docMk/>
@@ -345,8 +441,16 @@
             <ac:spMk id="26" creationId="{45B4E1E8-3275-6002-C275-DFAC5F6B0906}"/>
           </ac:spMkLst>
         </pc:spChg>
+        <pc:spChg chg="mod">
+          <ac:chgData name="Barkasi, Michael" userId="604489e9-c8b5-4a18-ae0d-3a3e29c44efc" providerId="ADAL" clId="{AE73B4D5-7497-0F41-8DCD-42BE02F6FF1D}" dt="2025-05-18T15:47:18.690" v="180"/>
+          <ac:spMkLst>
+            <pc:docMk/>
+            <pc:sldMk cId="2771342219" sldId="257"/>
+            <ac:spMk id="26" creationId="{FA67CFD9-9CFA-CF40-3D41-9EF4EE1D765D}"/>
+          </ac:spMkLst>
+        </pc:spChg>
         <pc:spChg chg="add mod">
-          <ac:chgData name="Barkasi, Michael" userId="604489e9-c8b5-4a18-ae0d-3a3e29c44efc" providerId="ADAL" clId="{AE73B4D5-7497-0F41-8DCD-42BE02F6FF1D}" dt="2025-05-18T05:08:07.258" v="98" actId="1076"/>
+          <ac:chgData name="Barkasi, Michael" userId="604489e9-c8b5-4a18-ae0d-3a3e29c44efc" providerId="ADAL" clId="{AE73B4D5-7497-0F41-8DCD-42BE02F6FF1D}" dt="2025-05-18T15:47:57.991" v="185" actId="1076"/>
           <ac:spMkLst>
             <pc:docMk/>
             <pc:sldMk cId="2771342219" sldId="257"/>
@@ -354,7 +458,7 @@
           </ac:spMkLst>
         </pc:spChg>
         <pc:spChg chg="add mod">
-          <ac:chgData name="Barkasi, Michael" userId="604489e9-c8b5-4a18-ae0d-3a3e29c44efc" providerId="ADAL" clId="{AE73B4D5-7497-0F41-8DCD-42BE02F6FF1D}" dt="2025-05-18T05:06:19.332" v="87" actId="1076"/>
+          <ac:chgData name="Barkasi, Michael" userId="604489e9-c8b5-4a18-ae0d-3a3e29c44efc" providerId="ADAL" clId="{AE73B4D5-7497-0F41-8DCD-42BE02F6FF1D}" dt="2025-05-18T15:42:09.302" v="177" actId="692"/>
           <ac:spMkLst>
             <pc:docMk/>
             <pc:sldMk cId="2771342219" sldId="257"/>
@@ -362,7 +466,7 @@
           </ac:spMkLst>
         </pc:spChg>
         <pc:spChg chg="add mod">
-          <ac:chgData name="Barkasi, Michael" userId="604489e9-c8b5-4a18-ae0d-3a3e29c44efc" providerId="ADAL" clId="{AE73B4D5-7497-0F41-8DCD-42BE02F6FF1D}" dt="2025-05-18T05:06:33.236" v="88" actId="1076"/>
+          <ac:chgData name="Barkasi, Michael" userId="604489e9-c8b5-4a18-ae0d-3a3e29c44efc" providerId="ADAL" clId="{AE73B4D5-7497-0F41-8DCD-42BE02F6FF1D}" dt="2025-05-18T15:42:26.445" v="179" actId="692"/>
           <ac:spMkLst>
             <pc:docMk/>
             <pc:sldMk cId="2771342219" sldId="257"/>
@@ -370,7 +474,7 @@
           </ac:spMkLst>
         </pc:spChg>
         <pc:spChg chg="add mod">
-          <ac:chgData name="Barkasi, Michael" userId="604489e9-c8b5-4a18-ae0d-3a3e29c44efc" providerId="ADAL" clId="{AE73B4D5-7497-0F41-8DCD-42BE02F6FF1D}" dt="2025-05-18T05:07:11.930" v="89" actId="1076"/>
+          <ac:chgData name="Barkasi, Michael" userId="604489e9-c8b5-4a18-ae0d-3a3e29c44efc" providerId="ADAL" clId="{AE73B4D5-7497-0F41-8DCD-42BE02F6FF1D}" dt="2025-05-18T15:42:20.951" v="178" actId="692"/>
           <ac:spMkLst>
             <pc:docMk/>
             <pc:sldMk cId="2771342219" sldId="257"/>
@@ -410,7 +514,7 @@
           </ac:spMkLst>
         </pc:spChg>
         <pc:spChg chg="add mod">
-          <ac:chgData name="Barkasi, Michael" userId="604489e9-c8b5-4a18-ae0d-3a3e29c44efc" providerId="ADAL" clId="{AE73B4D5-7497-0F41-8DCD-42BE02F6FF1D}" dt="2025-05-18T05:11:00.773" v="113" actId="1076"/>
+          <ac:chgData name="Barkasi, Michael" userId="604489e9-c8b5-4a18-ae0d-3a3e29c44efc" providerId="ADAL" clId="{AE73B4D5-7497-0F41-8DCD-42BE02F6FF1D}" dt="2025-05-18T15:49:23.360" v="197" actId="1076"/>
           <ac:spMkLst>
             <pc:docMk/>
             <pc:sldMk cId="2771342219" sldId="257"/>
@@ -418,13 +522,45 @@
           </ac:spMkLst>
         </pc:spChg>
         <pc:spChg chg="add mod">
-          <ac:chgData name="Barkasi, Michael" userId="604489e9-c8b5-4a18-ae0d-3a3e29c44efc" providerId="ADAL" clId="{AE73B4D5-7497-0F41-8DCD-42BE02F6FF1D}" dt="2025-05-18T05:06:33.236" v="88" actId="1076"/>
+          <ac:chgData name="Barkasi, Michael" userId="604489e9-c8b5-4a18-ae0d-3a3e29c44efc" providerId="ADAL" clId="{AE73B4D5-7497-0F41-8DCD-42BE02F6FF1D}" dt="2025-05-18T15:49:09.424" v="196" actId="1076"/>
           <ac:spMkLst>
             <pc:docMk/>
             <pc:sldMk cId="2771342219" sldId="257"/>
             <ac:spMk id="40" creationId="{B2D754C9-0945-9116-1F5A-E4A85BC910C9}"/>
           </ac:spMkLst>
         </pc:spChg>
+        <pc:spChg chg="add mod">
+          <ac:chgData name="Barkasi, Michael" userId="604489e9-c8b5-4a18-ae0d-3a3e29c44efc" providerId="ADAL" clId="{AE73B4D5-7497-0F41-8DCD-42BE02F6FF1D}" dt="2025-05-18T15:10:15.111" v="175" actId="571"/>
+          <ac:spMkLst>
+            <pc:docMk/>
+            <pc:sldMk cId="2771342219" sldId="257"/>
+            <ac:spMk id="41" creationId="{6F7681E9-E903-6D16-CF7E-B368A389AFD4}"/>
+          </ac:spMkLst>
+        </pc:spChg>
+        <pc:spChg chg="mod">
+          <ac:chgData name="Barkasi, Michael" userId="604489e9-c8b5-4a18-ae0d-3a3e29c44efc" providerId="ADAL" clId="{AE73B4D5-7497-0F41-8DCD-42BE02F6FF1D}" dt="2025-05-18T15:47:18.690" v="180"/>
+          <ac:spMkLst>
+            <pc:docMk/>
+            <pc:sldMk cId="2771342219" sldId="257"/>
+            <ac:spMk id="41" creationId="{F97A6F7E-F5CC-F190-F346-2E1A0222DE8B}"/>
+          </ac:spMkLst>
+        </pc:spChg>
+        <pc:spChg chg="add mod">
+          <ac:chgData name="Barkasi, Michael" userId="604489e9-c8b5-4a18-ae0d-3a3e29c44efc" providerId="ADAL" clId="{AE73B4D5-7497-0F41-8DCD-42BE02F6FF1D}" dt="2025-05-18T15:48:47.884" v="194" actId="1076"/>
+          <ac:spMkLst>
+            <pc:docMk/>
+            <pc:sldMk cId="2771342219" sldId="257"/>
+            <ac:spMk id="43" creationId="{1E68B2E2-C50B-369A-527A-ABC53E53F4B9}"/>
+          </ac:spMkLst>
+        </pc:spChg>
+        <pc:grpChg chg="add mod">
+          <ac:chgData name="Barkasi, Michael" userId="604489e9-c8b5-4a18-ae0d-3a3e29c44efc" providerId="ADAL" clId="{AE73B4D5-7497-0F41-8DCD-42BE02F6FF1D}" dt="2025-05-18T15:47:26.742" v="181" actId="1076"/>
+          <ac:grpSpMkLst>
+            <pc:docMk/>
+            <pc:sldMk cId="2771342219" sldId="257"/>
+            <ac:grpSpMk id="25" creationId="{B2BCED9B-9057-BD4C-5EE0-BC1B88037D1D}"/>
+          </ac:grpSpMkLst>
+        </pc:grpChg>
         <pc:grpChg chg="mod">
           <ac:chgData name="Barkasi, Michael" userId="604489e9-c8b5-4a18-ae0d-3a3e29c44efc" providerId="ADAL" clId="{AE73B4D5-7497-0F41-8DCD-42BE02F6FF1D}" dt="2025-05-18T05:06:33.236" v="88" actId="1076"/>
           <ac:grpSpMkLst>
@@ -891,7 +1027,7 @@
           <a:p>
             <a:fld id="{9AA0B02C-3D9A-2B40-92EC-C41DFECE8672}" type="datetimeFigureOut">
               <a:rPr lang="en-US" smtClean="0"/>
-              <a:t>5/17/25</a:t>
+              <a:t>5/18/25</a:t>
             </a:fld>
             <a:endParaRPr lang="en-US"/>
           </a:p>
@@ -1289,7 +1425,7 @@
           <a:p>
             <a:fld id="{252C473C-6492-1647-A49C-2EF4321B0E0D}" type="datetimeFigureOut">
               <a:rPr lang="en-US" smtClean="0"/>
-              <a:t>5/17/25</a:t>
+              <a:t>5/18/25</a:t>
             </a:fld>
             <a:endParaRPr lang="en-US"/>
           </a:p>
@@ -1459,7 +1595,7 @@
           <a:p>
             <a:fld id="{252C473C-6492-1647-A49C-2EF4321B0E0D}" type="datetimeFigureOut">
               <a:rPr lang="en-US" smtClean="0"/>
-              <a:t>5/17/25</a:t>
+              <a:t>5/18/25</a:t>
             </a:fld>
             <a:endParaRPr lang="en-US"/>
           </a:p>
@@ -1639,7 +1775,7 @@
           <a:p>
             <a:fld id="{252C473C-6492-1647-A49C-2EF4321B0E0D}" type="datetimeFigureOut">
               <a:rPr lang="en-US" smtClean="0"/>
-              <a:t>5/17/25</a:t>
+              <a:t>5/18/25</a:t>
             </a:fld>
             <a:endParaRPr lang="en-US"/>
           </a:p>
@@ -1809,7 +1945,7 @@
           <a:p>
             <a:fld id="{252C473C-6492-1647-A49C-2EF4321B0E0D}" type="datetimeFigureOut">
               <a:rPr lang="en-US" smtClean="0"/>
-              <a:t>5/17/25</a:t>
+              <a:t>5/18/25</a:t>
             </a:fld>
             <a:endParaRPr lang="en-US"/>
           </a:p>
@@ -2055,7 +2191,7 @@
           <a:p>
             <a:fld id="{252C473C-6492-1647-A49C-2EF4321B0E0D}" type="datetimeFigureOut">
               <a:rPr lang="en-US" smtClean="0"/>
-              <a:t>5/17/25</a:t>
+              <a:t>5/18/25</a:t>
             </a:fld>
             <a:endParaRPr lang="en-US"/>
           </a:p>
@@ -2287,7 +2423,7 @@
           <a:p>
             <a:fld id="{252C473C-6492-1647-A49C-2EF4321B0E0D}" type="datetimeFigureOut">
               <a:rPr lang="en-US" smtClean="0"/>
-              <a:t>5/17/25</a:t>
+              <a:t>5/18/25</a:t>
             </a:fld>
             <a:endParaRPr lang="en-US"/>
           </a:p>
@@ -2654,7 +2790,7 @@
           <a:p>
             <a:fld id="{252C473C-6492-1647-A49C-2EF4321B0E0D}" type="datetimeFigureOut">
               <a:rPr lang="en-US" smtClean="0"/>
-              <a:t>5/17/25</a:t>
+              <a:t>5/18/25</a:t>
             </a:fld>
             <a:endParaRPr lang="en-US"/>
           </a:p>
@@ -2772,7 +2908,7 @@
           <a:p>
             <a:fld id="{252C473C-6492-1647-A49C-2EF4321B0E0D}" type="datetimeFigureOut">
               <a:rPr lang="en-US" smtClean="0"/>
-              <a:t>5/17/25</a:t>
+              <a:t>5/18/25</a:t>
             </a:fld>
             <a:endParaRPr lang="en-US"/>
           </a:p>
@@ -2867,7 +3003,7 @@
           <a:p>
             <a:fld id="{252C473C-6492-1647-A49C-2EF4321B0E0D}" type="datetimeFigureOut">
               <a:rPr lang="en-US" smtClean="0"/>
-              <a:t>5/17/25</a:t>
+              <a:t>5/18/25</a:t>
             </a:fld>
             <a:endParaRPr lang="en-US"/>
           </a:p>
@@ -3144,7 +3280,7 @@
           <a:p>
             <a:fld id="{252C473C-6492-1647-A49C-2EF4321B0E0D}" type="datetimeFigureOut">
               <a:rPr lang="en-US" smtClean="0"/>
-              <a:t>5/17/25</a:t>
+              <a:t>5/18/25</a:t>
             </a:fld>
             <a:endParaRPr lang="en-US"/>
           </a:p>
@@ -3401,7 +3537,7 @@
           <a:p>
             <a:fld id="{252C473C-6492-1647-A49C-2EF4321B0E0D}" type="datetimeFigureOut">
               <a:rPr lang="en-US" smtClean="0"/>
-              <a:t>5/17/25</a:t>
+              <a:t>5/18/25</a:t>
             </a:fld>
             <a:endParaRPr lang="en-US"/>
           </a:p>
@@ -3614,7 +3750,7 @@
           <a:p>
             <a:fld id="{252C473C-6492-1647-A49C-2EF4321B0E0D}" type="datetimeFigureOut">
               <a:rPr lang="en-US" smtClean="0"/>
-              <a:t>5/17/25</a:t>
+              <a:t>5/18/25</a:t>
             </a:fld>
             <a:endParaRPr lang="en-US"/>
           </a:p>
@@ -4497,8 +4633,8 @@
         </p:nvSpPr>
         <p:spPr>
           <a:xfrm>
-            <a:off x="3439926" y="5788527"/>
-            <a:ext cx="2096822" cy="2508307"/>
+            <a:off x="3439926" y="5673437"/>
+            <a:ext cx="2096822" cy="2623398"/>
           </a:xfrm>
           <a:prstGeom prst="rect">
             <a:avLst/>
@@ -4549,8 +4685,8 @@
         </p:nvSpPr>
         <p:spPr>
           <a:xfrm>
-            <a:off x="3012437" y="5388416"/>
-            <a:ext cx="854978" cy="400110"/>
+            <a:off x="2885606" y="6785081"/>
+            <a:ext cx="498855" cy="400110"/>
           </a:xfrm>
           <a:prstGeom prst="rect">
             <a:avLst/>
@@ -4571,7 +4707,7 @@
                 <a:latin typeface="Arial" panose="020B0604020202020204" pitchFamily="34" charset="0"/>
                 <a:cs typeface="Arial" panose="020B0604020202020204" pitchFamily="34" charset="0"/>
               </a:rPr>
-              <a:t>Box A</a:t>
+              <a:t>B1</a:t>
             </a:r>
           </a:p>
         </p:txBody>
@@ -4590,7 +4726,7 @@
         </p:nvSpPr>
         <p:spPr>
           <a:xfrm>
-            <a:off x="6046501" y="9324642"/>
+            <a:off x="1856439" y="9440743"/>
             <a:ext cx="660400" cy="400110"/>
           </a:xfrm>
           <a:prstGeom prst="rect">
@@ -4897,7 +5033,7 @@
             <a:solidFill>
               <a:schemeClr val="tx1"/>
             </a:solidFill>
-            <a:prstDash val="sysDash"/>
+            <a:prstDash val="sysDot"/>
             <a:headEnd type="triangle"/>
             <a:tailEnd type="none"/>
           </a:ln>
@@ -5132,7 +5268,7 @@
             <a:solidFill>
               <a:schemeClr val="tx1"/>
             </a:solidFill>
-            <a:prstDash val="sysDash"/>
+            <a:prstDash val="sysDot"/>
             <a:headEnd type="none"/>
             <a:tailEnd type="triangle"/>
           </a:ln>
@@ -5399,7 +5535,7 @@
             <a:solidFill>
               <a:schemeClr val="tx1"/>
             </a:solidFill>
-            <a:prstDash val="sysDash"/>
+            <a:prstDash val="sysDot"/>
             <a:headEnd type="none"/>
             <a:tailEnd type="triangle"/>
           </a:ln>
@@ -5697,8 +5833,8 @@
         </p:nvSpPr>
         <p:spPr>
           <a:xfrm>
-            <a:off x="2522759" y="9444150"/>
-            <a:ext cx="869149" cy="400110"/>
+            <a:off x="2921744" y="9440743"/>
+            <a:ext cx="498855" cy="400110"/>
           </a:xfrm>
           <a:prstGeom prst="rect">
             <a:avLst/>
@@ -5719,7 +5855,7 @@
                 <a:latin typeface="Arial" panose="020B0604020202020204" pitchFamily="34" charset="0"/>
                 <a:cs typeface="Arial" panose="020B0604020202020204" pitchFamily="34" charset="0"/>
               </a:rPr>
-              <a:t>Box B</a:t>
+              <a:t>B2</a:t>
             </a:r>
           </a:p>
         </p:txBody>
@@ -5738,8 +5874,8 @@
         </p:nvSpPr>
         <p:spPr>
           <a:xfrm>
-            <a:off x="7661074" y="9440743"/>
-            <a:ext cx="883575" cy="400110"/>
+            <a:off x="7599951" y="9440743"/>
+            <a:ext cx="498855" cy="400110"/>
           </a:xfrm>
           <a:prstGeom prst="rect">
             <a:avLst/>
@@ -5760,7 +5896,555 @@
                 <a:latin typeface="Arial" panose="020B0604020202020204" pitchFamily="34" charset="0"/>
                 <a:cs typeface="Arial" panose="020B0604020202020204" pitchFamily="34" charset="0"/>
               </a:rPr>
-              <a:t>Box C</a:t>
+              <a:t>B4</a:t>
+            </a:r>
+          </a:p>
+        </p:txBody>
+      </p:sp>
+      <p:sp>
+        <p:nvSpPr>
+          <p:cNvPr id="2" name="TextBox 1">
+            <a:extLst>
+              <a:ext uri="{FF2B5EF4-FFF2-40B4-BE49-F238E27FC236}">
+                <a16:creationId xmlns:a16="http://schemas.microsoft.com/office/drawing/2014/main" id="{EF73ECB2-138A-46A0-9274-40B73B8DE9AF}"/>
+              </a:ext>
+            </a:extLst>
+          </p:cNvPr>
+          <p:cNvSpPr txBox="1"/>
+          <p:nvPr/>
+        </p:nvSpPr>
+        <p:spPr>
+          <a:xfrm>
+            <a:off x="366218" y="153191"/>
+            <a:ext cx="356188" cy="400110"/>
+          </a:xfrm>
+          <a:prstGeom prst="rect">
+            <a:avLst/>
+          </a:prstGeom>
+          <a:noFill/>
+        </p:spPr>
+        <p:txBody>
+          <a:bodyPr wrap="none" rtlCol="0">
+            <a:spAutoFit/>
+          </a:bodyPr>
+          <a:lstStyle/>
+          <a:p>
+            <a:r>
+              <a:rPr lang="en-US" sz="2000" dirty="0">
+                <a:latin typeface="Arial" panose="020B0604020202020204" pitchFamily="34" charset="0"/>
+                <a:cs typeface="Arial" panose="020B0604020202020204" pitchFamily="34" charset="0"/>
+              </a:rPr>
+              <a:t>A</a:t>
+            </a:r>
+          </a:p>
+        </p:txBody>
+      </p:sp>
+      <p:sp>
+        <p:nvSpPr>
+          <p:cNvPr id="3" name="TextBox 2">
+            <a:extLst>
+              <a:ext uri="{FF2B5EF4-FFF2-40B4-BE49-F238E27FC236}">
+                <a16:creationId xmlns:a16="http://schemas.microsoft.com/office/drawing/2014/main" id="{CA1D5E9D-2276-76F4-325E-D63964C9F823}"/>
+              </a:ext>
+            </a:extLst>
+          </p:cNvPr>
+          <p:cNvSpPr txBox="1"/>
+          <p:nvPr/>
+        </p:nvSpPr>
+        <p:spPr>
+          <a:xfrm>
+            <a:off x="4625917" y="150518"/>
+            <a:ext cx="356188" cy="400110"/>
+          </a:xfrm>
+          <a:prstGeom prst="rect">
+            <a:avLst/>
+          </a:prstGeom>
+          <a:noFill/>
+        </p:spPr>
+        <p:txBody>
+          <a:bodyPr wrap="none" rtlCol="0">
+            <a:spAutoFit/>
+          </a:bodyPr>
+          <a:lstStyle/>
+          <a:p>
+            <a:r>
+              <a:rPr lang="en-US" sz="2000" dirty="0">
+                <a:latin typeface="Arial" panose="020B0604020202020204" pitchFamily="34" charset="0"/>
+                <a:cs typeface="Arial" panose="020B0604020202020204" pitchFamily="34" charset="0"/>
+              </a:rPr>
+              <a:t>B</a:t>
+            </a:r>
+          </a:p>
+        </p:txBody>
+      </p:sp>
+      <p:sp>
+        <p:nvSpPr>
+          <p:cNvPr id="4" name="TextBox 3">
+            <a:extLst>
+              <a:ext uri="{FF2B5EF4-FFF2-40B4-BE49-F238E27FC236}">
+                <a16:creationId xmlns:a16="http://schemas.microsoft.com/office/drawing/2014/main" id="{EA0706E9-AEF1-077B-72C6-8673863940A8}"/>
+              </a:ext>
+            </a:extLst>
+          </p:cNvPr>
+          <p:cNvSpPr txBox="1"/>
+          <p:nvPr/>
+        </p:nvSpPr>
+        <p:spPr>
+          <a:xfrm>
+            <a:off x="366218" y="2771281"/>
+            <a:ext cx="370614" cy="400110"/>
+          </a:xfrm>
+          <a:prstGeom prst="rect">
+            <a:avLst/>
+          </a:prstGeom>
+          <a:noFill/>
+        </p:spPr>
+        <p:txBody>
+          <a:bodyPr wrap="none" rtlCol="0">
+            <a:spAutoFit/>
+          </a:bodyPr>
+          <a:lstStyle/>
+          <a:p>
+            <a:r>
+              <a:rPr lang="en-US" sz="2000" dirty="0">
+                <a:latin typeface="Arial" panose="020B0604020202020204" pitchFamily="34" charset="0"/>
+                <a:cs typeface="Arial" panose="020B0604020202020204" pitchFamily="34" charset="0"/>
+              </a:rPr>
+              <a:t>C</a:t>
+            </a:r>
+          </a:p>
+        </p:txBody>
+      </p:sp>
+      <p:sp>
+        <p:nvSpPr>
+          <p:cNvPr id="5" name="TextBox 4">
+            <a:extLst>
+              <a:ext uri="{FF2B5EF4-FFF2-40B4-BE49-F238E27FC236}">
+                <a16:creationId xmlns:a16="http://schemas.microsoft.com/office/drawing/2014/main" id="{7938405D-DE20-98D2-1FF3-62B7F54A8349}"/>
+              </a:ext>
+            </a:extLst>
+          </p:cNvPr>
+          <p:cNvSpPr txBox="1"/>
+          <p:nvPr/>
+        </p:nvSpPr>
+        <p:spPr>
+          <a:xfrm>
+            <a:off x="4621646" y="2771281"/>
+            <a:ext cx="370614" cy="400110"/>
+          </a:xfrm>
+          <a:prstGeom prst="rect">
+            <a:avLst/>
+          </a:prstGeom>
+          <a:noFill/>
+        </p:spPr>
+        <p:txBody>
+          <a:bodyPr wrap="none" rtlCol="0">
+            <a:spAutoFit/>
+          </a:bodyPr>
+          <a:lstStyle/>
+          <a:p>
+            <a:r>
+              <a:rPr lang="en-US" sz="2000" dirty="0">
+                <a:latin typeface="Arial" panose="020B0604020202020204" pitchFamily="34" charset="0"/>
+                <a:cs typeface="Arial" panose="020B0604020202020204" pitchFamily="34" charset="0"/>
+              </a:rPr>
+              <a:t>D</a:t>
+            </a:r>
+          </a:p>
+        </p:txBody>
+      </p:sp>
+      <p:sp>
+        <p:nvSpPr>
+          <p:cNvPr id="6" name="TextBox 5">
+            <a:extLst>
+              <a:ext uri="{FF2B5EF4-FFF2-40B4-BE49-F238E27FC236}">
+                <a16:creationId xmlns:a16="http://schemas.microsoft.com/office/drawing/2014/main" id="{30162D44-F5CD-47B5-5B97-8F7674656F8C}"/>
+              </a:ext>
+            </a:extLst>
+          </p:cNvPr>
+          <p:cNvSpPr txBox="1"/>
+          <p:nvPr/>
+        </p:nvSpPr>
+        <p:spPr>
+          <a:xfrm>
+            <a:off x="8926598" y="150518"/>
+            <a:ext cx="341760" cy="400110"/>
+          </a:xfrm>
+          <a:prstGeom prst="rect">
+            <a:avLst/>
+          </a:prstGeom>
+          <a:noFill/>
+        </p:spPr>
+        <p:txBody>
+          <a:bodyPr wrap="none" rtlCol="0">
+            <a:spAutoFit/>
+          </a:bodyPr>
+          <a:lstStyle/>
+          <a:p>
+            <a:r>
+              <a:rPr lang="en-US" sz="2000" dirty="0">
+                <a:latin typeface="Arial" panose="020B0604020202020204" pitchFamily="34" charset="0"/>
+                <a:cs typeface="Arial" panose="020B0604020202020204" pitchFamily="34" charset="0"/>
+              </a:rPr>
+              <a:t>F</a:t>
+            </a:r>
+          </a:p>
+        </p:txBody>
+      </p:sp>
+      <p:sp>
+        <p:nvSpPr>
+          <p:cNvPr id="8" name="TextBox 7">
+            <a:extLst>
+              <a:ext uri="{FF2B5EF4-FFF2-40B4-BE49-F238E27FC236}">
+                <a16:creationId xmlns:a16="http://schemas.microsoft.com/office/drawing/2014/main" id="{4366D932-45ED-729C-8325-15DA12B9EBD2}"/>
+              </a:ext>
+            </a:extLst>
+          </p:cNvPr>
+          <p:cNvSpPr txBox="1"/>
+          <p:nvPr/>
+        </p:nvSpPr>
+        <p:spPr>
+          <a:xfrm>
+            <a:off x="8926598" y="8392461"/>
+            <a:ext cx="312906" cy="400110"/>
+          </a:xfrm>
+          <a:prstGeom prst="rect">
+            <a:avLst/>
+          </a:prstGeom>
+          <a:noFill/>
+        </p:spPr>
+        <p:txBody>
+          <a:bodyPr wrap="none" rtlCol="0">
+            <a:spAutoFit/>
+          </a:bodyPr>
+          <a:lstStyle/>
+          <a:p>
+            <a:r>
+              <a:rPr lang="en-US" sz="2000" dirty="0">
+                <a:latin typeface="Arial" panose="020B0604020202020204" pitchFamily="34" charset="0"/>
+                <a:cs typeface="Arial" panose="020B0604020202020204" pitchFamily="34" charset="0"/>
+              </a:rPr>
+              <a:t>J</a:t>
+            </a:r>
+          </a:p>
+        </p:txBody>
+      </p:sp>
+      <p:sp>
+        <p:nvSpPr>
+          <p:cNvPr id="21" name="TextBox 20">
+            <a:extLst>
+              <a:ext uri="{FF2B5EF4-FFF2-40B4-BE49-F238E27FC236}">
+                <a16:creationId xmlns:a16="http://schemas.microsoft.com/office/drawing/2014/main" id="{99B94336-7AAB-9A8C-3599-00C1C65E7458}"/>
+              </a:ext>
+            </a:extLst>
+          </p:cNvPr>
+          <p:cNvSpPr txBox="1"/>
+          <p:nvPr/>
+        </p:nvSpPr>
+        <p:spPr>
+          <a:xfrm>
+            <a:off x="8926598" y="6331975"/>
+            <a:ext cx="255198" cy="400110"/>
+          </a:xfrm>
+          <a:prstGeom prst="rect">
+            <a:avLst/>
+          </a:prstGeom>
+          <a:noFill/>
+        </p:spPr>
+        <p:txBody>
+          <a:bodyPr wrap="none" rtlCol="0">
+            <a:spAutoFit/>
+          </a:bodyPr>
+          <a:lstStyle/>
+          <a:p>
+            <a:r>
+              <a:rPr lang="en-US" sz="2000" dirty="0">
+                <a:latin typeface="Arial" panose="020B0604020202020204" pitchFamily="34" charset="0"/>
+                <a:cs typeface="Arial" panose="020B0604020202020204" pitchFamily="34" charset="0"/>
+              </a:rPr>
+              <a:t>I</a:t>
+            </a:r>
+          </a:p>
+        </p:txBody>
+      </p:sp>
+      <p:sp>
+        <p:nvSpPr>
+          <p:cNvPr id="22" name="TextBox 21">
+            <a:extLst>
+              <a:ext uri="{FF2B5EF4-FFF2-40B4-BE49-F238E27FC236}">
+                <a16:creationId xmlns:a16="http://schemas.microsoft.com/office/drawing/2014/main" id="{C5F9E485-263D-575D-3AC7-2F1481FF45F5}"/>
+              </a:ext>
+            </a:extLst>
+          </p:cNvPr>
+          <p:cNvSpPr txBox="1"/>
+          <p:nvPr/>
+        </p:nvSpPr>
+        <p:spPr>
+          <a:xfrm>
+            <a:off x="8926598" y="4271489"/>
+            <a:ext cx="370614" cy="400110"/>
+          </a:xfrm>
+          <a:prstGeom prst="rect">
+            <a:avLst/>
+          </a:prstGeom>
+          <a:noFill/>
+        </p:spPr>
+        <p:txBody>
+          <a:bodyPr wrap="none" rtlCol="0">
+            <a:spAutoFit/>
+          </a:bodyPr>
+          <a:lstStyle/>
+          <a:p>
+            <a:r>
+              <a:rPr lang="en-US" sz="2000" dirty="0">
+                <a:latin typeface="Arial" panose="020B0604020202020204" pitchFamily="34" charset="0"/>
+                <a:cs typeface="Arial" panose="020B0604020202020204" pitchFamily="34" charset="0"/>
+              </a:rPr>
+              <a:t>H</a:t>
+            </a:r>
+          </a:p>
+        </p:txBody>
+      </p:sp>
+      <p:sp>
+        <p:nvSpPr>
+          <p:cNvPr id="23" name="TextBox 22">
+            <a:extLst>
+              <a:ext uri="{FF2B5EF4-FFF2-40B4-BE49-F238E27FC236}">
+                <a16:creationId xmlns:a16="http://schemas.microsoft.com/office/drawing/2014/main" id="{6C3F63B6-DBA5-F65A-D8D7-3FF717630A5D}"/>
+              </a:ext>
+            </a:extLst>
+          </p:cNvPr>
+          <p:cNvSpPr txBox="1"/>
+          <p:nvPr/>
+        </p:nvSpPr>
+        <p:spPr>
+          <a:xfrm>
+            <a:off x="8926598" y="2211003"/>
+            <a:ext cx="383438" cy="400110"/>
+          </a:xfrm>
+          <a:prstGeom prst="rect">
+            <a:avLst/>
+          </a:prstGeom>
+          <a:noFill/>
+        </p:spPr>
+        <p:txBody>
+          <a:bodyPr wrap="none" rtlCol="0">
+            <a:spAutoFit/>
+          </a:bodyPr>
+          <a:lstStyle/>
+          <a:p>
+            <a:r>
+              <a:rPr lang="en-US" sz="2000" dirty="0">
+                <a:latin typeface="Arial" panose="020B0604020202020204" pitchFamily="34" charset="0"/>
+                <a:cs typeface="Arial" panose="020B0604020202020204" pitchFamily="34" charset="0"/>
+              </a:rPr>
+              <a:t>G</a:t>
+            </a:r>
+          </a:p>
+        </p:txBody>
+      </p:sp>
+      <p:sp>
+        <p:nvSpPr>
+          <p:cNvPr id="24" name="TextBox 23">
+            <a:extLst>
+              <a:ext uri="{FF2B5EF4-FFF2-40B4-BE49-F238E27FC236}">
+                <a16:creationId xmlns:a16="http://schemas.microsoft.com/office/drawing/2014/main" id="{E8AD2673-73AD-1F92-DEFD-EABD10A48FCD}"/>
+              </a:ext>
+            </a:extLst>
+          </p:cNvPr>
+          <p:cNvSpPr txBox="1"/>
+          <p:nvPr/>
+        </p:nvSpPr>
+        <p:spPr>
+          <a:xfrm>
+            <a:off x="366218" y="5388416"/>
+            <a:ext cx="356188" cy="400110"/>
+          </a:xfrm>
+          <a:prstGeom prst="rect">
+            <a:avLst/>
+          </a:prstGeom>
+          <a:noFill/>
+        </p:spPr>
+        <p:txBody>
+          <a:bodyPr wrap="none" rtlCol="0">
+            <a:spAutoFit/>
+          </a:bodyPr>
+          <a:lstStyle/>
+          <a:p>
+            <a:r>
+              <a:rPr lang="en-US" sz="2000" dirty="0">
+                <a:latin typeface="Arial" panose="020B0604020202020204" pitchFamily="34" charset="0"/>
+                <a:cs typeface="Arial" panose="020B0604020202020204" pitchFamily="34" charset="0"/>
+              </a:rPr>
+              <a:t>E</a:t>
+            </a:r>
+          </a:p>
+        </p:txBody>
+      </p:sp>
+      <p:grpSp>
+        <p:nvGrpSpPr>
+          <p:cNvPr id="25" name="Group 24">
+            <a:extLst>
+              <a:ext uri="{FF2B5EF4-FFF2-40B4-BE49-F238E27FC236}">
+                <a16:creationId xmlns:a16="http://schemas.microsoft.com/office/drawing/2014/main" id="{B2BCED9B-9057-BD4C-5EE0-BC1B88037D1D}"/>
+              </a:ext>
+            </a:extLst>
+          </p:cNvPr>
+          <p:cNvGrpSpPr/>
+          <p:nvPr/>
+        </p:nvGrpSpPr>
+        <p:grpSpPr>
+          <a:xfrm>
+            <a:off x="5349540" y="9196988"/>
+            <a:ext cx="838929" cy="782785"/>
+            <a:chOff x="6095271" y="5125876"/>
+            <a:chExt cx="750147" cy="666834"/>
+          </a:xfrm>
+        </p:grpSpPr>
+        <p:sp>
+          <p:nvSpPr>
+            <p:cNvPr id="26" name="Rectangle 25">
+              <a:extLst>
+                <a:ext uri="{FF2B5EF4-FFF2-40B4-BE49-F238E27FC236}">
+                  <a16:creationId xmlns:a16="http://schemas.microsoft.com/office/drawing/2014/main" id="{FA67CFD9-9CFA-CF40-3D41-9EF4EE1D765D}"/>
+                </a:ext>
+              </a:extLst>
+            </p:cNvPr>
+            <p:cNvSpPr/>
+            <p:nvPr/>
+          </p:nvSpPr>
+          <p:spPr>
+            <a:xfrm>
+              <a:off x="6095271" y="5129800"/>
+              <a:ext cx="750147" cy="662910"/>
+            </a:xfrm>
+            <a:prstGeom prst="rect">
+              <a:avLst/>
+            </a:prstGeom>
+            <a:noFill/>
+            <a:ln w="79375">
+              <a:solidFill>
+                <a:schemeClr val="bg1">
+                  <a:alpha val="65000"/>
+                </a:schemeClr>
+              </a:solidFill>
+            </a:ln>
+          </p:spPr>
+          <p:style>
+            <a:lnRef idx="2">
+              <a:schemeClr val="accent1">
+                <a:shade val="15000"/>
+              </a:schemeClr>
+            </a:lnRef>
+            <a:fillRef idx="1">
+              <a:schemeClr val="accent1"/>
+            </a:fillRef>
+            <a:effectRef idx="0">
+              <a:schemeClr val="accent1"/>
+            </a:effectRef>
+            <a:fontRef idx="minor">
+              <a:schemeClr val="lt1"/>
+            </a:fontRef>
+          </p:style>
+          <p:txBody>
+            <a:bodyPr rtlCol="0" anchor="ctr"/>
+            <a:lstStyle/>
+            <a:p>
+              <a:pPr algn="ctr"/>
+              <a:endParaRPr lang="en-US"/>
+            </a:p>
+          </p:txBody>
+        </p:sp>
+        <p:sp>
+          <p:nvSpPr>
+            <p:cNvPr id="41" name="Rectangle 40">
+              <a:extLst>
+                <a:ext uri="{FF2B5EF4-FFF2-40B4-BE49-F238E27FC236}">
+                  <a16:creationId xmlns:a16="http://schemas.microsoft.com/office/drawing/2014/main" id="{F97A6F7E-F5CC-F190-F346-2E1A0222DE8B}"/>
+                </a:ext>
+              </a:extLst>
+            </p:cNvPr>
+            <p:cNvSpPr/>
+            <p:nvPr/>
+          </p:nvSpPr>
+          <p:spPr>
+            <a:xfrm>
+              <a:off x="6095272" y="5125876"/>
+              <a:ext cx="750146" cy="662910"/>
+            </a:xfrm>
+            <a:prstGeom prst="rect">
+              <a:avLst/>
+            </a:prstGeom>
+            <a:noFill/>
+            <a:ln w="31750">
+              <a:solidFill>
+                <a:srgbClr val="FF9300"/>
+              </a:solidFill>
+            </a:ln>
+          </p:spPr>
+          <p:style>
+            <a:lnRef idx="2">
+              <a:schemeClr val="accent1">
+                <a:shade val="15000"/>
+              </a:schemeClr>
+            </a:lnRef>
+            <a:fillRef idx="1">
+              <a:schemeClr val="accent1"/>
+            </a:fillRef>
+            <a:effectRef idx="0">
+              <a:schemeClr val="accent1"/>
+            </a:effectRef>
+            <a:fontRef idx="minor">
+              <a:schemeClr val="lt1"/>
+            </a:fontRef>
+          </p:style>
+          <p:txBody>
+            <a:bodyPr rtlCol="0" anchor="ctr"/>
+            <a:lstStyle/>
+            <a:p>
+              <a:pPr algn="ctr"/>
+              <a:endParaRPr lang="en-US"/>
+            </a:p>
+          </p:txBody>
+        </p:sp>
+      </p:grpSp>
+      <p:sp>
+        <p:nvSpPr>
+          <p:cNvPr id="43" name="TextBox 42">
+            <a:extLst>
+              <a:ext uri="{FF2B5EF4-FFF2-40B4-BE49-F238E27FC236}">
+                <a16:creationId xmlns:a16="http://schemas.microsoft.com/office/drawing/2014/main" id="{1E68B2E2-C50B-369A-527A-ABC53E53F4B9}"/>
+              </a:ext>
+            </a:extLst>
+          </p:cNvPr>
+          <p:cNvSpPr txBox="1"/>
+          <p:nvPr/>
+        </p:nvSpPr>
+        <p:spPr>
+          <a:xfrm>
+            <a:off x="6169150" y="9440743"/>
+            <a:ext cx="498855" cy="400110"/>
+          </a:xfrm>
+          <a:prstGeom prst="rect">
+            <a:avLst/>
+          </a:prstGeom>
+          <a:noFill/>
+        </p:spPr>
+        <p:txBody>
+          <a:bodyPr wrap="none" rtlCol="0">
+            <a:spAutoFit/>
+          </a:bodyPr>
+          <a:lstStyle/>
+          <a:p>
+            <a:r>
+              <a:rPr lang="en-US" sz="2000" dirty="0">
+                <a:solidFill>
+                  <a:srgbClr val="FF9300"/>
+                </a:solidFill>
+                <a:latin typeface="Arial" panose="020B0604020202020204" pitchFamily="34" charset="0"/>
+                <a:cs typeface="Arial" panose="020B0604020202020204" pitchFamily="34" charset="0"/>
+              </a:rPr>
+              <a:t>B3</a:t>
             </a:r>
           </a:p>
         </p:txBody>

--- a/figs/fig_results_ratecount_annotated.pptx
+++ b/figs/fig_results_ratecount_annotated.pptx
@@ -118,7 +118,7 @@
 <file path=ppt/revisionInfo.xml><?xml version="1.0" encoding="utf-8"?>
 <p1510:revInfo xmlns:a="http://schemas.openxmlformats.org/drawingml/2006/main" xmlns:r="http://schemas.openxmlformats.org/officeDocument/2006/relationships" xmlns:p1510="http://schemas.microsoft.com/office/powerpoint/2015/10/main">
   <p1510:revLst>
-    <p1510:client id="{AE73B4D5-7497-0F41-8DCD-42BE02F6FF1D}" v="35" dt="2025-05-18T15:47:32.141"/>
+    <p1510:client id="{AE73B4D5-7497-0F41-8DCD-42BE02F6FF1D}" v="42" dt="2025-05-23T02:13:31.502"/>
   </p1510:revLst>
 </p1510:revInfo>
 </file>
@@ -128,7 +128,7 @@
   <pc:docChgLst>
     <pc:chgData name="Barkasi, Michael" userId="604489e9-c8b5-4a18-ae0d-3a3e29c44efc" providerId="ADAL" clId="{AE73B4D5-7497-0F41-8DCD-42BE02F6FF1D}"/>
     <pc:docChg chg="undo custSel addSld delSld modSld modMainMaster modNotesMaster">
-      <pc:chgData name="Barkasi, Michael" userId="604489e9-c8b5-4a18-ae0d-3a3e29c44efc" providerId="ADAL" clId="{AE73B4D5-7497-0F41-8DCD-42BE02F6FF1D}" dt="2025-05-18T15:49:51.935" v="199" actId="1076"/>
+      <pc:chgData name="Barkasi, Michael" userId="604489e9-c8b5-4a18-ae0d-3a3e29c44efc" providerId="ADAL" clId="{AE73B4D5-7497-0F41-8DCD-42BE02F6FF1D}" dt="2025-05-23T02:14:32.260" v="245" actId="1076"/>
       <pc:docMkLst>
         <pc:docMk/>
       </pc:docMkLst>
@@ -138,101 +138,13 @@
           <pc:docMk/>
           <pc:sldMk cId="3272903639" sldId="256"/>
         </pc:sldMkLst>
-        <pc:spChg chg="mod">
-          <ac:chgData name="Barkasi, Michael" userId="604489e9-c8b5-4a18-ae0d-3a3e29c44efc" providerId="ADAL" clId="{AE73B4D5-7497-0F41-8DCD-42BE02F6FF1D}" dt="2025-05-18T04:50:09.394" v="3"/>
-          <ac:spMkLst>
-            <pc:docMk/>
-            <pc:sldMk cId="3272903639" sldId="256"/>
-            <ac:spMk id="13" creationId="{6A38B3C0-3EF8-9373-3B9F-3217E36692D5}"/>
-          </ac:spMkLst>
-        </pc:spChg>
-        <pc:spChg chg="mod">
-          <ac:chgData name="Barkasi, Michael" userId="604489e9-c8b5-4a18-ae0d-3a3e29c44efc" providerId="ADAL" clId="{AE73B4D5-7497-0F41-8DCD-42BE02F6FF1D}" dt="2025-05-18T04:50:09.394" v="3"/>
-          <ac:spMkLst>
-            <pc:docMk/>
-            <pc:sldMk cId="3272903639" sldId="256"/>
-            <ac:spMk id="14" creationId="{B16DABFD-B943-D568-A434-E3279AFEFCF3}"/>
-          </ac:spMkLst>
-        </pc:spChg>
-        <pc:spChg chg="mod">
-          <ac:chgData name="Barkasi, Michael" userId="604489e9-c8b5-4a18-ae0d-3a3e29c44efc" providerId="ADAL" clId="{AE73B4D5-7497-0F41-8DCD-42BE02F6FF1D}" dt="2025-05-18T04:50:09.394" v="3"/>
-          <ac:spMkLst>
-            <pc:docMk/>
-            <pc:sldMk cId="3272903639" sldId="256"/>
-            <ac:spMk id="15" creationId="{24CD2FBE-2A5D-FC89-7E2A-1E84DDAEA57D}"/>
-          </ac:spMkLst>
-        </pc:spChg>
-        <pc:spChg chg="mod">
-          <ac:chgData name="Barkasi, Michael" userId="604489e9-c8b5-4a18-ae0d-3a3e29c44efc" providerId="ADAL" clId="{AE73B4D5-7497-0F41-8DCD-42BE02F6FF1D}" dt="2025-05-18T04:50:09.394" v="3"/>
-          <ac:spMkLst>
-            <pc:docMk/>
-            <pc:sldMk cId="3272903639" sldId="256"/>
-            <ac:spMk id="26" creationId="{69388D23-69A5-CFF9-E0B4-E8BBC379842F}"/>
-          </ac:spMkLst>
-        </pc:spChg>
-        <pc:spChg chg="mod">
-          <ac:chgData name="Barkasi, Michael" userId="604489e9-c8b5-4a18-ae0d-3a3e29c44efc" providerId="ADAL" clId="{AE73B4D5-7497-0F41-8DCD-42BE02F6FF1D}" dt="2025-05-18T04:50:09.394" v="3"/>
-          <ac:spMkLst>
-            <pc:docMk/>
-            <pc:sldMk cId="3272903639" sldId="256"/>
-            <ac:spMk id="27" creationId="{F284F9B9-F838-5B56-B945-41B17863B74F}"/>
-          </ac:spMkLst>
-        </pc:spChg>
-        <pc:spChg chg="mod">
-          <ac:chgData name="Barkasi, Michael" userId="604489e9-c8b5-4a18-ae0d-3a3e29c44efc" providerId="ADAL" clId="{AE73B4D5-7497-0F41-8DCD-42BE02F6FF1D}" dt="2025-05-18T04:50:09.394" v="3"/>
-          <ac:spMkLst>
-            <pc:docMk/>
-            <pc:sldMk cId="3272903639" sldId="256"/>
-            <ac:spMk id="28" creationId="{4061AEFB-C2F2-99A9-5294-6CE631CDBC76}"/>
-          </ac:spMkLst>
-        </pc:spChg>
-        <pc:spChg chg="mod">
-          <ac:chgData name="Barkasi, Michael" userId="604489e9-c8b5-4a18-ae0d-3a3e29c44efc" providerId="ADAL" clId="{AE73B4D5-7497-0F41-8DCD-42BE02F6FF1D}" dt="2025-05-18T04:50:09.394" v="3"/>
-          <ac:spMkLst>
-            <pc:docMk/>
-            <pc:sldMk cId="3272903639" sldId="256"/>
-            <ac:spMk id="29" creationId="{E2961A19-B3B5-DD25-3B2A-F33A7B35C192}"/>
-          </ac:spMkLst>
-        </pc:spChg>
-        <pc:spChg chg="mod">
-          <ac:chgData name="Barkasi, Michael" userId="604489e9-c8b5-4a18-ae0d-3a3e29c44efc" providerId="ADAL" clId="{AE73B4D5-7497-0F41-8DCD-42BE02F6FF1D}" dt="2025-05-18T04:50:09.394" v="3"/>
-          <ac:spMkLst>
-            <pc:docMk/>
-            <pc:sldMk cId="3272903639" sldId="256"/>
-            <ac:spMk id="30" creationId="{36E4EA35-8D8A-156B-5475-3F802B8E4719}"/>
-          </ac:spMkLst>
-        </pc:spChg>
-        <pc:spChg chg="mod">
-          <ac:chgData name="Barkasi, Michael" userId="604489e9-c8b5-4a18-ae0d-3a3e29c44efc" providerId="ADAL" clId="{AE73B4D5-7497-0F41-8DCD-42BE02F6FF1D}" dt="2025-05-18T04:50:09.394" v="3"/>
-          <ac:spMkLst>
-            <pc:docMk/>
-            <pc:sldMk cId="3272903639" sldId="256"/>
-            <ac:spMk id="32" creationId="{1EBE8E1A-B5FA-4C1F-1FB1-3367B89556A3}"/>
-          </ac:spMkLst>
-        </pc:spChg>
-        <pc:spChg chg="mod">
-          <ac:chgData name="Barkasi, Michael" userId="604489e9-c8b5-4a18-ae0d-3a3e29c44efc" providerId="ADAL" clId="{AE73B4D5-7497-0F41-8DCD-42BE02F6FF1D}" dt="2025-05-18T04:50:09.394" v="3"/>
-          <ac:spMkLst>
-            <pc:docMk/>
-            <pc:sldMk cId="3272903639" sldId="256"/>
-            <ac:spMk id="37" creationId="{EA0206E1-D113-002D-A944-7589C80A377B}"/>
-          </ac:spMkLst>
-        </pc:spChg>
       </pc:sldChg>
       <pc:sldChg chg="addSp delSp modSp new mod">
-        <pc:chgData name="Barkasi, Michael" userId="604489e9-c8b5-4a18-ae0d-3a3e29c44efc" providerId="ADAL" clId="{AE73B4D5-7497-0F41-8DCD-42BE02F6FF1D}" dt="2025-05-18T15:49:51.935" v="199" actId="1076"/>
+        <pc:chgData name="Barkasi, Michael" userId="604489e9-c8b5-4a18-ae0d-3a3e29c44efc" providerId="ADAL" clId="{AE73B4D5-7497-0F41-8DCD-42BE02F6FF1D}" dt="2025-05-23T02:14:32.260" v="245" actId="1076"/>
         <pc:sldMkLst>
           <pc:docMk/>
           <pc:sldMk cId="2771342219" sldId="257"/>
         </pc:sldMkLst>
-        <pc:spChg chg="del">
-          <ac:chgData name="Barkasi, Michael" userId="604489e9-c8b5-4a18-ae0d-3a3e29c44efc" providerId="ADAL" clId="{AE73B4D5-7497-0F41-8DCD-42BE02F6FF1D}" dt="2025-05-18T04:47:18.808" v="1" actId="478"/>
-          <ac:spMkLst>
-            <pc:docMk/>
-            <pc:sldMk cId="2771342219" sldId="257"/>
-            <ac:spMk id="2" creationId="{47AA70BD-7F4C-720D-093C-6195C850DE29}"/>
-          </ac:spMkLst>
-        </pc:spChg>
         <pc:spChg chg="add mod">
           <ac:chgData name="Barkasi, Michael" userId="604489e9-c8b5-4a18-ae0d-3a3e29c44efc" providerId="ADAL" clId="{AE73B4D5-7497-0F41-8DCD-42BE02F6FF1D}" dt="2025-05-18T15:06:34.343" v="160" actId="1076"/>
           <ac:spMkLst>
@@ -247,14 +159,6 @@
             <pc:docMk/>
             <pc:sldMk cId="2771342219" sldId="257"/>
             <ac:spMk id="3" creationId="{CA1D5E9D-2276-76F4-325E-D63964C9F823}"/>
-          </ac:spMkLst>
-        </pc:spChg>
-        <pc:spChg chg="del">
-          <ac:chgData name="Barkasi, Michael" userId="604489e9-c8b5-4a18-ae0d-3a3e29c44efc" providerId="ADAL" clId="{AE73B4D5-7497-0F41-8DCD-42BE02F6FF1D}" dt="2025-05-18T04:47:20.079" v="2" actId="478"/>
-          <ac:spMkLst>
-            <pc:docMk/>
-            <pc:sldMk cId="2771342219" sldId="257"/>
-            <ac:spMk id="3" creationId="{D04A4130-4508-9E30-771B-E8A2D6A2CDDE}"/>
           </ac:spMkLst>
         </pc:spChg>
         <pc:spChg chg="add mod">
@@ -330,7 +234,7 @@
           </ac:spMkLst>
         </pc:spChg>
         <pc:spChg chg="add mod">
-          <ac:chgData name="Barkasi, Michael" userId="604489e9-c8b5-4a18-ae0d-3a3e29c44efc" providerId="ADAL" clId="{AE73B4D5-7497-0F41-8DCD-42BE02F6FF1D}" dt="2025-05-18T05:03:32.497" v="71" actId="1076"/>
+          <ac:chgData name="Barkasi, Michael" userId="604489e9-c8b5-4a18-ae0d-3a3e29c44efc" providerId="ADAL" clId="{AE73B4D5-7497-0F41-8DCD-42BE02F6FF1D}" dt="2025-05-23T02:09:37.354" v="208" actId="1076"/>
           <ac:spMkLst>
             <pc:docMk/>
             <pc:sldMk cId="2771342219" sldId="257"/>
@@ -338,7 +242,7 @@
           </ac:spMkLst>
         </pc:spChg>
         <pc:spChg chg="add mod">
-          <ac:chgData name="Barkasi, Michael" userId="604489e9-c8b5-4a18-ae0d-3a3e29c44efc" providerId="ADAL" clId="{AE73B4D5-7497-0F41-8DCD-42BE02F6FF1D}" dt="2025-05-18T05:03:46.235" v="72" actId="1076"/>
+          <ac:chgData name="Barkasi, Michael" userId="604489e9-c8b5-4a18-ae0d-3a3e29c44efc" providerId="ADAL" clId="{AE73B4D5-7497-0F41-8DCD-42BE02F6FF1D}" dt="2025-05-23T02:10:02.591" v="211" actId="1076"/>
           <ac:spMkLst>
             <pc:docMk/>
             <pc:sldMk cId="2771342219" sldId="257"/>
@@ -346,7 +250,7 @@
           </ac:spMkLst>
         </pc:spChg>
         <pc:spChg chg="add mod">
-          <ac:chgData name="Barkasi, Michael" userId="604489e9-c8b5-4a18-ae0d-3a3e29c44efc" providerId="ADAL" clId="{AE73B4D5-7497-0F41-8DCD-42BE02F6FF1D}" dt="2025-05-18T15:49:45.306" v="198" actId="14100"/>
+          <ac:chgData name="Barkasi, Michael" userId="604489e9-c8b5-4a18-ae0d-3a3e29c44efc" providerId="ADAL" clId="{AE73B4D5-7497-0F41-8DCD-42BE02F6FF1D}" dt="2025-05-23T02:09:49.197" v="210" actId="14100"/>
           <ac:spMkLst>
             <pc:docMk/>
             <pc:sldMk cId="2771342219" sldId="257"/>
@@ -354,7 +258,7 @@
           </ac:spMkLst>
         </pc:spChg>
         <pc:spChg chg="add mod">
-          <ac:chgData name="Barkasi, Michael" userId="604489e9-c8b5-4a18-ae0d-3a3e29c44efc" providerId="ADAL" clId="{AE73B4D5-7497-0F41-8DCD-42BE02F6FF1D}" dt="2025-05-18T15:49:51.935" v="199" actId="1076"/>
+          <ac:chgData name="Barkasi, Michael" userId="604489e9-c8b5-4a18-ae0d-3a3e29c44efc" providerId="ADAL" clId="{AE73B4D5-7497-0F41-8DCD-42BE02F6FF1D}" dt="2025-05-23T02:10:10.825" v="212" actId="1076"/>
           <ac:spMkLst>
             <pc:docMk/>
             <pc:sldMk cId="2771342219" sldId="257"/>
@@ -386,59 +290,11 @@
           </ac:spMkLst>
         </pc:spChg>
         <pc:spChg chg="add mod">
-          <ac:chgData name="Barkasi, Michael" userId="604489e9-c8b5-4a18-ae0d-3a3e29c44efc" providerId="ADAL" clId="{AE73B4D5-7497-0F41-8DCD-42BE02F6FF1D}" dt="2025-05-18T05:03:26.415" v="70" actId="571"/>
-          <ac:spMkLst>
-            <pc:docMk/>
-            <pc:sldMk cId="2771342219" sldId="257"/>
-            <ac:spMk id="23" creationId="{B00004DF-7D68-7C4C-8853-B60DFCBF0DD8}"/>
-          </ac:spMkLst>
-        </pc:spChg>
-        <pc:spChg chg="add mod">
-          <ac:chgData name="Barkasi, Michael" userId="604489e9-c8b5-4a18-ae0d-3a3e29c44efc" providerId="ADAL" clId="{AE73B4D5-7497-0F41-8DCD-42BE02F6FF1D}" dt="2025-05-18T05:03:26.415" v="70" actId="571"/>
-          <ac:spMkLst>
-            <pc:docMk/>
-            <pc:sldMk cId="2771342219" sldId="257"/>
-            <ac:spMk id="24" creationId="{96E281C4-6AC5-B818-6F01-CCF582FD1575}"/>
-          </ac:spMkLst>
-        </pc:spChg>
-        <pc:spChg chg="add mod">
           <ac:chgData name="Barkasi, Michael" userId="604489e9-c8b5-4a18-ae0d-3a3e29c44efc" providerId="ADAL" clId="{AE73B4D5-7497-0F41-8DCD-42BE02F6FF1D}" dt="2025-05-18T15:07:37.502" v="165" actId="1076"/>
           <ac:spMkLst>
             <pc:docMk/>
             <pc:sldMk cId="2771342219" sldId="257"/>
             <ac:spMk id="24" creationId="{E8AD2673-73AD-1F92-DEFD-EABD10A48FCD}"/>
-          </ac:spMkLst>
-        </pc:spChg>
-        <pc:spChg chg="add mod">
-          <ac:chgData name="Barkasi, Michael" userId="604489e9-c8b5-4a18-ae0d-3a3e29c44efc" providerId="ADAL" clId="{AE73B4D5-7497-0F41-8DCD-42BE02F6FF1D}" dt="2025-05-18T05:03:26.415" v="70" actId="571"/>
-          <ac:spMkLst>
-            <pc:docMk/>
-            <pc:sldMk cId="2771342219" sldId="257"/>
-            <ac:spMk id="25" creationId="{781E6351-F09E-F217-1A49-1136D12E2494}"/>
-          </ac:spMkLst>
-        </pc:spChg>
-        <pc:spChg chg="add mod">
-          <ac:chgData name="Barkasi, Michael" userId="604489e9-c8b5-4a18-ae0d-3a3e29c44efc" providerId="ADAL" clId="{AE73B4D5-7497-0F41-8DCD-42BE02F6FF1D}" dt="2025-05-18T15:07:05.689" v="163" actId="571"/>
-          <ac:spMkLst>
-            <pc:docMk/>
-            <pc:sldMk cId="2771342219" sldId="257"/>
-            <ac:spMk id="25" creationId="{FA1C5EF2-50F4-8CDA-47C5-E68B9ED4FAD9}"/>
-          </ac:spMkLst>
-        </pc:spChg>
-        <pc:spChg chg="add mod">
-          <ac:chgData name="Barkasi, Michael" userId="604489e9-c8b5-4a18-ae0d-3a3e29c44efc" providerId="ADAL" clId="{AE73B4D5-7497-0F41-8DCD-42BE02F6FF1D}" dt="2025-05-18T15:09:04.217" v="170" actId="571"/>
-          <ac:spMkLst>
-            <pc:docMk/>
-            <pc:sldMk cId="2771342219" sldId="257"/>
-            <ac:spMk id="26" creationId="{21B1F4BD-B386-0AD8-41B3-C79027C3595F}"/>
-          </ac:spMkLst>
-        </pc:spChg>
-        <pc:spChg chg="add mod">
-          <ac:chgData name="Barkasi, Michael" userId="604489e9-c8b5-4a18-ae0d-3a3e29c44efc" providerId="ADAL" clId="{AE73B4D5-7497-0F41-8DCD-42BE02F6FF1D}" dt="2025-05-18T05:03:26.415" v="70" actId="571"/>
-          <ac:spMkLst>
-            <pc:docMk/>
-            <pc:sldMk cId="2771342219" sldId="257"/>
-            <ac:spMk id="26" creationId="{45B4E1E8-3275-6002-C275-DFAC5F6B0906}"/>
           </ac:spMkLst>
         </pc:spChg>
         <pc:spChg chg="mod">
@@ -450,7 +306,7 @@
           </ac:spMkLst>
         </pc:spChg>
         <pc:spChg chg="add mod">
-          <ac:chgData name="Barkasi, Michael" userId="604489e9-c8b5-4a18-ae0d-3a3e29c44efc" providerId="ADAL" clId="{AE73B4D5-7497-0F41-8DCD-42BE02F6FF1D}" dt="2025-05-18T15:47:57.991" v="185" actId="1076"/>
+          <ac:chgData name="Barkasi, Michael" userId="604489e9-c8b5-4a18-ae0d-3a3e29c44efc" providerId="ADAL" clId="{AE73B4D5-7497-0F41-8DCD-42BE02F6FF1D}" dt="2025-05-23T02:14:32.260" v="245" actId="1076"/>
           <ac:spMkLst>
             <pc:docMk/>
             <pc:sldMk cId="2771342219" sldId="257"/>
@@ -458,7 +314,7 @@
           </ac:spMkLst>
         </pc:spChg>
         <pc:spChg chg="add mod">
-          <ac:chgData name="Barkasi, Michael" userId="604489e9-c8b5-4a18-ae0d-3a3e29c44efc" providerId="ADAL" clId="{AE73B4D5-7497-0F41-8DCD-42BE02F6FF1D}" dt="2025-05-18T15:42:09.302" v="177" actId="692"/>
+          <ac:chgData name="Barkasi, Michael" userId="604489e9-c8b5-4a18-ae0d-3a3e29c44efc" providerId="ADAL" clId="{AE73B4D5-7497-0F41-8DCD-42BE02F6FF1D}" dt="2025-05-23T02:10:50.253" v="218" actId="1076"/>
           <ac:spMkLst>
             <pc:docMk/>
             <pc:sldMk cId="2771342219" sldId="257"/>
@@ -466,15 +322,15 @@
           </ac:spMkLst>
         </pc:spChg>
         <pc:spChg chg="add mod">
-          <ac:chgData name="Barkasi, Michael" userId="604489e9-c8b5-4a18-ae0d-3a3e29c44efc" providerId="ADAL" clId="{AE73B4D5-7497-0F41-8DCD-42BE02F6FF1D}" dt="2025-05-18T15:42:26.445" v="179" actId="692"/>
+          <ac:chgData name="Barkasi, Michael" userId="604489e9-c8b5-4a18-ae0d-3a3e29c44efc" providerId="ADAL" clId="{AE73B4D5-7497-0F41-8DCD-42BE02F6FF1D}" dt="2025-05-23T02:13:31.502" v="239" actId="206"/>
           <ac:spMkLst>
             <pc:docMk/>
             <pc:sldMk cId="2771342219" sldId="257"/>
             <ac:spMk id="32" creationId="{D5F83796-D4C3-8395-EAB4-1AD4829DEB34}"/>
           </ac:spMkLst>
         </pc:spChg>
-        <pc:spChg chg="add mod">
-          <ac:chgData name="Barkasi, Michael" userId="604489e9-c8b5-4a18-ae0d-3a3e29c44efc" providerId="ADAL" clId="{AE73B4D5-7497-0F41-8DCD-42BE02F6FF1D}" dt="2025-05-18T15:42:20.951" v="178" actId="692"/>
+        <pc:spChg chg="add del mod">
+          <ac:chgData name="Barkasi, Michael" userId="604489e9-c8b5-4a18-ae0d-3a3e29c44efc" providerId="ADAL" clId="{AE73B4D5-7497-0F41-8DCD-42BE02F6FF1D}" dt="2025-05-23T02:12:12.854" v="226" actId="478"/>
           <ac:spMkLst>
             <pc:docMk/>
             <pc:sldMk cId="2771342219" sldId="257"/>
@@ -514,7 +370,7 @@
           </ac:spMkLst>
         </pc:spChg>
         <pc:spChg chg="add mod">
-          <ac:chgData name="Barkasi, Michael" userId="604489e9-c8b5-4a18-ae0d-3a3e29c44efc" providerId="ADAL" clId="{AE73B4D5-7497-0F41-8DCD-42BE02F6FF1D}" dt="2025-05-18T15:49:23.360" v="197" actId="1076"/>
+          <ac:chgData name="Barkasi, Michael" userId="604489e9-c8b5-4a18-ae0d-3a3e29c44efc" providerId="ADAL" clId="{AE73B4D5-7497-0F41-8DCD-42BE02F6FF1D}" dt="2025-05-23T02:14:22.900" v="244" actId="1076"/>
           <ac:spMkLst>
             <pc:docMk/>
             <pc:sldMk cId="2771342219" sldId="257"/>
@@ -522,19 +378,11 @@
           </ac:spMkLst>
         </pc:spChg>
         <pc:spChg chg="add mod">
-          <ac:chgData name="Barkasi, Michael" userId="604489e9-c8b5-4a18-ae0d-3a3e29c44efc" providerId="ADAL" clId="{AE73B4D5-7497-0F41-8DCD-42BE02F6FF1D}" dt="2025-05-18T15:49:09.424" v="196" actId="1076"/>
+          <ac:chgData name="Barkasi, Michael" userId="604489e9-c8b5-4a18-ae0d-3a3e29c44efc" providerId="ADAL" clId="{AE73B4D5-7497-0F41-8DCD-42BE02F6FF1D}" dt="2025-05-23T02:14:03.655" v="242" actId="1076"/>
           <ac:spMkLst>
             <pc:docMk/>
             <pc:sldMk cId="2771342219" sldId="257"/>
             <ac:spMk id="40" creationId="{B2D754C9-0945-9116-1F5A-E4A85BC910C9}"/>
-          </ac:spMkLst>
-        </pc:spChg>
-        <pc:spChg chg="add mod">
-          <ac:chgData name="Barkasi, Michael" userId="604489e9-c8b5-4a18-ae0d-3a3e29c44efc" providerId="ADAL" clId="{AE73B4D5-7497-0F41-8DCD-42BE02F6FF1D}" dt="2025-05-18T15:10:15.111" v="175" actId="571"/>
-          <ac:spMkLst>
-            <pc:docMk/>
-            <pc:sldMk cId="2771342219" sldId="257"/>
-            <ac:spMk id="41" creationId="{6F7681E9-E903-6D16-CF7E-B368A389AFD4}"/>
           </ac:spMkLst>
         </pc:spChg>
         <pc:spChg chg="mod">
@@ -546,7 +394,7 @@
           </ac:spMkLst>
         </pc:spChg>
         <pc:spChg chg="add mod">
-          <ac:chgData name="Barkasi, Michael" userId="604489e9-c8b5-4a18-ae0d-3a3e29c44efc" providerId="ADAL" clId="{AE73B4D5-7497-0F41-8DCD-42BE02F6FF1D}" dt="2025-05-18T15:48:47.884" v="194" actId="1076"/>
+          <ac:chgData name="Barkasi, Michael" userId="604489e9-c8b5-4a18-ae0d-3a3e29c44efc" providerId="ADAL" clId="{AE73B4D5-7497-0F41-8DCD-42BE02F6FF1D}" dt="2025-05-23T02:14:15.670" v="243" actId="1076"/>
           <ac:spMkLst>
             <pc:docMk/>
             <pc:sldMk cId="2771342219" sldId="257"/>
@@ -554,7 +402,7 @@
           </ac:spMkLst>
         </pc:spChg>
         <pc:grpChg chg="add mod">
-          <ac:chgData name="Barkasi, Michael" userId="604489e9-c8b5-4a18-ae0d-3a3e29c44efc" providerId="ADAL" clId="{AE73B4D5-7497-0F41-8DCD-42BE02F6FF1D}" dt="2025-05-18T15:47:26.742" v="181" actId="1076"/>
+          <ac:chgData name="Barkasi, Michael" userId="604489e9-c8b5-4a18-ae0d-3a3e29c44efc" providerId="ADAL" clId="{AE73B4D5-7497-0F41-8DCD-42BE02F6FF1D}" dt="2025-05-23T02:12:41.334" v="232" actId="14100"/>
           <ac:grpSpMkLst>
             <pc:docMk/>
             <pc:sldMk cId="2771342219" sldId="257"/>
@@ -562,7 +410,7 @@
           </ac:grpSpMkLst>
         </pc:grpChg>
         <pc:grpChg chg="mod">
-          <ac:chgData name="Barkasi, Michael" userId="604489e9-c8b5-4a18-ae0d-3a3e29c44efc" providerId="ADAL" clId="{AE73B4D5-7497-0F41-8DCD-42BE02F6FF1D}" dt="2025-05-18T05:06:33.236" v="88" actId="1076"/>
+          <ac:chgData name="Barkasi, Michael" userId="604489e9-c8b5-4a18-ae0d-3a3e29c44efc" providerId="ADAL" clId="{AE73B4D5-7497-0F41-8DCD-42BE02F6FF1D}" dt="2025-05-23T02:13:59.335" v="241" actId="14100"/>
           <ac:grpSpMkLst>
             <pc:docMk/>
             <pc:sldMk cId="2771342219" sldId="257"/>
@@ -570,31 +418,15 @@
           </ac:grpSpMkLst>
         </pc:grpChg>
         <pc:grpChg chg="add mod">
-          <ac:chgData name="Barkasi, Michael" userId="604489e9-c8b5-4a18-ae0d-3a3e29c44efc" providerId="ADAL" clId="{AE73B4D5-7497-0F41-8DCD-42BE02F6FF1D}" dt="2025-05-18T05:06:10.679" v="85" actId="1076"/>
-          <ac:grpSpMkLst>
-            <pc:docMk/>
-            <pc:sldMk cId="2771342219" sldId="257"/>
-            <ac:grpSpMk id="41" creationId="{0F813DFD-8B63-0425-9B77-4AC1C8295ABE}"/>
-          </ac:grpSpMkLst>
-        </pc:grpChg>
-        <pc:grpChg chg="add mod">
-          <ac:chgData name="Barkasi, Michael" userId="604489e9-c8b5-4a18-ae0d-3a3e29c44efc" providerId="ADAL" clId="{AE73B4D5-7497-0F41-8DCD-42BE02F6FF1D}" dt="2025-05-18T05:09:49.952" v="107" actId="164"/>
+          <ac:chgData name="Barkasi, Michael" userId="604489e9-c8b5-4a18-ae0d-3a3e29c44efc" providerId="ADAL" clId="{AE73B4D5-7497-0F41-8DCD-42BE02F6FF1D}" dt="2025-05-23T02:10:59.974" v="219" actId="1076"/>
           <ac:grpSpMkLst>
             <pc:docMk/>
             <pc:sldMk cId="2771342219" sldId="257"/>
             <ac:grpSpMk id="42" creationId="{D4891DC2-75E2-F321-052E-B91DAF56A534}"/>
           </ac:grpSpMkLst>
         </pc:grpChg>
-        <pc:picChg chg="add del mod">
-          <ac:chgData name="Barkasi, Michael" userId="604489e9-c8b5-4a18-ae0d-3a3e29c44efc" providerId="ADAL" clId="{AE73B4D5-7497-0F41-8DCD-42BE02F6FF1D}" dt="2025-05-18T04:57:40.668" v="22" actId="478"/>
-          <ac:picMkLst>
-            <pc:docMk/>
-            <pc:sldMk cId="2771342219" sldId="257"/>
-            <ac:picMk id="5" creationId="{1914FFFC-28CA-2B48-BC72-CB7BEE515C6E}"/>
-          </ac:picMkLst>
-        </pc:picChg>
-        <pc:picChg chg="add mod modCrop">
-          <ac:chgData name="Barkasi, Michael" userId="604489e9-c8b5-4a18-ae0d-3a3e29c44efc" providerId="ADAL" clId="{AE73B4D5-7497-0F41-8DCD-42BE02F6FF1D}" dt="2025-05-18T04:51:59.455" v="21" actId="1076"/>
+        <pc:picChg chg="add del mod modCrop">
+          <ac:chgData name="Barkasi, Michael" userId="604489e9-c8b5-4a18-ae0d-3a3e29c44efc" providerId="ADAL" clId="{AE73B4D5-7497-0F41-8DCD-42BE02F6FF1D}" dt="2025-05-23T02:08:14.468" v="203" actId="478"/>
           <ac:picMkLst>
             <pc:docMk/>
             <pc:sldMk cId="2771342219" sldId="257"/>
@@ -602,15 +434,23 @@
           </ac:picMkLst>
         </pc:picChg>
         <pc:picChg chg="add mod">
-          <ac:chgData name="Barkasi, Michael" userId="604489e9-c8b5-4a18-ae0d-3a3e29c44efc" providerId="ADAL" clId="{AE73B4D5-7497-0F41-8DCD-42BE02F6FF1D}" dt="2025-05-18T05:10:53.040" v="112" actId="1076"/>
+          <ac:chgData name="Barkasi, Michael" userId="604489e9-c8b5-4a18-ae0d-3a3e29c44efc" providerId="ADAL" clId="{AE73B4D5-7497-0F41-8DCD-42BE02F6FF1D}" dt="2025-05-23T02:12:56.676" v="234" actId="1076"/>
           <ac:picMkLst>
             <pc:docMk/>
             <pc:sldMk cId="2771342219" sldId="257"/>
             <ac:picMk id="9" creationId="{E4016535-52E8-D9F4-FB39-29EEF06A2DFD}"/>
           </ac:picMkLst>
         </pc:picChg>
+        <pc:picChg chg="add mod">
+          <ac:chgData name="Barkasi, Michael" userId="604489e9-c8b5-4a18-ae0d-3a3e29c44efc" providerId="ADAL" clId="{AE73B4D5-7497-0F41-8DCD-42BE02F6FF1D}" dt="2025-05-23T02:09:18.140" v="206" actId="1076"/>
+          <ac:picMkLst>
+            <pc:docMk/>
+            <pc:sldMk cId="2771342219" sldId="257"/>
+            <ac:picMk id="45" creationId="{BF5C619C-27EE-EAD0-E771-38CC614A9E9F}"/>
+          </ac:picMkLst>
+        </pc:picChg>
         <pc:cxnChg chg="add mod">
-          <ac:chgData name="Barkasi, Michael" userId="604489e9-c8b5-4a18-ae0d-3a3e29c44efc" providerId="ADAL" clId="{AE73B4D5-7497-0F41-8DCD-42BE02F6FF1D}" dt="2025-05-18T05:03:32.497" v="71" actId="1076"/>
+          <ac:chgData name="Barkasi, Michael" userId="604489e9-c8b5-4a18-ae0d-3a3e29c44efc" providerId="ADAL" clId="{AE73B4D5-7497-0F41-8DCD-42BE02F6FF1D}" dt="2025-05-23T02:09:33.386" v="207" actId="14100"/>
           <ac:cxnSpMkLst>
             <pc:docMk/>
             <pc:sldMk cId="2771342219" sldId="257"/>
@@ -625,24 +465,8 @@
             <ac:cxnSpMk id="16" creationId="{4C50C9A7-AF1D-5559-BD8E-138D6774BD9E}"/>
           </ac:cxnSpMkLst>
         </pc:cxnChg>
-        <pc:cxnChg chg="add mod">
-          <ac:chgData name="Barkasi, Michael" userId="604489e9-c8b5-4a18-ae0d-3a3e29c44efc" providerId="ADAL" clId="{AE73B4D5-7497-0F41-8DCD-42BE02F6FF1D}" dt="2025-05-18T05:03:26.415" v="70" actId="571"/>
-          <ac:cxnSpMkLst>
-            <pc:docMk/>
-            <pc:sldMk cId="2771342219" sldId="257"/>
-            <ac:cxnSpMk id="21" creationId="{8BFCBF24-670D-5AB1-8D5E-4CF4C19AF3F6}"/>
-          </ac:cxnSpMkLst>
-        </pc:cxnChg>
-        <pc:cxnChg chg="add mod">
-          <ac:chgData name="Barkasi, Michael" userId="604489e9-c8b5-4a18-ae0d-3a3e29c44efc" providerId="ADAL" clId="{AE73B4D5-7497-0F41-8DCD-42BE02F6FF1D}" dt="2025-05-18T05:03:26.415" v="70" actId="571"/>
-          <ac:cxnSpMkLst>
-            <pc:docMk/>
-            <pc:sldMk cId="2771342219" sldId="257"/>
-            <ac:cxnSpMk id="22" creationId="{98DC0FD2-764A-B6BC-B67E-2644D0D70594}"/>
-          </ac:cxnSpMkLst>
-        </pc:cxnChg>
         <pc:cxnChg chg="mod">
-          <ac:chgData name="Barkasi, Michael" userId="604489e9-c8b5-4a18-ae0d-3a3e29c44efc" providerId="ADAL" clId="{AE73B4D5-7497-0F41-8DCD-42BE02F6FF1D}" dt="2025-05-18T05:06:33.236" v="88" actId="1076"/>
+          <ac:chgData name="Barkasi, Michael" userId="604489e9-c8b5-4a18-ae0d-3a3e29c44efc" providerId="ADAL" clId="{AE73B4D5-7497-0F41-8DCD-42BE02F6FF1D}" dt="2025-05-23T02:13:11.643" v="236" actId="14100"/>
           <ac:cxnSpMkLst>
             <pc:docMk/>
             <pc:sldMk cId="2771342219" sldId="257"/>
@@ -650,19 +474,19 @@
           </ac:cxnSpMkLst>
         </pc:cxnChg>
         <pc:cxnChg chg="mod">
-          <ac:chgData name="Barkasi, Michael" userId="604489e9-c8b5-4a18-ae0d-3a3e29c44efc" providerId="ADAL" clId="{AE73B4D5-7497-0F41-8DCD-42BE02F6FF1D}" dt="2025-05-18T05:07:11.930" v="89" actId="1076"/>
+          <ac:chgData name="Barkasi, Michael" userId="604489e9-c8b5-4a18-ae0d-3a3e29c44efc" providerId="ADAL" clId="{AE73B4D5-7497-0F41-8DCD-42BE02F6FF1D}" dt="2025-05-23T02:11:49.249" v="222" actId="1076"/>
           <ac:cxnSpMkLst>
             <pc:docMk/>
             <pc:sldMk cId="2771342219" sldId="257"/>
             <ac:cxnSpMk id="29" creationId="{1CD26346-E81A-4470-528F-3277BD56AF43}"/>
           </ac:cxnSpMkLst>
         </pc:cxnChg>
-        <pc:cxnChg chg="add del mod">
-          <ac:chgData name="Barkasi, Michael" userId="604489e9-c8b5-4a18-ae0d-3a3e29c44efc" providerId="ADAL" clId="{AE73B4D5-7497-0F41-8DCD-42BE02F6FF1D}" dt="2025-05-18T05:11:17.959" v="115" actId="478"/>
+        <pc:cxnChg chg="mod">
+          <ac:chgData name="Barkasi, Michael" userId="604489e9-c8b5-4a18-ae0d-3a3e29c44efc" providerId="ADAL" clId="{AE73B4D5-7497-0F41-8DCD-42BE02F6FF1D}" dt="2025-05-23T02:11:24.386" v="221" actId="14100"/>
           <ac:cxnSpMkLst>
             <pc:docMk/>
             <pc:sldMk cId="2771342219" sldId="257"/>
-            <ac:cxnSpMk id="44" creationId="{B3C8FFD1-CE2C-1DAB-784D-22B194B5FD7C}"/>
+            <ac:cxnSpMk id="30" creationId="{97CA7731-B0BA-57F1-65CE-F9D9A821826C}"/>
           </ac:cxnSpMkLst>
         </pc:cxnChg>
       </pc:sldChg>
@@ -672,46 +496,6 @@
           <pc:docMk/>
           <pc:sldMasterMk cId="1250940944" sldId="2147483660"/>
         </pc:sldMasterMkLst>
-        <pc:spChg chg="mod">
-          <ac:chgData name="Barkasi, Michael" userId="604489e9-c8b5-4a18-ae0d-3a3e29c44efc" providerId="ADAL" clId="{AE73B4D5-7497-0F41-8DCD-42BE02F6FF1D}" dt="2025-05-18T04:50:09.394" v="3"/>
-          <ac:spMkLst>
-            <pc:docMk/>
-            <pc:sldMasterMk cId="1250940944" sldId="2147483660"/>
-            <ac:spMk id="2" creationId="{00000000-0000-0000-0000-000000000000}"/>
-          </ac:spMkLst>
-        </pc:spChg>
-        <pc:spChg chg="mod">
-          <ac:chgData name="Barkasi, Michael" userId="604489e9-c8b5-4a18-ae0d-3a3e29c44efc" providerId="ADAL" clId="{AE73B4D5-7497-0F41-8DCD-42BE02F6FF1D}" dt="2025-05-18T04:50:09.394" v="3"/>
-          <ac:spMkLst>
-            <pc:docMk/>
-            <pc:sldMasterMk cId="1250940944" sldId="2147483660"/>
-            <ac:spMk id="3" creationId="{00000000-0000-0000-0000-000000000000}"/>
-          </ac:spMkLst>
-        </pc:spChg>
-        <pc:spChg chg="mod">
-          <ac:chgData name="Barkasi, Michael" userId="604489e9-c8b5-4a18-ae0d-3a3e29c44efc" providerId="ADAL" clId="{AE73B4D5-7497-0F41-8DCD-42BE02F6FF1D}" dt="2025-05-18T04:50:09.394" v="3"/>
-          <ac:spMkLst>
-            <pc:docMk/>
-            <pc:sldMasterMk cId="1250940944" sldId="2147483660"/>
-            <ac:spMk id="4" creationId="{00000000-0000-0000-0000-000000000000}"/>
-          </ac:spMkLst>
-        </pc:spChg>
-        <pc:spChg chg="mod">
-          <ac:chgData name="Barkasi, Michael" userId="604489e9-c8b5-4a18-ae0d-3a3e29c44efc" providerId="ADAL" clId="{AE73B4D5-7497-0F41-8DCD-42BE02F6FF1D}" dt="2025-05-18T04:50:09.394" v="3"/>
-          <ac:spMkLst>
-            <pc:docMk/>
-            <pc:sldMasterMk cId="1250940944" sldId="2147483660"/>
-            <ac:spMk id="5" creationId="{00000000-0000-0000-0000-000000000000}"/>
-          </ac:spMkLst>
-        </pc:spChg>
-        <pc:spChg chg="mod">
-          <ac:chgData name="Barkasi, Michael" userId="604489e9-c8b5-4a18-ae0d-3a3e29c44efc" providerId="ADAL" clId="{AE73B4D5-7497-0F41-8DCD-42BE02F6FF1D}" dt="2025-05-18T04:50:09.394" v="3"/>
-          <ac:spMkLst>
-            <pc:docMk/>
-            <pc:sldMasterMk cId="1250940944" sldId="2147483660"/>
-            <ac:spMk id="6" creationId="{00000000-0000-0000-0000-000000000000}"/>
-          </ac:spMkLst>
-        </pc:spChg>
         <pc:sldLayoutChg chg="modSp">
           <pc:chgData name="Barkasi, Michael" userId="604489e9-c8b5-4a18-ae0d-3a3e29c44efc" providerId="ADAL" clId="{AE73B4D5-7497-0F41-8DCD-42BE02F6FF1D}" dt="2025-05-18T04:50:09.394" v="3"/>
           <pc:sldLayoutMkLst>
@@ -719,24 +503,6 @@
             <pc:sldMasterMk cId="1250940944" sldId="2147483660"/>
             <pc:sldLayoutMk cId="3716982854" sldId="2147483661"/>
           </pc:sldLayoutMkLst>
-          <pc:spChg chg="mod">
-            <ac:chgData name="Barkasi, Michael" userId="604489e9-c8b5-4a18-ae0d-3a3e29c44efc" providerId="ADAL" clId="{AE73B4D5-7497-0F41-8DCD-42BE02F6FF1D}" dt="2025-05-18T04:50:09.394" v="3"/>
-            <ac:spMkLst>
-              <pc:docMk/>
-              <pc:sldMasterMk cId="1250940944" sldId="2147483660"/>
-              <pc:sldLayoutMk cId="3716982854" sldId="2147483661"/>
-              <ac:spMk id="2" creationId="{00000000-0000-0000-0000-000000000000}"/>
-            </ac:spMkLst>
-          </pc:spChg>
-          <pc:spChg chg="mod">
-            <ac:chgData name="Barkasi, Michael" userId="604489e9-c8b5-4a18-ae0d-3a3e29c44efc" providerId="ADAL" clId="{AE73B4D5-7497-0F41-8DCD-42BE02F6FF1D}" dt="2025-05-18T04:50:09.394" v="3"/>
-            <ac:spMkLst>
-              <pc:docMk/>
-              <pc:sldMasterMk cId="1250940944" sldId="2147483660"/>
-              <pc:sldLayoutMk cId="3716982854" sldId="2147483661"/>
-              <ac:spMk id="3" creationId="{00000000-0000-0000-0000-000000000000}"/>
-            </ac:spMkLst>
-          </pc:spChg>
         </pc:sldLayoutChg>
         <pc:sldLayoutChg chg="modSp">
           <pc:chgData name="Barkasi, Michael" userId="604489e9-c8b5-4a18-ae0d-3a3e29c44efc" providerId="ADAL" clId="{AE73B4D5-7497-0F41-8DCD-42BE02F6FF1D}" dt="2025-05-18T04:50:09.394" v="3"/>
@@ -745,24 +511,6 @@
             <pc:sldMasterMk cId="1250940944" sldId="2147483660"/>
             <pc:sldLayoutMk cId="611910895" sldId="2147483663"/>
           </pc:sldLayoutMkLst>
-          <pc:spChg chg="mod">
-            <ac:chgData name="Barkasi, Michael" userId="604489e9-c8b5-4a18-ae0d-3a3e29c44efc" providerId="ADAL" clId="{AE73B4D5-7497-0F41-8DCD-42BE02F6FF1D}" dt="2025-05-18T04:50:09.394" v="3"/>
-            <ac:spMkLst>
-              <pc:docMk/>
-              <pc:sldMasterMk cId="1250940944" sldId="2147483660"/>
-              <pc:sldLayoutMk cId="611910895" sldId="2147483663"/>
-              <ac:spMk id="2" creationId="{00000000-0000-0000-0000-000000000000}"/>
-            </ac:spMkLst>
-          </pc:spChg>
-          <pc:spChg chg="mod">
-            <ac:chgData name="Barkasi, Michael" userId="604489e9-c8b5-4a18-ae0d-3a3e29c44efc" providerId="ADAL" clId="{AE73B4D5-7497-0F41-8DCD-42BE02F6FF1D}" dt="2025-05-18T04:50:09.394" v="3"/>
-            <ac:spMkLst>
-              <pc:docMk/>
-              <pc:sldMasterMk cId="1250940944" sldId="2147483660"/>
-              <pc:sldLayoutMk cId="611910895" sldId="2147483663"/>
-              <ac:spMk id="3" creationId="{00000000-0000-0000-0000-000000000000}"/>
-            </ac:spMkLst>
-          </pc:spChg>
         </pc:sldLayoutChg>
         <pc:sldLayoutChg chg="modSp">
           <pc:chgData name="Barkasi, Michael" userId="604489e9-c8b5-4a18-ae0d-3a3e29c44efc" providerId="ADAL" clId="{AE73B4D5-7497-0F41-8DCD-42BE02F6FF1D}" dt="2025-05-18T04:50:09.394" v="3"/>
@@ -771,24 +519,6 @@
             <pc:sldMasterMk cId="1250940944" sldId="2147483660"/>
             <pc:sldLayoutMk cId="3377708964" sldId="2147483664"/>
           </pc:sldLayoutMkLst>
-          <pc:spChg chg="mod">
-            <ac:chgData name="Barkasi, Michael" userId="604489e9-c8b5-4a18-ae0d-3a3e29c44efc" providerId="ADAL" clId="{AE73B4D5-7497-0F41-8DCD-42BE02F6FF1D}" dt="2025-05-18T04:50:09.394" v="3"/>
-            <ac:spMkLst>
-              <pc:docMk/>
-              <pc:sldMasterMk cId="1250940944" sldId="2147483660"/>
-              <pc:sldLayoutMk cId="3377708964" sldId="2147483664"/>
-              <ac:spMk id="3" creationId="{00000000-0000-0000-0000-000000000000}"/>
-            </ac:spMkLst>
-          </pc:spChg>
-          <pc:spChg chg="mod">
-            <ac:chgData name="Barkasi, Michael" userId="604489e9-c8b5-4a18-ae0d-3a3e29c44efc" providerId="ADAL" clId="{AE73B4D5-7497-0F41-8DCD-42BE02F6FF1D}" dt="2025-05-18T04:50:09.394" v="3"/>
-            <ac:spMkLst>
-              <pc:docMk/>
-              <pc:sldMasterMk cId="1250940944" sldId="2147483660"/>
-              <pc:sldLayoutMk cId="3377708964" sldId="2147483664"/>
-              <ac:spMk id="4" creationId="{00000000-0000-0000-0000-000000000000}"/>
-            </ac:spMkLst>
-          </pc:spChg>
         </pc:sldLayoutChg>
         <pc:sldLayoutChg chg="modSp">
           <pc:chgData name="Barkasi, Michael" userId="604489e9-c8b5-4a18-ae0d-3a3e29c44efc" providerId="ADAL" clId="{AE73B4D5-7497-0F41-8DCD-42BE02F6FF1D}" dt="2025-05-18T04:50:09.394" v="3"/>
@@ -797,51 +527,6 @@
             <pc:sldMasterMk cId="1250940944" sldId="2147483660"/>
             <pc:sldLayoutMk cId="519659420" sldId="2147483665"/>
           </pc:sldLayoutMkLst>
-          <pc:spChg chg="mod">
-            <ac:chgData name="Barkasi, Michael" userId="604489e9-c8b5-4a18-ae0d-3a3e29c44efc" providerId="ADAL" clId="{AE73B4D5-7497-0F41-8DCD-42BE02F6FF1D}" dt="2025-05-18T04:50:09.394" v="3"/>
-            <ac:spMkLst>
-              <pc:docMk/>
-              <pc:sldMasterMk cId="1250940944" sldId="2147483660"/>
-              <pc:sldLayoutMk cId="519659420" sldId="2147483665"/>
-              <ac:spMk id="2" creationId="{00000000-0000-0000-0000-000000000000}"/>
-            </ac:spMkLst>
-          </pc:spChg>
-          <pc:spChg chg="mod">
-            <ac:chgData name="Barkasi, Michael" userId="604489e9-c8b5-4a18-ae0d-3a3e29c44efc" providerId="ADAL" clId="{AE73B4D5-7497-0F41-8DCD-42BE02F6FF1D}" dt="2025-05-18T04:50:09.394" v="3"/>
-            <ac:spMkLst>
-              <pc:docMk/>
-              <pc:sldMasterMk cId="1250940944" sldId="2147483660"/>
-              <pc:sldLayoutMk cId="519659420" sldId="2147483665"/>
-              <ac:spMk id="3" creationId="{00000000-0000-0000-0000-000000000000}"/>
-            </ac:spMkLst>
-          </pc:spChg>
-          <pc:spChg chg="mod">
-            <ac:chgData name="Barkasi, Michael" userId="604489e9-c8b5-4a18-ae0d-3a3e29c44efc" providerId="ADAL" clId="{AE73B4D5-7497-0F41-8DCD-42BE02F6FF1D}" dt="2025-05-18T04:50:09.394" v="3"/>
-            <ac:spMkLst>
-              <pc:docMk/>
-              <pc:sldMasterMk cId="1250940944" sldId="2147483660"/>
-              <pc:sldLayoutMk cId="519659420" sldId="2147483665"/>
-              <ac:spMk id="4" creationId="{00000000-0000-0000-0000-000000000000}"/>
-            </ac:spMkLst>
-          </pc:spChg>
-          <pc:spChg chg="mod">
-            <ac:chgData name="Barkasi, Michael" userId="604489e9-c8b5-4a18-ae0d-3a3e29c44efc" providerId="ADAL" clId="{AE73B4D5-7497-0F41-8DCD-42BE02F6FF1D}" dt="2025-05-18T04:50:09.394" v="3"/>
-            <ac:spMkLst>
-              <pc:docMk/>
-              <pc:sldMasterMk cId="1250940944" sldId="2147483660"/>
-              <pc:sldLayoutMk cId="519659420" sldId="2147483665"/>
-              <ac:spMk id="5" creationId="{00000000-0000-0000-0000-000000000000}"/>
-            </ac:spMkLst>
-          </pc:spChg>
-          <pc:spChg chg="mod">
-            <ac:chgData name="Barkasi, Michael" userId="604489e9-c8b5-4a18-ae0d-3a3e29c44efc" providerId="ADAL" clId="{AE73B4D5-7497-0F41-8DCD-42BE02F6FF1D}" dt="2025-05-18T04:50:09.394" v="3"/>
-            <ac:spMkLst>
-              <pc:docMk/>
-              <pc:sldMasterMk cId="1250940944" sldId="2147483660"/>
-              <pc:sldLayoutMk cId="519659420" sldId="2147483665"/>
-              <ac:spMk id="6" creationId="{00000000-0000-0000-0000-000000000000}"/>
-            </ac:spMkLst>
-          </pc:spChg>
         </pc:sldLayoutChg>
         <pc:sldLayoutChg chg="modSp">
           <pc:chgData name="Barkasi, Michael" userId="604489e9-c8b5-4a18-ae0d-3a3e29c44efc" providerId="ADAL" clId="{AE73B4D5-7497-0F41-8DCD-42BE02F6FF1D}" dt="2025-05-18T04:50:09.394" v="3"/>
@@ -850,33 +535,6 @@
             <pc:sldMasterMk cId="1250940944" sldId="2147483660"/>
             <pc:sldLayoutMk cId="3876721991" sldId="2147483668"/>
           </pc:sldLayoutMkLst>
-          <pc:spChg chg="mod">
-            <ac:chgData name="Barkasi, Michael" userId="604489e9-c8b5-4a18-ae0d-3a3e29c44efc" providerId="ADAL" clId="{AE73B4D5-7497-0F41-8DCD-42BE02F6FF1D}" dt="2025-05-18T04:50:09.394" v="3"/>
-            <ac:spMkLst>
-              <pc:docMk/>
-              <pc:sldMasterMk cId="1250940944" sldId="2147483660"/>
-              <pc:sldLayoutMk cId="3876721991" sldId="2147483668"/>
-              <ac:spMk id="2" creationId="{00000000-0000-0000-0000-000000000000}"/>
-            </ac:spMkLst>
-          </pc:spChg>
-          <pc:spChg chg="mod">
-            <ac:chgData name="Barkasi, Michael" userId="604489e9-c8b5-4a18-ae0d-3a3e29c44efc" providerId="ADAL" clId="{AE73B4D5-7497-0F41-8DCD-42BE02F6FF1D}" dt="2025-05-18T04:50:09.394" v="3"/>
-            <ac:spMkLst>
-              <pc:docMk/>
-              <pc:sldMasterMk cId="1250940944" sldId="2147483660"/>
-              <pc:sldLayoutMk cId="3876721991" sldId="2147483668"/>
-              <ac:spMk id="3" creationId="{00000000-0000-0000-0000-000000000000}"/>
-            </ac:spMkLst>
-          </pc:spChg>
-          <pc:spChg chg="mod">
-            <ac:chgData name="Barkasi, Michael" userId="604489e9-c8b5-4a18-ae0d-3a3e29c44efc" providerId="ADAL" clId="{AE73B4D5-7497-0F41-8DCD-42BE02F6FF1D}" dt="2025-05-18T04:50:09.394" v="3"/>
-            <ac:spMkLst>
-              <pc:docMk/>
-              <pc:sldMasterMk cId="1250940944" sldId="2147483660"/>
-              <pc:sldLayoutMk cId="3876721991" sldId="2147483668"/>
-              <ac:spMk id="4" creationId="{00000000-0000-0000-0000-000000000000}"/>
-            </ac:spMkLst>
-          </pc:spChg>
         </pc:sldLayoutChg>
         <pc:sldLayoutChg chg="modSp">
           <pc:chgData name="Barkasi, Michael" userId="604489e9-c8b5-4a18-ae0d-3a3e29c44efc" providerId="ADAL" clId="{AE73B4D5-7497-0F41-8DCD-42BE02F6FF1D}" dt="2025-05-18T04:50:09.394" v="3"/>
@@ -885,33 +543,6 @@
             <pc:sldMasterMk cId="1250940944" sldId="2147483660"/>
             <pc:sldLayoutMk cId="1419495245" sldId="2147483669"/>
           </pc:sldLayoutMkLst>
-          <pc:spChg chg="mod">
-            <ac:chgData name="Barkasi, Michael" userId="604489e9-c8b5-4a18-ae0d-3a3e29c44efc" providerId="ADAL" clId="{AE73B4D5-7497-0F41-8DCD-42BE02F6FF1D}" dt="2025-05-18T04:50:09.394" v="3"/>
-            <ac:spMkLst>
-              <pc:docMk/>
-              <pc:sldMasterMk cId="1250940944" sldId="2147483660"/>
-              <pc:sldLayoutMk cId="1419495245" sldId="2147483669"/>
-              <ac:spMk id="2" creationId="{00000000-0000-0000-0000-000000000000}"/>
-            </ac:spMkLst>
-          </pc:spChg>
-          <pc:spChg chg="mod">
-            <ac:chgData name="Barkasi, Michael" userId="604489e9-c8b5-4a18-ae0d-3a3e29c44efc" providerId="ADAL" clId="{AE73B4D5-7497-0F41-8DCD-42BE02F6FF1D}" dt="2025-05-18T04:50:09.394" v="3"/>
-            <ac:spMkLst>
-              <pc:docMk/>
-              <pc:sldMasterMk cId="1250940944" sldId="2147483660"/>
-              <pc:sldLayoutMk cId="1419495245" sldId="2147483669"/>
-              <ac:spMk id="3" creationId="{00000000-0000-0000-0000-000000000000}"/>
-            </ac:spMkLst>
-          </pc:spChg>
-          <pc:spChg chg="mod">
-            <ac:chgData name="Barkasi, Michael" userId="604489e9-c8b5-4a18-ae0d-3a3e29c44efc" providerId="ADAL" clId="{AE73B4D5-7497-0F41-8DCD-42BE02F6FF1D}" dt="2025-05-18T04:50:09.394" v="3"/>
-            <ac:spMkLst>
-              <pc:docMk/>
-              <pc:sldMasterMk cId="1250940944" sldId="2147483660"/>
-              <pc:sldLayoutMk cId="1419495245" sldId="2147483669"/>
-              <ac:spMk id="4" creationId="{00000000-0000-0000-0000-000000000000}"/>
-            </ac:spMkLst>
-          </pc:spChg>
         </pc:sldLayoutChg>
         <pc:sldLayoutChg chg="modSp">
           <pc:chgData name="Barkasi, Michael" userId="604489e9-c8b5-4a18-ae0d-3a3e29c44efc" providerId="ADAL" clId="{AE73B4D5-7497-0F41-8DCD-42BE02F6FF1D}" dt="2025-05-18T04:50:09.394" v="3"/>
@@ -920,24 +551,6 @@
             <pc:sldMasterMk cId="1250940944" sldId="2147483660"/>
             <pc:sldLayoutMk cId="4134210253" sldId="2147483671"/>
           </pc:sldLayoutMkLst>
-          <pc:spChg chg="mod">
-            <ac:chgData name="Barkasi, Michael" userId="604489e9-c8b5-4a18-ae0d-3a3e29c44efc" providerId="ADAL" clId="{AE73B4D5-7497-0F41-8DCD-42BE02F6FF1D}" dt="2025-05-18T04:50:09.394" v="3"/>
-            <ac:spMkLst>
-              <pc:docMk/>
-              <pc:sldMasterMk cId="1250940944" sldId="2147483660"/>
-              <pc:sldLayoutMk cId="4134210253" sldId="2147483671"/>
-              <ac:spMk id="2" creationId="{00000000-0000-0000-0000-000000000000}"/>
-            </ac:spMkLst>
-          </pc:spChg>
-          <pc:spChg chg="mod">
-            <ac:chgData name="Barkasi, Michael" userId="604489e9-c8b5-4a18-ae0d-3a3e29c44efc" providerId="ADAL" clId="{AE73B4D5-7497-0F41-8DCD-42BE02F6FF1D}" dt="2025-05-18T04:50:09.394" v="3"/>
-            <ac:spMkLst>
-              <pc:docMk/>
-              <pc:sldMasterMk cId="1250940944" sldId="2147483660"/>
-              <pc:sldLayoutMk cId="4134210253" sldId="2147483671"/>
-              <ac:spMk id="3" creationId="{00000000-0000-0000-0000-000000000000}"/>
-            </ac:spMkLst>
-          </pc:spChg>
         </pc:sldLayoutChg>
       </pc:sldMasterChg>
     </pc:docChg>
@@ -1027,7 +640,7 @@
           <a:p>
             <a:fld id="{9AA0B02C-3D9A-2B40-92EC-C41DFECE8672}" type="datetimeFigureOut">
               <a:rPr lang="en-US" smtClean="0"/>
-              <a:t>5/18/25</a:t>
+              <a:t>5/22/25</a:t>
             </a:fld>
             <a:endParaRPr lang="en-US"/>
           </a:p>
@@ -1425,7 +1038,7 @@
           <a:p>
             <a:fld id="{252C473C-6492-1647-A49C-2EF4321B0E0D}" type="datetimeFigureOut">
               <a:rPr lang="en-US" smtClean="0"/>
-              <a:t>5/18/25</a:t>
+              <a:t>5/22/25</a:t>
             </a:fld>
             <a:endParaRPr lang="en-US"/>
           </a:p>
@@ -1595,7 +1208,7 @@
           <a:p>
             <a:fld id="{252C473C-6492-1647-A49C-2EF4321B0E0D}" type="datetimeFigureOut">
               <a:rPr lang="en-US" smtClean="0"/>
-              <a:t>5/18/25</a:t>
+              <a:t>5/22/25</a:t>
             </a:fld>
             <a:endParaRPr lang="en-US"/>
           </a:p>
@@ -1775,7 +1388,7 @@
           <a:p>
             <a:fld id="{252C473C-6492-1647-A49C-2EF4321B0E0D}" type="datetimeFigureOut">
               <a:rPr lang="en-US" smtClean="0"/>
-              <a:t>5/18/25</a:t>
+              <a:t>5/22/25</a:t>
             </a:fld>
             <a:endParaRPr lang="en-US"/>
           </a:p>
@@ -1945,7 +1558,7 @@
           <a:p>
             <a:fld id="{252C473C-6492-1647-A49C-2EF4321B0E0D}" type="datetimeFigureOut">
               <a:rPr lang="en-US" smtClean="0"/>
-              <a:t>5/18/25</a:t>
+              <a:t>5/22/25</a:t>
             </a:fld>
             <a:endParaRPr lang="en-US"/>
           </a:p>
@@ -2191,7 +1804,7 @@
           <a:p>
             <a:fld id="{252C473C-6492-1647-A49C-2EF4321B0E0D}" type="datetimeFigureOut">
               <a:rPr lang="en-US" smtClean="0"/>
-              <a:t>5/18/25</a:t>
+              <a:t>5/22/25</a:t>
             </a:fld>
             <a:endParaRPr lang="en-US"/>
           </a:p>
@@ -2423,7 +2036,7 @@
           <a:p>
             <a:fld id="{252C473C-6492-1647-A49C-2EF4321B0E0D}" type="datetimeFigureOut">
               <a:rPr lang="en-US" smtClean="0"/>
-              <a:t>5/18/25</a:t>
+              <a:t>5/22/25</a:t>
             </a:fld>
             <a:endParaRPr lang="en-US"/>
           </a:p>
@@ -2790,7 +2403,7 @@
           <a:p>
             <a:fld id="{252C473C-6492-1647-A49C-2EF4321B0E0D}" type="datetimeFigureOut">
               <a:rPr lang="en-US" smtClean="0"/>
-              <a:t>5/18/25</a:t>
+              <a:t>5/22/25</a:t>
             </a:fld>
             <a:endParaRPr lang="en-US"/>
           </a:p>
@@ -2908,7 +2521,7 @@
           <a:p>
             <a:fld id="{252C473C-6492-1647-A49C-2EF4321B0E0D}" type="datetimeFigureOut">
               <a:rPr lang="en-US" smtClean="0"/>
-              <a:t>5/18/25</a:t>
+              <a:t>5/22/25</a:t>
             </a:fld>
             <a:endParaRPr lang="en-US"/>
           </a:p>
@@ -3003,7 +2616,7 @@
           <a:p>
             <a:fld id="{252C473C-6492-1647-A49C-2EF4321B0E0D}" type="datetimeFigureOut">
               <a:rPr lang="en-US" smtClean="0"/>
-              <a:t>5/18/25</a:t>
+              <a:t>5/22/25</a:t>
             </a:fld>
             <a:endParaRPr lang="en-US"/>
           </a:p>
@@ -3280,7 +2893,7 @@
           <a:p>
             <a:fld id="{252C473C-6492-1647-A49C-2EF4321B0E0D}" type="datetimeFigureOut">
               <a:rPr lang="en-US" smtClean="0"/>
-              <a:t>5/18/25</a:t>
+              <a:t>5/22/25</a:t>
             </a:fld>
             <a:endParaRPr lang="en-US"/>
           </a:p>
@@ -3537,7 +3150,7 @@
           <a:p>
             <a:fld id="{252C473C-6492-1647-A49C-2EF4321B0E0D}" type="datetimeFigureOut">
               <a:rPr lang="en-US" smtClean="0"/>
-              <a:t>5/18/25</a:t>
+              <a:t>5/22/25</a:t>
             </a:fld>
             <a:endParaRPr lang="en-US"/>
           </a:p>
@@ -3750,7 +3363,7 @@
           <a:p>
             <a:fld id="{252C473C-6492-1647-A49C-2EF4321B0E0D}" type="datetimeFigureOut">
               <a:rPr lang="en-US" smtClean="0"/>
-              <a:t>5/18/25</a:t>
+              <a:t>5/22/25</a:t>
             </a:fld>
             <a:endParaRPr lang="en-US"/>
           </a:p>
@@ -4157,7 +3770,7 @@
       </p:grpSpPr>
       <p:pic>
         <p:nvPicPr>
-          <p:cNvPr id="9" name="Picture 8" descr="A screenshot of a graph&#10;&#10;AI-generated content may be incorrect.">
+          <p:cNvPr id="9" name="Picture 8">
             <a:extLst>
               <a:ext uri="{FF2B5EF4-FFF2-40B4-BE49-F238E27FC236}">
                 <a16:creationId xmlns:a16="http://schemas.microsoft.com/office/drawing/2014/main" id="{E4016535-52E8-D9F4-FB39-29EEF06A2DFD}"/>
@@ -4171,45 +3784,13 @@
         </p:nvPicPr>
         <p:blipFill>
           <a:blip r:embed="rId2"/>
-          <a:stretch>
-            <a:fillRect/>
-          </a:stretch>
+          <a:srcRect/>
+          <a:stretch/>
         </p:blipFill>
         <p:spPr>
           <a:xfrm>
-            <a:off x="198653" y="158822"/>
-            <a:ext cx="12815456" cy="10380518"/>
-          </a:xfrm>
-          <a:prstGeom prst="rect">
-            <a:avLst/>
-          </a:prstGeom>
-        </p:spPr>
-      </p:pic>
-      <p:pic>
-        <p:nvPicPr>
-          <p:cNvPr id="7" name="Picture 6" descr="A screenshot of a graph&#10;&#10;AI-generated content may be incorrect.">
-            <a:extLst>
-              <a:ext uri="{FF2B5EF4-FFF2-40B4-BE49-F238E27FC236}">
-                <a16:creationId xmlns:a16="http://schemas.microsoft.com/office/drawing/2014/main" id="{5348D071-C2DF-0EFF-D61B-51DC5C2A964F}"/>
-              </a:ext>
-            </a:extLst>
-          </p:cNvPr>
-          <p:cNvPicPr>
-            <a:picLocks noChangeAspect="1"/>
-          </p:cNvPicPr>
-          <p:nvPr/>
-        </p:nvPicPr>
-        <p:blipFill>
-          <a:blip r:embed="rId3"/>
-          <a:srcRect l="18950" t="96554" r="50167" b="902"/>
-          <a:stretch>
-            <a:fillRect/>
-          </a:stretch>
-        </p:blipFill>
-        <p:spPr>
-          <a:xfrm>
-            <a:off x="1776845" y="10131136"/>
-            <a:ext cx="5760707" cy="384464"/>
+            <a:off x="198654" y="158822"/>
+            <a:ext cx="12815454" cy="10380518"/>
           </a:xfrm>
           <a:prstGeom prst="rect">
             <a:avLst/>
@@ -4448,7 +4029,7 @@
         <p:spPr>
           <a:xfrm flipV="1">
             <a:off x="4961646" y="5930984"/>
-            <a:ext cx="0" cy="2226734"/>
+            <a:ext cx="0" cy="1727805"/>
           </a:xfrm>
           <a:prstGeom prst="straightConnector1">
             <a:avLst/>
@@ -4535,7 +4116,7 @@
         </p:nvSpPr>
         <p:spPr>
           <a:xfrm>
-            <a:off x="4256040" y="7658789"/>
+            <a:off x="4206371" y="7137634"/>
             <a:ext cx="660400" cy="400110"/>
           </a:xfrm>
           <a:prstGeom prst="rect">
@@ -4584,7 +4165,7 @@
         </p:nvSpPr>
         <p:spPr>
           <a:xfrm>
-            <a:off x="3541445" y="6164432"/>
+            <a:off x="3515757" y="6041853"/>
             <a:ext cx="1072888" cy="400110"/>
           </a:xfrm>
           <a:prstGeom prst="rect">
@@ -4633,8 +4214,8 @@
         </p:nvSpPr>
         <p:spPr>
           <a:xfrm>
-            <a:off x="3439926" y="5673437"/>
-            <a:ext cx="2096822" cy="2623398"/>
+            <a:off x="3439926" y="5748543"/>
+            <a:ext cx="2096822" cy="2134216"/>
           </a:xfrm>
           <a:prstGeom prst="rect">
             <a:avLst/>
@@ -4685,7 +4266,7 @@
         </p:nvSpPr>
         <p:spPr>
           <a:xfrm>
-            <a:off x="2885606" y="6785081"/>
+            <a:off x="2888581" y="6615596"/>
             <a:ext cx="498855" cy="400110"/>
           </a:xfrm>
           <a:prstGeom prst="rect">
@@ -4726,7 +4307,7 @@
         </p:nvSpPr>
         <p:spPr>
           <a:xfrm>
-            <a:off x="1856439" y="9440743"/>
+            <a:off x="1101493" y="9255726"/>
             <a:ext cx="660400" cy="400110"/>
           </a:xfrm>
           <a:prstGeom prst="rect">
@@ -4773,8 +4354,8 @@
         </p:nvCxnSpPr>
         <p:spPr>
           <a:xfrm>
-            <a:off x="7010451" y="9802624"/>
-            <a:ext cx="203199" cy="0"/>
+            <a:off x="6873766" y="9737580"/>
+            <a:ext cx="306555" cy="0"/>
           </a:xfrm>
           <a:prstGeom prst="straightConnector1">
             <a:avLst/>
@@ -4818,7 +4399,7 @@
         </p:nvCxnSpPr>
         <p:spPr>
           <a:xfrm>
-            <a:off x="5709294" y="9802624"/>
+            <a:off x="5828713" y="9737580"/>
             <a:ext cx="160865" cy="0"/>
           </a:xfrm>
           <a:prstGeom prst="straightConnector1">
@@ -4863,8 +4444,8 @@
         </p:nvCxnSpPr>
         <p:spPr>
           <a:xfrm flipH="1">
-            <a:off x="4621646" y="9761061"/>
-            <a:ext cx="118533" cy="0"/>
+            <a:off x="3888828" y="9737580"/>
+            <a:ext cx="163373" cy="0"/>
           </a:xfrm>
           <a:prstGeom prst="straightConnector1">
             <a:avLst/>
@@ -4906,7 +4487,7 @@
         </p:nvSpPr>
         <p:spPr>
           <a:xfrm>
-            <a:off x="3905700" y="9634302"/>
+            <a:off x="3237100" y="9476340"/>
             <a:ext cx="300671" cy="218086"/>
           </a:xfrm>
           <a:custGeom>
@@ -5077,8 +4658,8 @@
         </p:nvSpPr>
         <p:spPr>
           <a:xfrm rot="17669824">
-            <a:off x="7271519" y="9658193"/>
-            <a:ext cx="186794" cy="185894"/>
+            <a:off x="7296412" y="9642180"/>
+            <a:ext cx="142789" cy="172196"/>
           </a:xfrm>
           <a:custGeom>
             <a:avLst/>
@@ -5239,6 +4820,18 @@
               <a:gd name="connsiteY0" fmla="*/ 0 h 84261"/>
               <a:gd name="connsiteX1" fmla="*/ 77690 w 77690"/>
               <a:gd name="connsiteY1" fmla="*/ 78052 h 84261"/>
+              <a:gd name="connsiteX0" fmla="*/ 15010 w 64902"/>
+              <a:gd name="connsiteY0" fmla="*/ 0 h 83289"/>
+              <a:gd name="connsiteX1" fmla="*/ 64902 w 64902"/>
+              <a:gd name="connsiteY1" fmla="*/ 78052 h 83289"/>
+              <a:gd name="connsiteX0" fmla="*/ 17093 w 66985"/>
+              <a:gd name="connsiteY0" fmla="*/ 0 h 78052"/>
+              <a:gd name="connsiteX1" fmla="*/ 66985 w 66985"/>
+              <a:gd name="connsiteY1" fmla="*/ 78052 h 78052"/>
+              <a:gd name="connsiteX0" fmla="*/ 9496 w 59388"/>
+              <a:gd name="connsiteY0" fmla="*/ 0 h 78052"/>
+              <a:gd name="connsiteX1" fmla="*/ 59388 w 59388"/>
+              <a:gd name="connsiteY1" fmla="*/ 78052 h 78052"/>
             </a:gdLst>
             <a:ahLst/>
             <a:cxnLst>
@@ -5251,14 +4844,14 @@
             </a:cxnLst>
             <a:rect l="l" t="t" r="r" b="b"/>
             <a:pathLst>
-              <a:path w="77690" h="84261">
+              <a:path w="59388" h="78052">
                 <a:moveTo>
-                  <a:pt x="27798" y="0"/>
+                  <a:pt x="9496" y="0"/>
                 </a:moveTo>
                 <a:cubicBezTo>
-                  <a:pt x="-19142" y="75281"/>
-                  <a:pt x="-9280" y="96364"/>
-                  <a:pt x="77690" y="78052"/>
+                  <a:pt x="-7786" y="65788"/>
+                  <a:pt x="-6987" y="65196"/>
+                  <a:pt x="59388" y="78052"/>
                 </a:cubicBezTo>
               </a:path>
             </a:pathLst>
@@ -5298,273 +4891,6 @@
           </a:p>
         </p:txBody>
       </p:sp>
-      <p:sp>
-        <p:nvSpPr>
-          <p:cNvPr id="33" name="Freeform 32">
-            <a:extLst>
-              <a:ext uri="{FF2B5EF4-FFF2-40B4-BE49-F238E27FC236}">
-                <a16:creationId xmlns:a16="http://schemas.microsoft.com/office/drawing/2014/main" id="{7D8581A1-3D60-1855-B718-FF2860F6EC4C}"/>
-              </a:ext>
-            </a:extLst>
-          </p:cNvPr>
-          <p:cNvSpPr/>
-          <p:nvPr/>
-        </p:nvSpPr>
-        <p:spPr>
-          <a:xfrm rot="17669824">
-            <a:off x="5645468" y="9631308"/>
-            <a:ext cx="146627" cy="89114"/>
-          </a:xfrm>
-          <a:custGeom>
-            <a:avLst/>
-            <a:gdLst>
-              <a:gd name="connsiteX0" fmla="*/ 0 w 220133"/>
-              <a:gd name="connsiteY0" fmla="*/ 0 h 203601"/>
-              <a:gd name="connsiteX1" fmla="*/ 118533 w 220133"/>
-              <a:gd name="connsiteY1" fmla="*/ 194733 h 203601"/>
-              <a:gd name="connsiteX2" fmla="*/ 220133 w 220133"/>
-              <a:gd name="connsiteY2" fmla="*/ 152400 h 203601"/>
-              <a:gd name="connsiteX0" fmla="*/ 0 w 220133"/>
-              <a:gd name="connsiteY0" fmla="*/ 0 h 178971"/>
-              <a:gd name="connsiteX1" fmla="*/ 25399 w 220133"/>
-              <a:gd name="connsiteY1" fmla="*/ 160866 h 178971"/>
-              <a:gd name="connsiteX2" fmla="*/ 220133 w 220133"/>
-              <a:gd name="connsiteY2" fmla="*/ 152400 h 178971"/>
-              <a:gd name="connsiteX0" fmla="*/ 54882 w 275015"/>
-              <a:gd name="connsiteY0" fmla="*/ 0 h 178971"/>
-              <a:gd name="connsiteX1" fmla="*/ 80281 w 275015"/>
-              <a:gd name="connsiteY1" fmla="*/ 160866 h 178971"/>
-              <a:gd name="connsiteX2" fmla="*/ 275015 w 275015"/>
-              <a:gd name="connsiteY2" fmla="*/ 152400 h 178971"/>
-              <a:gd name="connsiteX0" fmla="*/ 21024 w 241157"/>
-              <a:gd name="connsiteY0" fmla="*/ 0 h 178971"/>
-              <a:gd name="connsiteX1" fmla="*/ 46423 w 241157"/>
-              <a:gd name="connsiteY1" fmla="*/ 160866 h 178971"/>
-              <a:gd name="connsiteX2" fmla="*/ 241157 w 241157"/>
-              <a:gd name="connsiteY2" fmla="*/ 152400 h 178971"/>
-              <a:gd name="connsiteX0" fmla="*/ 21024 w 241157"/>
-              <a:gd name="connsiteY0" fmla="*/ 0 h 195723"/>
-              <a:gd name="connsiteX1" fmla="*/ 46423 w 241157"/>
-              <a:gd name="connsiteY1" fmla="*/ 160866 h 195723"/>
-              <a:gd name="connsiteX2" fmla="*/ 241157 w 241157"/>
-              <a:gd name="connsiteY2" fmla="*/ 152400 h 195723"/>
-              <a:gd name="connsiteX0" fmla="*/ 28307 w 248440"/>
-              <a:gd name="connsiteY0" fmla="*/ 0 h 208539"/>
-              <a:gd name="connsiteX1" fmla="*/ 32577 w 248440"/>
-              <a:gd name="connsiteY1" fmla="*/ 187730 h 208539"/>
-              <a:gd name="connsiteX2" fmla="*/ 248440 w 248440"/>
-              <a:gd name="connsiteY2" fmla="*/ 152400 h 208539"/>
-              <a:gd name="connsiteX0" fmla="*/ 33312 w 253445"/>
-              <a:gd name="connsiteY0" fmla="*/ 0 h 208539"/>
-              <a:gd name="connsiteX1" fmla="*/ 37582 w 253445"/>
-              <a:gd name="connsiteY1" fmla="*/ 187730 h 208539"/>
-              <a:gd name="connsiteX2" fmla="*/ 253445 w 253445"/>
-              <a:gd name="connsiteY2" fmla="*/ 152400 h 208539"/>
-              <a:gd name="connsiteX0" fmla="*/ 33312 w 253445"/>
-              <a:gd name="connsiteY0" fmla="*/ 0 h 214931"/>
-              <a:gd name="connsiteX1" fmla="*/ 37582 w 253445"/>
-              <a:gd name="connsiteY1" fmla="*/ 187730 h 214931"/>
-              <a:gd name="connsiteX2" fmla="*/ 253445 w 253445"/>
-              <a:gd name="connsiteY2" fmla="*/ 152400 h 214931"/>
-              <a:gd name="connsiteX0" fmla="*/ 0 w 220133"/>
-              <a:gd name="connsiteY0" fmla="*/ 0 h 152400"/>
-              <a:gd name="connsiteX1" fmla="*/ 220133 w 220133"/>
-              <a:gd name="connsiteY1" fmla="*/ 152400 h 152400"/>
-              <a:gd name="connsiteX0" fmla="*/ 1389 w 221522"/>
-              <a:gd name="connsiteY0" fmla="*/ 0 h 152400"/>
-              <a:gd name="connsiteX1" fmla="*/ 221522 w 221522"/>
-              <a:gd name="connsiteY1" fmla="*/ 152400 h 152400"/>
-              <a:gd name="connsiteX0" fmla="*/ 1801 w 221934"/>
-              <a:gd name="connsiteY0" fmla="*/ 0 h 179760"/>
-              <a:gd name="connsiteX1" fmla="*/ 221934 w 221934"/>
-              <a:gd name="connsiteY1" fmla="*/ 152400 h 179760"/>
-              <a:gd name="connsiteX0" fmla="*/ 2659 w 177013"/>
-              <a:gd name="connsiteY0" fmla="*/ 0 h 141774"/>
-              <a:gd name="connsiteX1" fmla="*/ 177013 w 177013"/>
-              <a:gd name="connsiteY1" fmla="*/ 102510 h 141774"/>
-              <a:gd name="connsiteX0" fmla="*/ 9706 w 103067"/>
-              <a:gd name="connsiteY0" fmla="*/ 0 h 126667"/>
-              <a:gd name="connsiteX1" fmla="*/ 103067 w 103067"/>
-              <a:gd name="connsiteY1" fmla="*/ 79484 h 126667"/>
-              <a:gd name="connsiteX0" fmla="*/ 3352 w 96713"/>
-              <a:gd name="connsiteY0" fmla="*/ 0 h 125045"/>
-              <a:gd name="connsiteX1" fmla="*/ 96713 w 96713"/>
-              <a:gd name="connsiteY1" fmla="*/ 79484 h 125045"/>
-              <a:gd name="connsiteX0" fmla="*/ 11771 w 105132"/>
-              <a:gd name="connsiteY0" fmla="*/ 0 h 120453"/>
-              <a:gd name="connsiteX1" fmla="*/ 105132 w 105132"/>
-              <a:gd name="connsiteY1" fmla="*/ 79484 h 120453"/>
-              <a:gd name="connsiteX0" fmla="*/ 4407 w 97768"/>
-              <a:gd name="connsiteY0" fmla="*/ 0 h 135170"/>
-              <a:gd name="connsiteX1" fmla="*/ 97768 w 97768"/>
-              <a:gd name="connsiteY1" fmla="*/ 79484 h 135170"/>
-              <a:gd name="connsiteX0" fmla="*/ 3766 w 111213"/>
-              <a:gd name="connsiteY0" fmla="*/ 0 h 108212"/>
-              <a:gd name="connsiteX1" fmla="*/ 111213 w 111213"/>
-              <a:gd name="connsiteY1" fmla="*/ 21918 h 108212"/>
-              <a:gd name="connsiteX0" fmla="*/ 3182 w 128236"/>
-              <a:gd name="connsiteY0" fmla="*/ 0 h 117891"/>
-              <a:gd name="connsiteX1" fmla="*/ 128236 w 128236"/>
-              <a:gd name="connsiteY1" fmla="*/ 44944 h 117891"/>
-              <a:gd name="connsiteX0" fmla="*/ 0 w 125054"/>
-              <a:gd name="connsiteY0" fmla="*/ 0 h 98853"/>
-              <a:gd name="connsiteX1" fmla="*/ 125054 w 125054"/>
-              <a:gd name="connsiteY1" fmla="*/ 44944 h 98853"/>
-              <a:gd name="connsiteX0" fmla="*/ 0 w 125054"/>
-              <a:gd name="connsiteY0" fmla="*/ 0 h 75921"/>
-              <a:gd name="connsiteX1" fmla="*/ 125054 w 125054"/>
-              <a:gd name="connsiteY1" fmla="*/ 44944 h 75921"/>
-              <a:gd name="connsiteX0" fmla="*/ 0 w 125054"/>
-              <a:gd name="connsiteY0" fmla="*/ 0 h 72268"/>
-              <a:gd name="connsiteX1" fmla="*/ 125054 w 125054"/>
-              <a:gd name="connsiteY1" fmla="*/ 44944 h 72268"/>
-              <a:gd name="connsiteX0" fmla="*/ 0 w 125054"/>
-              <a:gd name="connsiteY0" fmla="*/ 0 h 71063"/>
-              <a:gd name="connsiteX1" fmla="*/ 125054 w 125054"/>
-              <a:gd name="connsiteY1" fmla="*/ 44944 h 71063"/>
-              <a:gd name="connsiteX0" fmla="*/ 0 w 86885"/>
-              <a:gd name="connsiteY0" fmla="*/ 0 h 79138"/>
-              <a:gd name="connsiteX1" fmla="*/ 86885 w 86885"/>
-              <a:gd name="connsiteY1" fmla="*/ 55463 h 79138"/>
-              <a:gd name="connsiteX0" fmla="*/ 9051 w 39716"/>
-              <a:gd name="connsiteY0" fmla="*/ 0 h 105837"/>
-              <a:gd name="connsiteX1" fmla="*/ 39716 w 39716"/>
-              <a:gd name="connsiteY1" fmla="*/ 87599 h 105837"/>
-              <a:gd name="connsiteX0" fmla="*/ 28671 w 59336"/>
-              <a:gd name="connsiteY0" fmla="*/ 0 h 105961"/>
-              <a:gd name="connsiteX1" fmla="*/ 59336 w 59336"/>
-              <a:gd name="connsiteY1" fmla="*/ 87599 h 105961"/>
-              <a:gd name="connsiteX0" fmla="*/ 23983 w 65114"/>
-              <a:gd name="connsiteY0" fmla="*/ 0 h 80616"/>
-              <a:gd name="connsiteX1" fmla="*/ 65114 w 65114"/>
-              <a:gd name="connsiteY1" fmla="*/ 57098 h 80616"/>
-              <a:gd name="connsiteX0" fmla="*/ 22410 w 63541"/>
-              <a:gd name="connsiteY0" fmla="*/ 0 h 58012"/>
-              <a:gd name="connsiteX1" fmla="*/ 63541 w 63541"/>
-              <a:gd name="connsiteY1" fmla="*/ 57098 h 58012"/>
-              <a:gd name="connsiteX0" fmla="*/ 9544 w 106611"/>
-              <a:gd name="connsiteY0" fmla="*/ 0 h 40155"/>
-              <a:gd name="connsiteX1" fmla="*/ 106611 w 106611"/>
-              <a:gd name="connsiteY1" fmla="*/ 33538 h 40155"/>
-              <a:gd name="connsiteX0" fmla="*/ 18042 w 71707"/>
-              <a:gd name="connsiteY0" fmla="*/ 0 h 60072"/>
-              <a:gd name="connsiteX1" fmla="*/ 71707 w 71707"/>
-              <a:gd name="connsiteY1" fmla="*/ 59309 h 60072"/>
-              <a:gd name="connsiteX0" fmla="*/ 19196 w 72861"/>
-              <a:gd name="connsiteY0" fmla="*/ 0 h 59309"/>
-              <a:gd name="connsiteX1" fmla="*/ 72861 w 72861"/>
-              <a:gd name="connsiteY1" fmla="*/ 59309 h 59309"/>
-              <a:gd name="connsiteX0" fmla="*/ 20475 w 70367"/>
-              <a:gd name="connsiteY0" fmla="*/ 0 h 78052"/>
-              <a:gd name="connsiteX1" fmla="*/ 70367 w 70367"/>
-              <a:gd name="connsiteY1" fmla="*/ 78052 h 78052"/>
-              <a:gd name="connsiteX0" fmla="*/ 28718 w 78610"/>
-              <a:gd name="connsiteY0" fmla="*/ 0 h 78052"/>
-              <a:gd name="connsiteX1" fmla="*/ 78610 w 78610"/>
-              <a:gd name="connsiteY1" fmla="*/ 78052 h 78052"/>
-              <a:gd name="connsiteX0" fmla="*/ 16706 w 66598"/>
-              <a:gd name="connsiteY0" fmla="*/ 0 h 78052"/>
-              <a:gd name="connsiteX1" fmla="*/ 66598 w 66598"/>
-              <a:gd name="connsiteY1" fmla="*/ 78052 h 78052"/>
-              <a:gd name="connsiteX0" fmla="*/ 27565 w 77457"/>
-              <a:gd name="connsiteY0" fmla="*/ 0 h 78052"/>
-              <a:gd name="connsiteX1" fmla="*/ 77457 w 77457"/>
-              <a:gd name="connsiteY1" fmla="*/ 78052 h 78052"/>
-              <a:gd name="connsiteX0" fmla="*/ 27798 w 77690"/>
-              <a:gd name="connsiteY0" fmla="*/ 0 h 84261"/>
-              <a:gd name="connsiteX1" fmla="*/ 77690 w 77690"/>
-              <a:gd name="connsiteY1" fmla="*/ 78052 h 84261"/>
-              <a:gd name="connsiteX0" fmla="*/ 20631 w 97050"/>
-              <a:gd name="connsiteY0" fmla="*/ 0 h 91288"/>
-              <a:gd name="connsiteX1" fmla="*/ 97050 w 97050"/>
-              <a:gd name="connsiteY1" fmla="*/ 85965 h 91288"/>
-              <a:gd name="connsiteX0" fmla="*/ 0 w 76419"/>
-              <a:gd name="connsiteY0" fmla="*/ 0 h 90386"/>
-              <a:gd name="connsiteX1" fmla="*/ 76419 w 76419"/>
-              <a:gd name="connsiteY1" fmla="*/ 85965 h 90386"/>
-              <a:gd name="connsiteX0" fmla="*/ 0 w 76419"/>
-              <a:gd name="connsiteY0" fmla="*/ 0 h 85965"/>
-              <a:gd name="connsiteX1" fmla="*/ 76419 w 76419"/>
-              <a:gd name="connsiteY1" fmla="*/ 85965 h 85965"/>
-              <a:gd name="connsiteX0" fmla="*/ 0 w 76419"/>
-              <a:gd name="connsiteY0" fmla="*/ 0 h 85965"/>
-              <a:gd name="connsiteX1" fmla="*/ 76419 w 76419"/>
-              <a:gd name="connsiteY1" fmla="*/ 85965 h 85965"/>
-              <a:gd name="connsiteX0" fmla="*/ 0 w 60984"/>
-              <a:gd name="connsiteY0" fmla="*/ 0 h 42177"/>
-              <a:gd name="connsiteX1" fmla="*/ 60984 w 60984"/>
-              <a:gd name="connsiteY1" fmla="*/ 40393 h 42177"/>
-              <a:gd name="connsiteX0" fmla="*/ 0 w 60984"/>
-              <a:gd name="connsiteY0" fmla="*/ 0 h 40393"/>
-              <a:gd name="connsiteX1" fmla="*/ 60984 w 60984"/>
-              <a:gd name="connsiteY1" fmla="*/ 40393 h 40393"/>
-              <a:gd name="connsiteX0" fmla="*/ 0 w 60984"/>
-              <a:gd name="connsiteY0" fmla="*/ 0 h 40393"/>
-              <a:gd name="connsiteX1" fmla="*/ 60984 w 60984"/>
-              <a:gd name="connsiteY1" fmla="*/ 40393 h 40393"/>
-              <a:gd name="connsiteX0" fmla="*/ 0 w 60984"/>
-              <a:gd name="connsiteY0" fmla="*/ 0 h 40393"/>
-              <a:gd name="connsiteX1" fmla="*/ 60984 w 60984"/>
-              <a:gd name="connsiteY1" fmla="*/ 40393 h 40393"/>
-            </a:gdLst>
-            <a:ahLst/>
-            <a:cxnLst>
-              <a:cxn ang="0">
-                <a:pos x="connsiteX0" y="connsiteY0"/>
-              </a:cxn>
-              <a:cxn ang="0">
-                <a:pos x="connsiteX1" y="connsiteY1"/>
-              </a:cxn>
-            </a:cxnLst>
-            <a:rect l="l" t="t" r="r" b="b"/>
-            <a:pathLst>
-              <a:path w="60984" h="40393">
-                <a:moveTo>
-                  <a:pt x="0" y="0"/>
-                </a:moveTo>
-                <a:cubicBezTo>
-                  <a:pt x="14705" y="18980"/>
-                  <a:pt x="-6340" y="34654"/>
-                  <a:pt x="60984" y="40393"/>
-                </a:cubicBezTo>
-              </a:path>
-            </a:pathLst>
-          </a:custGeom>
-          <a:noFill/>
-          <a:ln w="31750">
-            <a:solidFill>
-              <a:schemeClr val="tx1"/>
-            </a:solidFill>
-            <a:prstDash val="sysDot"/>
-            <a:headEnd type="none"/>
-            <a:tailEnd type="triangle"/>
-          </a:ln>
-        </p:spPr>
-        <p:style>
-          <a:lnRef idx="2">
-            <a:schemeClr val="accent1">
-              <a:shade val="15000"/>
-            </a:schemeClr>
-          </a:lnRef>
-          <a:fillRef idx="1">
-            <a:schemeClr val="accent1"/>
-          </a:fillRef>
-          <a:effectRef idx="0">
-            <a:schemeClr val="accent1"/>
-          </a:effectRef>
-          <a:fontRef idx="minor">
-            <a:schemeClr val="lt1"/>
-          </a:fontRef>
-        </p:style>
-        <p:txBody>
-          <a:bodyPr rtlCol="0" anchor="ctr"/>
-          <a:lstStyle/>
-          <a:p>
-            <a:pPr algn="ctr"/>
-            <a:endParaRPr lang="en-US"/>
-          </a:p>
-        </p:txBody>
-      </p:sp>
       <p:grpSp>
         <p:nvGrpSpPr>
           <p:cNvPr id="42" name="Group 41">
@@ -5579,8 +4905,8 @@
         </p:nvGrpSpPr>
         <p:grpSpPr>
           <a:xfrm>
-            <a:off x="3387436" y="9196988"/>
-            <a:ext cx="1662546" cy="788676"/>
+            <a:off x="2389655" y="9016611"/>
+            <a:ext cx="1852568" cy="873203"/>
             <a:chOff x="3387436" y="9196988"/>
             <a:chExt cx="1662546" cy="788676"/>
           </a:xfrm>
@@ -5706,8 +5032,8 @@
         </p:nvGrpSpPr>
         <p:grpSpPr>
           <a:xfrm>
-            <a:off x="6794185" y="9202153"/>
-            <a:ext cx="838929" cy="782785"/>
+            <a:off x="6761969" y="9026971"/>
+            <a:ext cx="921093" cy="868065"/>
             <a:chOff x="6095271" y="5125876"/>
             <a:chExt cx="750147" cy="666834"/>
           </a:xfrm>
@@ -5833,7 +5159,7 @@
         </p:nvSpPr>
         <p:spPr>
           <a:xfrm>
-            <a:off x="2921744" y="9440743"/>
+            <a:off x="1891754" y="9272040"/>
             <a:ext cx="498855" cy="400110"/>
           </a:xfrm>
           <a:prstGeom prst="rect">
@@ -5874,7 +5200,7 @@
         </p:nvSpPr>
         <p:spPr>
           <a:xfrm>
-            <a:off x="7599951" y="9440743"/>
+            <a:off x="7682092" y="9276285"/>
             <a:ext cx="498855" cy="400110"/>
           </a:xfrm>
           <a:prstGeom prst="rect">
@@ -6295,8 +5621,8 @@
         </p:nvGrpSpPr>
         <p:grpSpPr>
           <a:xfrm>
-            <a:off x="5349540" y="9196988"/>
-            <a:ext cx="838929" cy="782785"/>
+            <a:off x="5469596" y="9016611"/>
+            <a:ext cx="743660" cy="873203"/>
             <a:chOff x="6095271" y="5125876"/>
             <a:chExt cx="750147" cy="666834"/>
           </a:xfrm>
@@ -6422,7 +5748,7 @@
         </p:nvSpPr>
         <p:spPr>
           <a:xfrm>
-            <a:off x="6169150" y="9440743"/>
+            <a:off x="6195375" y="9276285"/>
             <a:ext cx="498855" cy="400110"/>
           </a:xfrm>
           <a:prstGeom prst="rect">
@@ -6449,6 +5775,36 @@
           </a:p>
         </p:txBody>
       </p:sp>
+      <p:pic>
+        <p:nvPicPr>
+          <p:cNvPr id="45" name="Picture 44">
+            <a:extLst>
+              <a:ext uri="{FF2B5EF4-FFF2-40B4-BE49-F238E27FC236}">
+                <a16:creationId xmlns:a16="http://schemas.microsoft.com/office/drawing/2014/main" id="{BF5C619C-27EE-EAD0-E771-38CC614A9E9F}"/>
+              </a:ext>
+            </a:extLst>
+          </p:cNvPr>
+          <p:cNvPicPr>
+            <a:picLocks noChangeAspect="1"/>
+          </p:cNvPicPr>
+          <p:nvPr/>
+        </p:nvPicPr>
+        <p:blipFill>
+          <a:blip r:embed="rId3"/>
+          <a:stretch>
+            <a:fillRect/>
+          </a:stretch>
+        </p:blipFill>
+        <p:spPr>
+          <a:xfrm>
+            <a:off x="1931990" y="10129968"/>
+            <a:ext cx="5497844" cy="546191"/>
+          </a:xfrm>
+          <a:prstGeom prst="rect">
+            <a:avLst/>
+          </a:prstGeom>
+        </p:spPr>
+      </p:pic>
     </p:spTree>
     <p:extLst>
       <p:ext uri="{BB962C8B-B14F-4D97-AF65-F5344CB8AC3E}">

--- a/figs/fig_results_ratecount_annotated.pptx
+++ b/figs/fig_results_ratecount_annotated.pptx
@@ -118,7 +118,7 @@
 <file path=ppt/revisionInfo.xml><?xml version="1.0" encoding="utf-8"?>
 <p1510:revInfo xmlns:a="http://schemas.openxmlformats.org/drawingml/2006/main" xmlns:r="http://schemas.openxmlformats.org/officeDocument/2006/relationships" xmlns:p1510="http://schemas.microsoft.com/office/powerpoint/2015/10/main">
   <p1510:revLst>
-    <p1510:client id="{AE73B4D5-7497-0F41-8DCD-42BE02F6FF1D}" v="42" dt="2025-05-23T02:13:31.502"/>
+    <p1510:client id="{AE73B4D5-7497-0F41-8DCD-42BE02F6FF1D}" v="58" dt="2025-05-28T19:49:45.062"/>
   </p1510:revLst>
 </p1510:revInfo>
 </file>
@@ -128,7 +128,7 @@
   <pc:docChgLst>
     <pc:chgData name="Barkasi, Michael" userId="604489e9-c8b5-4a18-ae0d-3a3e29c44efc" providerId="ADAL" clId="{AE73B4D5-7497-0F41-8DCD-42BE02F6FF1D}"/>
     <pc:docChg chg="undo custSel addSld delSld modSld modMainMaster modNotesMaster">
-      <pc:chgData name="Barkasi, Michael" userId="604489e9-c8b5-4a18-ae0d-3a3e29c44efc" providerId="ADAL" clId="{AE73B4D5-7497-0F41-8DCD-42BE02F6FF1D}" dt="2025-05-23T02:14:32.260" v="245" actId="1076"/>
+      <pc:chgData name="Barkasi, Michael" userId="604489e9-c8b5-4a18-ae0d-3a3e29c44efc" providerId="ADAL" clId="{AE73B4D5-7497-0F41-8DCD-42BE02F6FF1D}" dt="2025-05-28T19:50:15.511" v="331" actId="1076"/>
       <pc:docMkLst>
         <pc:docMk/>
       </pc:docMkLst>
@@ -140,7 +140,7 @@
         </pc:sldMkLst>
       </pc:sldChg>
       <pc:sldChg chg="addSp delSp modSp new mod">
-        <pc:chgData name="Barkasi, Michael" userId="604489e9-c8b5-4a18-ae0d-3a3e29c44efc" providerId="ADAL" clId="{AE73B4D5-7497-0F41-8DCD-42BE02F6FF1D}" dt="2025-05-23T02:14:32.260" v="245" actId="1076"/>
+        <pc:chgData name="Barkasi, Michael" userId="604489e9-c8b5-4a18-ae0d-3a3e29c44efc" providerId="ADAL" clId="{AE73B4D5-7497-0F41-8DCD-42BE02F6FF1D}" dt="2025-05-28T19:50:15.511" v="331" actId="1076"/>
         <pc:sldMkLst>
           <pc:docMk/>
           <pc:sldMk cId="2771342219" sldId="257"/>
@@ -183,6 +183,14 @@
             <pc:docMk/>
             <pc:sldMk cId="2771342219" sldId="257"/>
             <ac:spMk id="6" creationId="{30162D44-F5CD-47B5-5B97-8F7674656F8C}"/>
+          </ac:spMkLst>
+        </pc:spChg>
+        <pc:spChg chg="add del mod">
+          <ac:chgData name="Barkasi, Michael" userId="604489e9-c8b5-4a18-ae0d-3a3e29c44efc" providerId="ADAL" clId="{AE73B4D5-7497-0F41-8DCD-42BE02F6FF1D}" dt="2025-05-28T16:45:57.854" v="309" actId="478"/>
+          <ac:spMkLst>
+            <pc:docMk/>
+            <pc:sldMk cId="2771342219" sldId="257"/>
+            <ac:spMk id="7" creationId="{A142C4FA-7978-08C5-271D-8CAB7FAFD3E9}"/>
           </ac:spMkLst>
         </pc:spChg>
         <pc:spChg chg="add mod">
@@ -234,7 +242,7 @@
           </ac:spMkLst>
         </pc:spChg>
         <pc:spChg chg="add mod">
-          <ac:chgData name="Barkasi, Michael" userId="604489e9-c8b5-4a18-ae0d-3a3e29c44efc" providerId="ADAL" clId="{AE73B4D5-7497-0F41-8DCD-42BE02F6FF1D}" dt="2025-05-23T02:09:37.354" v="208" actId="1076"/>
+          <ac:chgData name="Barkasi, Michael" userId="604489e9-c8b5-4a18-ae0d-3a3e29c44efc" providerId="ADAL" clId="{AE73B4D5-7497-0F41-8DCD-42BE02F6FF1D}" dt="2025-05-28T19:50:15.511" v="331" actId="1076"/>
           <ac:spMkLst>
             <pc:docMk/>
             <pc:sldMk cId="2771342219" sldId="257"/>
@@ -250,7 +258,7 @@
           </ac:spMkLst>
         </pc:spChg>
         <pc:spChg chg="add mod">
-          <ac:chgData name="Barkasi, Michael" userId="604489e9-c8b5-4a18-ae0d-3a3e29c44efc" providerId="ADAL" clId="{AE73B4D5-7497-0F41-8DCD-42BE02F6FF1D}" dt="2025-05-23T02:09:49.197" v="210" actId="14100"/>
+          <ac:chgData name="Barkasi, Michael" userId="604489e9-c8b5-4a18-ae0d-3a3e29c44efc" providerId="ADAL" clId="{AE73B4D5-7497-0F41-8DCD-42BE02F6FF1D}" dt="2025-05-28T01:32:29.557" v="291" actId="14100"/>
           <ac:spMkLst>
             <pc:docMk/>
             <pc:sldMk cId="2771342219" sldId="257"/>
@@ -306,7 +314,7 @@
           </ac:spMkLst>
         </pc:spChg>
         <pc:spChg chg="add mod">
-          <ac:chgData name="Barkasi, Michael" userId="604489e9-c8b5-4a18-ae0d-3a3e29c44efc" providerId="ADAL" clId="{AE73B4D5-7497-0F41-8DCD-42BE02F6FF1D}" dt="2025-05-23T02:14:32.260" v="245" actId="1076"/>
+          <ac:chgData name="Barkasi, Michael" userId="604489e9-c8b5-4a18-ae0d-3a3e29c44efc" providerId="ADAL" clId="{AE73B4D5-7497-0F41-8DCD-42BE02F6FF1D}" dt="2025-05-28T16:44:49.189" v="298" actId="1076"/>
           <ac:spMkLst>
             <pc:docMk/>
             <pc:sldMk cId="2771342219" sldId="257"/>
@@ -314,7 +322,7 @@
           </ac:spMkLst>
         </pc:spChg>
         <pc:spChg chg="add mod">
-          <ac:chgData name="Barkasi, Michael" userId="604489e9-c8b5-4a18-ae0d-3a3e29c44efc" providerId="ADAL" clId="{AE73B4D5-7497-0F41-8DCD-42BE02F6FF1D}" dt="2025-05-23T02:10:50.253" v="218" actId="1076"/>
+          <ac:chgData name="Barkasi, Michael" userId="604489e9-c8b5-4a18-ae0d-3a3e29c44efc" providerId="ADAL" clId="{AE73B4D5-7497-0F41-8DCD-42BE02F6FF1D}" dt="2025-05-28T01:27:11.046" v="257" actId="1076"/>
           <ac:spMkLst>
             <pc:docMk/>
             <pc:sldMk cId="2771342219" sldId="257"/>
@@ -322,19 +330,19 @@
           </ac:spMkLst>
         </pc:spChg>
         <pc:spChg chg="add mod">
-          <ac:chgData name="Barkasi, Michael" userId="604489e9-c8b5-4a18-ae0d-3a3e29c44efc" providerId="ADAL" clId="{AE73B4D5-7497-0F41-8DCD-42BE02F6FF1D}" dt="2025-05-23T02:13:31.502" v="239" actId="206"/>
+          <ac:chgData name="Barkasi, Michael" userId="604489e9-c8b5-4a18-ae0d-3a3e29c44efc" providerId="ADAL" clId="{AE73B4D5-7497-0F41-8DCD-42BE02F6FF1D}" dt="2025-05-28T01:30:53.960" v="280" actId="1076"/>
           <ac:spMkLst>
             <pc:docMk/>
             <pc:sldMk cId="2771342219" sldId="257"/>
             <ac:spMk id="32" creationId="{D5F83796-D4C3-8395-EAB4-1AD4829DEB34}"/>
           </ac:spMkLst>
         </pc:spChg>
-        <pc:spChg chg="add del mod">
-          <ac:chgData name="Barkasi, Michael" userId="604489e9-c8b5-4a18-ae0d-3a3e29c44efc" providerId="ADAL" clId="{AE73B4D5-7497-0F41-8DCD-42BE02F6FF1D}" dt="2025-05-23T02:12:12.854" v="226" actId="478"/>
+        <pc:spChg chg="add mod">
+          <ac:chgData name="Barkasi, Michael" userId="604489e9-c8b5-4a18-ae0d-3a3e29c44efc" providerId="ADAL" clId="{AE73B4D5-7497-0F41-8DCD-42BE02F6FF1D}" dt="2025-05-28T16:45:55.514" v="308" actId="1076"/>
           <ac:spMkLst>
             <pc:docMk/>
             <pc:sldMk cId="2771342219" sldId="257"/>
-            <ac:spMk id="33" creationId="{7D8581A1-3D60-1855-B718-FF2860F6EC4C}"/>
+            <ac:spMk id="33" creationId="{7B7F27CA-12F2-327E-D923-43F430D0DDF3}"/>
           </ac:spMkLst>
         </pc:spChg>
         <pc:spChg chg="add mod">
@@ -370,7 +378,7 @@
           </ac:spMkLst>
         </pc:spChg>
         <pc:spChg chg="add mod">
-          <ac:chgData name="Barkasi, Michael" userId="604489e9-c8b5-4a18-ae0d-3a3e29c44efc" providerId="ADAL" clId="{AE73B4D5-7497-0F41-8DCD-42BE02F6FF1D}" dt="2025-05-23T02:14:22.900" v="244" actId="1076"/>
+          <ac:chgData name="Barkasi, Michael" userId="604489e9-c8b5-4a18-ae0d-3a3e29c44efc" providerId="ADAL" clId="{AE73B4D5-7497-0F41-8DCD-42BE02F6FF1D}" dt="2025-05-28T01:27:56.945" v="261" actId="1076"/>
           <ac:spMkLst>
             <pc:docMk/>
             <pc:sldMk cId="2771342219" sldId="257"/>
@@ -378,7 +386,7 @@
           </ac:spMkLst>
         </pc:spChg>
         <pc:spChg chg="add mod">
-          <ac:chgData name="Barkasi, Michael" userId="604489e9-c8b5-4a18-ae0d-3a3e29c44efc" providerId="ADAL" clId="{AE73B4D5-7497-0F41-8DCD-42BE02F6FF1D}" dt="2025-05-23T02:14:03.655" v="242" actId="1076"/>
+          <ac:chgData name="Barkasi, Michael" userId="604489e9-c8b5-4a18-ae0d-3a3e29c44efc" providerId="ADAL" clId="{AE73B4D5-7497-0F41-8DCD-42BE02F6FF1D}" dt="2025-05-28T01:32:14.456" v="290" actId="1076"/>
           <ac:spMkLst>
             <pc:docMk/>
             <pc:sldMk cId="2771342219" sldId="257"/>
@@ -394,15 +402,39 @@
           </ac:spMkLst>
         </pc:spChg>
         <pc:spChg chg="add mod">
-          <ac:chgData name="Barkasi, Michael" userId="604489e9-c8b5-4a18-ae0d-3a3e29c44efc" providerId="ADAL" clId="{AE73B4D5-7497-0F41-8DCD-42BE02F6FF1D}" dt="2025-05-23T02:14:15.670" v="243" actId="1076"/>
+          <ac:chgData name="Barkasi, Michael" userId="604489e9-c8b5-4a18-ae0d-3a3e29c44efc" providerId="ADAL" clId="{AE73B4D5-7497-0F41-8DCD-42BE02F6FF1D}" dt="2025-05-28T01:31:08.259" v="281" actId="1076"/>
           <ac:spMkLst>
             <pc:docMk/>
             <pc:sldMk cId="2771342219" sldId="257"/>
             <ac:spMk id="43" creationId="{1E68B2E2-C50B-369A-527A-ABC53E53F4B9}"/>
           </ac:spMkLst>
         </pc:spChg>
+        <pc:spChg chg="add del mod">
+          <ac:chgData name="Barkasi, Michael" userId="604489e9-c8b5-4a18-ae0d-3a3e29c44efc" providerId="ADAL" clId="{AE73B4D5-7497-0F41-8DCD-42BE02F6FF1D}" dt="2025-05-28T16:45:44.285" v="307" actId="478"/>
+          <ac:spMkLst>
+            <pc:docMk/>
+            <pc:sldMk cId="2771342219" sldId="257"/>
+            <ac:spMk id="44" creationId="{9A1B6DD6-6901-791C-64F8-DCEC6D84A58D}"/>
+          </ac:spMkLst>
+        </pc:spChg>
+        <pc:spChg chg="add mod">
+          <ac:chgData name="Barkasi, Michael" userId="604489e9-c8b5-4a18-ae0d-3a3e29c44efc" providerId="ADAL" clId="{AE73B4D5-7497-0F41-8DCD-42BE02F6FF1D}" dt="2025-05-28T01:31:38.874" v="285" actId="1076"/>
+          <ac:spMkLst>
+            <pc:docMk/>
+            <pc:sldMk cId="2771342219" sldId="257"/>
+            <ac:spMk id="46" creationId="{F8FF86A7-E8C4-8CF9-C137-FC19A95F66FA}"/>
+          </ac:spMkLst>
+        </pc:spChg>
+        <pc:spChg chg="add mod">
+          <ac:chgData name="Barkasi, Michael" userId="604489e9-c8b5-4a18-ae0d-3a3e29c44efc" providerId="ADAL" clId="{AE73B4D5-7497-0F41-8DCD-42BE02F6FF1D}" dt="2025-05-28T19:50:03.037" v="330" actId="1076"/>
+          <ac:spMkLst>
+            <pc:docMk/>
+            <pc:sldMk cId="2771342219" sldId="257"/>
+            <ac:spMk id="49" creationId="{7AA1FB79-BAA9-EE7B-A53A-22EDF8632399}"/>
+          </ac:spMkLst>
+        </pc:spChg>
         <pc:grpChg chg="add mod">
-          <ac:chgData name="Barkasi, Michael" userId="604489e9-c8b5-4a18-ae0d-3a3e29c44efc" providerId="ADAL" clId="{AE73B4D5-7497-0F41-8DCD-42BE02F6FF1D}" dt="2025-05-23T02:12:41.334" v="232" actId="14100"/>
+          <ac:chgData name="Barkasi, Michael" userId="604489e9-c8b5-4a18-ae0d-3a3e29c44efc" providerId="ADAL" clId="{AE73B4D5-7497-0F41-8DCD-42BE02F6FF1D}" dt="2025-05-28T01:28:22.086" v="265" actId="1076"/>
           <ac:grpSpMkLst>
             <pc:docMk/>
             <pc:sldMk cId="2771342219" sldId="257"/>
@@ -410,7 +442,7 @@
           </ac:grpSpMkLst>
         </pc:grpChg>
         <pc:grpChg chg="mod">
-          <ac:chgData name="Barkasi, Michael" userId="604489e9-c8b5-4a18-ae0d-3a3e29c44efc" providerId="ADAL" clId="{AE73B4D5-7497-0F41-8DCD-42BE02F6FF1D}" dt="2025-05-23T02:13:59.335" v="241" actId="14100"/>
+          <ac:chgData name="Barkasi, Michael" userId="604489e9-c8b5-4a18-ae0d-3a3e29c44efc" providerId="ADAL" clId="{AE73B4D5-7497-0F41-8DCD-42BE02F6FF1D}" dt="2025-05-28T01:31:45.447" v="287" actId="1076"/>
           <ac:grpSpMkLst>
             <pc:docMk/>
             <pc:sldMk cId="2771342219" sldId="257"/>
@@ -418,23 +450,15 @@
           </ac:grpSpMkLst>
         </pc:grpChg>
         <pc:grpChg chg="add mod">
-          <ac:chgData name="Barkasi, Michael" userId="604489e9-c8b5-4a18-ae0d-3a3e29c44efc" providerId="ADAL" clId="{AE73B4D5-7497-0F41-8DCD-42BE02F6FF1D}" dt="2025-05-23T02:10:59.974" v="219" actId="1076"/>
+          <ac:chgData name="Barkasi, Michael" userId="604489e9-c8b5-4a18-ae0d-3a3e29c44efc" providerId="ADAL" clId="{AE73B4D5-7497-0F41-8DCD-42BE02F6FF1D}" dt="2025-05-28T01:26:30.158" v="252" actId="1076"/>
           <ac:grpSpMkLst>
             <pc:docMk/>
             <pc:sldMk cId="2771342219" sldId="257"/>
             <ac:grpSpMk id="42" creationId="{D4891DC2-75E2-F321-052E-B91DAF56A534}"/>
           </ac:grpSpMkLst>
         </pc:grpChg>
-        <pc:picChg chg="add del mod modCrop">
-          <ac:chgData name="Barkasi, Michael" userId="604489e9-c8b5-4a18-ae0d-3a3e29c44efc" providerId="ADAL" clId="{AE73B4D5-7497-0F41-8DCD-42BE02F6FF1D}" dt="2025-05-23T02:08:14.468" v="203" actId="478"/>
-          <ac:picMkLst>
-            <pc:docMk/>
-            <pc:sldMk cId="2771342219" sldId="257"/>
-            <ac:picMk id="7" creationId="{5348D071-C2DF-0EFF-D61B-51DC5C2A964F}"/>
-          </ac:picMkLst>
-        </pc:picChg>
         <pc:picChg chg="add mod">
-          <ac:chgData name="Barkasi, Michael" userId="604489e9-c8b5-4a18-ae0d-3a3e29c44efc" providerId="ADAL" clId="{AE73B4D5-7497-0F41-8DCD-42BE02F6FF1D}" dt="2025-05-23T02:12:56.676" v="234" actId="1076"/>
+          <ac:chgData name="Barkasi, Michael" userId="604489e9-c8b5-4a18-ae0d-3a3e29c44efc" providerId="ADAL" clId="{AE73B4D5-7497-0F41-8DCD-42BE02F6FF1D}" dt="2025-05-28T19:48:15.634" v="310" actId="14826"/>
           <ac:picMkLst>
             <pc:docMk/>
             <pc:sldMk cId="2771342219" sldId="257"/>
@@ -449,8 +473,24 @@
             <ac:picMk id="45" creationId="{BF5C619C-27EE-EAD0-E771-38CC614A9E9F}"/>
           </ac:picMkLst>
         </pc:picChg>
+        <pc:picChg chg="add mod">
+          <ac:chgData name="Barkasi, Michael" userId="604489e9-c8b5-4a18-ae0d-3a3e29c44efc" providerId="ADAL" clId="{AE73B4D5-7497-0F41-8DCD-42BE02F6FF1D}" dt="2025-05-28T01:29:35.345" v="274" actId="571"/>
+          <ac:picMkLst>
+            <pc:docMk/>
+            <pc:sldMk cId="2771342219" sldId="257"/>
+            <ac:picMk id="47" creationId="{5E863444-5A86-3685-C5C0-3E7B6C936ACF}"/>
+          </ac:picMkLst>
+        </pc:picChg>
         <pc:cxnChg chg="add mod">
-          <ac:chgData name="Barkasi, Michael" userId="604489e9-c8b5-4a18-ae0d-3a3e29c44efc" providerId="ADAL" clId="{AE73B4D5-7497-0F41-8DCD-42BE02F6FF1D}" dt="2025-05-23T02:09:33.386" v="207" actId="14100"/>
+          <ac:chgData name="Barkasi, Michael" userId="604489e9-c8b5-4a18-ae0d-3a3e29c44efc" providerId="ADAL" clId="{AE73B4D5-7497-0F41-8DCD-42BE02F6FF1D}" dt="2025-05-28T19:49:16.627" v="316" actId="1076"/>
+          <ac:cxnSpMkLst>
+            <pc:docMk/>
+            <pc:sldMk cId="2771342219" sldId="257"/>
+            <ac:cxnSpMk id="7" creationId="{5874C93C-D9B6-A9F1-2B89-7F142ADBC8AB}"/>
+          </ac:cxnSpMkLst>
+        </pc:cxnChg>
+        <pc:cxnChg chg="add mod">
+          <ac:chgData name="Barkasi, Michael" userId="604489e9-c8b5-4a18-ae0d-3a3e29c44efc" providerId="ADAL" clId="{AE73B4D5-7497-0F41-8DCD-42BE02F6FF1D}" dt="2025-05-28T01:25:49.963" v="249" actId="14100"/>
           <ac:cxnSpMkLst>
             <pc:docMk/>
             <pc:sldMk cId="2771342219" sldId="257"/>
@@ -458,7 +498,7 @@
           </ac:cxnSpMkLst>
         </pc:cxnChg>
         <pc:cxnChg chg="add mod">
-          <ac:chgData name="Barkasi, Michael" userId="604489e9-c8b5-4a18-ae0d-3a3e29c44efc" providerId="ADAL" clId="{AE73B4D5-7497-0F41-8DCD-42BE02F6FF1D}" dt="2025-05-18T05:03:32.497" v="71" actId="1076"/>
+          <ac:chgData name="Barkasi, Michael" userId="604489e9-c8b5-4a18-ae0d-3a3e29c44efc" providerId="ADAL" clId="{AE73B4D5-7497-0F41-8DCD-42BE02F6FF1D}" dt="2025-05-28T19:49:30.118" v="318" actId="14100"/>
           <ac:cxnSpMkLst>
             <pc:docMk/>
             <pc:sldMk cId="2771342219" sldId="257"/>
@@ -466,7 +506,7 @@
           </ac:cxnSpMkLst>
         </pc:cxnChg>
         <pc:cxnChg chg="mod">
-          <ac:chgData name="Barkasi, Michael" userId="604489e9-c8b5-4a18-ae0d-3a3e29c44efc" providerId="ADAL" clId="{AE73B4D5-7497-0F41-8DCD-42BE02F6FF1D}" dt="2025-05-23T02:13:11.643" v="236" actId="14100"/>
+          <ac:chgData name="Barkasi, Michael" userId="604489e9-c8b5-4a18-ae0d-3a3e29c44efc" providerId="ADAL" clId="{AE73B4D5-7497-0F41-8DCD-42BE02F6FF1D}" dt="2025-05-28T01:31:59.924" v="289" actId="14100"/>
           <ac:cxnSpMkLst>
             <pc:docMk/>
             <pc:sldMk cId="2771342219" sldId="257"/>
@@ -474,7 +514,7 @@
           </ac:cxnSpMkLst>
         </pc:cxnChg>
         <pc:cxnChg chg="mod">
-          <ac:chgData name="Barkasi, Michael" userId="604489e9-c8b5-4a18-ae0d-3a3e29c44efc" providerId="ADAL" clId="{AE73B4D5-7497-0F41-8DCD-42BE02F6FF1D}" dt="2025-05-23T02:11:49.249" v="222" actId="1076"/>
+          <ac:chgData name="Barkasi, Michael" userId="604489e9-c8b5-4a18-ae0d-3a3e29c44efc" providerId="ADAL" clId="{AE73B4D5-7497-0F41-8DCD-42BE02F6FF1D}" dt="2025-05-28T01:28:48.960" v="268" actId="1076"/>
           <ac:cxnSpMkLst>
             <pc:docMk/>
             <pc:sldMk cId="2771342219" sldId="257"/>
@@ -482,7 +522,7 @@
           </ac:cxnSpMkLst>
         </pc:cxnChg>
         <pc:cxnChg chg="mod">
-          <ac:chgData name="Barkasi, Michael" userId="604489e9-c8b5-4a18-ae0d-3a3e29c44efc" providerId="ADAL" clId="{AE73B4D5-7497-0F41-8DCD-42BE02F6FF1D}" dt="2025-05-23T02:11:24.386" v="221" actId="14100"/>
+          <ac:chgData name="Barkasi, Michael" userId="604489e9-c8b5-4a18-ae0d-3a3e29c44efc" providerId="ADAL" clId="{AE73B4D5-7497-0F41-8DCD-42BE02F6FF1D}" dt="2025-05-28T01:27:42.795" v="260" actId="1076"/>
           <ac:cxnSpMkLst>
             <pc:docMk/>
             <pc:sldMk cId="2771342219" sldId="257"/>
@@ -640,7 +680,7 @@
           <a:p>
             <a:fld id="{9AA0B02C-3D9A-2B40-92EC-C41DFECE8672}" type="datetimeFigureOut">
               <a:rPr lang="en-US" smtClean="0"/>
-              <a:t>5/22/25</a:t>
+              <a:t>5/28/25</a:t>
             </a:fld>
             <a:endParaRPr lang="en-US"/>
           </a:p>
@@ -907,6 +947,90 @@
 </p:notesMaster>
 </file>
 
+<file path=ppt/notesSlides/notesSlide1.xml><?xml version="1.0" encoding="utf-8"?>
+<p:notes xmlns:a="http://schemas.openxmlformats.org/drawingml/2006/main" xmlns:r="http://schemas.openxmlformats.org/officeDocument/2006/relationships" xmlns:p="http://schemas.openxmlformats.org/presentationml/2006/main">
+  <p:cSld>
+    <p:spTree>
+      <p:nvGrpSpPr>
+        <p:cNvPr id="1" name=""/>
+        <p:cNvGrpSpPr/>
+        <p:nvPr/>
+      </p:nvGrpSpPr>
+      <p:grpSpPr>
+        <a:xfrm>
+          <a:off x="0" y="0"/>
+          <a:ext cx="0" cy="0"/>
+          <a:chOff x="0" y="0"/>
+          <a:chExt cx="0" cy="0"/>
+        </a:xfrm>
+      </p:grpSpPr>
+      <p:sp>
+        <p:nvSpPr>
+          <p:cNvPr id="2" name="Slide Image Placeholder 1"/>
+          <p:cNvSpPr>
+            <a:spLocks noGrp="1" noRot="1" noChangeAspect="1"/>
+          </p:cNvSpPr>
+          <p:nvPr>
+            <p:ph type="sldImg"/>
+          </p:nvPr>
+        </p:nvSpPr>
+        <p:spPr/>
+      </p:sp>
+      <p:sp>
+        <p:nvSpPr>
+          <p:cNvPr id="3" name="Notes Placeholder 2"/>
+          <p:cNvSpPr>
+            <a:spLocks noGrp="1"/>
+          </p:cNvSpPr>
+          <p:nvPr>
+            <p:ph type="body" idx="1"/>
+          </p:nvPr>
+        </p:nvSpPr>
+        <p:spPr/>
+        <p:txBody>
+          <a:bodyPr/>
+          <a:lstStyle/>
+          <a:p>
+            <a:endParaRPr lang="en-US" dirty="0"/>
+          </a:p>
+        </p:txBody>
+      </p:sp>
+      <p:sp>
+        <p:nvSpPr>
+          <p:cNvPr id="4" name="Slide Number Placeholder 3"/>
+          <p:cNvSpPr>
+            <a:spLocks noGrp="1"/>
+          </p:cNvSpPr>
+          <p:nvPr>
+            <p:ph type="sldNum" sz="quarter" idx="5"/>
+          </p:nvPr>
+        </p:nvSpPr>
+        <p:spPr/>
+        <p:txBody>
+          <a:bodyPr/>
+          <a:lstStyle/>
+          <a:p>
+            <a:fld id="{D87355D0-5C22-A449-ACEB-669054485924}" type="slidenum">
+              <a:rPr lang="en-US" smtClean="0"/>
+              <a:t>1</a:t>
+            </a:fld>
+            <a:endParaRPr lang="en-US"/>
+          </a:p>
+        </p:txBody>
+      </p:sp>
+    </p:spTree>
+    <p:extLst>
+      <p:ext uri="{BB962C8B-B14F-4D97-AF65-F5344CB8AC3E}">
+        <p14:creationId xmlns:p14="http://schemas.microsoft.com/office/powerpoint/2010/main" val="306015718"/>
+      </p:ext>
+    </p:extLst>
+  </p:cSld>
+  <p:clrMapOvr>
+    <a:masterClrMapping/>
+  </p:clrMapOvr>
+</p:notes>
+</file>
+
 <file path=ppt/slideLayouts/slideLayout1.xml><?xml version="1.0" encoding="utf-8"?>
 <p:sldLayout xmlns:a="http://schemas.openxmlformats.org/drawingml/2006/main" xmlns:r="http://schemas.openxmlformats.org/officeDocument/2006/relationships" xmlns:p="http://schemas.openxmlformats.org/presentationml/2006/main" type="title" preserve="1">
   <p:cSld name="Title Slide">
@@ -1038,7 +1162,7 @@
           <a:p>
             <a:fld id="{252C473C-6492-1647-A49C-2EF4321B0E0D}" type="datetimeFigureOut">
               <a:rPr lang="en-US" smtClean="0"/>
-              <a:t>5/22/25</a:t>
+              <a:t>5/28/25</a:t>
             </a:fld>
             <a:endParaRPr lang="en-US"/>
           </a:p>
@@ -1208,7 +1332,7 @@
           <a:p>
             <a:fld id="{252C473C-6492-1647-A49C-2EF4321B0E0D}" type="datetimeFigureOut">
               <a:rPr lang="en-US" smtClean="0"/>
-              <a:t>5/22/25</a:t>
+              <a:t>5/28/25</a:t>
             </a:fld>
             <a:endParaRPr lang="en-US"/>
           </a:p>
@@ -1388,7 +1512,7 @@
           <a:p>
             <a:fld id="{252C473C-6492-1647-A49C-2EF4321B0E0D}" type="datetimeFigureOut">
               <a:rPr lang="en-US" smtClean="0"/>
-              <a:t>5/22/25</a:t>
+              <a:t>5/28/25</a:t>
             </a:fld>
             <a:endParaRPr lang="en-US"/>
           </a:p>
@@ -1558,7 +1682,7 @@
           <a:p>
             <a:fld id="{252C473C-6492-1647-A49C-2EF4321B0E0D}" type="datetimeFigureOut">
               <a:rPr lang="en-US" smtClean="0"/>
-              <a:t>5/22/25</a:t>
+              <a:t>5/28/25</a:t>
             </a:fld>
             <a:endParaRPr lang="en-US"/>
           </a:p>
@@ -1804,7 +1928,7 @@
           <a:p>
             <a:fld id="{252C473C-6492-1647-A49C-2EF4321B0E0D}" type="datetimeFigureOut">
               <a:rPr lang="en-US" smtClean="0"/>
-              <a:t>5/22/25</a:t>
+              <a:t>5/28/25</a:t>
             </a:fld>
             <a:endParaRPr lang="en-US"/>
           </a:p>
@@ -2036,7 +2160,7 @@
           <a:p>
             <a:fld id="{252C473C-6492-1647-A49C-2EF4321B0E0D}" type="datetimeFigureOut">
               <a:rPr lang="en-US" smtClean="0"/>
-              <a:t>5/22/25</a:t>
+              <a:t>5/28/25</a:t>
             </a:fld>
             <a:endParaRPr lang="en-US"/>
           </a:p>
@@ -2403,7 +2527,7 @@
           <a:p>
             <a:fld id="{252C473C-6492-1647-A49C-2EF4321B0E0D}" type="datetimeFigureOut">
               <a:rPr lang="en-US" smtClean="0"/>
-              <a:t>5/22/25</a:t>
+              <a:t>5/28/25</a:t>
             </a:fld>
             <a:endParaRPr lang="en-US"/>
           </a:p>
@@ -2521,7 +2645,7 @@
           <a:p>
             <a:fld id="{252C473C-6492-1647-A49C-2EF4321B0E0D}" type="datetimeFigureOut">
               <a:rPr lang="en-US" smtClean="0"/>
-              <a:t>5/22/25</a:t>
+              <a:t>5/28/25</a:t>
             </a:fld>
             <a:endParaRPr lang="en-US"/>
           </a:p>
@@ -2616,7 +2740,7 @@
           <a:p>
             <a:fld id="{252C473C-6492-1647-A49C-2EF4321B0E0D}" type="datetimeFigureOut">
               <a:rPr lang="en-US" smtClean="0"/>
-              <a:t>5/22/25</a:t>
+              <a:t>5/28/25</a:t>
             </a:fld>
             <a:endParaRPr lang="en-US"/>
           </a:p>
@@ -2893,7 +3017,7 @@
           <a:p>
             <a:fld id="{252C473C-6492-1647-A49C-2EF4321B0E0D}" type="datetimeFigureOut">
               <a:rPr lang="en-US" smtClean="0"/>
-              <a:t>5/22/25</a:t>
+              <a:t>5/28/25</a:t>
             </a:fld>
             <a:endParaRPr lang="en-US"/>
           </a:p>
@@ -3150,7 +3274,7 @@
           <a:p>
             <a:fld id="{252C473C-6492-1647-A49C-2EF4321B0E0D}" type="datetimeFigureOut">
               <a:rPr lang="en-US" smtClean="0"/>
-              <a:t>5/22/25</a:t>
+              <a:t>5/28/25</a:t>
             </a:fld>
             <a:endParaRPr lang="en-US"/>
           </a:p>
@@ -3363,7 +3487,7 @@
           <a:p>
             <a:fld id="{252C473C-6492-1647-A49C-2EF4321B0E0D}" type="datetimeFigureOut">
               <a:rPr lang="en-US" smtClean="0"/>
-              <a:t>5/22/25</a:t>
+              <a:t>5/28/25</a:t>
             </a:fld>
             <a:endParaRPr lang="en-US"/>
           </a:p>
@@ -3783,14 +3907,14 @@
           <p:nvPr/>
         </p:nvPicPr>
         <p:blipFill>
-          <a:blip r:embed="rId2"/>
+          <a:blip r:embed="rId3"/>
           <a:srcRect/>
           <a:stretch/>
         </p:blipFill>
         <p:spPr>
           <a:xfrm>
-            <a:off x="198654" y="158822"/>
-            <a:ext cx="12815454" cy="10380518"/>
+            <a:off x="198654" y="163094"/>
+            <a:ext cx="12815453" cy="10371974"/>
           </a:xfrm>
           <a:prstGeom prst="rect">
             <a:avLst/>
@@ -4029,7 +4153,7 @@
         <p:spPr>
           <a:xfrm flipV="1">
             <a:off x="4961646" y="5930984"/>
-            <a:ext cx="0" cy="1727805"/>
+            <a:ext cx="0" cy="2124445"/>
           </a:xfrm>
           <a:prstGeom prst="straightConnector1">
             <a:avLst/>
@@ -4073,8 +4197,8 @@
         </p:nvCxnSpPr>
         <p:spPr>
           <a:xfrm>
-            <a:off x="4704773" y="5930984"/>
-            <a:ext cx="0" cy="651934"/>
+            <a:off x="4657198" y="6006008"/>
+            <a:ext cx="0" cy="526022"/>
           </a:xfrm>
           <a:prstGeom prst="straightConnector1">
             <a:avLst/>
@@ -4116,7 +4240,7 @@
         </p:nvSpPr>
         <p:spPr>
           <a:xfrm>
-            <a:off x="4206371" y="7137634"/>
+            <a:off x="4248756" y="6872359"/>
             <a:ext cx="660400" cy="400110"/>
           </a:xfrm>
           <a:prstGeom prst="rect">
@@ -4214,8 +4338,8 @@
         </p:nvSpPr>
         <p:spPr>
           <a:xfrm>
-            <a:off x="3439926" y="5748543"/>
-            <a:ext cx="2096822" cy="2134216"/>
+            <a:off x="3439926" y="5788525"/>
+            <a:ext cx="2096822" cy="2432365"/>
           </a:xfrm>
           <a:prstGeom prst="rect">
             <a:avLst/>
@@ -4307,7 +4431,7 @@
         </p:nvSpPr>
         <p:spPr>
           <a:xfrm>
-            <a:off x="1101493" y="9255726"/>
+            <a:off x="2173644" y="9314669"/>
             <a:ext cx="660400" cy="400110"/>
           </a:xfrm>
           <a:prstGeom prst="rect">
@@ -4354,8 +4478,8 @@
         </p:nvCxnSpPr>
         <p:spPr>
           <a:xfrm>
-            <a:off x="6873766" y="9737580"/>
-            <a:ext cx="306555" cy="0"/>
+            <a:off x="7242198" y="9766802"/>
+            <a:ext cx="153278" cy="0"/>
           </a:xfrm>
           <a:prstGeom prst="straightConnector1">
             <a:avLst/>
@@ -4398,9 +4522,9 @@
           <p:nvPr/>
         </p:nvCxnSpPr>
         <p:spPr>
-          <a:xfrm>
-            <a:off x="5828713" y="9737580"/>
-            <a:ext cx="160865" cy="0"/>
+          <a:xfrm flipH="1">
+            <a:off x="5651016" y="9728647"/>
+            <a:ext cx="117989" cy="1397"/>
           </a:xfrm>
           <a:prstGeom prst="straightConnector1">
             <a:avLst/>
@@ -4443,9 +4567,9 @@
           <p:nvPr/>
         </p:nvCxnSpPr>
         <p:spPr>
-          <a:xfrm flipH="1">
-            <a:off x="3888828" y="9737580"/>
-            <a:ext cx="163373" cy="0"/>
+          <a:xfrm>
+            <a:off x="2214692" y="9728278"/>
+            <a:ext cx="387394" cy="0"/>
           </a:xfrm>
           <a:prstGeom prst="straightConnector1">
             <a:avLst/>
@@ -4486,9 +4610,9 @@
           <p:nvPr/>
         </p:nvSpPr>
         <p:spPr>
-          <a:xfrm>
-            <a:off x="3237100" y="9476340"/>
-            <a:ext cx="300671" cy="218086"/>
+          <a:xfrm rot="10000805">
+            <a:off x="1462925" y="9275912"/>
+            <a:ext cx="515192" cy="135611"/>
           </a:xfrm>
           <a:custGeom>
             <a:avLst/>
@@ -4585,6 +4709,18 @@
               <a:gd name="connsiteY0" fmla="*/ 0 h 98853"/>
               <a:gd name="connsiteX1" fmla="*/ 125054 w 125054"/>
               <a:gd name="connsiteY1" fmla="*/ 44944 h 98853"/>
+              <a:gd name="connsiteX0" fmla="*/ 0 w 214277"/>
+              <a:gd name="connsiteY0" fmla="*/ 0 h 83077"/>
+              <a:gd name="connsiteX1" fmla="*/ 214277 w 214277"/>
+              <a:gd name="connsiteY1" fmla="*/ 11175 h 83077"/>
+              <a:gd name="connsiteX0" fmla="*/ 0 w 214277"/>
+              <a:gd name="connsiteY0" fmla="*/ 0 h 80153"/>
+              <a:gd name="connsiteX1" fmla="*/ 214277 w 214277"/>
+              <a:gd name="connsiteY1" fmla="*/ 11175 h 80153"/>
+              <a:gd name="connsiteX0" fmla="*/ 0 w 214277"/>
+              <a:gd name="connsiteY0" fmla="*/ 0 h 61469"/>
+              <a:gd name="connsiteX1" fmla="*/ 214277 w 214277"/>
+              <a:gd name="connsiteY1" fmla="*/ 11175 h 61469"/>
             </a:gdLst>
             <a:ahLst/>
             <a:cxnLst>
@@ -4597,14 +4733,14 @@
             </a:cxnLst>
             <a:rect l="l" t="t" r="r" b="b"/>
             <a:pathLst>
-              <a:path w="125054" h="98853">
+              <a:path w="214277" h="61469">
                 <a:moveTo>
                   <a:pt x="0" y="0"/>
                 </a:moveTo>
                 <a:cubicBezTo>
-                  <a:pt x="2949" y="139068"/>
-                  <a:pt x="72804" y="109275"/>
-                  <a:pt x="125054" y="44944"/>
+                  <a:pt x="59431" y="84680"/>
+                  <a:pt x="162027" y="75506"/>
+                  <a:pt x="214277" y="11175"/>
                 </a:cubicBezTo>
               </a:path>
             </a:pathLst>
@@ -4658,7 +4794,1176 @@
         </p:nvSpPr>
         <p:spPr>
           <a:xfrm rot="17669824">
-            <a:off x="7296412" y="9642180"/>
+            <a:off x="5255183" y="9627986"/>
+            <a:ext cx="89257" cy="240005"/>
+          </a:xfrm>
+          <a:custGeom>
+            <a:avLst/>
+            <a:gdLst>
+              <a:gd name="connsiteX0" fmla="*/ 0 w 220133"/>
+              <a:gd name="connsiteY0" fmla="*/ 0 h 203601"/>
+              <a:gd name="connsiteX1" fmla="*/ 118533 w 220133"/>
+              <a:gd name="connsiteY1" fmla="*/ 194733 h 203601"/>
+              <a:gd name="connsiteX2" fmla="*/ 220133 w 220133"/>
+              <a:gd name="connsiteY2" fmla="*/ 152400 h 203601"/>
+              <a:gd name="connsiteX0" fmla="*/ 0 w 220133"/>
+              <a:gd name="connsiteY0" fmla="*/ 0 h 178971"/>
+              <a:gd name="connsiteX1" fmla="*/ 25399 w 220133"/>
+              <a:gd name="connsiteY1" fmla="*/ 160866 h 178971"/>
+              <a:gd name="connsiteX2" fmla="*/ 220133 w 220133"/>
+              <a:gd name="connsiteY2" fmla="*/ 152400 h 178971"/>
+              <a:gd name="connsiteX0" fmla="*/ 54882 w 275015"/>
+              <a:gd name="connsiteY0" fmla="*/ 0 h 178971"/>
+              <a:gd name="connsiteX1" fmla="*/ 80281 w 275015"/>
+              <a:gd name="connsiteY1" fmla="*/ 160866 h 178971"/>
+              <a:gd name="connsiteX2" fmla="*/ 275015 w 275015"/>
+              <a:gd name="connsiteY2" fmla="*/ 152400 h 178971"/>
+              <a:gd name="connsiteX0" fmla="*/ 21024 w 241157"/>
+              <a:gd name="connsiteY0" fmla="*/ 0 h 178971"/>
+              <a:gd name="connsiteX1" fmla="*/ 46423 w 241157"/>
+              <a:gd name="connsiteY1" fmla="*/ 160866 h 178971"/>
+              <a:gd name="connsiteX2" fmla="*/ 241157 w 241157"/>
+              <a:gd name="connsiteY2" fmla="*/ 152400 h 178971"/>
+              <a:gd name="connsiteX0" fmla="*/ 21024 w 241157"/>
+              <a:gd name="connsiteY0" fmla="*/ 0 h 195723"/>
+              <a:gd name="connsiteX1" fmla="*/ 46423 w 241157"/>
+              <a:gd name="connsiteY1" fmla="*/ 160866 h 195723"/>
+              <a:gd name="connsiteX2" fmla="*/ 241157 w 241157"/>
+              <a:gd name="connsiteY2" fmla="*/ 152400 h 195723"/>
+              <a:gd name="connsiteX0" fmla="*/ 28307 w 248440"/>
+              <a:gd name="connsiteY0" fmla="*/ 0 h 208539"/>
+              <a:gd name="connsiteX1" fmla="*/ 32577 w 248440"/>
+              <a:gd name="connsiteY1" fmla="*/ 187730 h 208539"/>
+              <a:gd name="connsiteX2" fmla="*/ 248440 w 248440"/>
+              <a:gd name="connsiteY2" fmla="*/ 152400 h 208539"/>
+              <a:gd name="connsiteX0" fmla="*/ 33312 w 253445"/>
+              <a:gd name="connsiteY0" fmla="*/ 0 h 208539"/>
+              <a:gd name="connsiteX1" fmla="*/ 37582 w 253445"/>
+              <a:gd name="connsiteY1" fmla="*/ 187730 h 208539"/>
+              <a:gd name="connsiteX2" fmla="*/ 253445 w 253445"/>
+              <a:gd name="connsiteY2" fmla="*/ 152400 h 208539"/>
+              <a:gd name="connsiteX0" fmla="*/ 33312 w 253445"/>
+              <a:gd name="connsiteY0" fmla="*/ 0 h 214931"/>
+              <a:gd name="connsiteX1" fmla="*/ 37582 w 253445"/>
+              <a:gd name="connsiteY1" fmla="*/ 187730 h 214931"/>
+              <a:gd name="connsiteX2" fmla="*/ 253445 w 253445"/>
+              <a:gd name="connsiteY2" fmla="*/ 152400 h 214931"/>
+              <a:gd name="connsiteX0" fmla="*/ 0 w 220133"/>
+              <a:gd name="connsiteY0" fmla="*/ 0 h 152400"/>
+              <a:gd name="connsiteX1" fmla="*/ 220133 w 220133"/>
+              <a:gd name="connsiteY1" fmla="*/ 152400 h 152400"/>
+              <a:gd name="connsiteX0" fmla="*/ 1389 w 221522"/>
+              <a:gd name="connsiteY0" fmla="*/ 0 h 152400"/>
+              <a:gd name="connsiteX1" fmla="*/ 221522 w 221522"/>
+              <a:gd name="connsiteY1" fmla="*/ 152400 h 152400"/>
+              <a:gd name="connsiteX0" fmla="*/ 1801 w 221934"/>
+              <a:gd name="connsiteY0" fmla="*/ 0 h 179760"/>
+              <a:gd name="connsiteX1" fmla="*/ 221934 w 221934"/>
+              <a:gd name="connsiteY1" fmla="*/ 152400 h 179760"/>
+              <a:gd name="connsiteX0" fmla="*/ 2659 w 177013"/>
+              <a:gd name="connsiteY0" fmla="*/ 0 h 141774"/>
+              <a:gd name="connsiteX1" fmla="*/ 177013 w 177013"/>
+              <a:gd name="connsiteY1" fmla="*/ 102510 h 141774"/>
+              <a:gd name="connsiteX0" fmla="*/ 9706 w 103067"/>
+              <a:gd name="connsiteY0" fmla="*/ 0 h 126667"/>
+              <a:gd name="connsiteX1" fmla="*/ 103067 w 103067"/>
+              <a:gd name="connsiteY1" fmla="*/ 79484 h 126667"/>
+              <a:gd name="connsiteX0" fmla="*/ 3352 w 96713"/>
+              <a:gd name="connsiteY0" fmla="*/ 0 h 125045"/>
+              <a:gd name="connsiteX1" fmla="*/ 96713 w 96713"/>
+              <a:gd name="connsiteY1" fmla="*/ 79484 h 125045"/>
+              <a:gd name="connsiteX0" fmla="*/ 11771 w 105132"/>
+              <a:gd name="connsiteY0" fmla="*/ 0 h 120453"/>
+              <a:gd name="connsiteX1" fmla="*/ 105132 w 105132"/>
+              <a:gd name="connsiteY1" fmla="*/ 79484 h 120453"/>
+              <a:gd name="connsiteX0" fmla="*/ 4407 w 97768"/>
+              <a:gd name="connsiteY0" fmla="*/ 0 h 135170"/>
+              <a:gd name="connsiteX1" fmla="*/ 97768 w 97768"/>
+              <a:gd name="connsiteY1" fmla="*/ 79484 h 135170"/>
+              <a:gd name="connsiteX0" fmla="*/ 3766 w 111213"/>
+              <a:gd name="connsiteY0" fmla="*/ 0 h 108212"/>
+              <a:gd name="connsiteX1" fmla="*/ 111213 w 111213"/>
+              <a:gd name="connsiteY1" fmla="*/ 21918 h 108212"/>
+              <a:gd name="connsiteX0" fmla="*/ 3182 w 128236"/>
+              <a:gd name="connsiteY0" fmla="*/ 0 h 117891"/>
+              <a:gd name="connsiteX1" fmla="*/ 128236 w 128236"/>
+              <a:gd name="connsiteY1" fmla="*/ 44944 h 117891"/>
+              <a:gd name="connsiteX0" fmla="*/ 0 w 125054"/>
+              <a:gd name="connsiteY0" fmla="*/ 0 h 98853"/>
+              <a:gd name="connsiteX1" fmla="*/ 125054 w 125054"/>
+              <a:gd name="connsiteY1" fmla="*/ 44944 h 98853"/>
+              <a:gd name="connsiteX0" fmla="*/ 0 w 125054"/>
+              <a:gd name="connsiteY0" fmla="*/ 0 h 75921"/>
+              <a:gd name="connsiteX1" fmla="*/ 125054 w 125054"/>
+              <a:gd name="connsiteY1" fmla="*/ 44944 h 75921"/>
+              <a:gd name="connsiteX0" fmla="*/ 0 w 125054"/>
+              <a:gd name="connsiteY0" fmla="*/ 0 h 72268"/>
+              <a:gd name="connsiteX1" fmla="*/ 125054 w 125054"/>
+              <a:gd name="connsiteY1" fmla="*/ 44944 h 72268"/>
+              <a:gd name="connsiteX0" fmla="*/ 0 w 125054"/>
+              <a:gd name="connsiteY0" fmla="*/ 0 h 71063"/>
+              <a:gd name="connsiteX1" fmla="*/ 125054 w 125054"/>
+              <a:gd name="connsiteY1" fmla="*/ 44944 h 71063"/>
+              <a:gd name="connsiteX0" fmla="*/ 0 w 86885"/>
+              <a:gd name="connsiteY0" fmla="*/ 0 h 79138"/>
+              <a:gd name="connsiteX1" fmla="*/ 86885 w 86885"/>
+              <a:gd name="connsiteY1" fmla="*/ 55463 h 79138"/>
+              <a:gd name="connsiteX0" fmla="*/ 9051 w 39716"/>
+              <a:gd name="connsiteY0" fmla="*/ 0 h 105837"/>
+              <a:gd name="connsiteX1" fmla="*/ 39716 w 39716"/>
+              <a:gd name="connsiteY1" fmla="*/ 87599 h 105837"/>
+              <a:gd name="connsiteX0" fmla="*/ 28671 w 59336"/>
+              <a:gd name="connsiteY0" fmla="*/ 0 h 105961"/>
+              <a:gd name="connsiteX1" fmla="*/ 59336 w 59336"/>
+              <a:gd name="connsiteY1" fmla="*/ 87599 h 105961"/>
+              <a:gd name="connsiteX0" fmla="*/ 23983 w 65114"/>
+              <a:gd name="connsiteY0" fmla="*/ 0 h 80616"/>
+              <a:gd name="connsiteX1" fmla="*/ 65114 w 65114"/>
+              <a:gd name="connsiteY1" fmla="*/ 57098 h 80616"/>
+              <a:gd name="connsiteX0" fmla="*/ 22410 w 63541"/>
+              <a:gd name="connsiteY0" fmla="*/ 0 h 58012"/>
+              <a:gd name="connsiteX1" fmla="*/ 63541 w 63541"/>
+              <a:gd name="connsiteY1" fmla="*/ 57098 h 58012"/>
+              <a:gd name="connsiteX0" fmla="*/ 9544 w 106611"/>
+              <a:gd name="connsiteY0" fmla="*/ 0 h 40155"/>
+              <a:gd name="connsiteX1" fmla="*/ 106611 w 106611"/>
+              <a:gd name="connsiteY1" fmla="*/ 33538 h 40155"/>
+              <a:gd name="connsiteX0" fmla="*/ 18042 w 71707"/>
+              <a:gd name="connsiteY0" fmla="*/ 0 h 60072"/>
+              <a:gd name="connsiteX1" fmla="*/ 71707 w 71707"/>
+              <a:gd name="connsiteY1" fmla="*/ 59309 h 60072"/>
+              <a:gd name="connsiteX0" fmla="*/ 19196 w 72861"/>
+              <a:gd name="connsiteY0" fmla="*/ 0 h 59309"/>
+              <a:gd name="connsiteX1" fmla="*/ 72861 w 72861"/>
+              <a:gd name="connsiteY1" fmla="*/ 59309 h 59309"/>
+              <a:gd name="connsiteX0" fmla="*/ 20475 w 70367"/>
+              <a:gd name="connsiteY0" fmla="*/ 0 h 78052"/>
+              <a:gd name="connsiteX1" fmla="*/ 70367 w 70367"/>
+              <a:gd name="connsiteY1" fmla="*/ 78052 h 78052"/>
+              <a:gd name="connsiteX0" fmla="*/ 28718 w 78610"/>
+              <a:gd name="connsiteY0" fmla="*/ 0 h 78052"/>
+              <a:gd name="connsiteX1" fmla="*/ 78610 w 78610"/>
+              <a:gd name="connsiteY1" fmla="*/ 78052 h 78052"/>
+              <a:gd name="connsiteX0" fmla="*/ 16706 w 66598"/>
+              <a:gd name="connsiteY0" fmla="*/ 0 h 78052"/>
+              <a:gd name="connsiteX1" fmla="*/ 66598 w 66598"/>
+              <a:gd name="connsiteY1" fmla="*/ 78052 h 78052"/>
+              <a:gd name="connsiteX0" fmla="*/ 27565 w 77457"/>
+              <a:gd name="connsiteY0" fmla="*/ 0 h 78052"/>
+              <a:gd name="connsiteX1" fmla="*/ 77457 w 77457"/>
+              <a:gd name="connsiteY1" fmla="*/ 78052 h 78052"/>
+              <a:gd name="connsiteX0" fmla="*/ 27798 w 77690"/>
+              <a:gd name="connsiteY0" fmla="*/ 0 h 84261"/>
+              <a:gd name="connsiteX1" fmla="*/ 77690 w 77690"/>
+              <a:gd name="connsiteY1" fmla="*/ 78052 h 84261"/>
+              <a:gd name="connsiteX0" fmla="*/ 15010 w 64902"/>
+              <a:gd name="connsiteY0" fmla="*/ 0 h 83289"/>
+              <a:gd name="connsiteX1" fmla="*/ 64902 w 64902"/>
+              <a:gd name="connsiteY1" fmla="*/ 78052 h 83289"/>
+              <a:gd name="connsiteX0" fmla="*/ 17093 w 66985"/>
+              <a:gd name="connsiteY0" fmla="*/ 0 h 78052"/>
+              <a:gd name="connsiteX1" fmla="*/ 66985 w 66985"/>
+              <a:gd name="connsiteY1" fmla="*/ 78052 h 78052"/>
+              <a:gd name="connsiteX0" fmla="*/ 9496 w 59388"/>
+              <a:gd name="connsiteY0" fmla="*/ 0 h 78052"/>
+              <a:gd name="connsiteX1" fmla="*/ 59388 w 59388"/>
+              <a:gd name="connsiteY1" fmla="*/ 78052 h 78052"/>
+              <a:gd name="connsiteX0" fmla="*/ 19912 w 42852"/>
+              <a:gd name="connsiteY0" fmla="*/ 0 h 108788"/>
+              <a:gd name="connsiteX1" fmla="*/ 42852 w 42852"/>
+              <a:gd name="connsiteY1" fmla="*/ 108788 h 108788"/>
+              <a:gd name="connsiteX0" fmla="*/ 14183 w 37123"/>
+              <a:gd name="connsiteY0" fmla="*/ 0 h 108788"/>
+              <a:gd name="connsiteX1" fmla="*/ 37123 w 37123"/>
+              <a:gd name="connsiteY1" fmla="*/ 108788 h 108788"/>
+            </a:gdLst>
+            <a:ahLst/>
+            <a:cxnLst>
+              <a:cxn ang="0">
+                <a:pos x="connsiteX0" y="connsiteY0"/>
+              </a:cxn>
+              <a:cxn ang="0">
+                <a:pos x="connsiteX1" y="connsiteY1"/>
+              </a:cxn>
+            </a:cxnLst>
+            <a:rect l="l" t="t" r="r" b="b"/>
+            <a:pathLst>
+              <a:path w="37123" h="108788">
+                <a:moveTo>
+                  <a:pt x="14183" y="0"/>
+                </a:moveTo>
+                <a:cubicBezTo>
+                  <a:pt x="-3099" y="65788"/>
+                  <a:pt x="-13397" y="57693"/>
+                  <a:pt x="37123" y="108788"/>
+                </a:cubicBezTo>
+              </a:path>
+            </a:pathLst>
+          </a:custGeom>
+          <a:noFill/>
+          <a:ln w="31750">
+            <a:solidFill>
+              <a:schemeClr val="tx1"/>
+            </a:solidFill>
+            <a:prstDash val="sysDot"/>
+            <a:headEnd type="triangle"/>
+            <a:tailEnd type="none"/>
+          </a:ln>
+        </p:spPr>
+        <p:style>
+          <a:lnRef idx="2">
+            <a:schemeClr val="accent1">
+              <a:shade val="15000"/>
+            </a:schemeClr>
+          </a:lnRef>
+          <a:fillRef idx="1">
+            <a:schemeClr val="accent1"/>
+          </a:fillRef>
+          <a:effectRef idx="0">
+            <a:schemeClr val="accent1"/>
+          </a:effectRef>
+          <a:fontRef idx="minor">
+            <a:schemeClr val="lt1"/>
+          </a:fontRef>
+        </p:style>
+        <p:txBody>
+          <a:bodyPr rtlCol="0" anchor="ctr"/>
+          <a:lstStyle/>
+          <a:p>
+            <a:pPr algn="ctr"/>
+            <a:endParaRPr lang="en-US"/>
+          </a:p>
+        </p:txBody>
+      </p:sp>
+      <p:grpSp>
+        <p:nvGrpSpPr>
+          <p:cNvPr id="42" name="Group 41">
+            <a:extLst>
+              <a:ext uri="{FF2B5EF4-FFF2-40B4-BE49-F238E27FC236}">
+                <a16:creationId xmlns:a16="http://schemas.microsoft.com/office/drawing/2014/main" id="{D4891DC2-75E2-F321-052E-B91DAF56A534}"/>
+              </a:ext>
+            </a:extLst>
+          </p:cNvPr>
+          <p:cNvGrpSpPr/>
+          <p:nvPr/>
+        </p:nvGrpSpPr>
+        <p:grpSpPr>
+          <a:xfrm>
+            <a:off x="941108" y="9016611"/>
+            <a:ext cx="1852568" cy="873203"/>
+            <a:chOff x="3387436" y="9196988"/>
+            <a:chExt cx="1662546" cy="788676"/>
+          </a:xfrm>
+        </p:grpSpPr>
+        <p:sp>
+          <p:nvSpPr>
+            <p:cNvPr id="34" name="Rectangle 33">
+              <a:extLst>
+                <a:ext uri="{FF2B5EF4-FFF2-40B4-BE49-F238E27FC236}">
+                  <a16:creationId xmlns:a16="http://schemas.microsoft.com/office/drawing/2014/main" id="{47D5AC6D-AFDB-4FD0-0618-A6C60C0F28E2}"/>
+                </a:ext>
+              </a:extLst>
+            </p:cNvPr>
+            <p:cNvSpPr/>
+            <p:nvPr/>
+          </p:nvSpPr>
+          <p:spPr>
+            <a:xfrm>
+              <a:off x="3387436" y="9206345"/>
+              <a:ext cx="1662545" cy="779319"/>
+            </a:xfrm>
+            <a:prstGeom prst="rect">
+              <a:avLst/>
+            </a:prstGeom>
+            <a:noFill/>
+            <a:ln w="79375">
+              <a:solidFill>
+                <a:schemeClr val="bg1">
+                  <a:alpha val="65000"/>
+                </a:schemeClr>
+              </a:solidFill>
+            </a:ln>
+          </p:spPr>
+          <p:style>
+            <a:lnRef idx="2">
+              <a:schemeClr val="accent1">
+                <a:shade val="15000"/>
+              </a:schemeClr>
+            </a:lnRef>
+            <a:fillRef idx="1">
+              <a:schemeClr val="accent1"/>
+            </a:fillRef>
+            <a:effectRef idx="0">
+              <a:schemeClr val="accent1"/>
+            </a:effectRef>
+            <a:fontRef idx="minor">
+              <a:schemeClr val="lt1"/>
+            </a:fontRef>
+          </p:style>
+          <p:txBody>
+            <a:bodyPr rtlCol="0" anchor="ctr"/>
+            <a:lstStyle/>
+            <a:p>
+              <a:pPr algn="ctr"/>
+              <a:endParaRPr lang="en-US"/>
+            </a:p>
+          </p:txBody>
+        </p:sp>
+        <p:sp>
+          <p:nvSpPr>
+            <p:cNvPr id="35" name="Rectangle 34">
+              <a:extLst>
+                <a:ext uri="{FF2B5EF4-FFF2-40B4-BE49-F238E27FC236}">
+                  <a16:creationId xmlns:a16="http://schemas.microsoft.com/office/drawing/2014/main" id="{54A0724D-2BD7-7638-2498-BF1771EB37AC}"/>
+                </a:ext>
+              </a:extLst>
+            </p:cNvPr>
+            <p:cNvSpPr/>
+            <p:nvPr/>
+          </p:nvSpPr>
+          <p:spPr>
+            <a:xfrm>
+              <a:off x="3397828" y="9196988"/>
+              <a:ext cx="1652154" cy="778119"/>
+            </a:xfrm>
+            <a:prstGeom prst="rect">
+              <a:avLst/>
+            </a:prstGeom>
+            <a:noFill/>
+            <a:ln w="31750">
+              <a:solidFill>
+                <a:srgbClr val="FF9300"/>
+              </a:solidFill>
+            </a:ln>
+          </p:spPr>
+          <p:style>
+            <a:lnRef idx="2">
+              <a:schemeClr val="accent1">
+                <a:shade val="15000"/>
+              </a:schemeClr>
+            </a:lnRef>
+            <a:fillRef idx="1">
+              <a:schemeClr val="accent1"/>
+            </a:fillRef>
+            <a:effectRef idx="0">
+              <a:schemeClr val="accent1"/>
+            </a:effectRef>
+            <a:fontRef idx="minor">
+              <a:schemeClr val="lt1"/>
+            </a:fontRef>
+          </p:style>
+          <p:txBody>
+            <a:bodyPr rtlCol="0" anchor="ctr"/>
+            <a:lstStyle/>
+            <a:p>
+              <a:pPr algn="ctr"/>
+              <a:endParaRPr lang="en-US"/>
+            </a:p>
+          </p:txBody>
+        </p:sp>
+      </p:grpSp>
+      <p:grpSp>
+        <p:nvGrpSpPr>
+          <p:cNvPr id="36" name="Group 35">
+            <a:extLst>
+              <a:ext uri="{FF2B5EF4-FFF2-40B4-BE49-F238E27FC236}">
+                <a16:creationId xmlns:a16="http://schemas.microsoft.com/office/drawing/2014/main" id="{B8BA6957-FC42-8D1F-B405-D825FD885781}"/>
+              </a:ext>
+            </a:extLst>
+          </p:cNvPr>
+          <p:cNvGrpSpPr/>
+          <p:nvPr/>
+        </p:nvGrpSpPr>
+        <p:grpSpPr>
+          <a:xfrm>
+            <a:off x="7037854" y="9026971"/>
+            <a:ext cx="834695" cy="868065"/>
+            <a:chOff x="6095271" y="5125876"/>
+            <a:chExt cx="750147" cy="666834"/>
+          </a:xfrm>
+        </p:grpSpPr>
+        <p:sp>
+          <p:nvSpPr>
+            <p:cNvPr id="37" name="Rectangle 36">
+              <a:extLst>
+                <a:ext uri="{FF2B5EF4-FFF2-40B4-BE49-F238E27FC236}">
+                  <a16:creationId xmlns:a16="http://schemas.microsoft.com/office/drawing/2014/main" id="{76003F91-7471-8420-E059-ADDD50B0D6D8}"/>
+                </a:ext>
+              </a:extLst>
+            </p:cNvPr>
+            <p:cNvSpPr/>
+            <p:nvPr/>
+          </p:nvSpPr>
+          <p:spPr>
+            <a:xfrm>
+              <a:off x="6095271" y="5129800"/>
+              <a:ext cx="750147" cy="662910"/>
+            </a:xfrm>
+            <a:prstGeom prst="rect">
+              <a:avLst/>
+            </a:prstGeom>
+            <a:noFill/>
+            <a:ln w="79375">
+              <a:solidFill>
+                <a:schemeClr val="bg1">
+                  <a:alpha val="65000"/>
+                </a:schemeClr>
+              </a:solidFill>
+            </a:ln>
+          </p:spPr>
+          <p:style>
+            <a:lnRef idx="2">
+              <a:schemeClr val="accent1">
+                <a:shade val="15000"/>
+              </a:schemeClr>
+            </a:lnRef>
+            <a:fillRef idx="1">
+              <a:schemeClr val="accent1"/>
+            </a:fillRef>
+            <a:effectRef idx="0">
+              <a:schemeClr val="accent1"/>
+            </a:effectRef>
+            <a:fontRef idx="minor">
+              <a:schemeClr val="lt1"/>
+            </a:fontRef>
+          </p:style>
+          <p:txBody>
+            <a:bodyPr rtlCol="0" anchor="ctr"/>
+            <a:lstStyle/>
+            <a:p>
+              <a:pPr algn="ctr"/>
+              <a:endParaRPr lang="en-US"/>
+            </a:p>
+          </p:txBody>
+        </p:sp>
+        <p:sp>
+          <p:nvSpPr>
+            <p:cNvPr id="38" name="Rectangle 37">
+              <a:extLst>
+                <a:ext uri="{FF2B5EF4-FFF2-40B4-BE49-F238E27FC236}">
+                  <a16:creationId xmlns:a16="http://schemas.microsoft.com/office/drawing/2014/main" id="{62281851-1479-B76A-DC3A-AAA57F88E356}"/>
+                </a:ext>
+              </a:extLst>
+            </p:cNvPr>
+            <p:cNvSpPr/>
+            <p:nvPr/>
+          </p:nvSpPr>
+          <p:spPr>
+            <a:xfrm>
+              <a:off x="6095272" y="5125876"/>
+              <a:ext cx="750146" cy="662910"/>
+            </a:xfrm>
+            <a:prstGeom prst="rect">
+              <a:avLst/>
+            </a:prstGeom>
+            <a:noFill/>
+            <a:ln w="31750">
+              <a:solidFill>
+                <a:srgbClr val="FF9300"/>
+              </a:solidFill>
+            </a:ln>
+          </p:spPr>
+          <p:style>
+            <a:lnRef idx="2">
+              <a:schemeClr val="accent1">
+                <a:shade val="15000"/>
+              </a:schemeClr>
+            </a:lnRef>
+            <a:fillRef idx="1">
+              <a:schemeClr val="accent1"/>
+            </a:fillRef>
+            <a:effectRef idx="0">
+              <a:schemeClr val="accent1"/>
+            </a:effectRef>
+            <a:fontRef idx="minor">
+              <a:schemeClr val="lt1"/>
+            </a:fontRef>
+          </p:style>
+          <p:txBody>
+            <a:bodyPr rtlCol="0" anchor="ctr"/>
+            <a:lstStyle/>
+            <a:p>
+              <a:pPr algn="ctr"/>
+              <a:endParaRPr lang="en-US"/>
+            </a:p>
+          </p:txBody>
+        </p:sp>
+      </p:grpSp>
+      <p:sp>
+        <p:nvSpPr>
+          <p:cNvPr id="39" name="TextBox 38">
+            <a:extLst>
+              <a:ext uri="{FF2B5EF4-FFF2-40B4-BE49-F238E27FC236}">
+                <a16:creationId xmlns:a16="http://schemas.microsoft.com/office/drawing/2014/main" id="{36DD74EB-BE2B-2179-C13B-58B0D28CB09E}"/>
+              </a:ext>
+            </a:extLst>
+          </p:cNvPr>
+          <p:cNvSpPr txBox="1"/>
+          <p:nvPr/>
+        </p:nvSpPr>
+        <p:spPr>
+          <a:xfrm>
+            <a:off x="2793190" y="9255726"/>
+            <a:ext cx="498855" cy="400110"/>
+          </a:xfrm>
+          <a:prstGeom prst="rect">
+            <a:avLst/>
+          </a:prstGeom>
+          <a:noFill/>
+        </p:spPr>
+        <p:txBody>
+          <a:bodyPr wrap="none" rtlCol="0">
+            <a:spAutoFit/>
+          </a:bodyPr>
+          <a:lstStyle/>
+          <a:p>
+            <a:r>
+              <a:rPr lang="en-US" sz="2000" dirty="0">
+                <a:solidFill>
+                  <a:srgbClr val="FF9300"/>
+                </a:solidFill>
+                <a:latin typeface="Arial" panose="020B0604020202020204" pitchFamily="34" charset="0"/>
+                <a:cs typeface="Arial" panose="020B0604020202020204" pitchFamily="34" charset="0"/>
+              </a:rPr>
+              <a:t>B2</a:t>
+            </a:r>
+          </a:p>
+        </p:txBody>
+      </p:sp>
+      <p:sp>
+        <p:nvSpPr>
+          <p:cNvPr id="40" name="TextBox 39">
+            <a:extLst>
+              <a:ext uri="{FF2B5EF4-FFF2-40B4-BE49-F238E27FC236}">
+                <a16:creationId xmlns:a16="http://schemas.microsoft.com/office/drawing/2014/main" id="{B2D754C9-0945-9116-1F5A-E4A85BC910C9}"/>
+              </a:ext>
+            </a:extLst>
+          </p:cNvPr>
+          <p:cNvSpPr txBox="1"/>
+          <p:nvPr/>
+        </p:nvSpPr>
+        <p:spPr>
+          <a:xfrm>
+            <a:off x="7885021" y="9255726"/>
+            <a:ext cx="498855" cy="400110"/>
+          </a:xfrm>
+          <a:prstGeom prst="rect">
+            <a:avLst/>
+          </a:prstGeom>
+          <a:noFill/>
+        </p:spPr>
+        <p:txBody>
+          <a:bodyPr wrap="none" rtlCol="0">
+            <a:spAutoFit/>
+          </a:bodyPr>
+          <a:lstStyle/>
+          <a:p>
+            <a:r>
+              <a:rPr lang="en-US" sz="2000" dirty="0">
+                <a:solidFill>
+                  <a:srgbClr val="FF9300"/>
+                </a:solidFill>
+                <a:latin typeface="Arial" panose="020B0604020202020204" pitchFamily="34" charset="0"/>
+                <a:cs typeface="Arial" panose="020B0604020202020204" pitchFamily="34" charset="0"/>
+              </a:rPr>
+              <a:t>B4</a:t>
+            </a:r>
+          </a:p>
+        </p:txBody>
+      </p:sp>
+      <p:sp>
+        <p:nvSpPr>
+          <p:cNvPr id="2" name="TextBox 1">
+            <a:extLst>
+              <a:ext uri="{FF2B5EF4-FFF2-40B4-BE49-F238E27FC236}">
+                <a16:creationId xmlns:a16="http://schemas.microsoft.com/office/drawing/2014/main" id="{EF73ECB2-138A-46A0-9274-40B73B8DE9AF}"/>
+              </a:ext>
+            </a:extLst>
+          </p:cNvPr>
+          <p:cNvSpPr txBox="1"/>
+          <p:nvPr/>
+        </p:nvSpPr>
+        <p:spPr>
+          <a:xfrm>
+            <a:off x="366218" y="153191"/>
+            <a:ext cx="356188" cy="400110"/>
+          </a:xfrm>
+          <a:prstGeom prst="rect">
+            <a:avLst/>
+          </a:prstGeom>
+          <a:noFill/>
+        </p:spPr>
+        <p:txBody>
+          <a:bodyPr wrap="none" rtlCol="0">
+            <a:spAutoFit/>
+          </a:bodyPr>
+          <a:lstStyle/>
+          <a:p>
+            <a:r>
+              <a:rPr lang="en-US" sz="2000" dirty="0">
+                <a:latin typeface="Arial" panose="020B0604020202020204" pitchFamily="34" charset="0"/>
+                <a:cs typeface="Arial" panose="020B0604020202020204" pitchFamily="34" charset="0"/>
+              </a:rPr>
+              <a:t>A</a:t>
+            </a:r>
+          </a:p>
+        </p:txBody>
+      </p:sp>
+      <p:sp>
+        <p:nvSpPr>
+          <p:cNvPr id="3" name="TextBox 2">
+            <a:extLst>
+              <a:ext uri="{FF2B5EF4-FFF2-40B4-BE49-F238E27FC236}">
+                <a16:creationId xmlns:a16="http://schemas.microsoft.com/office/drawing/2014/main" id="{CA1D5E9D-2276-76F4-325E-D63964C9F823}"/>
+              </a:ext>
+            </a:extLst>
+          </p:cNvPr>
+          <p:cNvSpPr txBox="1"/>
+          <p:nvPr/>
+        </p:nvSpPr>
+        <p:spPr>
+          <a:xfrm>
+            <a:off x="4625917" y="150518"/>
+            <a:ext cx="356188" cy="400110"/>
+          </a:xfrm>
+          <a:prstGeom prst="rect">
+            <a:avLst/>
+          </a:prstGeom>
+          <a:noFill/>
+        </p:spPr>
+        <p:txBody>
+          <a:bodyPr wrap="none" rtlCol="0">
+            <a:spAutoFit/>
+          </a:bodyPr>
+          <a:lstStyle/>
+          <a:p>
+            <a:r>
+              <a:rPr lang="en-US" sz="2000" dirty="0">
+                <a:latin typeface="Arial" panose="020B0604020202020204" pitchFamily="34" charset="0"/>
+                <a:cs typeface="Arial" panose="020B0604020202020204" pitchFamily="34" charset="0"/>
+              </a:rPr>
+              <a:t>B</a:t>
+            </a:r>
+          </a:p>
+        </p:txBody>
+      </p:sp>
+      <p:sp>
+        <p:nvSpPr>
+          <p:cNvPr id="4" name="TextBox 3">
+            <a:extLst>
+              <a:ext uri="{FF2B5EF4-FFF2-40B4-BE49-F238E27FC236}">
+                <a16:creationId xmlns:a16="http://schemas.microsoft.com/office/drawing/2014/main" id="{EA0706E9-AEF1-077B-72C6-8673863940A8}"/>
+              </a:ext>
+            </a:extLst>
+          </p:cNvPr>
+          <p:cNvSpPr txBox="1"/>
+          <p:nvPr/>
+        </p:nvSpPr>
+        <p:spPr>
+          <a:xfrm>
+            <a:off x="366218" y="2771281"/>
+            <a:ext cx="370614" cy="400110"/>
+          </a:xfrm>
+          <a:prstGeom prst="rect">
+            <a:avLst/>
+          </a:prstGeom>
+          <a:noFill/>
+        </p:spPr>
+        <p:txBody>
+          <a:bodyPr wrap="none" rtlCol="0">
+            <a:spAutoFit/>
+          </a:bodyPr>
+          <a:lstStyle/>
+          <a:p>
+            <a:r>
+              <a:rPr lang="en-US" sz="2000" dirty="0">
+                <a:latin typeface="Arial" panose="020B0604020202020204" pitchFamily="34" charset="0"/>
+                <a:cs typeface="Arial" panose="020B0604020202020204" pitchFamily="34" charset="0"/>
+              </a:rPr>
+              <a:t>C</a:t>
+            </a:r>
+          </a:p>
+        </p:txBody>
+      </p:sp>
+      <p:sp>
+        <p:nvSpPr>
+          <p:cNvPr id="5" name="TextBox 4">
+            <a:extLst>
+              <a:ext uri="{FF2B5EF4-FFF2-40B4-BE49-F238E27FC236}">
+                <a16:creationId xmlns:a16="http://schemas.microsoft.com/office/drawing/2014/main" id="{7938405D-DE20-98D2-1FF3-62B7F54A8349}"/>
+              </a:ext>
+            </a:extLst>
+          </p:cNvPr>
+          <p:cNvSpPr txBox="1"/>
+          <p:nvPr/>
+        </p:nvSpPr>
+        <p:spPr>
+          <a:xfrm>
+            <a:off x="4621646" y="2771281"/>
+            <a:ext cx="370614" cy="400110"/>
+          </a:xfrm>
+          <a:prstGeom prst="rect">
+            <a:avLst/>
+          </a:prstGeom>
+          <a:noFill/>
+        </p:spPr>
+        <p:txBody>
+          <a:bodyPr wrap="none" rtlCol="0">
+            <a:spAutoFit/>
+          </a:bodyPr>
+          <a:lstStyle/>
+          <a:p>
+            <a:r>
+              <a:rPr lang="en-US" sz="2000" dirty="0">
+                <a:latin typeface="Arial" panose="020B0604020202020204" pitchFamily="34" charset="0"/>
+                <a:cs typeface="Arial" panose="020B0604020202020204" pitchFamily="34" charset="0"/>
+              </a:rPr>
+              <a:t>D</a:t>
+            </a:r>
+          </a:p>
+        </p:txBody>
+      </p:sp>
+      <p:sp>
+        <p:nvSpPr>
+          <p:cNvPr id="6" name="TextBox 5">
+            <a:extLst>
+              <a:ext uri="{FF2B5EF4-FFF2-40B4-BE49-F238E27FC236}">
+                <a16:creationId xmlns:a16="http://schemas.microsoft.com/office/drawing/2014/main" id="{30162D44-F5CD-47B5-5B97-8F7674656F8C}"/>
+              </a:ext>
+            </a:extLst>
+          </p:cNvPr>
+          <p:cNvSpPr txBox="1"/>
+          <p:nvPr/>
+        </p:nvSpPr>
+        <p:spPr>
+          <a:xfrm>
+            <a:off x="8926598" y="150518"/>
+            <a:ext cx="341760" cy="400110"/>
+          </a:xfrm>
+          <a:prstGeom prst="rect">
+            <a:avLst/>
+          </a:prstGeom>
+          <a:noFill/>
+        </p:spPr>
+        <p:txBody>
+          <a:bodyPr wrap="none" rtlCol="0">
+            <a:spAutoFit/>
+          </a:bodyPr>
+          <a:lstStyle/>
+          <a:p>
+            <a:r>
+              <a:rPr lang="en-US" sz="2000" dirty="0">
+                <a:latin typeface="Arial" panose="020B0604020202020204" pitchFamily="34" charset="0"/>
+                <a:cs typeface="Arial" panose="020B0604020202020204" pitchFamily="34" charset="0"/>
+              </a:rPr>
+              <a:t>F</a:t>
+            </a:r>
+          </a:p>
+        </p:txBody>
+      </p:sp>
+      <p:sp>
+        <p:nvSpPr>
+          <p:cNvPr id="8" name="TextBox 7">
+            <a:extLst>
+              <a:ext uri="{FF2B5EF4-FFF2-40B4-BE49-F238E27FC236}">
+                <a16:creationId xmlns:a16="http://schemas.microsoft.com/office/drawing/2014/main" id="{4366D932-45ED-729C-8325-15DA12B9EBD2}"/>
+              </a:ext>
+            </a:extLst>
+          </p:cNvPr>
+          <p:cNvSpPr txBox="1"/>
+          <p:nvPr/>
+        </p:nvSpPr>
+        <p:spPr>
+          <a:xfrm>
+            <a:off x="8926598" y="8392461"/>
+            <a:ext cx="312906" cy="400110"/>
+          </a:xfrm>
+          <a:prstGeom prst="rect">
+            <a:avLst/>
+          </a:prstGeom>
+          <a:noFill/>
+        </p:spPr>
+        <p:txBody>
+          <a:bodyPr wrap="none" rtlCol="0">
+            <a:spAutoFit/>
+          </a:bodyPr>
+          <a:lstStyle/>
+          <a:p>
+            <a:r>
+              <a:rPr lang="en-US" sz="2000" dirty="0">
+                <a:latin typeface="Arial" panose="020B0604020202020204" pitchFamily="34" charset="0"/>
+                <a:cs typeface="Arial" panose="020B0604020202020204" pitchFamily="34" charset="0"/>
+              </a:rPr>
+              <a:t>J</a:t>
+            </a:r>
+          </a:p>
+        </p:txBody>
+      </p:sp>
+      <p:sp>
+        <p:nvSpPr>
+          <p:cNvPr id="21" name="TextBox 20">
+            <a:extLst>
+              <a:ext uri="{FF2B5EF4-FFF2-40B4-BE49-F238E27FC236}">
+                <a16:creationId xmlns:a16="http://schemas.microsoft.com/office/drawing/2014/main" id="{99B94336-7AAB-9A8C-3599-00C1C65E7458}"/>
+              </a:ext>
+            </a:extLst>
+          </p:cNvPr>
+          <p:cNvSpPr txBox="1"/>
+          <p:nvPr/>
+        </p:nvSpPr>
+        <p:spPr>
+          <a:xfrm>
+            <a:off x="8926598" y="6331975"/>
+            <a:ext cx="255198" cy="400110"/>
+          </a:xfrm>
+          <a:prstGeom prst="rect">
+            <a:avLst/>
+          </a:prstGeom>
+          <a:noFill/>
+        </p:spPr>
+        <p:txBody>
+          <a:bodyPr wrap="none" rtlCol="0">
+            <a:spAutoFit/>
+          </a:bodyPr>
+          <a:lstStyle/>
+          <a:p>
+            <a:r>
+              <a:rPr lang="en-US" sz="2000" dirty="0">
+                <a:latin typeface="Arial" panose="020B0604020202020204" pitchFamily="34" charset="0"/>
+                <a:cs typeface="Arial" panose="020B0604020202020204" pitchFamily="34" charset="0"/>
+              </a:rPr>
+              <a:t>I</a:t>
+            </a:r>
+          </a:p>
+        </p:txBody>
+      </p:sp>
+      <p:sp>
+        <p:nvSpPr>
+          <p:cNvPr id="22" name="TextBox 21">
+            <a:extLst>
+              <a:ext uri="{FF2B5EF4-FFF2-40B4-BE49-F238E27FC236}">
+                <a16:creationId xmlns:a16="http://schemas.microsoft.com/office/drawing/2014/main" id="{C5F9E485-263D-575D-3AC7-2F1481FF45F5}"/>
+              </a:ext>
+            </a:extLst>
+          </p:cNvPr>
+          <p:cNvSpPr txBox="1"/>
+          <p:nvPr/>
+        </p:nvSpPr>
+        <p:spPr>
+          <a:xfrm>
+            <a:off x="8926598" y="4271489"/>
+            <a:ext cx="370614" cy="400110"/>
+          </a:xfrm>
+          <a:prstGeom prst="rect">
+            <a:avLst/>
+          </a:prstGeom>
+          <a:noFill/>
+        </p:spPr>
+        <p:txBody>
+          <a:bodyPr wrap="none" rtlCol="0">
+            <a:spAutoFit/>
+          </a:bodyPr>
+          <a:lstStyle/>
+          <a:p>
+            <a:r>
+              <a:rPr lang="en-US" sz="2000" dirty="0">
+                <a:latin typeface="Arial" panose="020B0604020202020204" pitchFamily="34" charset="0"/>
+                <a:cs typeface="Arial" panose="020B0604020202020204" pitchFamily="34" charset="0"/>
+              </a:rPr>
+              <a:t>H</a:t>
+            </a:r>
+          </a:p>
+        </p:txBody>
+      </p:sp>
+      <p:sp>
+        <p:nvSpPr>
+          <p:cNvPr id="23" name="TextBox 22">
+            <a:extLst>
+              <a:ext uri="{FF2B5EF4-FFF2-40B4-BE49-F238E27FC236}">
+                <a16:creationId xmlns:a16="http://schemas.microsoft.com/office/drawing/2014/main" id="{6C3F63B6-DBA5-F65A-D8D7-3FF717630A5D}"/>
+              </a:ext>
+            </a:extLst>
+          </p:cNvPr>
+          <p:cNvSpPr txBox="1"/>
+          <p:nvPr/>
+        </p:nvSpPr>
+        <p:spPr>
+          <a:xfrm>
+            <a:off x="8926598" y="2211003"/>
+            <a:ext cx="383438" cy="400110"/>
+          </a:xfrm>
+          <a:prstGeom prst="rect">
+            <a:avLst/>
+          </a:prstGeom>
+          <a:noFill/>
+        </p:spPr>
+        <p:txBody>
+          <a:bodyPr wrap="none" rtlCol="0">
+            <a:spAutoFit/>
+          </a:bodyPr>
+          <a:lstStyle/>
+          <a:p>
+            <a:r>
+              <a:rPr lang="en-US" sz="2000" dirty="0">
+                <a:latin typeface="Arial" panose="020B0604020202020204" pitchFamily="34" charset="0"/>
+                <a:cs typeface="Arial" panose="020B0604020202020204" pitchFamily="34" charset="0"/>
+              </a:rPr>
+              <a:t>G</a:t>
+            </a:r>
+          </a:p>
+        </p:txBody>
+      </p:sp>
+      <p:sp>
+        <p:nvSpPr>
+          <p:cNvPr id="24" name="TextBox 23">
+            <a:extLst>
+              <a:ext uri="{FF2B5EF4-FFF2-40B4-BE49-F238E27FC236}">
+                <a16:creationId xmlns:a16="http://schemas.microsoft.com/office/drawing/2014/main" id="{E8AD2673-73AD-1F92-DEFD-EABD10A48FCD}"/>
+              </a:ext>
+            </a:extLst>
+          </p:cNvPr>
+          <p:cNvSpPr txBox="1"/>
+          <p:nvPr/>
+        </p:nvSpPr>
+        <p:spPr>
+          <a:xfrm>
+            <a:off x="366218" y="5388416"/>
+            <a:ext cx="356188" cy="400110"/>
+          </a:xfrm>
+          <a:prstGeom prst="rect">
+            <a:avLst/>
+          </a:prstGeom>
+          <a:noFill/>
+        </p:spPr>
+        <p:txBody>
+          <a:bodyPr wrap="none" rtlCol="0">
+            <a:spAutoFit/>
+          </a:bodyPr>
+          <a:lstStyle/>
+          <a:p>
+            <a:r>
+              <a:rPr lang="en-US" sz="2000" dirty="0">
+                <a:latin typeface="Arial" panose="020B0604020202020204" pitchFamily="34" charset="0"/>
+                <a:cs typeface="Arial" panose="020B0604020202020204" pitchFamily="34" charset="0"/>
+              </a:rPr>
+              <a:t>E</a:t>
+            </a:r>
+          </a:p>
+        </p:txBody>
+      </p:sp>
+      <p:grpSp>
+        <p:nvGrpSpPr>
+          <p:cNvPr id="25" name="Group 24">
+            <a:extLst>
+              <a:ext uri="{FF2B5EF4-FFF2-40B4-BE49-F238E27FC236}">
+                <a16:creationId xmlns:a16="http://schemas.microsoft.com/office/drawing/2014/main" id="{B2BCED9B-9057-BD4C-5EE0-BC1B88037D1D}"/>
+              </a:ext>
+            </a:extLst>
+          </p:cNvPr>
+          <p:cNvGrpSpPr/>
+          <p:nvPr/>
+        </p:nvGrpSpPr>
+        <p:grpSpPr>
+          <a:xfrm>
+            <a:off x="5041057" y="9010766"/>
+            <a:ext cx="962727" cy="873203"/>
+            <a:chOff x="6095271" y="5125876"/>
+            <a:chExt cx="750147" cy="666834"/>
+          </a:xfrm>
+        </p:grpSpPr>
+        <p:sp>
+          <p:nvSpPr>
+            <p:cNvPr id="26" name="Rectangle 25">
+              <a:extLst>
+                <a:ext uri="{FF2B5EF4-FFF2-40B4-BE49-F238E27FC236}">
+                  <a16:creationId xmlns:a16="http://schemas.microsoft.com/office/drawing/2014/main" id="{FA67CFD9-9CFA-CF40-3D41-9EF4EE1D765D}"/>
+                </a:ext>
+              </a:extLst>
+            </p:cNvPr>
+            <p:cNvSpPr/>
+            <p:nvPr/>
+          </p:nvSpPr>
+          <p:spPr>
+            <a:xfrm>
+              <a:off x="6095271" y="5129800"/>
+              <a:ext cx="750147" cy="662910"/>
+            </a:xfrm>
+            <a:prstGeom prst="rect">
+              <a:avLst/>
+            </a:prstGeom>
+            <a:noFill/>
+            <a:ln w="79375">
+              <a:solidFill>
+                <a:schemeClr val="bg1">
+                  <a:alpha val="65000"/>
+                </a:schemeClr>
+              </a:solidFill>
+            </a:ln>
+          </p:spPr>
+          <p:style>
+            <a:lnRef idx="2">
+              <a:schemeClr val="accent1">
+                <a:shade val="15000"/>
+              </a:schemeClr>
+            </a:lnRef>
+            <a:fillRef idx="1">
+              <a:schemeClr val="accent1"/>
+            </a:fillRef>
+            <a:effectRef idx="0">
+              <a:schemeClr val="accent1"/>
+            </a:effectRef>
+            <a:fontRef idx="minor">
+              <a:schemeClr val="lt1"/>
+            </a:fontRef>
+          </p:style>
+          <p:txBody>
+            <a:bodyPr rtlCol="0" anchor="ctr"/>
+            <a:lstStyle/>
+            <a:p>
+              <a:pPr algn="ctr"/>
+              <a:endParaRPr lang="en-US"/>
+            </a:p>
+          </p:txBody>
+        </p:sp>
+        <p:sp>
+          <p:nvSpPr>
+            <p:cNvPr id="41" name="Rectangle 40">
+              <a:extLst>
+                <a:ext uri="{FF2B5EF4-FFF2-40B4-BE49-F238E27FC236}">
+                  <a16:creationId xmlns:a16="http://schemas.microsoft.com/office/drawing/2014/main" id="{F97A6F7E-F5CC-F190-F346-2E1A0222DE8B}"/>
+                </a:ext>
+              </a:extLst>
+            </p:cNvPr>
+            <p:cNvSpPr/>
+            <p:nvPr/>
+          </p:nvSpPr>
+          <p:spPr>
+            <a:xfrm>
+              <a:off x="6095272" y="5125876"/>
+              <a:ext cx="750146" cy="662910"/>
+            </a:xfrm>
+            <a:prstGeom prst="rect">
+              <a:avLst/>
+            </a:prstGeom>
+            <a:noFill/>
+            <a:ln w="31750">
+              <a:solidFill>
+                <a:srgbClr val="FF9300"/>
+              </a:solidFill>
+            </a:ln>
+          </p:spPr>
+          <p:style>
+            <a:lnRef idx="2">
+              <a:schemeClr val="accent1">
+                <a:shade val="15000"/>
+              </a:schemeClr>
+            </a:lnRef>
+            <a:fillRef idx="1">
+              <a:schemeClr val="accent1"/>
+            </a:fillRef>
+            <a:effectRef idx="0">
+              <a:schemeClr val="accent1"/>
+            </a:effectRef>
+            <a:fontRef idx="minor">
+              <a:schemeClr val="lt1"/>
+            </a:fontRef>
+          </p:style>
+          <p:txBody>
+            <a:bodyPr rtlCol="0" anchor="ctr"/>
+            <a:lstStyle/>
+            <a:p>
+              <a:pPr algn="ctr"/>
+              <a:endParaRPr lang="en-US"/>
+            </a:p>
+          </p:txBody>
+        </p:sp>
+      </p:grpSp>
+      <p:sp>
+        <p:nvSpPr>
+          <p:cNvPr id="43" name="TextBox 42">
+            <a:extLst>
+              <a:ext uri="{FF2B5EF4-FFF2-40B4-BE49-F238E27FC236}">
+                <a16:creationId xmlns:a16="http://schemas.microsoft.com/office/drawing/2014/main" id="{1E68B2E2-C50B-369A-527A-ABC53E53F4B9}"/>
+              </a:ext>
+            </a:extLst>
+          </p:cNvPr>
+          <p:cNvSpPr txBox="1"/>
+          <p:nvPr/>
+        </p:nvSpPr>
+        <p:spPr>
+          <a:xfrm>
+            <a:off x="6003299" y="9255726"/>
+            <a:ext cx="498855" cy="400110"/>
+          </a:xfrm>
+          <a:prstGeom prst="rect">
+            <a:avLst/>
+          </a:prstGeom>
+          <a:noFill/>
+        </p:spPr>
+        <p:txBody>
+          <a:bodyPr wrap="none" rtlCol="0">
+            <a:spAutoFit/>
+          </a:bodyPr>
+          <a:lstStyle/>
+          <a:p>
+            <a:r>
+              <a:rPr lang="en-US" sz="2000" dirty="0">
+                <a:solidFill>
+                  <a:srgbClr val="FF9300"/>
+                </a:solidFill>
+                <a:latin typeface="Arial" panose="020B0604020202020204" pitchFamily="34" charset="0"/>
+                <a:cs typeface="Arial" panose="020B0604020202020204" pitchFamily="34" charset="0"/>
+              </a:rPr>
+              <a:t>B3</a:t>
+            </a:r>
+          </a:p>
+        </p:txBody>
+      </p:sp>
+      <p:pic>
+        <p:nvPicPr>
+          <p:cNvPr id="45" name="Picture 44">
+            <a:extLst>
+              <a:ext uri="{FF2B5EF4-FFF2-40B4-BE49-F238E27FC236}">
+                <a16:creationId xmlns:a16="http://schemas.microsoft.com/office/drawing/2014/main" id="{BF5C619C-27EE-EAD0-E771-38CC614A9E9F}"/>
+              </a:ext>
+            </a:extLst>
+          </p:cNvPr>
+          <p:cNvPicPr>
+            <a:picLocks noChangeAspect="1"/>
+          </p:cNvPicPr>
+          <p:nvPr/>
+        </p:nvPicPr>
+        <p:blipFill>
+          <a:blip r:embed="rId4"/>
+          <a:stretch>
+            <a:fillRect/>
+          </a:stretch>
+        </p:blipFill>
+        <p:spPr>
+          <a:xfrm>
+            <a:off x="1931990" y="10129968"/>
+            <a:ext cx="5497844" cy="546191"/>
+          </a:xfrm>
+          <a:prstGeom prst="rect">
+            <a:avLst/>
+          </a:prstGeom>
+        </p:spPr>
+      </p:pic>
+      <p:sp>
+        <p:nvSpPr>
+          <p:cNvPr id="46" name="Freeform 45">
+            <a:extLst>
+              <a:ext uri="{FF2B5EF4-FFF2-40B4-BE49-F238E27FC236}">
+                <a16:creationId xmlns:a16="http://schemas.microsoft.com/office/drawing/2014/main" id="{F8FF86A7-E8C4-8CF9-C137-FC19A95F66FA}"/>
+              </a:ext>
+            </a:extLst>
+          </p:cNvPr>
+          <p:cNvSpPr/>
+          <p:nvPr/>
+        </p:nvSpPr>
+        <p:spPr>
+          <a:xfrm rot="17669824">
+            <a:off x="7491758" y="9661890"/>
             <a:ext cx="142789" cy="172196"/>
           </a:xfrm>
           <a:custGeom>
@@ -4891,266 +6196,12 @@
           </a:p>
         </p:txBody>
       </p:sp>
-      <p:grpSp>
-        <p:nvGrpSpPr>
-          <p:cNvPr id="42" name="Group 41">
+      <p:sp>
+        <p:nvSpPr>
+          <p:cNvPr id="33" name="TextBox 32">
             <a:extLst>
               <a:ext uri="{FF2B5EF4-FFF2-40B4-BE49-F238E27FC236}">
-                <a16:creationId xmlns:a16="http://schemas.microsoft.com/office/drawing/2014/main" id="{D4891DC2-75E2-F321-052E-B91DAF56A534}"/>
-              </a:ext>
-            </a:extLst>
-          </p:cNvPr>
-          <p:cNvGrpSpPr/>
-          <p:nvPr/>
-        </p:nvGrpSpPr>
-        <p:grpSpPr>
-          <a:xfrm>
-            <a:off x="2389655" y="9016611"/>
-            <a:ext cx="1852568" cy="873203"/>
-            <a:chOff x="3387436" y="9196988"/>
-            <a:chExt cx="1662546" cy="788676"/>
-          </a:xfrm>
-        </p:grpSpPr>
-        <p:sp>
-          <p:nvSpPr>
-            <p:cNvPr id="34" name="Rectangle 33">
-              <a:extLst>
-                <a:ext uri="{FF2B5EF4-FFF2-40B4-BE49-F238E27FC236}">
-                  <a16:creationId xmlns:a16="http://schemas.microsoft.com/office/drawing/2014/main" id="{47D5AC6D-AFDB-4FD0-0618-A6C60C0F28E2}"/>
-                </a:ext>
-              </a:extLst>
-            </p:cNvPr>
-            <p:cNvSpPr/>
-            <p:nvPr/>
-          </p:nvSpPr>
-          <p:spPr>
-            <a:xfrm>
-              <a:off x="3387436" y="9206345"/>
-              <a:ext cx="1662545" cy="779319"/>
-            </a:xfrm>
-            <a:prstGeom prst="rect">
-              <a:avLst/>
-            </a:prstGeom>
-            <a:noFill/>
-            <a:ln w="79375">
-              <a:solidFill>
-                <a:schemeClr val="bg1">
-                  <a:alpha val="65000"/>
-                </a:schemeClr>
-              </a:solidFill>
-            </a:ln>
-          </p:spPr>
-          <p:style>
-            <a:lnRef idx="2">
-              <a:schemeClr val="accent1">
-                <a:shade val="15000"/>
-              </a:schemeClr>
-            </a:lnRef>
-            <a:fillRef idx="1">
-              <a:schemeClr val="accent1"/>
-            </a:fillRef>
-            <a:effectRef idx="0">
-              <a:schemeClr val="accent1"/>
-            </a:effectRef>
-            <a:fontRef idx="minor">
-              <a:schemeClr val="lt1"/>
-            </a:fontRef>
-          </p:style>
-          <p:txBody>
-            <a:bodyPr rtlCol="0" anchor="ctr"/>
-            <a:lstStyle/>
-            <a:p>
-              <a:pPr algn="ctr"/>
-              <a:endParaRPr lang="en-US"/>
-            </a:p>
-          </p:txBody>
-        </p:sp>
-        <p:sp>
-          <p:nvSpPr>
-            <p:cNvPr id="35" name="Rectangle 34">
-              <a:extLst>
-                <a:ext uri="{FF2B5EF4-FFF2-40B4-BE49-F238E27FC236}">
-                  <a16:creationId xmlns:a16="http://schemas.microsoft.com/office/drawing/2014/main" id="{54A0724D-2BD7-7638-2498-BF1771EB37AC}"/>
-                </a:ext>
-              </a:extLst>
-            </p:cNvPr>
-            <p:cNvSpPr/>
-            <p:nvPr/>
-          </p:nvSpPr>
-          <p:spPr>
-            <a:xfrm>
-              <a:off x="3397828" y="9196988"/>
-              <a:ext cx="1652154" cy="778119"/>
-            </a:xfrm>
-            <a:prstGeom prst="rect">
-              <a:avLst/>
-            </a:prstGeom>
-            <a:noFill/>
-            <a:ln w="31750">
-              <a:solidFill>
-                <a:srgbClr val="FF9300"/>
-              </a:solidFill>
-            </a:ln>
-          </p:spPr>
-          <p:style>
-            <a:lnRef idx="2">
-              <a:schemeClr val="accent1">
-                <a:shade val="15000"/>
-              </a:schemeClr>
-            </a:lnRef>
-            <a:fillRef idx="1">
-              <a:schemeClr val="accent1"/>
-            </a:fillRef>
-            <a:effectRef idx="0">
-              <a:schemeClr val="accent1"/>
-            </a:effectRef>
-            <a:fontRef idx="minor">
-              <a:schemeClr val="lt1"/>
-            </a:fontRef>
-          </p:style>
-          <p:txBody>
-            <a:bodyPr rtlCol="0" anchor="ctr"/>
-            <a:lstStyle/>
-            <a:p>
-              <a:pPr algn="ctr"/>
-              <a:endParaRPr lang="en-US"/>
-            </a:p>
-          </p:txBody>
-        </p:sp>
-      </p:grpSp>
-      <p:grpSp>
-        <p:nvGrpSpPr>
-          <p:cNvPr id="36" name="Group 35">
-            <a:extLst>
-              <a:ext uri="{FF2B5EF4-FFF2-40B4-BE49-F238E27FC236}">
-                <a16:creationId xmlns:a16="http://schemas.microsoft.com/office/drawing/2014/main" id="{B8BA6957-FC42-8D1F-B405-D825FD885781}"/>
-              </a:ext>
-            </a:extLst>
-          </p:cNvPr>
-          <p:cNvGrpSpPr/>
-          <p:nvPr/>
-        </p:nvGrpSpPr>
-        <p:grpSpPr>
-          <a:xfrm>
-            <a:off x="6761969" y="9026971"/>
-            <a:ext cx="921093" cy="868065"/>
-            <a:chOff x="6095271" y="5125876"/>
-            <a:chExt cx="750147" cy="666834"/>
-          </a:xfrm>
-        </p:grpSpPr>
-        <p:sp>
-          <p:nvSpPr>
-            <p:cNvPr id="37" name="Rectangle 36">
-              <a:extLst>
-                <a:ext uri="{FF2B5EF4-FFF2-40B4-BE49-F238E27FC236}">
-                  <a16:creationId xmlns:a16="http://schemas.microsoft.com/office/drawing/2014/main" id="{76003F91-7471-8420-E059-ADDD50B0D6D8}"/>
-                </a:ext>
-              </a:extLst>
-            </p:cNvPr>
-            <p:cNvSpPr/>
-            <p:nvPr/>
-          </p:nvSpPr>
-          <p:spPr>
-            <a:xfrm>
-              <a:off x="6095271" y="5129800"/>
-              <a:ext cx="750147" cy="662910"/>
-            </a:xfrm>
-            <a:prstGeom prst="rect">
-              <a:avLst/>
-            </a:prstGeom>
-            <a:noFill/>
-            <a:ln w="79375">
-              <a:solidFill>
-                <a:schemeClr val="bg1">
-                  <a:alpha val="65000"/>
-                </a:schemeClr>
-              </a:solidFill>
-            </a:ln>
-          </p:spPr>
-          <p:style>
-            <a:lnRef idx="2">
-              <a:schemeClr val="accent1">
-                <a:shade val="15000"/>
-              </a:schemeClr>
-            </a:lnRef>
-            <a:fillRef idx="1">
-              <a:schemeClr val="accent1"/>
-            </a:fillRef>
-            <a:effectRef idx="0">
-              <a:schemeClr val="accent1"/>
-            </a:effectRef>
-            <a:fontRef idx="minor">
-              <a:schemeClr val="lt1"/>
-            </a:fontRef>
-          </p:style>
-          <p:txBody>
-            <a:bodyPr rtlCol="0" anchor="ctr"/>
-            <a:lstStyle/>
-            <a:p>
-              <a:pPr algn="ctr"/>
-              <a:endParaRPr lang="en-US"/>
-            </a:p>
-          </p:txBody>
-        </p:sp>
-        <p:sp>
-          <p:nvSpPr>
-            <p:cNvPr id="38" name="Rectangle 37">
-              <a:extLst>
-                <a:ext uri="{FF2B5EF4-FFF2-40B4-BE49-F238E27FC236}">
-                  <a16:creationId xmlns:a16="http://schemas.microsoft.com/office/drawing/2014/main" id="{62281851-1479-B76A-DC3A-AAA57F88E356}"/>
-                </a:ext>
-              </a:extLst>
-            </p:cNvPr>
-            <p:cNvSpPr/>
-            <p:nvPr/>
-          </p:nvSpPr>
-          <p:spPr>
-            <a:xfrm>
-              <a:off x="6095272" y="5125876"/>
-              <a:ext cx="750146" cy="662910"/>
-            </a:xfrm>
-            <a:prstGeom prst="rect">
-              <a:avLst/>
-            </a:prstGeom>
-            <a:noFill/>
-            <a:ln w="31750">
-              <a:solidFill>
-                <a:srgbClr val="FF9300"/>
-              </a:solidFill>
-            </a:ln>
-          </p:spPr>
-          <p:style>
-            <a:lnRef idx="2">
-              <a:schemeClr val="accent1">
-                <a:shade val="15000"/>
-              </a:schemeClr>
-            </a:lnRef>
-            <a:fillRef idx="1">
-              <a:schemeClr val="accent1"/>
-            </a:fillRef>
-            <a:effectRef idx="0">
-              <a:schemeClr val="accent1"/>
-            </a:effectRef>
-            <a:fontRef idx="minor">
-              <a:schemeClr val="lt1"/>
-            </a:fontRef>
-          </p:style>
-          <p:txBody>
-            <a:bodyPr rtlCol="0" anchor="ctr"/>
-            <a:lstStyle/>
-            <a:p>
-              <a:pPr algn="ctr"/>
-              <a:endParaRPr lang="en-US"/>
-            </a:p>
-          </p:txBody>
-        </p:sp>
-      </p:grpSp>
-      <p:sp>
-        <p:nvSpPr>
-          <p:cNvPr id="39" name="TextBox 38">
-            <a:extLst>
-              <a:ext uri="{FF2B5EF4-FFF2-40B4-BE49-F238E27FC236}">
-                <a16:creationId xmlns:a16="http://schemas.microsoft.com/office/drawing/2014/main" id="{36DD74EB-BE2B-2179-C13B-58B0D28CB09E}"/>
+                <a16:creationId xmlns:a16="http://schemas.microsoft.com/office/drawing/2014/main" id="{7B7F27CA-12F2-327E-D923-43F430D0DDF3}"/>
               </a:ext>
             </a:extLst>
           </p:cNvPr>
@@ -5159,8 +6210,8 @@
         </p:nvSpPr>
         <p:spPr>
           <a:xfrm>
-            <a:off x="1891754" y="9272040"/>
-            <a:ext cx="498855" cy="400110"/>
+            <a:off x="6276181" y="8748049"/>
+            <a:ext cx="660400" cy="400110"/>
           </a:xfrm>
           <a:prstGeom prst="rect">
             <a:avLst/>
@@ -5168,30 +6219,79 @@
           <a:noFill/>
         </p:spPr>
         <p:txBody>
-          <a:bodyPr wrap="none" rtlCol="0">
+          <a:bodyPr wrap="square" rtlCol="0">
             <a:spAutoFit/>
           </a:bodyPr>
           <a:lstStyle/>
           <a:p>
             <a:r>
               <a:rPr lang="en-US" sz="2000" dirty="0">
-                <a:solidFill>
-                  <a:srgbClr val="FF9300"/>
-                </a:solidFill>
                 <a:latin typeface="Arial" panose="020B0604020202020204" pitchFamily="34" charset="0"/>
                 <a:cs typeface="Arial" panose="020B0604020202020204" pitchFamily="34" charset="0"/>
               </a:rPr>
-              <a:t>B2</a:t>
-            </a:r>
-          </a:p>
-        </p:txBody>
-      </p:sp>
-      <p:sp>
-        <p:nvSpPr>
-          <p:cNvPr id="40" name="TextBox 39">
+              <a:t>β</a:t>
+            </a:r>
+            <a:r>
+              <a:rPr lang="en-US" sz="2000" baseline="-25000" dirty="0">
+                <a:latin typeface="Arial" panose="020B0604020202020204" pitchFamily="34" charset="0"/>
+                <a:cs typeface="Arial" panose="020B0604020202020204" pitchFamily="34" charset="0"/>
+              </a:rPr>
+              <a:t>P18</a:t>
+            </a:r>
+          </a:p>
+        </p:txBody>
+      </p:sp>
+      <p:cxnSp>
+        <p:nvCxnSpPr>
+          <p:cNvPr id="7" name="Straight Arrow Connector 6">
             <a:extLst>
               <a:ext uri="{FF2B5EF4-FFF2-40B4-BE49-F238E27FC236}">
-                <a16:creationId xmlns:a16="http://schemas.microsoft.com/office/drawing/2014/main" id="{B2D754C9-0945-9116-1F5A-E4A85BC910C9}"/>
+                <a16:creationId xmlns:a16="http://schemas.microsoft.com/office/drawing/2014/main" id="{5874C93C-D9B6-A9F1-2B89-7F142ADBC8AB}"/>
+              </a:ext>
+            </a:extLst>
+          </p:cNvPr>
+          <p:cNvCxnSpPr>
+            <a:cxnSpLocks/>
+          </p:cNvCxnSpPr>
+          <p:nvPr/>
+        </p:nvCxnSpPr>
+        <p:spPr>
+          <a:xfrm flipV="1">
+            <a:off x="4657198" y="7672451"/>
+            <a:ext cx="0" cy="382978"/>
+          </a:xfrm>
+          <a:prstGeom prst="straightConnector1">
+            <a:avLst/>
+          </a:prstGeom>
+          <a:ln w="31750">
+            <a:solidFill>
+              <a:schemeClr val="tx1"/>
+            </a:solidFill>
+            <a:prstDash val="sysDot"/>
+            <a:tailEnd type="triangle" w="lg" len="lg"/>
+          </a:ln>
+        </p:spPr>
+        <p:style>
+          <a:lnRef idx="2">
+            <a:schemeClr val="accent1"/>
+          </a:lnRef>
+          <a:fillRef idx="0">
+            <a:schemeClr val="accent1"/>
+          </a:fillRef>
+          <a:effectRef idx="1">
+            <a:schemeClr val="accent1"/>
+          </a:effectRef>
+          <a:fontRef idx="minor">
+            <a:schemeClr val="tx1"/>
+          </a:fontRef>
+        </p:style>
+      </p:cxnSp>
+      <p:sp>
+        <p:nvSpPr>
+          <p:cNvPr id="49" name="TextBox 48">
+            <a:extLst>
+              <a:ext uri="{FF2B5EF4-FFF2-40B4-BE49-F238E27FC236}">
+                <a16:creationId xmlns:a16="http://schemas.microsoft.com/office/drawing/2014/main" id="{7AA1FB79-BAA9-EE7B-A53A-22EDF8632399}"/>
               </a:ext>
             </a:extLst>
           </p:cNvPr>
@@ -5200,57 +6300,20 @@
         </p:nvSpPr>
         <p:spPr>
           <a:xfrm>
-            <a:off x="7682092" y="9276285"/>
-            <a:ext cx="498855" cy="400110"/>
+            <a:off x="3870586" y="7710863"/>
+            <a:ext cx="660400" cy="400110"/>
           </a:xfrm>
           <a:prstGeom prst="rect">
             <a:avLst/>
           </a:prstGeom>
-          <a:noFill/>
+          <a:solidFill>
+            <a:schemeClr val="bg1">
+              <a:alpha val="65000"/>
+            </a:schemeClr>
+          </a:solidFill>
         </p:spPr>
         <p:txBody>
-          <a:bodyPr wrap="none" rtlCol="0">
-            <a:spAutoFit/>
-          </a:bodyPr>
-          <a:lstStyle/>
-          <a:p>
-            <a:r>
-              <a:rPr lang="en-US" sz="2000" dirty="0">
-                <a:solidFill>
-                  <a:srgbClr val="FF9300"/>
-                </a:solidFill>
-                <a:latin typeface="Arial" panose="020B0604020202020204" pitchFamily="34" charset="0"/>
-                <a:cs typeface="Arial" panose="020B0604020202020204" pitchFamily="34" charset="0"/>
-              </a:rPr>
-              <a:t>B4</a:t>
-            </a:r>
-          </a:p>
-        </p:txBody>
-      </p:sp>
-      <p:sp>
-        <p:nvSpPr>
-          <p:cNvPr id="2" name="TextBox 1">
-            <a:extLst>
-              <a:ext uri="{FF2B5EF4-FFF2-40B4-BE49-F238E27FC236}">
-                <a16:creationId xmlns:a16="http://schemas.microsoft.com/office/drawing/2014/main" id="{EF73ECB2-138A-46A0-9274-40B73B8DE9AF}"/>
-              </a:ext>
-            </a:extLst>
-          </p:cNvPr>
-          <p:cNvSpPr txBox="1"/>
-          <p:nvPr/>
-        </p:nvSpPr>
-        <p:spPr>
-          <a:xfrm>
-            <a:off x="366218" y="153191"/>
-            <a:ext cx="356188" cy="400110"/>
-          </a:xfrm>
-          <a:prstGeom prst="rect">
-            <a:avLst/>
-          </a:prstGeom>
-          <a:noFill/>
-        </p:spPr>
-        <p:txBody>
-          <a:bodyPr wrap="none" rtlCol="0">
+          <a:bodyPr wrap="square" rtlCol="0">
             <a:spAutoFit/>
           </a:bodyPr>
           <a:lstStyle/>
@@ -5260,551 +6323,18 @@
                 <a:latin typeface="Arial" panose="020B0604020202020204" pitchFamily="34" charset="0"/>
                 <a:cs typeface="Arial" panose="020B0604020202020204" pitchFamily="34" charset="0"/>
               </a:rPr>
-              <a:t>A</a:t>
-            </a:r>
-          </a:p>
-        </p:txBody>
-      </p:sp>
-      <p:sp>
-        <p:nvSpPr>
-          <p:cNvPr id="3" name="TextBox 2">
-            <a:extLst>
-              <a:ext uri="{FF2B5EF4-FFF2-40B4-BE49-F238E27FC236}">
-                <a16:creationId xmlns:a16="http://schemas.microsoft.com/office/drawing/2014/main" id="{CA1D5E9D-2276-76F4-325E-D63964C9F823}"/>
-              </a:ext>
-            </a:extLst>
-          </p:cNvPr>
-          <p:cNvSpPr txBox="1"/>
-          <p:nvPr/>
-        </p:nvSpPr>
-        <p:spPr>
-          <a:xfrm>
-            <a:off x="4625917" y="150518"/>
-            <a:ext cx="356188" cy="400110"/>
-          </a:xfrm>
-          <a:prstGeom prst="rect">
-            <a:avLst/>
-          </a:prstGeom>
-          <a:noFill/>
-        </p:spPr>
-        <p:txBody>
-          <a:bodyPr wrap="none" rtlCol="0">
-            <a:spAutoFit/>
-          </a:bodyPr>
-          <a:lstStyle/>
-          <a:p>
-            <a:r>
-              <a:rPr lang="en-US" sz="2000" dirty="0">
+              <a:t>β</a:t>
+            </a:r>
+            <a:r>
+              <a:rPr lang="en-US" sz="2000" baseline="-25000" dirty="0">
                 <a:latin typeface="Arial" panose="020B0604020202020204" pitchFamily="34" charset="0"/>
                 <a:cs typeface="Arial" panose="020B0604020202020204" pitchFamily="34" charset="0"/>
               </a:rPr>
-              <a:t>B</a:t>
-            </a:r>
-          </a:p>
-        </p:txBody>
-      </p:sp>
-      <p:sp>
-        <p:nvSpPr>
-          <p:cNvPr id="4" name="TextBox 3">
-            <a:extLst>
-              <a:ext uri="{FF2B5EF4-FFF2-40B4-BE49-F238E27FC236}">
-                <a16:creationId xmlns:a16="http://schemas.microsoft.com/office/drawing/2014/main" id="{EA0706E9-AEF1-077B-72C6-8673863940A8}"/>
-              </a:ext>
-            </a:extLst>
-          </p:cNvPr>
-          <p:cNvSpPr txBox="1"/>
-          <p:nvPr/>
-        </p:nvSpPr>
-        <p:spPr>
-          <a:xfrm>
-            <a:off x="366218" y="2771281"/>
-            <a:ext cx="370614" cy="400110"/>
-          </a:xfrm>
-          <a:prstGeom prst="rect">
-            <a:avLst/>
-          </a:prstGeom>
-          <a:noFill/>
-        </p:spPr>
-        <p:txBody>
-          <a:bodyPr wrap="none" rtlCol="0">
-            <a:spAutoFit/>
-          </a:bodyPr>
-          <a:lstStyle/>
-          <a:p>
-            <a:r>
-              <a:rPr lang="en-US" sz="2000" dirty="0">
-                <a:latin typeface="Arial" panose="020B0604020202020204" pitchFamily="34" charset="0"/>
-                <a:cs typeface="Arial" panose="020B0604020202020204" pitchFamily="34" charset="0"/>
-              </a:rPr>
-              <a:t>C</a:t>
-            </a:r>
-          </a:p>
-        </p:txBody>
-      </p:sp>
-      <p:sp>
-        <p:nvSpPr>
-          <p:cNvPr id="5" name="TextBox 4">
-            <a:extLst>
-              <a:ext uri="{FF2B5EF4-FFF2-40B4-BE49-F238E27FC236}">
-                <a16:creationId xmlns:a16="http://schemas.microsoft.com/office/drawing/2014/main" id="{7938405D-DE20-98D2-1FF3-62B7F54A8349}"/>
-              </a:ext>
-            </a:extLst>
-          </p:cNvPr>
-          <p:cNvSpPr txBox="1"/>
-          <p:nvPr/>
-        </p:nvSpPr>
-        <p:spPr>
-          <a:xfrm>
-            <a:off x="4621646" y="2771281"/>
-            <a:ext cx="370614" cy="400110"/>
-          </a:xfrm>
-          <a:prstGeom prst="rect">
-            <a:avLst/>
-          </a:prstGeom>
-          <a:noFill/>
-        </p:spPr>
-        <p:txBody>
-          <a:bodyPr wrap="none" rtlCol="0">
-            <a:spAutoFit/>
-          </a:bodyPr>
-          <a:lstStyle/>
-          <a:p>
-            <a:r>
-              <a:rPr lang="en-US" sz="2000" dirty="0">
-                <a:latin typeface="Arial" panose="020B0604020202020204" pitchFamily="34" charset="0"/>
-                <a:cs typeface="Arial" panose="020B0604020202020204" pitchFamily="34" charset="0"/>
-              </a:rPr>
-              <a:t>D</a:t>
-            </a:r>
-          </a:p>
-        </p:txBody>
-      </p:sp>
-      <p:sp>
-        <p:nvSpPr>
-          <p:cNvPr id="6" name="TextBox 5">
-            <a:extLst>
-              <a:ext uri="{FF2B5EF4-FFF2-40B4-BE49-F238E27FC236}">
-                <a16:creationId xmlns:a16="http://schemas.microsoft.com/office/drawing/2014/main" id="{30162D44-F5CD-47B5-5B97-8F7674656F8C}"/>
-              </a:ext>
-            </a:extLst>
-          </p:cNvPr>
-          <p:cNvSpPr txBox="1"/>
-          <p:nvPr/>
-        </p:nvSpPr>
-        <p:spPr>
-          <a:xfrm>
-            <a:off x="8926598" y="150518"/>
-            <a:ext cx="341760" cy="400110"/>
-          </a:xfrm>
-          <a:prstGeom prst="rect">
-            <a:avLst/>
-          </a:prstGeom>
-          <a:noFill/>
-        </p:spPr>
-        <p:txBody>
-          <a:bodyPr wrap="none" rtlCol="0">
-            <a:spAutoFit/>
-          </a:bodyPr>
-          <a:lstStyle/>
-          <a:p>
-            <a:r>
-              <a:rPr lang="en-US" sz="2000" dirty="0">
-                <a:latin typeface="Arial" panose="020B0604020202020204" pitchFamily="34" charset="0"/>
-                <a:cs typeface="Arial" panose="020B0604020202020204" pitchFamily="34" charset="0"/>
-              </a:rPr>
-              <a:t>F</a:t>
-            </a:r>
-          </a:p>
-        </p:txBody>
-      </p:sp>
-      <p:sp>
-        <p:nvSpPr>
-          <p:cNvPr id="8" name="TextBox 7">
-            <a:extLst>
-              <a:ext uri="{FF2B5EF4-FFF2-40B4-BE49-F238E27FC236}">
-                <a16:creationId xmlns:a16="http://schemas.microsoft.com/office/drawing/2014/main" id="{4366D932-45ED-729C-8325-15DA12B9EBD2}"/>
-              </a:ext>
-            </a:extLst>
-          </p:cNvPr>
-          <p:cNvSpPr txBox="1"/>
-          <p:nvPr/>
-        </p:nvSpPr>
-        <p:spPr>
-          <a:xfrm>
-            <a:off x="8926598" y="8392461"/>
-            <a:ext cx="312906" cy="400110"/>
-          </a:xfrm>
-          <a:prstGeom prst="rect">
-            <a:avLst/>
-          </a:prstGeom>
-          <a:noFill/>
-        </p:spPr>
-        <p:txBody>
-          <a:bodyPr wrap="none" rtlCol="0">
-            <a:spAutoFit/>
-          </a:bodyPr>
-          <a:lstStyle/>
-          <a:p>
-            <a:r>
-              <a:rPr lang="en-US" sz="2000" dirty="0">
-                <a:latin typeface="Arial" panose="020B0604020202020204" pitchFamily="34" charset="0"/>
-                <a:cs typeface="Arial" panose="020B0604020202020204" pitchFamily="34" charset="0"/>
-              </a:rPr>
-              <a:t>J</a:t>
-            </a:r>
-          </a:p>
-        </p:txBody>
-      </p:sp>
-      <p:sp>
-        <p:nvSpPr>
-          <p:cNvPr id="21" name="TextBox 20">
-            <a:extLst>
-              <a:ext uri="{FF2B5EF4-FFF2-40B4-BE49-F238E27FC236}">
-                <a16:creationId xmlns:a16="http://schemas.microsoft.com/office/drawing/2014/main" id="{99B94336-7AAB-9A8C-3599-00C1C65E7458}"/>
-              </a:ext>
-            </a:extLst>
-          </p:cNvPr>
-          <p:cNvSpPr txBox="1"/>
-          <p:nvPr/>
-        </p:nvSpPr>
-        <p:spPr>
-          <a:xfrm>
-            <a:off x="8926598" y="6331975"/>
-            <a:ext cx="255198" cy="400110"/>
-          </a:xfrm>
-          <a:prstGeom prst="rect">
-            <a:avLst/>
-          </a:prstGeom>
-          <a:noFill/>
-        </p:spPr>
-        <p:txBody>
-          <a:bodyPr wrap="none" rtlCol="0">
-            <a:spAutoFit/>
-          </a:bodyPr>
-          <a:lstStyle/>
-          <a:p>
-            <a:r>
-              <a:rPr lang="en-US" sz="2000" dirty="0">
-                <a:latin typeface="Arial" panose="020B0604020202020204" pitchFamily="34" charset="0"/>
-                <a:cs typeface="Arial" panose="020B0604020202020204" pitchFamily="34" charset="0"/>
-              </a:rPr>
-              <a:t>I</a:t>
-            </a:r>
-          </a:p>
-        </p:txBody>
-      </p:sp>
-      <p:sp>
-        <p:nvSpPr>
-          <p:cNvPr id="22" name="TextBox 21">
-            <a:extLst>
-              <a:ext uri="{FF2B5EF4-FFF2-40B4-BE49-F238E27FC236}">
-                <a16:creationId xmlns:a16="http://schemas.microsoft.com/office/drawing/2014/main" id="{C5F9E485-263D-575D-3AC7-2F1481FF45F5}"/>
-              </a:ext>
-            </a:extLst>
-          </p:cNvPr>
-          <p:cNvSpPr txBox="1"/>
-          <p:nvPr/>
-        </p:nvSpPr>
-        <p:spPr>
-          <a:xfrm>
-            <a:off x="8926598" y="4271489"/>
-            <a:ext cx="370614" cy="400110"/>
-          </a:xfrm>
-          <a:prstGeom prst="rect">
-            <a:avLst/>
-          </a:prstGeom>
-          <a:noFill/>
-        </p:spPr>
-        <p:txBody>
-          <a:bodyPr wrap="none" rtlCol="0">
-            <a:spAutoFit/>
-          </a:bodyPr>
-          <a:lstStyle/>
-          <a:p>
-            <a:r>
-              <a:rPr lang="en-US" sz="2000" dirty="0">
-                <a:latin typeface="Arial" panose="020B0604020202020204" pitchFamily="34" charset="0"/>
-                <a:cs typeface="Arial" panose="020B0604020202020204" pitchFamily="34" charset="0"/>
-              </a:rPr>
-              <a:t>H</a:t>
-            </a:r>
-          </a:p>
-        </p:txBody>
-      </p:sp>
-      <p:sp>
-        <p:nvSpPr>
-          <p:cNvPr id="23" name="TextBox 22">
-            <a:extLst>
-              <a:ext uri="{FF2B5EF4-FFF2-40B4-BE49-F238E27FC236}">
-                <a16:creationId xmlns:a16="http://schemas.microsoft.com/office/drawing/2014/main" id="{6C3F63B6-DBA5-F65A-D8D7-3FF717630A5D}"/>
-              </a:ext>
-            </a:extLst>
-          </p:cNvPr>
-          <p:cNvSpPr txBox="1"/>
-          <p:nvPr/>
-        </p:nvSpPr>
-        <p:spPr>
-          <a:xfrm>
-            <a:off x="8926598" y="2211003"/>
-            <a:ext cx="383438" cy="400110"/>
-          </a:xfrm>
-          <a:prstGeom prst="rect">
-            <a:avLst/>
-          </a:prstGeom>
-          <a:noFill/>
-        </p:spPr>
-        <p:txBody>
-          <a:bodyPr wrap="none" rtlCol="0">
-            <a:spAutoFit/>
-          </a:bodyPr>
-          <a:lstStyle/>
-          <a:p>
-            <a:r>
-              <a:rPr lang="en-US" sz="2000" dirty="0">
-                <a:latin typeface="Arial" panose="020B0604020202020204" pitchFamily="34" charset="0"/>
-                <a:cs typeface="Arial" panose="020B0604020202020204" pitchFamily="34" charset="0"/>
-              </a:rPr>
-              <a:t>G</a:t>
-            </a:r>
-          </a:p>
-        </p:txBody>
-      </p:sp>
-      <p:sp>
-        <p:nvSpPr>
-          <p:cNvPr id="24" name="TextBox 23">
-            <a:extLst>
-              <a:ext uri="{FF2B5EF4-FFF2-40B4-BE49-F238E27FC236}">
-                <a16:creationId xmlns:a16="http://schemas.microsoft.com/office/drawing/2014/main" id="{E8AD2673-73AD-1F92-DEFD-EABD10A48FCD}"/>
-              </a:ext>
-            </a:extLst>
-          </p:cNvPr>
-          <p:cNvSpPr txBox="1"/>
-          <p:nvPr/>
-        </p:nvSpPr>
-        <p:spPr>
-          <a:xfrm>
-            <a:off x="366218" y="5388416"/>
-            <a:ext cx="356188" cy="400110"/>
-          </a:xfrm>
-          <a:prstGeom prst="rect">
-            <a:avLst/>
-          </a:prstGeom>
-          <a:noFill/>
-        </p:spPr>
-        <p:txBody>
-          <a:bodyPr wrap="none" rtlCol="0">
-            <a:spAutoFit/>
-          </a:bodyPr>
-          <a:lstStyle/>
-          <a:p>
-            <a:r>
-              <a:rPr lang="en-US" sz="2000" dirty="0">
-                <a:latin typeface="Arial" panose="020B0604020202020204" pitchFamily="34" charset="0"/>
-                <a:cs typeface="Arial" panose="020B0604020202020204" pitchFamily="34" charset="0"/>
-              </a:rPr>
-              <a:t>E</a:t>
-            </a:r>
-          </a:p>
-        </p:txBody>
-      </p:sp>
-      <p:grpSp>
-        <p:nvGrpSpPr>
-          <p:cNvPr id="25" name="Group 24">
-            <a:extLst>
-              <a:ext uri="{FF2B5EF4-FFF2-40B4-BE49-F238E27FC236}">
-                <a16:creationId xmlns:a16="http://schemas.microsoft.com/office/drawing/2014/main" id="{B2BCED9B-9057-BD4C-5EE0-BC1B88037D1D}"/>
-              </a:ext>
-            </a:extLst>
-          </p:cNvPr>
-          <p:cNvGrpSpPr/>
-          <p:nvPr/>
-        </p:nvGrpSpPr>
-        <p:grpSpPr>
-          <a:xfrm>
-            <a:off x="5469596" y="9016611"/>
-            <a:ext cx="743660" cy="873203"/>
-            <a:chOff x="6095271" y="5125876"/>
-            <a:chExt cx="750147" cy="666834"/>
-          </a:xfrm>
-        </p:grpSpPr>
-        <p:sp>
-          <p:nvSpPr>
-            <p:cNvPr id="26" name="Rectangle 25">
-              <a:extLst>
-                <a:ext uri="{FF2B5EF4-FFF2-40B4-BE49-F238E27FC236}">
-                  <a16:creationId xmlns:a16="http://schemas.microsoft.com/office/drawing/2014/main" id="{FA67CFD9-9CFA-CF40-3D41-9EF4EE1D765D}"/>
-                </a:ext>
-              </a:extLst>
-            </p:cNvPr>
-            <p:cNvSpPr/>
-            <p:nvPr/>
-          </p:nvSpPr>
-          <p:spPr>
-            <a:xfrm>
-              <a:off x="6095271" y="5129800"/>
-              <a:ext cx="750147" cy="662910"/>
-            </a:xfrm>
-            <a:prstGeom prst="rect">
-              <a:avLst/>
-            </a:prstGeom>
-            <a:noFill/>
-            <a:ln w="79375">
-              <a:solidFill>
-                <a:schemeClr val="bg1">
-                  <a:alpha val="65000"/>
-                </a:schemeClr>
-              </a:solidFill>
-            </a:ln>
-          </p:spPr>
-          <p:style>
-            <a:lnRef idx="2">
-              <a:schemeClr val="accent1">
-                <a:shade val="15000"/>
-              </a:schemeClr>
-            </a:lnRef>
-            <a:fillRef idx="1">
-              <a:schemeClr val="accent1"/>
-            </a:fillRef>
-            <a:effectRef idx="0">
-              <a:schemeClr val="accent1"/>
-            </a:effectRef>
-            <a:fontRef idx="minor">
-              <a:schemeClr val="lt1"/>
-            </a:fontRef>
-          </p:style>
-          <p:txBody>
-            <a:bodyPr rtlCol="0" anchor="ctr"/>
-            <a:lstStyle/>
-            <a:p>
-              <a:pPr algn="ctr"/>
-              <a:endParaRPr lang="en-US"/>
-            </a:p>
-          </p:txBody>
-        </p:sp>
-        <p:sp>
-          <p:nvSpPr>
-            <p:cNvPr id="41" name="Rectangle 40">
-              <a:extLst>
-                <a:ext uri="{FF2B5EF4-FFF2-40B4-BE49-F238E27FC236}">
-                  <a16:creationId xmlns:a16="http://schemas.microsoft.com/office/drawing/2014/main" id="{F97A6F7E-F5CC-F190-F346-2E1A0222DE8B}"/>
-                </a:ext>
-              </a:extLst>
-            </p:cNvPr>
-            <p:cNvSpPr/>
-            <p:nvPr/>
-          </p:nvSpPr>
-          <p:spPr>
-            <a:xfrm>
-              <a:off x="6095272" y="5125876"/>
-              <a:ext cx="750146" cy="662910"/>
-            </a:xfrm>
-            <a:prstGeom prst="rect">
-              <a:avLst/>
-            </a:prstGeom>
-            <a:noFill/>
-            <a:ln w="31750">
-              <a:solidFill>
-                <a:srgbClr val="FF9300"/>
-              </a:solidFill>
-            </a:ln>
-          </p:spPr>
-          <p:style>
-            <a:lnRef idx="2">
-              <a:schemeClr val="accent1">
-                <a:shade val="15000"/>
-              </a:schemeClr>
-            </a:lnRef>
-            <a:fillRef idx="1">
-              <a:schemeClr val="accent1"/>
-            </a:fillRef>
-            <a:effectRef idx="0">
-              <a:schemeClr val="accent1"/>
-            </a:effectRef>
-            <a:fontRef idx="minor">
-              <a:schemeClr val="lt1"/>
-            </a:fontRef>
-          </p:style>
-          <p:txBody>
-            <a:bodyPr rtlCol="0" anchor="ctr"/>
-            <a:lstStyle/>
-            <a:p>
-              <a:pPr algn="ctr"/>
-              <a:endParaRPr lang="en-US"/>
-            </a:p>
-          </p:txBody>
-        </p:sp>
-      </p:grpSp>
-      <p:sp>
-        <p:nvSpPr>
-          <p:cNvPr id="43" name="TextBox 42">
-            <a:extLst>
-              <a:ext uri="{FF2B5EF4-FFF2-40B4-BE49-F238E27FC236}">
-                <a16:creationId xmlns:a16="http://schemas.microsoft.com/office/drawing/2014/main" id="{1E68B2E2-C50B-369A-527A-ABC53E53F4B9}"/>
-              </a:ext>
-            </a:extLst>
-          </p:cNvPr>
-          <p:cNvSpPr txBox="1"/>
-          <p:nvPr/>
-        </p:nvSpPr>
-        <p:spPr>
-          <a:xfrm>
-            <a:off x="6195375" y="9276285"/>
-            <a:ext cx="498855" cy="400110"/>
-          </a:xfrm>
-          <a:prstGeom prst="rect">
-            <a:avLst/>
-          </a:prstGeom>
-          <a:noFill/>
-        </p:spPr>
-        <p:txBody>
-          <a:bodyPr wrap="none" rtlCol="0">
-            <a:spAutoFit/>
-          </a:bodyPr>
-          <a:lstStyle/>
-          <a:p>
-            <a:r>
-              <a:rPr lang="en-US" sz="2000" dirty="0">
-                <a:solidFill>
-                  <a:srgbClr val="FF9300"/>
-                </a:solidFill>
-                <a:latin typeface="Arial" panose="020B0604020202020204" pitchFamily="34" charset="0"/>
-                <a:cs typeface="Arial" panose="020B0604020202020204" pitchFamily="34" charset="0"/>
-              </a:rPr>
-              <a:t>B3</a:t>
-            </a:r>
-          </a:p>
-        </p:txBody>
-      </p:sp>
-      <p:pic>
-        <p:nvPicPr>
-          <p:cNvPr id="45" name="Picture 44">
-            <a:extLst>
-              <a:ext uri="{FF2B5EF4-FFF2-40B4-BE49-F238E27FC236}">
-                <a16:creationId xmlns:a16="http://schemas.microsoft.com/office/drawing/2014/main" id="{BF5C619C-27EE-EAD0-E771-38CC614A9E9F}"/>
-              </a:ext>
-            </a:extLst>
-          </p:cNvPr>
-          <p:cNvPicPr>
-            <a:picLocks noChangeAspect="1"/>
-          </p:cNvPicPr>
-          <p:nvPr/>
-        </p:nvPicPr>
-        <p:blipFill>
-          <a:blip r:embed="rId3"/>
-          <a:stretch>
-            <a:fillRect/>
-          </a:stretch>
-        </p:blipFill>
-        <p:spPr>
-          <a:xfrm>
-            <a:off x="1931990" y="10129968"/>
-            <a:ext cx="5497844" cy="546191"/>
-          </a:xfrm>
-          <a:prstGeom prst="rect">
-            <a:avLst/>
-          </a:prstGeom>
-        </p:spPr>
-      </p:pic>
+              <a:t>right</a:t>
+            </a:r>
+          </a:p>
+        </p:txBody>
+      </p:sp>
     </p:spTree>
     <p:extLst>
       <p:ext uri="{BB962C8B-B14F-4D97-AF65-F5344CB8AC3E}">

--- a/figs/fig_results_ratecount_annotated.pptx
+++ b/figs/fig_results_ratecount_annotated.pptx
@@ -118,7 +118,7 @@
 <file path=ppt/revisionInfo.xml><?xml version="1.0" encoding="utf-8"?>
 <p1510:revInfo xmlns:a="http://schemas.openxmlformats.org/drawingml/2006/main" xmlns:r="http://schemas.openxmlformats.org/officeDocument/2006/relationships" xmlns:p1510="http://schemas.microsoft.com/office/powerpoint/2015/10/main">
   <p1510:revLst>
-    <p1510:client id="{AE73B4D5-7497-0F41-8DCD-42BE02F6FF1D}" v="58" dt="2025-05-28T19:49:45.062"/>
+    <p1510:client id="{AE73B4D5-7497-0F41-8DCD-42BE02F6FF1D}" v="59" dt="2025-06-03T22:33:29.542"/>
   </p1510:revLst>
 </p1510:revInfo>
 </file>
@@ -128,7 +128,7 @@
   <pc:docChgLst>
     <pc:chgData name="Barkasi, Michael" userId="604489e9-c8b5-4a18-ae0d-3a3e29c44efc" providerId="ADAL" clId="{AE73B4D5-7497-0F41-8DCD-42BE02F6FF1D}"/>
     <pc:docChg chg="undo custSel addSld delSld modSld modMainMaster modNotesMaster">
-      <pc:chgData name="Barkasi, Michael" userId="604489e9-c8b5-4a18-ae0d-3a3e29c44efc" providerId="ADAL" clId="{AE73B4D5-7497-0F41-8DCD-42BE02F6FF1D}" dt="2025-05-28T19:50:15.511" v="331" actId="1076"/>
+      <pc:chgData name="Barkasi, Michael" userId="604489e9-c8b5-4a18-ae0d-3a3e29c44efc" providerId="ADAL" clId="{AE73B4D5-7497-0F41-8DCD-42BE02F6FF1D}" dt="2025-06-03T22:33:29.541" v="332" actId="14826"/>
       <pc:docMkLst>
         <pc:docMk/>
       </pc:docMkLst>
@@ -140,7 +140,7 @@
         </pc:sldMkLst>
       </pc:sldChg>
       <pc:sldChg chg="addSp delSp modSp new mod">
-        <pc:chgData name="Barkasi, Michael" userId="604489e9-c8b5-4a18-ae0d-3a3e29c44efc" providerId="ADAL" clId="{AE73B4D5-7497-0F41-8DCD-42BE02F6FF1D}" dt="2025-05-28T19:50:15.511" v="331" actId="1076"/>
+        <pc:chgData name="Barkasi, Michael" userId="604489e9-c8b5-4a18-ae0d-3a3e29c44efc" providerId="ADAL" clId="{AE73B4D5-7497-0F41-8DCD-42BE02F6FF1D}" dt="2025-06-03T22:33:29.541" v="332" actId="14826"/>
         <pc:sldMkLst>
           <pc:docMk/>
           <pc:sldMk cId="2771342219" sldId="257"/>
@@ -183,14 +183,6 @@
             <pc:docMk/>
             <pc:sldMk cId="2771342219" sldId="257"/>
             <ac:spMk id="6" creationId="{30162D44-F5CD-47B5-5B97-8F7674656F8C}"/>
-          </ac:spMkLst>
-        </pc:spChg>
-        <pc:spChg chg="add del mod">
-          <ac:chgData name="Barkasi, Michael" userId="604489e9-c8b5-4a18-ae0d-3a3e29c44efc" providerId="ADAL" clId="{AE73B4D5-7497-0F41-8DCD-42BE02F6FF1D}" dt="2025-05-28T16:45:57.854" v="309" actId="478"/>
-          <ac:spMkLst>
-            <pc:docMk/>
-            <pc:sldMk cId="2771342219" sldId="257"/>
-            <ac:spMk id="7" creationId="{A142C4FA-7978-08C5-271D-8CAB7FAFD3E9}"/>
           </ac:spMkLst>
         </pc:spChg>
         <pc:spChg chg="add mod">
@@ -409,14 +401,6 @@
             <ac:spMk id="43" creationId="{1E68B2E2-C50B-369A-527A-ABC53E53F4B9}"/>
           </ac:spMkLst>
         </pc:spChg>
-        <pc:spChg chg="add del mod">
-          <ac:chgData name="Barkasi, Michael" userId="604489e9-c8b5-4a18-ae0d-3a3e29c44efc" providerId="ADAL" clId="{AE73B4D5-7497-0F41-8DCD-42BE02F6FF1D}" dt="2025-05-28T16:45:44.285" v="307" actId="478"/>
-          <ac:spMkLst>
-            <pc:docMk/>
-            <pc:sldMk cId="2771342219" sldId="257"/>
-            <ac:spMk id="44" creationId="{9A1B6DD6-6901-791C-64F8-DCEC6D84A58D}"/>
-          </ac:spMkLst>
-        </pc:spChg>
         <pc:spChg chg="add mod">
           <ac:chgData name="Barkasi, Michael" userId="604489e9-c8b5-4a18-ae0d-3a3e29c44efc" providerId="ADAL" clId="{AE73B4D5-7497-0F41-8DCD-42BE02F6FF1D}" dt="2025-05-28T01:31:38.874" v="285" actId="1076"/>
           <ac:spMkLst>
@@ -458,7 +442,7 @@
           </ac:grpSpMkLst>
         </pc:grpChg>
         <pc:picChg chg="add mod">
-          <ac:chgData name="Barkasi, Michael" userId="604489e9-c8b5-4a18-ae0d-3a3e29c44efc" providerId="ADAL" clId="{AE73B4D5-7497-0F41-8DCD-42BE02F6FF1D}" dt="2025-05-28T19:48:15.634" v="310" actId="14826"/>
+          <ac:chgData name="Barkasi, Michael" userId="604489e9-c8b5-4a18-ae0d-3a3e29c44efc" providerId="ADAL" clId="{AE73B4D5-7497-0F41-8DCD-42BE02F6FF1D}" dt="2025-06-03T22:33:29.541" v="332" actId="14826"/>
           <ac:picMkLst>
             <pc:docMk/>
             <pc:sldMk cId="2771342219" sldId="257"/>
@@ -471,14 +455,6 @@
             <pc:docMk/>
             <pc:sldMk cId="2771342219" sldId="257"/>
             <ac:picMk id="45" creationId="{BF5C619C-27EE-EAD0-E771-38CC614A9E9F}"/>
-          </ac:picMkLst>
-        </pc:picChg>
-        <pc:picChg chg="add mod">
-          <ac:chgData name="Barkasi, Michael" userId="604489e9-c8b5-4a18-ae0d-3a3e29c44efc" providerId="ADAL" clId="{AE73B4D5-7497-0F41-8DCD-42BE02F6FF1D}" dt="2025-05-28T01:29:35.345" v="274" actId="571"/>
-          <ac:picMkLst>
-            <pc:docMk/>
-            <pc:sldMk cId="2771342219" sldId="257"/>
-            <ac:picMk id="47" creationId="{5E863444-5A86-3685-C5C0-3E7B6C936ACF}"/>
           </ac:picMkLst>
         </pc:picChg>
         <pc:cxnChg chg="add mod">
@@ -680,7 +656,7 @@
           <a:p>
             <a:fld id="{9AA0B02C-3D9A-2B40-92EC-C41DFECE8672}" type="datetimeFigureOut">
               <a:rPr lang="en-US" smtClean="0"/>
-              <a:t>5/28/25</a:t>
+              <a:t>6/3/25</a:t>
             </a:fld>
             <a:endParaRPr lang="en-US"/>
           </a:p>
@@ -1162,7 +1138,7 @@
           <a:p>
             <a:fld id="{252C473C-6492-1647-A49C-2EF4321B0E0D}" type="datetimeFigureOut">
               <a:rPr lang="en-US" smtClean="0"/>
-              <a:t>5/28/25</a:t>
+              <a:t>6/3/25</a:t>
             </a:fld>
             <a:endParaRPr lang="en-US"/>
           </a:p>
@@ -1332,7 +1308,7 @@
           <a:p>
             <a:fld id="{252C473C-6492-1647-A49C-2EF4321B0E0D}" type="datetimeFigureOut">
               <a:rPr lang="en-US" smtClean="0"/>
-              <a:t>5/28/25</a:t>
+              <a:t>6/3/25</a:t>
             </a:fld>
             <a:endParaRPr lang="en-US"/>
           </a:p>
@@ -1512,7 +1488,7 @@
           <a:p>
             <a:fld id="{252C473C-6492-1647-A49C-2EF4321B0E0D}" type="datetimeFigureOut">
               <a:rPr lang="en-US" smtClean="0"/>
-              <a:t>5/28/25</a:t>
+              <a:t>6/3/25</a:t>
             </a:fld>
             <a:endParaRPr lang="en-US"/>
           </a:p>
@@ -1682,7 +1658,7 @@
           <a:p>
             <a:fld id="{252C473C-6492-1647-A49C-2EF4321B0E0D}" type="datetimeFigureOut">
               <a:rPr lang="en-US" smtClean="0"/>
-              <a:t>5/28/25</a:t>
+              <a:t>6/3/25</a:t>
             </a:fld>
             <a:endParaRPr lang="en-US"/>
           </a:p>
@@ -1928,7 +1904,7 @@
           <a:p>
             <a:fld id="{252C473C-6492-1647-A49C-2EF4321B0E0D}" type="datetimeFigureOut">
               <a:rPr lang="en-US" smtClean="0"/>
-              <a:t>5/28/25</a:t>
+              <a:t>6/3/25</a:t>
             </a:fld>
             <a:endParaRPr lang="en-US"/>
           </a:p>
@@ -2160,7 +2136,7 @@
           <a:p>
             <a:fld id="{252C473C-6492-1647-A49C-2EF4321B0E0D}" type="datetimeFigureOut">
               <a:rPr lang="en-US" smtClean="0"/>
-              <a:t>5/28/25</a:t>
+              <a:t>6/3/25</a:t>
             </a:fld>
             <a:endParaRPr lang="en-US"/>
           </a:p>
@@ -2527,7 +2503,7 @@
           <a:p>
             <a:fld id="{252C473C-6492-1647-A49C-2EF4321B0E0D}" type="datetimeFigureOut">
               <a:rPr lang="en-US" smtClean="0"/>
-              <a:t>5/28/25</a:t>
+              <a:t>6/3/25</a:t>
             </a:fld>
             <a:endParaRPr lang="en-US"/>
           </a:p>
@@ -2645,7 +2621,7 @@
           <a:p>
             <a:fld id="{252C473C-6492-1647-A49C-2EF4321B0E0D}" type="datetimeFigureOut">
               <a:rPr lang="en-US" smtClean="0"/>
-              <a:t>5/28/25</a:t>
+              <a:t>6/3/25</a:t>
             </a:fld>
             <a:endParaRPr lang="en-US"/>
           </a:p>
@@ -2740,7 +2716,7 @@
           <a:p>
             <a:fld id="{252C473C-6492-1647-A49C-2EF4321B0E0D}" type="datetimeFigureOut">
               <a:rPr lang="en-US" smtClean="0"/>
-              <a:t>5/28/25</a:t>
+              <a:t>6/3/25</a:t>
             </a:fld>
             <a:endParaRPr lang="en-US"/>
           </a:p>
@@ -3017,7 +2993,7 @@
           <a:p>
             <a:fld id="{252C473C-6492-1647-A49C-2EF4321B0E0D}" type="datetimeFigureOut">
               <a:rPr lang="en-US" smtClean="0"/>
-              <a:t>5/28/25</a:t>
+              <a:t>6/3/25</a:t>
             </a:fld>
             <a:endParaRPr lang="en-US"/>
           </a:p>
@@ -3274,7 +3250,7 @@
           <a:p>
             <a:fld id="{252C473C-6492-1647-A49C-2EF4321B0E0D}" type="datetimeFigureOut">
               <a:rPr lang="en-US" smtClean="0"/>
-              <a:t>5/28/25</a:t>
+              <a:t>6/3/25</a:t>
             </a:fld>
             <a:endParaRPr lang="en-US"/>
           </a:p>
@@ -3487,7 +3463,7 @@
           <a:p>
             <a:fld id="{252C473C-6492-1647-A49C-2EF4321B0E0D}" type="datetimeFigureOut">
               <a:rPr lang="en-US" smtClean="0"/>
-              <a:t>5/28/25</a:t>
+              <a:t>6/3/25</a:t>
             </a:fld>
             <a:endParaRPr lang="en-US"/>
           </a:p>
@@ -3914,7 +3890,7 @@
         <p:spPr>
           <a:xfrm>
             <a:off x="198654" y="163094"/>
-            <a:ext cx="12815453" cy="10371974"/>
+            <a:ext cx="12815453" cy="10371973"/>
           </a:xfrm>
           <a:prstGeom prst="rect">
             <a:avLst/>

--- a/figs/fig_results_ratecount_annotated.pptx
+++ b/figs/fig_results_ratecount_annotated.pptx
@@ -118,7 +118,7 @@
 <file path=ppt/revisionInfo.xml><?xml version="1.0" encoding="utf-8"?>
 <p1510:revInfo xmlns:a="http://schemas.openxmlformats.org/drawingml/2006/main" xmlns:r="http://schemas.openxmlformats.org/officeDocument/2006/relationships" xmlns:p1510="http://schemas.microsoft.com/office/powerpoint/2015/10/main">
   <p1510:revLst>
-    <p1510:client id="{AE73B4D5-7497-0F41-8DCD-42BE02F6FF1D}" v="59" dt="2025-06-03T22:33:29.542"/>
+    <p1510:client id="{D47298A3-9FB6-A94B-9B89-B7BEF4FA3D19}" v="1" dt="2025-06-09T15:14:45.843"/>
   </p1510:revLst>
 </p1510:revInfo>
 </file>
@@ -571,6 +571,30 @@
       </pc:sldMasterChg>
     </pc:docChg>
   </pc:docChgLst>
+  <pc:docChgLst>
+    <pc:chgData name="Barkasi, Michael" userId="604489e9-c8b5-4a18-ae0d-3a3e29c44efc" providerId="ADAL" clId="{D47298A3-9FB6-A94B-9B89-B7BEF4FA3D19}"/>
+    <pc:docChg chg="modSld">
+      <pc:chgData name="Barkasi, Michael" userId="604489e9-c8b5-4a18-ae0d-3a3e29c44efc" providerId="ADAL" clId="{D47298A3-9FB6-A94B-9B89-B7BEF4FA3D19}" dt="2025-06-09T15:14:45.843" v="0" actId="14826"/>
+      <pc:docMkLst>
+        <pc:docMk/>
+      </pc:docMkLst>
+      <pc:sldChg chg="modSp">
+        <pc:chgData name="Barkasi, Michael" userId="604489e9-c8b5-4a18-ae0d-3a3e29c44efc" providerId="ADAL" clId="{D47298A3-9FB6-A94B-9B89-B7BEF4FA3D19}" dt="2025-06-09T15:14:45.843" v="0" actId="14826"/>
+        <pc:sldMkLst>
+          <pc:docMk/>
+          <pc:sldMk cId="2771342219" sldId="257"/>
+        </pc:sldMkLst>
+        <pc:picChg chg="mod">
+          <ac:chgData name="Barkasi, Michael" userId="604489e9-c8b5-4a18-ae0d-3a3e29c44efc" providerId="ADAL" clId="{D47298A3-9FB6-A94B-9B89-B7BEF4FA3D19}" dt="2025-06-09T15:14:45.843" v="0" actId="14826"/>
+          <ac:picMkLst>
+            <pc:docMk/>
+            <pc:sldMk cId="2771342219" sldId="257"/>
+            <ac:picMk id="9" creationId="{E4016535-52E8-D9F4-FB39-29EEF06A2DFD}"/>
+          </ac:picMkLst>
+        </pc:picChg>
+      </pc:sldChg>
+    </pc:docChg>
+  </pc:docChgLst>
 </pc:chgInfo>
 </file>
 
@@ -656,7 +680,7 @@
           <a:p>
             <a:fld id="{9AA0B02C-3D9A-2B40-92EC-C41DFECE8672}" type="datetimeFigureOut">
               <a:rPr lang="en-US" smtClean="0"/>
-              <a:t>6/3/25</a:t>
+              <a:t>6/9/25</a:t>
             </a:fld>
             <a:endParaRPr lang="en-US"/>
           </a:p>
@@ -1138,7 +1162,7 @@
           <a:p>
             <a:fld id="{252C473C-6492-1647-A49C-2EF4321B0E0D}" type="datetimeFigureOut">
               <a:rPr lang="en-US" smtClean="0"/>
-              <a:t>6/3/25</a:t>
+              <a:t>6/9/25</a:t>
             </a:fld>
             <a:endParaRPr lang="en-US"/>
           </a:p>
@@ -1308,7 +1332,7 @@
           <a:p>
             <a:fld id="{252C473C-6492-1647-A49C-2EF4321B0E0D}" type="datetimeFigureOut">
               <a:rPr lang="en-US" smtClean="0"/>
-              <a:t>6/3/25</a:t>
+              <a:t>6/9/25</a:t>
             </a:fld>
             <a:endParaRPr lang="en-US"/>
           </a:p>
@@ -1488,7 +1512,7 @@
           <a:p>
             <a:fld id="{252C473C-6492-1647-A49C-2EF4321B0E0D}" type="datetimeFigureOut">
               <a:rPr lang="en-US" smtClean="0"/>
-              <a:t>6/3/25</a:t>
+              <a:t>6/9/25</a:t>
             </a:fld>
             <a:endParaRPr lang="en-US"/>
           </a:p>
@@ -1658,7 +1682,7 @@
           <a:p>
             <a:fld id="{252C473C-6492-1647-A49C-2EF4321B0E0D}" type="datetimeFigureOut">
               <a:rPr lang="en-US" smtClean="0"/>
-              <a:t>6/3/25</a:t>
+              <a:t>6/9/25</a:t>
             </a:fld>
             <a:endParaRPr lang="en-US"/>
           </a:p>
@@ -1904,7 +1928,7 @@
           <a:p>
             <a:fld id="{252C473C-6492-1647-A49C-2EF4321B0E0D}" type="datetimeFigureOut">
               <a:rPr lang="en-US" smtClean="0"/>
-              <a:t>6/3/25</a:t>
+              <a:t>6/9/25</a:t>
             </a:fld>
             <a:endParaRPr lang="en-US"/>
           </a:p>
@@ -2136,7 +2160,7 @@
           <a:p>
             <a:fld id="{252C473C-6492-1647-A49C-2EF4321B0E0D}" type="datetimeFigureOut">
               <a:rPr lang="en-US" smtClean="0"/>
-              <a:t>6/3/25</a:t>
+              <a:t>6/9/25</a:t>
             </a:fld>
             <a:endParaRPr lang="en-US"/>
           </a:p>
@@ -2503,7 +2527,7 @@
           <a:p>
             <a:fld id="{252C473C-6492-1647-A49C-2EF4321B0E0D}" type="datetimeFigureOut">
               <a:rPr lang="en-US" smtClean="0"/>
-              <a:t>6/3/25</a:t>
+              <a:t>6/9/25</a:t>
             </a:fld>
             <a:endParaRPr lang="en-US"/>
           </a:p>
@@ -2621,7 +2645,7 @@
           <a:p>
             <a:fld id="{252C473C-6492-1647-A49C-2EF4321B0E0D}" type="datetimeFigureOut">
               <a:rPr lang="en-US" smtClean="0"/>
-              <a:t>6/3/25</a:t>
+              <a:t>6/9/25</a:t>
             </a:fld>
             <a:endParaRPr lang="en-US"/>
           </a:p>
@@ -2716,7 +2740,7 @@
           <a:p>
             <a:fld id="{252C473C-6492-1647-A49C-2EF4321B0E0D}" type="datetimeFigureOut">
               <a:rPr lang="en-US" smtClean="0"/>
-              <a:t>6/3/25</a:t>
+              <a:t>6/9/25</a:t>
             </a:fld>
             <a:endParaRPr lang="en-US"/>
           </a:p>
@@ -2993,7 +3017,7 @@
           <a:p>
             <a:fld id="{252C473C-6492-1647-A49C-2EF4321B0E0D}" type="datetimeFigureOut">
               <a:rPr lang="en-US" smtClean="0"/>
-              <a:t>6/3/25</a:t>
+              <a:t>6/9/25</a:t>
             </a:fld>
             <a:endParaRPr lang="en-US"/>
           </a:p>
@@ -3250,7 +3274,7 @@
           <a:p>
             <a:fld id="{252C473C-6492-1647-A49C-2EF4321B0E0D}" type="datetimeFigureOut">
               <a:rPr lang="en-US" smtClean="0"/>
-              <a:t>6/3/25</a:t>
+              <a:t>6/9/25</a:t>
             </a:fld>
             <a:endParaRPr lang="en-US"/>
           </a:p>
@@ -3463,7 +3487,7 @@
           <a:p>
             <a:fld id="{252C473C-6492-1647-A49C-2EF4321B0E0D}" type="datetimeFigureOut">
               <a:rPr lang="en-US" smtClean="0"/>
-              <a:t>6/3/25</a:t>
+              <a:t>6/9/25</a:t>
             </a:fld>
             <a:endParaRPr lang="en-US"/>
           </a:p>
@@ -3890,7 +3914,7 @@
         <p:spPr>
           <a:xfrm>
             <a:off x="198654" y="163094"/>
-            <a:ext cx="12815453" cy="10371973"/>
+            <a:ext cx="12815452" cy="10371973"/>
           </a:xfrm>
           <a:prstGeom prst="rect">
             <a:avLst/>

--- a/figs/fig_results_ratecount_annotated.pptx
+++ b/figs/fig_results_ratecount_annotated.pptx
@@ -2,15 +2,15 @@
 <file path=ppt/presentation.xml><?xml version="1.0" encoding="utf-8"?>
 <p:presentation xmlns:a="http://schemas.openxmlformats.org/drawingml/2006/main" xmlns:r="http://schemas.openxmlformats.org/officeDocument/2006/relationships" xmlns:p="http://schemas.openxmlformats.org/presentationml/2006/main" saveSubsetFonts="1" autoCompressPictures="0">
   <p:sldMasterIdLst>
-    <p:sldMasterId id="2147483672" r:id="rId1"/>
+    <p:sldMasterId id="2147483696" r:id="rId1"/>
   </p:sldMasterIdLst>
   <p:notesMasterIdLst>
     <p:notesMasterId r:id="rId3"/>
   </p:notesMasterIdLst>
   <p:sldIdLst>
-    <p:sldId id="257" r:id="rId2"/>
+    <p:sldId id="258" r:id="rId2"/>
   </p:sldIdLst>
-  <p:sldSz cx="13212763" cy="10698163"/>
+  <p:sldSz cx="10972800" cy="7315200"/>
   <p:notesSz cx="6858000" cy="9144000"/>
   <p:defaultTextStyle>
     <a:defPPr>
@@ -118,7 +118,8 @@
 <file path=ppt/revisionInfo.xml><?xml version="1.0" encoding="utf-8"?>
 <p1510:revInfo xmlns:a="http://schemas.openxmlformats.org/drawingml/2006/main" xmlns:r="http://schemas.openxmlformats.org/officeDocument/2006/relationships" xmlns:p1510="http://schemas.microsoft.com/office/powerpoint/2015/10/main">
   <p1510:revLst>
-    <p1510:client id="{D47298A3-9FB6-A94B-9B89-B7BEF4FA3D19}" v="1" dt="2025-06-09T15:14:45.843"/>
+    <p1510:client id="{746B359B-EBD2-2446-9CA8-430C5011EB4A}" v="3" dt="2025-06-09T21:54:11.252"/>
+    <p1510:client id="{D47298A3-9FB6-A94B-9B89-B7BEF4FA3D19}" v="16" dt="2025-06-09T21:48:51.784"/>
   </p1510:revLst>
 </p1510:revInfo>
 </file>
@@ -145,366 +146,6 @@
           <pc:docMk/>
           <pc:sldMk cId="2771342219" sldId="257"/>
         </pc:sldMkLst>
-        <pc:spChg chg="add mod">
-          <ac:chgData name="Barkasi, Michael" userId="604489e9-c8b5-4a18-ae0d-3a3e29c44efc" providerId="ADAL" clId="{AE73B4D5-7497-0F41-8DCD-42BE02F6FF1D}" dt="2025-05-18T15:06:34.343" v="160" actId="1076"/>
-          <ac:spMkLst>
-            <pc:docMk/>
-            <pc:sldMk cId="2771342219" sldId="257"/>
-            <ac:spMk id="2" creationId="{EF73ECB2-138A-46A0-9274-40B73B8DE9AF}"/>
-          </ac:spMkLst>
-        </pc:spChg>
-        <pc:spChg chg="add mod">
-          <ac:chgData name="Barkasi, Michael" userId="604489e9-c8b5-4a18-ae0d-3a3e29c44efc" providerId="ADAL" clId="{AE73B4D5-7497-0F41-8DCD-42BE02F6FF1D}" dt="2025-05-18T15:06:53.538" v="161" actId="1076"/>
-          <ac:spMkLst>
-            <pc:docMk/>
-            <pc:sldMk cId="2771342219" sldId="257"/>
-            <ac:spMk id="3" creationId="{CA1D5E9D-2276-76F4-325E-D63964C9F823}"/>
-          </ac:spMkLst>
-        </pc:spChg>
-        <pc:spChg chg="add mod">
-          <ac:chgData name="Barkasi, Michael" userId="604489e9-c8b5-4a18-ae0d-3a3e29c44efc" providerId="ADAL" clId="{AE73B4D5-7497-0F41-8DCD-42BE02F6FF1D}" dt="2025-05-18T15:05:42.676" v="156" actId="1076"/>
-          <ac:spMkLst>
-            <pc:docMk/>
-            <pc:sldMk cId="2771342219" sldId="257"/>
-            <ac:spMk id="4" creationId="{EA0706E9-AEF1-077B-72C6-8673863940A8}"/>
-          </ac:spMkLst>
-        </pc:spChg>
-        <pc:spChg chg="add mod">
-          <ac:chgData name="Barkasi, Michael" userId="604489e9-c8b5-4a18-ae0d-3a3e29c44efc" providerId="ADAL" clId="{AE73B4D5-7497-0F41-8DCD-42BE02F6FF1D}" dt="2025-05-18T15:07:13.365" v="164" actId="1076"/>
-          <ac:spMkLst>
-            <pc:docMk/>
-            <pc:sldMk cId="2771342219" sldId="257"/>
-            <ac:spMk id="5" creationId="{7938405D-DE20-98D2-1FF3-62B7F54A8349}"/>
-          </ac:spMkLst>
-        </pc:spChg>
-        <pc:spChg chg="add mod">
-          <ac:chgData name="Barkasi, Michael" userId="604489e9-c8b5-4a18-ae0d-3a3e29c44efc" providerId="ADAL" clId="{AE73B4D5-7497-0F41-8DCD-42BE02F6FF1D}" dt="2025-05-18T15:08:11.266" v="166" actId="1076"/>
-          <ac:spMkLst>
-            <pc:docMk/>
-            <pc:sldMk cId="2771342219" sldId="257"/>
-            <ac:spMk id="6" creationId="{30162D44-F5CD-47B5-5B97-8F7674656F8C}"/>
-          </ac:spMkLst>
-        </pc:spChg>
-        <pc:spChg chg="add mod">
-          <ac:chgData name="Barkasi, Michael" userId="604489e9-c8b5-4a18-ae0d-3a3e29c44efc" providerId="ADAL" clId="{AE73B4D5-7497-0F41-8DCD-42BE02F6FF1D}" dt="2025-05-18T15:10:22.689" v="176" actId="1076"/>
-          <ac:spMkLst>
-            <pc:docMk/>
-            <pc:sldMk cId="2771342219" sldId="257"/>
-            <ac:spMk id="8" creationId="{4366D932-45ED-729C-8325-15DA12B9EBD2}"/>
-          </ac:spMkLst>
-        </pc:spChg>
-        <pc:spChg chg="add mod">
-          <ac:chgData name="Barkasi, Michael" userId="604489e9-c8b5-4a18-ae0d-3a3e29c44efc" providerId="ADAL" clId="{AE73B4D5-7497-0F41-8DCD-42BE02F6FF1D}" dt="2025-05-18T05:03:58.310" v="73" actId="207"/>
-          <ac:spMkLst>
-            <pc:docMk/>
-            <pc:sldMk cId="2771342219" sldId="257"/>
-            <ac:spMk id="10" creationId="{084C86F4-E1E9-30B7-FB39-681A6577B7C5}"/>
-          </ac:spMkLst>
-        </pc:spChg>
-        <pc:spChg chg="add mod">
-          <ac:chgData name="Barkasi, Michael" userId="604489e9-c8b5-4a18-ae0d-3a3e29c44efc" providerId="ADAL" clId="{AE73B4D5-7497-0F41-8DCD-42BE02F6FF1D}" dt="2025-05-18T05:04:01.663" v="74" actId="207"/>
-          <ac:spMkLst>
-            <pc:docMk/>
-            <pc:sldMk cId="2771342219" sldId="257"/>
-            <ac:spMk id="11" creationId="{73607309-C1CD-D192-385D-6E3686D3F848}"/>
-          </ac:spMkLst>
-        </pc:spChg>
-        <pc:spChg chg="add mod">
-          <ac:chgData name="Barkasi, Michael" userId="604489e9-c8b5-4a18-ae0d-3a3e29c44efc" providerId="ADAL" clId="{AE73B4D5-7497-0F41-8DCD-42BE02F6FF1D}" dt="2025-05-18T05:04:06.788" v="75" actId="207"/>
-          <ac:spMkLst>
-            <pc:docMk/>
-            <pc:sldMk cId="2771342219" sldId="257"/>
-            <ac:spMk id="12" creationId="{88F88EC0-F378-44EA-C765-8C8BF2575E5E}"/>
-          </ac:spMkLst>
-        </pc:spChg>
-        <pc:spChg chg="add mod">
-          <ac:chgData name="Barkasi, Michael" userId="604489e9-c8b5-4a18-ae0d-3a3e29c44efc" providerId="ADAL" clId="{AE73B4D5-7497-0F41-8DCD-42BE02F6FF1D}" dt="2025-05-18T05:04:10.536" v="76" actId="207"/>
-          <ac:spMkLst>
-            <pc:docMk/>
-            <pc:sldMk cId="2771342219" sldId="257"/>
-            <ac:spMk id="13" creationId="{18EF2094-E0BF-2B4A-1D50-659B09E5A586}"/>
-          </ac:spMkLst>
-        </pc:spChg>
-        <pc:spChg chg="add mod">
-          <ac:chgData name="Barkasi, Michael" userId="604489e9-c8b5-4a18-ae0d-3a3e29c44efc" providerId="ADAL" clId="{AE73B4D5-7497-0F41-8DCD-42BE02F6FF1D}" dt="2025-05-18T05:04:13.858" v="77" actId="207"/>
-          <ac:spMkLst>
-            <pc:docMk/>
-            <pc:sldMk cId="2771342219" sldId="257"/>
-            <ac:spMk id="14" creationId="{F24465FB-E068-83A6-A618-BBA5CA19F9F2}"/>
-          </ac:spMkLst>
-        </pc:spChg>
-        <pc:spChg chg="add mod">
-          <ac:chgData name="Barkasi, Michael" userId="604489e9-c8b5-4a18-ae0d-3a3e29c44efc" providerId="ADAL" clId="{AE73B4D5-7497-0F41-8DCD-42BE02F6FF1D}" dt="2025-05-28T19:50:15.511" v="331" actId="1076"/>
-          <ac:spMkLst>
-            <pc:docMk/>
-            <pc:sldMk cId="2771342219" sldId="257"/>
-            <ac:spMk id="17" creationId="{7A705662-BC37-69B8-1D14-C84044BC25A3}"/>
-          </ac:spMkLst>
-        </pc:spChg>
-        <pc:spChg chg="add mod">
-          <ac:chgData name="Barkasi, Michael" userId="604489e9-c8b5-4a18-ae0d-3a3e29c44efc" providerId="ADAL" clId="{AE73B4D5-7497-0F41-8DCD-42BE02F6FF1D}" dt="2025-05-23T02:10:02.591" v="211" actId="1076"/>
-          <ac:spMkLst>
-            <pc:docMk/>
-            <pc:sldMk cId="2771342219" sldId="257"/>
-            <ac:spMk id="18" creationId="{22182B28-F2C6-42A3-660E-A91CEEBF1EEA}"/>
-          </ac:spMkLst>
-        </pc:spChg>
-        <pc:spChg chg="add mod">
-          <ac:chgData name="Barkasi, Michael" userId="604489e9-c8b5-4a18-ae0d-3a3e29c44efc" providerId="ADAL" clId="{AE73B4D5-7497-0F41-8DCD-42BE02F6FF1D}" dt="2025-05-28T01:32:29.557" v="291" actId="14100"/>
-          <ac:spMkLst>
-            <pc:docMk/>
-            <pc:sldMk cId="2771342219" sldId="257"/>
-            <ac:spMk id="19" creationId="{87EC310C-7343-7C0B-A984-1CECBB1B4D1D}"/>
-          </ac:spMkLst>
-        </pc:spChg>
-        <pc:spChg chg="add mod">
-          <ac:chgData name="Barkasi, Michael" userId="604489e9-c8b5-4a18-ae0d-3a3e29c44efc" providerId="ADAL" clId="{AE73B4D5-7497-0F41-8DCD-42BE02F6FF1D}" dt="2025-05-23T02:10:10.825" v="212" actId="1076"/>
-          <ac:spMkLst>
-            <pc:docMk/>
-            <pc:sldMk cId="2771342219" sldId="257"/>
-            <ac:spMk id="20" creationId="{3CEAAFA4-4B14-C560-6D6B-5B0E73157F60}"/>
-          </ac:spMkLst>
-        </pc:spChg>
-        <pc:spChg chg="add mod">
-          <ac:chgData name="Barkasi, Michael" userId="604489e9-c8b5-4a18-ae0d-3a3e29c44efc" providerId="ADAL" clId="{AE73B4D5-7497-0F41-8DCD-42BE02F6FF1D}" dt="2025-05-18T15:10:03.683" v="173" actId="1076"/>
-          <ac:spMkLst>
-            <pc:docMk/>
-            <pc:sldMk cId="2771342219" sldId="257"/>
-            <ac:spMk id="21" creationId="{99B94336-7AAB-9A8C-3599-00C1C65E7458}"/>
-          </ac:spMkLst>
-        </pc:spChg>
-        <pc:spChg chg="add mod">
-          <ac:chgData name="Barkasi, Michael" userId="604489e9-c8b5-4a18-ae0d-3a3e29c44efc" providerId="ADAL" clId="{AE73B4D5-7497-0F41-8DCD-42BE02F6FF1D}" dt="2025-05-18T15:09:31.471" v="171" actId="1076"/>
-          <ac:spMkLst>
-            <pc:docMk/>
-            <pc:sldMk cId="2771342219" sldId="257"/>
-            <ac:spMk id="22" creationId="{C5F9E485-263D-575D-3AC7-2F1481FF45F5}"/>
-          </ac:spMkLst>
-        </pc:spChg>
-        <pc:spChg chg="add mod">
-          <ac:chgData name="Barkasi, Michael" userId="604489e9-c8b5-4a18-ae0d-3a3e29c44efc" providerId="ADAL" clId="{AE73B4D5-7497-0F41-8DCD-42BE02F6FF1D}" dt="2025-05-18T15:09:48.967" v="172" actId="1076"/>
-          <ac:spMkLst>
-            <pc:docMk/>
-            <pc:sldMk cId="2771342219" sldId="257"/>
-            <ac:spMk id="23" creationId="{6C3F63B6-DBA5-F65A-D8D7-3FF717630A5D}"/>
-          </ac:spMkLst>
-        </pc:spChg>
-        <pc:spChg chg="add mod">
-          <ac:chgData name="Barkasi, Michael" userId="604489e9-c8b5-4a18-ae0d-3a3e29c44efc" providerId="ADAL" clId="{AE73B4D5-7497-0F41-8DCD-42BE02F6FF1D}" dt="2025-05-18T15:07:37.502" v="165" actId="1076"/>
-          <ac:spMkLst>
-            <pc:docMk/>
-            <pc:sldMk cId="2771342219" sldId="257"/>
-            <ac:spMk id="24" creationId="{E8AD2673-73AD-1F92-DEFD-EABD10A48FCD}"/>
-          </ac:spMkLst>
-        </pc:spChg>
-        <pc:spChg chg="mod">
-          <ac:chgData name="Barkasi, Michael" userId="604489e9-c8b5-4a18-ae0d-3a3e29c44efc" providerId="ADAL" clId="{AE73B4D5-7497-0F41-8DCD-42BE02F6FF1D}" dt="2025-05-18T15:47:18.690" v="180"/>
-          <ac:spMkLst>
-            <pc:docMk/>
-            <pc:sldMk cId="2771342219" sldId="257"/>
-            <ac:spMk id="26" creationId="{FA67CFD9-9CFA-CF40-3D41-9EF4EE1D765D}"/>
-          </ac:spMkLst>
-        </pc:spChg>
-        <pc:spChg chg="add mod">
-          <ac:chgData name="Barkasi, Michael" userId="604489e9-c8b5-4a18-ae0d-3a3e29c44efc" providerId="ADAL" clId="{AE73B4D5-7497-0F41-8DCD-42BE02F6FF1D}" dt="2025-05-28T16:44:49.189" v="298" actId="1076"/>
-          <ac:spMkLst>
-            <pc:docMk/>
-            <pc:sldMk cId="2771342219" sldId="257"/>
-            <ac:spMk id="27" creationId="{958F7C7A-1B34-A3E0-726D-A3261E3F2D4C}"/>
-          </ac:spMkLst>
-        </pc:spChg>
-        <pc:spChg chg="add mod">
-          <ac:chgData name="Barkasi, Michael" userId="604489e9-c8b5-4a18-ae0d-3a3e29c44efc" providerId="ADAL" clId="{AE73B4D5-7497-0F41-8DCD-42BE02F6FF1D}" dt="2025-05-28T01:27:11.046" v="257" actId="1076"/>
-          <ac:spMkLst>
-            <pc:docMk/>
-            <pc:sldMk cId="2771342219" sldId="257"/>
-            <ac:spMk id="31" creationId="{1950F63D-2984-1F88-CF6A-5B08256A2FE2}"/>
-          </ac:spMkLst>
-        </pc:spChg>
-        <pc:spChg chg="add mod">
-          <ac:chgData name="Barkasi, Michael" userId="604489e9-c8b5-4a18-ae0d-3a3e29c44efc" providerId="ADAL" clId="{AE73B4D5-7497-0F41-8DCD-42BE02F6FF1D}" dt="2025-05-28T01:30:53.960" v="280" actId="1076"/>
-          <ac:spMkLst>
-            <pc:docMk/>
-            <pc:sldMk cId="2771342219" sldId="257"/>
-            <ac:spMk id="32" creationId="{D5F83796-D4C3-8395-EAB4-1AD4829DEB34}"/>
-          </ac:spMkLst>
-        </pc:spChg>
-        <pc:spChg chg="add mod">
-          <ac:chgData name="Barkasi, Michael" userId="604489e9-c8b5-4a18-ae0d-3a3e29c44efc" providerId="ADAL" clId="{AE73B4D5-7497-0F41-8DCD-42BE02F6FF1D}" dt="2025-05-28T16:45:55.514" v="308" actId="1076"/>
-          <ac:spMkLst>
-            <pc:docMk/>
-            <pc:sldMk cId="2771342219" sldId="257"/>
-            <ac:spMk id="33" creationId="{7B7F27CA-12F2-327E-D923-43F430D0DDF3}"/>
-          </ac:spMkLst>
-        </pc:spChg>
-        <pc:spChg chg="add mod">
-          <ac:chgData name="Barkasi, Michael" userId="604489e9-c8b5-4a18-ae0d-3a3e29c44efc" providerId="ADAL" clId="{AE73B4D5-7497-0F41-8DCD-42BE02F6FF1D}" dt="2025-05-18T05:09:49.952" v="107" actId="164"/>
-          <ac:spMkLst>
-            <pc:docMk/>
-            <pc:sldMk cId="2771342219" sldId="257"/>
-            <ac:spMk id="34" creationId="{47D5AC6D-AFDB-4FD0-0618-A6C60C0F28E2}"/>
-          </ac:spMkLst>
-        </pc:spChg>
-        <pc:spChg chg="add mod">
-          <ac:chgData name="Barkasi, Michael" userId="604489e9-c8b5-4a18-ae0d-3a3e29c44efc" providerId="ADAL" clId="{AE73B4D5-7497-0F41-8DCD-42BE02F6FF1D}" dt="2025-05-18T05:09:49.952" v="107" actId="164"/>
-          <ac:spMkLst>
-            <pc:docMk/>
-            <pc:sldMk cId="2771342219" sldId="257"/>
-            <ac:spMk id="35" creationId="{54A0724D-2BD7-7638-2498-BF1771EB37AC}"/>
-          </ac:spMkLst>
-        </pc:spChg>
-        <pc:spChg chg="mod">
-          <ac:chgData name="Barkasi, Michael" userId="604489e9-c8b5-4a18-ae0d-3a3e29c44efc" providerId="ADAL" clId="{AE73B4D5-7497-0F41-8DCD-42BE02F6FF1D}" dt="2025-05-18T05:06:12.643" v="86" actId="164"/>
-          <ac:spMkLst>
-            <pc:docMk/>
-            <pc:sldMk cId="2771342219" sldId="257"/>
-            <ac:spMk id="37" creationId="{76003F91-7471-8420-E059-ADDD50B0D6D8}"/>
-          </ac:spMkLst>
-        </pc:spChg>
-        <pc:spChg chg="mod">
-          <ac:chgData name="Barkasi, Michael" userId="604489e9-c8b5-4a18-ae0d-3a3e29c44efc" providerId="ADAL" clId="{AE73B4D5-7497-0F41-8DCD-42BE02F6FF1D}" dt="2025-05-18T05:06:12.643" v="86" actId="164"/>
-          <ac:spMkLst>
-            <pc:docMk/>
-            <pc:sldMk cId="2771342219" sldId="257"/>
-            <ac:spMk id="38" creationId="{62281851-1479-B76A-DC3A-AAA57F88E356}"/>
-          </ac:spMkLst>
-        </pc:spChg>
-        <pc:spChg chg="add mod">
-          <ac:chgData name="Barkasi, Michael" userId="604489e9-c8b5-4a18-ae0d-3a3e29c44efc" providerId="ADAL" clId="{AE73B4D5-7497-0F41-8DCD-42BE02F6FF1D}" dt="2025-05-28T01:27:56.945" v="261" actId="1076"/>
-          <ac:spMkLst>
-            <pc:docMk/>
-            <pc:sldMk cId="2771342219" sldId="257"/>
-            <ac:spMk id="39" creationId="{36DD74EB-BE2B-2179-C13B-58B0D28CB09E}"/>
-          </ac:spMkLst>
-        </pc:spChg>
-        <pc:spChg chg="add mod">
-          <ac:chgData name="Barkasi, Michael" userId="604489e9-c8b5-4a18-ae0d-3a3e29c44efc" providerId="ADAL" clId="{AE73B4D5-7497-0F41-8DCD-42BE02F6FF1D}" dt="2025-05-28T01:32:14.456" v="290" actId="1076"/>
-          <ac:spMkLst>
-            <pc:docMk/>
-            <pc:sldMk cId="2771342219" sldId="257"/>
-            <ac:spMk id="40" creationId="{B2D754C9-0945-9116-1F5A-E4A85BC910C9}"/>
-          </ac:spMkLst>
-        </pc:spChg>
-        <pc:spChg chg="mod">
-          <ac:chgData name="Barkasi, Michael" userId="604489e9-c8b5-4a18-ae0d-3a3e29c44efc" providerId="ADAL" clId="{AE73B4D5-7497-0F41-8DCD-42BE02F6FF1D}" dt="2025-05-18T15:47:18.690" v="180"/>
-          <ac:spMkLst>
-            <pc:docMk/>
-            <pc:sldMk cId="2771342219" sldId="257"/>
-            <ac:spMk id="41" creationId="{F97A6F7E-F5CC-F190-F346-2E1A0222DE8B}"/>
-          </ac:spMkLst>
-        </pc:spChg>
-        <pc:spChg chg="add mod">
-          <ac:chgData name="Barkasi, Michael" userId="604489e9-c8b5-4a18-ae0d-3a3e29c44efc" providerId="ADAL" clId="{AE73B4D5-7497-0F41-8DCD-42BE02F6FF1D}" dt="2025-05-28T01:31:08.259" v="281" actId="1076"/>
-          <ac:spMkLst>
-            <pc:docMk/>
-            <pc:sldMk cId="2771342219" sldId="257"/>
-            <ac:spMk id="43" creationId="{1E68B2E2-C50B-369A-527A-ABC53E53F4B9}"/>
-          </ac:spMkLst>
-        </pc:spChg>
-        <pc:spChg chg="add mod">
-          <ac:chgData name="Barkasi, Michael" userId="604489e9-c8b5-4a18-ae0d-3a3e29c44efc" providerId="ADAL" clId="{AE73B4D5-7497-0F41-8DCD-42BE02F6FF1D}" dt="2025-05-28T01:31:38.874" v="285" actId="1076"/>
-          <ac:spMkLst>
-            <pc:docMk/>
-            <pc:sldMk cId="2771342219" sldId="257"/>
-            <ac:spMk id="46" creationId="{F8FF86A7-E8C4-8CF9-C137-FC19A95F66FA}"/>
-          </ac:spMkLst>
-        </pc:spChg>
-        <pc:spChg chg="add mod">
-          <ac:chgData name="Barkasi, Michael" userId="604489e9-c8b5-4a18-ae0d-3a3e29c44efc" providerId="ADAL" clId="{AE73B4D5-7497-0F41-8DCD-42BE02F6FF1D}" dt="2025-05-28T19:50:03.037" v="330" actId="1076"/>
-          <ac:spMkLst>
-            <pc:docMk/>
-            <pc:sldMk cId="2771342219" sldId="257"/>
-            <ac:spMk id="49" creationId="{7AA1FB79-BAA9-EE7B-A53A-22EDF8632399}"/>
-          </ac:spMkLst>
-        </pc:spChg>
-        <pc:grpChg chg="add mod">
-          <ac:chgData name="Barkasi, Michael" userId="604489e9-c8b5-4a18-ae0d-3a3e29c44efc" providerId="ADAL" clId="{AE73B4D5-7497-0F41-8DCD-42BE02F6FF1D}" dt="2025-05-28T01:28:22.086" v="265" actId="1076"/>
-          <ac:grpSpMkLst>
-            <pc:docMk/>
-            <pc:sldMk cId="2771342219" sldId="257"/>
-            <ac:grpSpMk id="25" creationId="{B2BCED9B-9057-BD4C-5EE0-BC1B88037D1D}"/>
-          </ac:grpSpMkLst>
-        </pc:grpChg>
-        <pc:grpChg chg="mod">
-          <ac:chgData name="Barkasi, Michael" userId="604489e9-c8b5-4a18-ae0d-3a3e29c44efc" providerId="ADAL" clId="{AE73B4D5-7497-0F41-8DCD-42BE02F6FF1D}" dt="2025-05-28T01:31:45.447" v="287" actId="1076"/>
-          <ac:grpSpMkLst>
-            <pc:docMk/>
-            <pc:sldMk cId="2771342219" sldId="257"/>
-            <ac:grpSpMk id="36" creationId="{B8BA6957-FC42-8D1F-B405-D825FD885781}"/>
-          </ac:grpSpMkLst>
-        </pc:grpChg>
-        <pc:grpChg chg="add mod">
-          <ac:chgData name="Barkasi, Michael" userId="604489e9-c8b5-4a18-ae0d-3a3e29c44efc" providerId="ADAL" clId="{AE73B4D5-7497-0F41-8DCD-42BE02F6FF1D}" dt="2025-05-28T01:26:30.158" v="252" actId="1076"/>
-          <ac:grpSpMkLst>
-            <pc:docMk/>
-            <pc:sldMk cId="2771342219" sldId="257"/>
-            <ac:grpSpMk id="42" creationId="{D4891DC2-75E2-F321-052E-B91DAF56A534}"/>
-          </ac:grpSpMkLst>
-        </pc:grpChg>
-        <pc:picChg chg="add mod">
-          <ac:chgData name="Barkasi, Michael" userId="604489e9-c8b5-4a18-ae0d-3a3e29c44efc" providerId="ADAL" clId="{AE73B4D5-7497-0F41-8DCD-42BE02F6FF1D}" dt="2025-06-03T22:33:29.541" v="332" actId="14826"/>
-          <ac:picMkLst>
-            <pc:docMk/>
-            <pc:sldMk cId="2771342219" sldId="257"/>
-            <ac:picMk id="9" creationId="{E4016535-52E8-D9F4-FB39-29EEF06A2DFD}"/>
-          </ac:picMkLst>
-        </pc:picChg>
-        <pc:picChg chg="add mod">
-          <ac:chgData name="Barkasi, Michael" userId="604489e9-c8b5-4a18-ae0d-3a3e29c44efc" providerId="ADAL" clId="{AE73B4D5-7497-0F41-8DCD-42BE02F6FF1D}" dt="2025-05-23T02:09:18.140" v="206" actId="1076"/>
-          <ac:picMkLst>
-            <pc:docMk/>
-            <pc:sldMk cId="2771342219" sldId="257"/>
-            <ac:picMk id="45" creationId="{BF5C619C-27EE-EAD0-E771-38CC614A9E9F}"/>
-          </ac:picMkLst>
-        </pc:picChg>
-        <pc:cxnChg chg="add mod">
-          <ac:chgData name="Barkasi, Michael" userId="604489e9-c8b5-4a18-ae0d-3a3e29c44efc" providerId="ADAL" clId="{AE73B4D5-7497-0F41-8DCD-42BE02F6FF1D}" dt="2025-05-28T19:49:16.627" v="316" actId="1076"/>
-          <ac:cxnSpMkLst>
-            <pc:docMk/>
-            <pc:sldMk cId="2771342219" sldId="257"/>
-            <ac:cxnSpMk id="7" creationId="{5874C93C-D9B6-A9F1-2B89-7F142ADBC8AB}"/>
-          </ac:cxnSpMkLst>
-        </pc:cxnChg>
-        <pc:cxnChg chg="add mod">
-          <ac:chgData name="Barkasi, Michael" userId="604489e9-c8b5-4a18-ae0d-3a3e29c44efc" providerId="ADAL" clId="{AE73B4D5-7497-0F41-8DCD-42BE02F6FF1D}" dt="2025-05-28T01:25:49.963" v="249" actId="14100"/>
-          <ac:cxnSpMkLst>
-            <pc:docMk/>
-            <pc:sldMk cId="2771342219" sldId="257"/>
-            <ac:cxnSpMk id="15" creationId="{B27A5B33-7A71-E552-64D3-364CB213A3F0}"/>
-          </ac:cxnSpMkLst>
-        </pc:cxnChg>
-        <pc:cxnChg chg="add mod">
-          <ac:chgData name="Barkasi, Michael" userId="604489e9-c8b5-4a18-ae0d-3a3e29c44efc" providerId="ADAL" clId="{AE73B4D5-7497-0F41-8DCD-42BE02F6FF1D}" dt="2025-05-28T19:49:30.118" v="318" actId="14100"/>
-          <ac:cxnSpMkLst>
-            <pc:docMk/>
-            <pc:sldMk cId="2771342219" sldId="257"/>
-            <ac:cxnSpMk id="16" creationId="{4C50C9A7-AF1D-5559-BD8E-138D6774BD9E}"/>
-          </ac:cxnSpMkLst>
-        </pc:cxnChg>
-        <pc:cxnChg chg="mod">
-          <ac:chgData name="Barkasi, Michael" userId="604489e9-c8b5-4a18-ae0d-3a3e29c44efc" providerId="ADAL" clId="{AE73B4D5-7497-0F41-8DCD-42BE02F6FF1D}" dt="2025-05-28T01:31:59.924" v="289" actId="14100"/>
-          <ac:cxnSpMkLst>
-            <pc:docMk/>
-            <pc:sldMk cId="2771342219" sldId="257"/>
-            <ac:cxnSpMk id="28" creationId="{8850A432-B56E-ACDF-A4FB-A43F62321A0E}"/>
-          </ac:cxnSpMkLst>
-        </pc:cxnChg>
-        <pc:cxnChg chg="mod">
-          <ac:chgData name="Barkasi, Michael" userId="604489e9-c8b5-4a18-ae0d-3a3e29c44efc" providerId="ADAL" clId="{AE73B4D5-7497-0F41-8DCD-42BE02F6FF1D}" dt="2025-05-28T01:28:48.960" v="268" actId="1076"/>
-          <ac:cxnSpMkLst>
-            <pc:docMk/>
-            <pc:sldMk cId="2771342219" sldId="257"/>
-            <ac:cxnSpMk id="29" creationId="{1CD26346-E81A-4470-528F-3277BD56AF43}"/>
-          </ac:cxnSpMkLst>
-        </pc:cxnChg>
-        <pc:cxnChg chg="mod">
-          <ac:chgData name="Barkasi, Michael" userId="604489e9-c8b5-4a18-ae0d-3a3e29c44efc" providerId="ADAL" clId="{AE73B4D5-7497-0F41-8DCD-42BE02F6FF1D}" dt="2025-05-28T01:27:42.795" v="260" actId="1076"/>
-          <ac:cxnSpMkLst>
-            <pc:docMk/>
-            <pc:sldMk cId="2771342219" sldId="257"/>
-            <ac:cxnSpMk id="30" creationId="{97CA7731-B0BA-57F1-65CE-F9D9A821826C}"/>
-          </ac:cxnSpMkLst>
-        </pc:cxnChg>
       </pc:sldChg>
       <pc:sldMasterChg chg="modSp modSldLayout">
         <pc:chgData name="Barkasi, Michael" userId="604489e9-c8b5-4a18-ae0d-3a3e29c44efc" providerId="ADAL" clId="{AE73B4D5-7497-0F41-8DCD-42BE02F6FF1D}" dt="2025-05-18T04:50:09.394" v="3"/>
@@ -572,18 +213,500 @@
     </pc:docChg>
   </pc:docChgLst>
   <pc:docChgLst>
-    <pc:chgData name="Barkasi, Michael" userId="604489e9-c8b5-4a18-ae0d-3a3e29c44efc" providerId="ADAL" clId="{D47298A3-9FB6-A94B-9B89-B7BEF4FA3D19}"/>
-    <pc:docChg chg="modSld">
-      <pc:chgData name="Barkasi, Michael" userId="604489e9-c8b5-4a18-ae0d-3a3e29c44efc" providerId="ADAL" clId="{D47298A3-9FB6-A94B-9B89-B7BEF4FA3D19}" dt="2025-06-09T15:14:45.843" v="0" actId="14826"/>
+    <pc:chgData name="Barkasi, Michael" userId="604489e9-c8b5-4a18-ae0d-3a3e29c44efc" providerId="ADAL" clId="{746B359B-EBD2-2446-9CA8-430C5011EB4A}"/>
+    <pc:docChg chg="undo custSel modSld modMainMaster modNotesMaster">
+      <pc:chgData name="Barkasi, Michael" userId="604489e9-c8b5-4a18-ae0d-3a3e29c44efc" providerId="ADAL" clId="{746B359B-EBD2-2446-9CA8-430C5011EB4A}" dt="2025-06-09T21:55:09.587" v="21" actId="1076"/>
       <pc:docMkLst>
         <pc:docMk/>
       </pc:docMkLst>
-      <pc:sldChg chg="modSp">
-        <pc:chgData name="Barkasi, Michael" userId="604489e9-c8b5-4a18-ae0d-3a3e29c44efc" providerId="ADAL" clId="{D47298A3-9FB6-A94B-9B89-B7BEF4FA3D19}" dt="2025-06-09T15:14:45.843" v="0" actId="14826"/>
+      <pc:sldChg chg="addSp delSp modSp mod">
+        <pc:chgData name="Barkasi, Michael" userId="604489e9-c8b5-4a18-ae0d-3a3e29c44efc" providerId="ADAL" clId="{746B359B-EBD2-2446-9CA8-430C5011EB4A}" dt="2025-06-09T21:55:09.587" v="21" actId="1076"/>
+        <pc:sldMkLst>
+          <pc:docMk/>
+          <pc:sldMk cId="1818165424" sldId="258"/>
+        </pc:sldMkLst>
+        <pc:spChg chg="del">
+          <ac:chgData name="Barkasi, Michael" userId="604489e9-c8b5-4a18-ae0d-3a3e29c44efc" providerId="ADAL" clId="{746B359B-EBD2-2446-9CA8-430C5011EB4A}" dt="2025-06-09T21:52:48.694" v="3" actId="478"/>
+          <ac:spMkLst>
+            <pc:docMk/>
+            <pc:sldMk cId="1818165424" sldId="258"/>
+            <ac:spMk id="28" creationId="{2FB0084A-0F88-56F8-41AE-93C36CDE53A6}"/>
+          </ac:spMkLst>
+        </pc:spChg>
+        <pc:spChg chg="del">
+          <ac:chgData name="Barkasi, Michael" userId="604489e9-c8b5-4a18-ae0d-3a3e29c44efc" providerId="ADAL" clId="{746B359B-EBD2-2446-9CA8-430C5011EB4A}" dt="2025-06-09T21:52:48.694" v="3" actId="478"/>
+          <ac:spMkLst>
+            <pc:docMk/>
+            <pc:sldMk cId="1818165424" sldId="258"/>
+            <ac:spMk id="29" creationId="{3AA82AD0-3729-820E-76B8-5C853C655B11}"/>
+          </ac:spMkLst>
+        </pc:spChg>
+        <pc:picChg chg="add mod">
+          <ac:chgData name="Barkasi, Michael" userId="604489e9-c8b5-4a18-ae0d-3a3e29c44efc" providerId="ADAL" clId="{746B359B-EBD2-2446-9CA8-430C5011EB4A}" dt="2025-06-09T21:55:09.587" v="21" actId="1076"/>
+          <ac:picMkLst>
+            <pc:docMk/>
+            <pc:sldMk cId="1818165424" sldId="258"/>
+            <ac:picMk id="3" creationId="{C5EFB158-0534-ADB5-9B76-D9CE1C18AA98}"/>
+          </ac:picMkLst>
+        </pc:picChg>
+        <pc:picChg chg="add mod">
+          <ac:chgData name="Barkasi, Michael" userId="604489e9-c8b5-4a18-ae0d-3a3e29c44efc" providerId="ADAL" clId="{746B359B-EBD2-2446-9CA8-430C5011EB4A}" dt="2025-06-09T21:55:06.579" v="20" actId="1076"/>
+          <ac:picMkLst>
+            <pc:docMk/>
+            <pc:sldMk cId="1818165424" sldId="258"/>
+            <ac:picMk id="4" creationId="{4D2EB087-DF16-8C83-5DBC-40C467B4EB5D}"/>
+          </ac:picMkLst>
+        </pc:picChg>
+        <pc:picChg chg="del">
+          <ac:chgData name="Barkasi, Michael" userId="604489e9-c8b5-4a18-ae0d-3a3e29c44efc" providerId="ADAL" clId="{746B359B-EBD2-2446-9CA8-430C5011EB4A}" dt="2025-06-09T21:52:40.695" v="1" actId="478"/>
+          <ac:picMkLst>
+            <pc:docMk/>
+            <pc:sldMk cId="1818165424" sldId="258"/>
+            <ac:picMk id="5" creationId="{C3E7B175-9DF9-B4EF-14DF-93D788C725F3}"/>
+          </ac:picMkLst>
+        </pc:picChg>
+        <pc:picChg chg="del mod">
+          <ac:chgData name="Barkasi, Michael" userId="604489e9-c8b5-4a18-ae0d-3a3e29c44efc" providerId="ADAL" clId="{746B359B-EBD2-2446-9CA8-430C5011EB4A}" dt="2025-06-09T21:52:56.422" v="4" actId="21"/>
+          <ac:picMkLst>
+            <pc:docMk/>
+            <pc:sldMk cId="1818165424" sldId="258"/>
+            <ac:picMk id="7" creationId="{15EAFB13-A535-C0F5-E9BA-042EE9FCC201}"/>
+          </ac:picMkLst>
+        </pc:picChg>
+        <pc:picChg chg="del">
+          <ac:chgData name="Barkasi, Michael" userId="604489e9-c8b5-4a18-ae0d-3a3e29c44efc" providerId="ADAL" clId="{746B359B-EBD2-2446-9CA8-430C5011EB4A}" dt="2025-06-09T21:52:48.694" v="3" actId="478"/>
+          <ac:picMkLst>
+            <pc:docMk/>
+            <pc:sldMk cId="1818165424" sldId="258"/>
+            <ac:picMk id="21" creationId="{8BC26F3E-F63D-8AB7-C8B3-750AA60A6083}"/>
+          </ac:picMkLst>
+        </pc:picChg>
+        <pc:picChg chg="del">
+          <ac:chgData name="Barkasi, Michael" userId="604489e9-c8b5-4a18-ae0d-3a3e29c44efc" providerId="ADAL" clId="{746B359B-EBD2-2446-9CA8-430C5011EB4A}" dt="2025-06-09T21:52:48.694" v="3" actId="478"/>
+          <ac:picMkLst>
+            <pc:docMk/>
+            <pc:sldMk cId="1818165424" sldId="258"/>
+            <ac:picMk id="22" creationId="{0679FC23-ECF6-1034-3A65-2CD78A6D4DE5}"/>
+          </ac:picMkLst>
+        </pc:picChg>
+        <pc:picChg chg="del">
+          <ac:chgData name="Barkasi, Michael" userId="604489e9-c8b5-4a18-ae0d-3a3e29c44efc" providerId="ADAL" clId="{746B359B-EBD2-2446-9CA8-430C5011EB4A}" dt="2025-06-09T21:52:48.694" v="3" actId="478"/>
+          <ac:picMkLst>
+            <pc:docMk/>
+            <pc:sldMk cId="1818165424" sldId="258"/>
+            <ac:picMk id="23" creationId="{47A24157-C39A-2030-97F0-007C49B9328C}"/>
+          </ac:picMkLst>
+        </pc:picChg>
+        <pc:picChg chg="del">
+          <ac:chgData name="Barkasi, Michael" userId="604489e9-c8b5-4a18-ae0d-3a3e29c44efc" providerId="ADAL" clId="{746B359B-EBD2-2446-9CA8-430C5011EB4A}" dt="2025-06-09T21:52:48.694" v="3" actId="478"/>
+          <ac:picMkLst>
+            <pc:docMk/>
+            <pc:sldMk cId="1818165424" sldId="258"/>
+            <ac:picMk id="24" creationId="{ACA34BC5-6F47-D1AD-4CD7-730A42FB9A08}"/>
+          </ac:picMkLst>
+        </pc:picChg>
+        <pc:picChg chg="del">
+          <ac:chgData name="Barkasi, Michael" userId="604489e9-c8b5-4a18-ae0d-3a3e29c44efc" providerId="ADAL" clId="{746B359B-EBD2-2446-9CA8-430C5011EB4A}" dt="2025-06-09T21:52:48.694" v="3" actId="478"/>
+          <ac:picMkLst>
+            <pc:docMk/>
+            <pc:sldMk cId="1818165424" sldId="258"/>
+            <ac:picMk id="25" creationId="{A0C6C6AA-766D-0131-D5A0-234556C53F52}"/>
+          </ac:picMkLst>
+        </pc:picChg>
+        <pc:picChg chg="del">
+          <ac:chgData name="Barkasi, Michael" userId="604489e9-c8b5-4a18-ae0d-3a3e29c44efc" providerId="ADAL" clId="{746B359B-EBD2-2446-9CA8-430C5011EB4A}" dt="2025-06-09T21:52:48.694" v="3" actId="478"/>
+          <ac:picMkLst>
+            <pc:docMk/>
+            <pc:sldMk cId="1818165424" sldId="258"/>
+            <ac:picMk id="27" creationId="{5851A8B5-B339-EAD1-8444-F23EA994EB9C}"/>
+          </ac:picMkLst>
+        </pc:picChg>
+        <pc:cxnChg chg="del">
+          <ac:chgData name="Barkasi, Michael" userId="604489e9-c8b5-4a18-ae0d-3a3e29c44efc" providerId="ADAL" clId="{746B359B-EBD2-2446-9CA8-430C5011EB4A}" dt="2025-06-09T21:52:48.694" v="3" actId="478"/>
+          <ac:cxnSpMkLst>
+            <pc:docMk/>
+            <pc:sldMk cId="1818165424" sldId="258"/>
+            <ac:cxnSpMk id="10" creationId="{D928DCFB-D051-79B8-9420-10BDA995D950}"/>
+          </ac:cxnSpMkLst>
+        </pc:cxnChg>
+        <pc:cxnChg chg="del">
+          <ac:chgData name="Barkasi, Michael" userId="604489e9-c8b5-4a18-ae0d-3a3e29c44efc" providerId="ADAL" clId="{746B359B-EBD2-2446-9CA8-430C5011EB4A}" dt="2025-06-09T21:52:48.694" v="3" actId="478"/>
+          <ac:cxnSpMkLst>
+            <pc:docMk/>
+            <pc:sldMk cId="1818165424" sldId="258"/>
+            <ac:cxnSpMk id="13" creationId="{02B9001C-20BD-4CA0-C2F9-755A24E8639B}"/>
+          </ac:cxnSpMkLst>
+        </pc:cxnChg>
+      </pc:sldChg>
+      <pc:sldMasterChg chg="modSp modSldLayout">
+        <pc:chgData name="Barkasi, Michael" userId="604489e9-c8b5-4a18-ae0d-3a3e29c44efc" providerId="ADAL" clId="{746B359B-EBD2-2446-9CA8-430C5011EB4A}" dt="2025-06-09T21:53:53.185" v="11"/>
+        <pc:sldMasterMkLst>
+          <pc:docMk/>
+          <pc:sldMasterMk cId="2463388014" sldId="2147483684"/>
+        </pc:sldMasterMkLst>
+        <pc:spChg chg="mod">
+          <ac:chgData name="Barkasi, Michael" userId="604489e9-c8b5-4a18-ae0d-3a3e29c44efc" providerId="ADAL" clId="{746B359B-EBD2-2446-9CA8-430C5011EB4A}" dt="2025-06-09T21:53:53.185" v="11"/>
+          <ac:spMkLst>
+            <pc:docMk/>
+            <pc:sldMasterMk cId="2463388014" sldId="2147483684"/>
+            <ac:spMk id="2" creationId="{00000000-0000-0000-0000-000000000000}"/>
+          </ac:spMkLst>
+        </pc:spChg>
+        <pc:spChg chg="mod">
+          <ac:chgData name="Barkasi, Michael" userId="604489e9-c8b5-4a18-ae0d-3a3e29c44efc" providerId="ADAL" clId="{746B359B-EBD2-2446-9CA8-430C5011EB4A}" dt="2025-06-09T21:53:53.185" v="11"/>
+          <ac:spMkLst>
+            <pc:docMk/>
+            <pc:sldMasterMk cId="2463388014" sldId="2147483684"/>
+            <ac:spMk id="3" creationId="{00000000-0000-0000-0000-000000000000}"/>
+          </ac:spMkLst>
+        </pc:spChg>
+        <pc:spChg chg="mod">
+          <ac:chgData name="Barkasi, Michael" userId="604489e9-c8b5-4a18-ae0d-3a3e29c44efc" providerId="ADAL" clId="{746B359B-EBD2-2446-9CA8-430C5011EB4A}" dt="2025-06-09T21:53:53.185" v="11"/>
+          <ac:spMkLst>
+            <pc:docMk/>
+            <pc:sldMasterMk cId="2463388014" sldId="2147483684"/>
+            <ac:spMk id="4" creationId="{00000000-0000-0000-0000-000000000000}"/>
+          </ac:spMkLst>
+        </pc:spChg>
+        <pc:spChg chg="mod">
+          <ac:chgData name="Barkasi, Michael" userId="604489e9-c8b5-4a18-ae0d-3a3e29c44efc" providerId="ADAL" clId="{746B359B-EBD2-2446-9CA8-430C5011EB4A}" dt="2025-06-09T21:53:53.185" v="11"/>
+          <ac:spMkLst>
+            <pc:docMk/>
+            <pc:sldMasterMk cId="2463388014" sldId="2147483684"/>
+            <ac:spMk id="5" creationId="{00000000-0000-0000-0000-000000000000}"/>
+          </ac:spMkLst>
+        </pc:spChg>
+        <pc:spChg chg="mod">
+          <ac:chgData name="Barkasi, Michael" userId="604489e9-c8b5-4a18-ae0d-3a3e29c44efc" providerId="ADAL" clId="{746B359B-EBD2-2446-9CA8-430C5011EB4A}" dt="2025-06-09T21:53:53.185" v="11"/>
+          <ac:spMkLst>
+            <pc:docMk/>
+            <pc:sldMasterMk cId="2463388014" sldId="2147483684"/>
+            <ac:spMk id="6" creationId="{00000000-0000-0000-0000-000000000000}"/>
+          </ac:spMkLst>
+        </pc:spChg>
+        <pc:sldLayoutChg chg="modSp">
+          <pc:chgData name="Barkasi, Michael" userId="604489e9-c8b5-4a18-ae0d-3a3e29c44efc" providerId="ADAL" clId="{746B359B-EBD2-2446-9CA8-430C5011EB4A}" dt="2025-06-09T21:53:53.185" v="11"/>
+          <pc:sldLayoutMkLst>
+            <pc:docMk/>
+            <pc:sldMasterMk cId="2463388014" sldId="2147483684"/>
+            <pc:sldLayoutMk cId="4128258475" sldId="2147483685"/>
+          </pc:sldLayoutMkLst>
+          <pc:spChg chg="mod">
+            <ac:chgData name="Barkasi, Michael" userId="604489e9-c8b5-4a18-ae0d-3a3e29c44efc" providerId="ADAL" clId="{746B359B-EBD2-2446-9CA8-430C5011EB4A}" dt="2025-06-09T21:53:53.185" v="11"/>
+            <ac:spMkLst>
+              <pc:docMk/>
+              <pc:sldMasterMk cId="2463388014" sldId="2147483684"/>
+              <pc:sldLayoutMk cId="4128258475" sldId="2147483685"/>
+              <ac:spMk id="2" creationId="{00000000-0000-0000-0000-000000000000}"/>
+            </ac:spMkLst>
+          </pc:spChg>
+          <pc:spChg chg="mod">
+            <ac:chgData name="Barkasi, Michael" userId="604489e9-c8b5-4a18-ae0d-3a3e29c44efc" providerId="ADAL" clId="{746B359B-EBD2-2446-9CA8-430C5011EB4A}" dt="2025-06-09T21:53:53.185" v="11"/>
+            <ac:spMkLst>
+              <pc:docMk/>
+              <pc:sldMasterMk cId="2463388014" sldId="2147483684"/>
+              <pc:sldLayoutMk cId="4128258475" sldId="2147483685"/>
+              <ac:spMk id="3" creationId="{00000000-0000-0000-0000-000000000000}"/>
+            </ac:spMkLst>
+          </pc:spChg>
+        </pc:sldLayoutChg>
+        <pc:sldLayoutChg chg="modSp">
+          <pc:chgData name="Barkasi, Michael" userId="604489e9-c8b5-4a18-ae0d-3a3e29c44efc" providerId="ADAL" clId="{746B359B-EBD2-2446-9CA8-430C5011EB4A}" dt="2025-06-09T21:53:53.185" v="11"/>
+          <pc:sldLayoutMkLst>
+            <pc:docMk/>
+            <pc:sldMasterMk cId="2463388014" sldId="2147483684"/>
+            <pc:sldLayoutMk cId="2814840925" sldId="2147483687"/>
+          </pc:sldLayoutMkLst>
+          <pc:spChg chg="mod">
+            <ac:chgData name="Barkasi, Michael" userId="604489e9-c8b5-4a18-ae0d-3a3e29c44efc" providerId="ADAL" clId="{746B359B-EBD2-2446-9CA8-430C5011EB4A}" dt="2025-06-09T21:53:53.185" v="11"/>
+            <ac:spMkLst>
+              <pc:docMk/>
+              <pc:sldMasterMk cId="2463388014" sldId="2147483684"/>
+              <pc:sldLayoutMk cId="2814840925" sldId="2147483687"/>
+              <ac:spMk id="2" creationId="{00000000-0000-0000-0000-000000000000}"/>
+            </ac:spMkLst>
+          </pc:spChg>
+          <pc:spChg chg="mod">
+            <ac:chgData name="Barkasi, Michael" userId="604489e9-c8b5-4a18-ae0d-3a3e29c44efc" providerId="ADAL" clId="{746B359B-EBD2-2446-9CA8-430C5011EB4A}" dt="2025-06-09T21:53:53.185" v="11"/>
+            <ac:spMkLst>
+              <pc:docMk/>
+              <pc:sldMasterMk cId="2463388014" sldId="2147483684"/>
+              <pc:sldLayoutMk cId="2814840925" sldId="2147483687"/>
+              <ac:spMk id="3" creationId="{00000000-0000-0000-0000-000000000000}"/>
+            </ac:spMkLst>
+          </pc:spChg>
+        </pc:sldLayoutChg>
+        <pc:sldLayoutChg chg="modSp">
+          <pc:chgData name="Barkasi, Michael" userId="604489e9-c8b5-4a18-ae0d-3a3e29c44efc" providerId="ADAL" clId="{746B359B-EBD2-2446-9CA8-430C5011EB4A}" dt="2025-06-09T21:53:53.185" v="11"/>
+          <pc:sldLayoutMkLst>
+            <pc:docMk/>
+            <pc:sldMasterMk cId="2463388014" sldId="2147483684"/>
+            <pc:sldLayoutMk cId="3714446216" sldId="2147483688"/>
+          </pc:sldLayoutMkLst>
+          <pc:spChg chg="mod">
+            <ac:chgData name="Barkasi, Michael" userId="604489e9-c8b5-4a18-ae0d-3a3e29c44efc" providerId="ADAL" clId="{746B359B-EBD2-2446-9CA8-430C5011EB4A}" dt="2025-06-09T21:53:53.185" v="11"/>
+            <ac:spMkLst>
+              <pc:docMk/>
+              <pc:sldMasterMk cId="2463388014" sldId="2147483684"/>
+              <pc:sldLayoutMk cId="3714446216" sldId="2147483688"/>
+              <ac:spMk id="3" creationId="{00000000-0000-0000-0000-000000000000}"/>
+            </ac:spMkLst>
+          </pc:spChg>
+          <pc:spChg chg="mod">
+            <ac:chgData name="Barkasi, Michael" userId="604489e9-c8b5-4a18-ae0d-3a3e29c44efc" providerId="ADAL" clId="{746B359B-EBD2-2446-9CA8-430C5011EB4A}" dt="2025-06-09T21:53:53.185" v="11"/>
+            <ac:spMkLst>
+              <pc:docMk/>
+              <pc:sldMasterMk cId="2463388014" sldId="2147483684"/>
+              <pc:sldLayoutMk cId="3714446216" sldId="2147483688"/>
+              <ac:spMk id="4" creationId="{00000000-0000-0000-0000-000000000000}"/>
+            </ac:spMkLst>
+          </pc:spChg>
+        </pc:sldLayoutChg>
+        <pc:sldLayoutChg chg="modSp">
+          <pc:chgData name="Barkasi, Michael" userId="604489e9-c8b5-4a18-ae0d-3a3e29c44efc" providerId="ADAL" clId="{746B359B-EBD2-2446-9CA8-430C5011EB4A}" dt="2025-06-09T21:53:53.185" v="11"/>
+          <pc:sldLayoutMkLst>
+            <pc:docMk/>
+            <pc:sldMasterMk cId="2463388014" sldId="2147483684"/>
+            <pc:sldLayoutMk cId="4099584277" sldId="2147483689"/>
+          </pc:sldLayoutMkLst>
+          <pc:spChg chg="mod">
+            <ac:chgData name="Barkasi, Michael" userId="604489e9-c8b5-4a18-ae0d-3a3e29c44efc" providerId="ADAL" clId="{746B359B-EBD2-2446-9CA8-430C5011EB4A}" dt="2025-06-09T21:53:53.185" v="11"/>
+            <ac:spMkLst>
+              <pc:docMk/>
+              <pc:sldMasterMk cId="2463388014" sldId="2147483684"/>
+              <pc:sldLayoutMk cId="4099584277" sldId="2147483689"/>
+              <ac:spMk id="2" creationId="{00000000-0000-0000-0000-000000000000}"/>
+            </ac:spMkLst>
+          </pc:spChg>
+          <pc:spChg chg="mod">
+            <ac:chgData name="Barkasi, Michael" userId="604489e9-c8b5-4a18-ae0d-3a3e29c44efc" providerId="ADAL" clId="{746B359B-EBD2-2446-9CA8-430C5011EB4A}" dt="2025-06-09T21:53:53.185" v="11"/>
+            <ac:spMkLst>
+              <pc:docMk/>
+              <pc:sldMasterMk cId="2463388014" sldId="2147483684"/>
+              <pc:sldLayoutMk cId="4099584277" sldId="2147483689"/>
+              <ac:spMk id="3" creationId="{00000000-0000-0000-0000-000000000000}"/>
+            </ac:spMkLst>
+          </pc:spChg>
+          <pc:spChg chg="mod">
+            <ac:chgData name="Barkasi, Michael" userId="604489e9-c8b5-4a18-ae0d-3a3e29c44efc" providerId="ADAL" clId="{746B359B-EBD2-2446-9CA8-430C5011EB4A}" dt="2025-06-09T21:53:53.185" v="11"/>
+            <ac:spMkLst>
+              <pc:docMk/>
+              <pc:sldMasterMk cId="2463388014" sldId="2147483684"/>
+              <pc:sldLayoutMk cId="4099584277" sldId="2147483689"/>
+              <ac:spMk id="4" creationId="{00000000-0000-0000-0000-000000000000}"/>
+            </ac:spMkLst>
+          </pc:spChg>
+          <pc:spChg chg="mod">
+            <ac:chgData name="Barkasi, Michael" userId="604489e9-c8b5-4a18-ae0d-3a3e29c44efc" providerId="ADAL" clId="{746B359B-EBD2-2446-9CA8-430C5011EB4A}" dt="2025-06-09T21:53:53.185" v="11"/>
+            <ac:spMkLst>
+              <pc:docMk/>
+              <pc:sldMasterMk cId="2463388014" sldId="2147483684"/>
+              <pc:sldLayoutMk cId="4099584277" sldId="2147483689"/>
+              <ac:spMk id="5" creationId="{00000000-0000-0000-0000-000000000000}"/>
+            </ac:spMkLst>
+          </pc:spChg>
+          <pc:spChg chg="mod">
+            <ac:chgData name="Barkasi, Michael" userId="604489e9-c8b5-4a18-ae0d-3a3e29c44efc" providerId="ADAL" clId="{746B359B-EBD2-2446-9CA8-430C5011EB4A}" dt="2025-06-09T21:53:53.185" v="11"/>
+            <ac:spMkLst>
+              <pc:docMk/>
+              <pc:sldMasterMk cId="2463388014" sldId="2147483684"/>
+              <pc:sldLayoutMk cId="4099584277" sldId="2147483689"/>
+              <ac:spMk id="6" creationId="{00000000-0000-0000-0000-000000000000}"/>
+            </ac:spMkLst>
+          </pc:spChg>
+        </pc:sldLayoutChg>
+        <pc:sldLayoutChg chg="modSp">
+          <pc:chgData name="Barkasi, Michael" userId="604489e9-c8b5-4a18-ae0d-3a3e29c44efc" providerId="ADAL" clId="{746B359B-EBD2-2446-9CA8-430C5011EB4A}" dt="2025-06-09T21:53:53.185" v="11"/>
+          <pc:sldLayoutMkLst>
+            <pc:docMk/>
+            <pc:sldMasterMk cId="2463388014" sldId="2147483684"/>
+            <pc:sldLayoutMk cId="3662733223" sldId="2147483692"/>
+          </pc:sldLayoutMkLst>
+          <pc:spChg chg="mod">
+            <ac:chgData name="Barkasi, Michael" userId="604489e9-c8b5-4a18-ae0d-3a3e29c44efc" providerId="ADAL" clId="{746B359B-EBD2-2446-9CA8-430C5011EB4A}" dt="2025-06-09T21:53:53.185" v="11"/>
+            <ac:spMkLst>
+              <pc:docMk/>
+              <pc:sldMasterMk cId="2463388014" sldId="2147483684"/>
+              <pc:sldLayoutMk cId="3662733223" sldId="2147483692"/>
+              <ac:spMk id="2" creationId="{00000000-0000-0000-0000-000000000000}"/>
+            </ac:spMkLst>
+          </pc:spChg>
+          <pc:spChg chg="mod">
+            <ac:chgData name="Barkasi, Michael" userId="604489e9-c8b5-4a18-ae0d-3a3e29c44efc" providerId="ADAL" clId="{746B359B-EBD2-2446-9CA8-430C5011EB4A}" dt="2025-06-09T21:53:53.185" v="11"/>
+            <ac:spMkLst>
+              <pc:docMk/>
+              <pc:sldMasterMk cId="2463388014" sldId="2147483684"/>
+              <pc:sldLayoutMk cId="3662733223" sldId="2147483692"/>
+              <ac:spMk id="3" creationId="{00000000-0000-0000-0000-000000000000}"/>
+            </ac:spMkLst>
+          </pc:spChg>
+          <pc:spChg chg="mod">
+            <ac:chgData name="Barkasi, Michael" userId="604489e9-c8b5-4a18-ae0d-3a3e29c44efc" providerId="ADAL" clId="{746B359B-EBD2-2446-9CA8-430C5011EB4A}" dt="2025-06-09T21:53:53.185" v="11"/>
+            <ac:spMkLst>
+              <pc:docMk/>
+              <pc:sldMasterMk cId="2463388014" sldId="2147483684"/>
+              <pc:sldLayoutMk cId="3662733223" sldId="2147483692"/>
+              <ac:spMk id="4" creationId="{00000000-0000-0000-0000-000000000000}"/>
+            </ac:spMkLst>
+          </pc:spChg>
+        </pc:sldLayoutChg>
+        <pc:sldLayoutChg chg="modSp">
+          <pc:chgData name="Barkasi, Michael" userId="604489e9-c8b5-4a18-ae0d-3a3e29c44efc" providerId="ADAL" clId="{746B359B-EBD2-2446-9CA8-430C5011EB4A}" dt="2025-06-09T21:53:53.185" v="11"/>
+          <pc:sldLayoutMkLst>
+            <pc:docMk/>
+            <pc:sldMasterMk cId="2463388014" sldId="2147483684"/>
+            <pc:sldLayoutMk cId="2282563022" sldId="2147483693"/>
+          </pc:sldLayoutMkLst>
+          <pc:spChg chg="mod">
+            <ac:chgData name="Barkasi, Michael" userId="604489e9-c8b5-4a18-ae0d-3a3e29c44efc" providerId="ADAL" clId="{746B359B-EBD2-2446-9CA8-430C5011EB4A}" dt="2025-06-09T21:53:53.185" v="11"/>
+            <ac:spMkLst>
+              <pc:docMk/>
+              <pc:sldMasterMk cId="2463388014" sldId="2147483684"/>
+              <pc:sldLayoutMk cId="2282563022" sldId="2147483693"/>
+              <ac:spMk id="2" creationId="{00000000-0000-0000-0000-000000000000}"/>
+            </ac:spMkLst>
+          </pc:spChg>
+          <pc:spChg chg="mod">
+            <ac:chgData name="Barkasi, Michael" userId="604489e9-c8b5-4a18-ae0d-3a3e29c44efc" providerId="ADAL" clId="{746B359B-EBD2-2446-9CA8-430C5011EB4A}" dt="2025-06-09T21:53:53.185" v="11"/>
+            <ac:spMkLst>
+              <pc:docMk/>
+              <pc:sldMasterMk cId="2463388014" sldId="2147483684"/>
+              <pc:sldLayoutMk cId="2282563022" sldId="2147483693"/>
+              <ac:spMk id="3" creationId="{00000000-0000-0000-0000-000000000000}"/>
+            </ac:spMkLst>
+          </pc:spChg>
+          <pc:spChg chg="mod">
+            <ac:chgData name="Barkasi, Michael" userId="604489e9-c8b5-4a18-ae0d-3a3e29c44efc" providerId="ADAL" clId="{746B359B-EBD2-2446-9CA8-430C5011EB4A}" dt="2025-06-09T21:53:53.185" v="11"/>
+            <ac:spMkLst>
+              <pc:docMk/>
+              <pc:sldMasterMk cId="2463388014" sldId="2147483684"/>
+              <pc:sldLayoutMk cId="2282563022" sldId="2147483693"/>
+              <ac:spMk id="4" creationId="{00000000-0000-0000-0000-000000000000}"/>
+            </ac:spMkLst>
+          </pc:spChg>
+        </pc:sldLayoutChg>
+        <pc:sldLayoutChg chg="modSp">
+          <pc:chgData name="Barkasi, Michael" userId="604489e9-c8b5-4a18-ae0d-3a3e29c44efc" providerId="ADAL" clId="{746B359B-EBD2-2446-9CA8-430C5011EB4A}" dt="2025-06-09T21:53:53.185" v="11"/>
+          <pc:sldLayoutMkLst>
+            <pc:docMk/>
+            <pc:sldMasterMk cId="2463388014" sldId="2147483684"/>
+            <pc:sldLayoutMk cId="2612272265" sldId="2147483695"/>
+          </pc:sldLayoutMkLst>
+          <pc:spChg chg="mod">
+            <ac:chgData name="Barkasi, Michael" userId="604489e9-c8b5-4a18-ae0d-3a3e29c44efc" providerId="ADAL" clId="{746B359B-EBD2-2446-9CA8-430C5011EB4A}" dt="2025-06-09T21:53:53.185" v="11"/>
+            <ac:spMkLst>
+              <pc:docMk/>
+              <pc:sldMasterMk cId="2463388014" sldId="2147483684"/>
+              <pc:sldLayoutMk cId="2612272265" sldId="2147483695"/>
+              <ac:spMk id="2" creationId="{00000000-0000-0000-0000-000000000000}"/>
+            </ac:spMkLst>
+          </pc:spChg>
+          <pc:spChg chg="mod">
+            <ac:chgData name="Barkasi, Michael" userId="604489e9-c8b5-4a18-ae0d-3a3e29c44efc" providerId="ADAL" clId="{746B359B-EBD2-2446-9CA8-430C5011EB4A}" dt="2025-06-09T21:53:53.185" v="11"/>
+            <ac:spMkLst>
+              <pc:docMk/>
+              <pc:sldMasterMk cId="2463388014" sldId="2147483684"/>
+              <pc:sldLayoutMk cId="2612272265" sldId="2147483695"/>
+              <ac:spMk id="3" creationId="{00000000-0000-0000-0000-000000000000}"/>
+            </ac:spMkLst>
+          </pc:spChg>
+        </pc:sldLayoutChg>
+      </pc:sldMasterChg>
+    </pc:docChg>
+  </pc:docChgLst>
+  <pc:docChgLst>
+    <pc:chgData name="Barkasi, Michael" userId="604489e9-c8b5-4a18-ae0d-3a3e29c44efc" providerId="ADAL" clId="{D47298A3-9FB6-A94B-9B89-B7BEF4FA3D19}"/>
+    <pc:docChg chg="undo custSel addSld delSld modSld modMainMaster modNotesMaster">
+      <pc:chgData name="Barkasi, Michael" userId="604489e9-c8b5-4a18-ae0d-3a3e29c44efc" providerId="ADAL" clId="{D47298A3-9FB6-A94B-9B89-B7BEF4FA3D19}" dt="2025-06-09T21:49:44.713" v="224" actId="2696"/>
+      <pc:docMkLst>
+        <pc:docMk/>
+      </pc:docMkLst>
+      <pc:sldChg chg="modSp del modNotes">
+        <pc:chgData name="Barkasi, Michael" userId="604489e9-c8b5-4a18-ae0d-3a3e29c44efc" providerId="ADAL" clId="{D47298A3-9FB6-A94B-9B89-B7BEF4FA3D19}" dt="2025-06-09T21:49:44.713" v="224" actId="2696"/>
         <pc:sldMkLst>
           <pc:docMk/>
           <pc:sldMk cId="2771342219" sldId="257"/>
         </pc:sldMkLst>
+        <pc:spChg chg="mod">
+          <ac:chgData name="Barkasi, Michael" userId="604489e9-c8b5-4a18-ae0d-3a3e29c44efc" providerId="ADAL" clId="{D47298A3-9FB6-A94B-9B89-B7BEF4FA3D19}" dt="2025-06-09T19:37:51.048" v="8"/>
+          <ac:spMkLst>
+            <pc:docMk/>
+            <pc:sldMk cId="2771342219" sldId="257"/>
+            <ac:spMk id="5" creationId="{7938405D-DE20-98D2-1FF3-62B7F54A8349}"/>
+          </ac:spMkLst>
+        </pc:spChg>
+        <pc:spChg chg="mod">
+          <ac:chgData name="Barkasi, Michael" userId="604489e9-c8b5-4a18-ae0d-3a3e29c44efc" providerId="ADAL" clId="{D47298A3-9FB6-A94B-9B89-B7BEF4FA3D19}" dt="2025-06-09T19:37:51.048" v="8"/>
+          <ac:spMkLst>
+            <pc:docMk/>
+            <pc:sldMk cId="2771342219" sldId="257"/>
+            <ac:spMk id="10" creationId="{084C86F4-E1E9-30B7-FB39-681A6577B7C5}"/>
+          </ac:spMkLst>
+        </pc:spChg>
+        <pc:spChg chg="mod">
+          <ac:chgData name="Barkasi, Michael" userId="604489e9-c8b5-4a18-ae0d-3a3e29c44efc" providerId="ADAL" clId="{D47298A3-9FB6-A94B-9B89-B7BEF4FA3D19}" dt="2025-06-09T19:37:51.048" v="8"/>
+          <ac:spMkLst>
+            <pc:docMk/>
+            <pc:sldMk cId="2771342219" sldId="257"/>
+            <ac:spMk id="13" creationId="{18EF2094-E0BF-2B4A-1D50-659B09E5A586}"/>
+          </ac:spMkLst>
+        </pc:spChg>
+        <pc:spChg chg="mod">
+          <ac:chgData name="Barkasi, Michael" userId="604489e9-c8b5-4a18-ae0d-3a3e29c44efc" providerId="ADAL" clId="{D47298A3-9FB6-A94B-9B89-B7BEF4FA3D19}" dt="2025-06-09T19:37:51.048" v="8"/>
+          <ac:spMkLst>
+            <pc:docMk/>
+            <pc:sldMk cId="2771342219" sldId="257"/>
+            <ac:spMk id="18" creationId="{22182B28-F2C6-42A3-660E-A91CEEBF1EEA}"/>
+          </ac:spMkLst>
+        </pc:spChg>
+        <pc:spChg chg="mod">
+          <ac:chgData name="Barkasi, Michael" userId="604489e9-c8b5-4a18-ae0d-3a3e29c44efc" providerId="ADAL" clId="{D47298A3-9FB6-A94B-9B89-B7BEF4FA3D19}" dt="2025-06-09T19:37:51.048" v="8"/>
+          <ac:spMkLst>
+            <pc:docMk/>
+            <pc:sldMk cId="2771342219" sldId="257"/>
+            <ac:spMk id="22" creationId="{C5F9E485-263D-575D-3AC7-2F1481FF45F5}"/>
+          </ac:spMkLst>
+        </pc:spChg>
+        <pc:spChg chg="mod">
+          <ac:chgData name="Barkasi, Michael" userId="604489e9-c8b5-4a18-ae0d-3a3e29c44efc" providerId="ADAL" clId="{D47298A3-9FB6-A94B-9B89-B7BEF4FA3D19}" dt="2025-06-09T19:37:51.048" v="8"/>
+          <ac:spMkLst>
+            <pc:docMk/>
+            <pc:sldMk cId="2771342219" sldId="257"/>
+            <ac:spMk id="26" creationId="{FA67CFD9-9CFA-CF40-3D41-9EF4EE1D765D}"/>
+          </ac:spMkLst>
+        </pc:spChg>
+        <pc:spChg chg="mod">
+          <ac:chgData name="Barkasi, Michael" userId="604489e9-c8b5-4a18-ae0d-3a3e29c44efc" providerId="ADAL" clId="{D47298A3-9FB6-A94B-9B89-B7BEF4FA3D19}" dt="2025-06-09T19:37:51.048" v="8"/>
+          <ac:spMkLst>
+            <pc:docMk/>
+            <pc:sldMk cId="2771342219" sldId="257"/>
+            <ac:spMk id="32" creationId="{D5F83796-D4C3-8395-EAB4-1AD4829DEB34}"/>
+          </ac:spMkLst>
+        </pc:spChg>
+        <pc:spChg chg="mod">
+          <ac:chgData name="Barkasi, Michael" userId="604489e9-c8b5-4a18-ae0d-3a3e29c44efc" providerId="ADAL" clId="{D47298A3-9FB6-A94B-9B89-B7BEF4FA3D19}" dt="2025-06-09T19:37:51.048" v="8"/>
+          <ac:spMkLst>
+            <pc:docMk/>
+            <pc:sldMk cId="2771342219" sldId="257"/>
+            <ac:spMk id="38" creationId="{62281851-1479-B76A-DC3A-AAA57F88E356}"/>
+          </ac:spMkLst>
+        </pc:spChg>
+        <pc:spChg chg="mod">
+          <ac:chgData name="Barkasi, Michael" userId="604489e9-c8b5-4a18-ae0d-3a3e29c44efc" providerId="ADAL" clId="{D47298A3-9FB6-A94B-9B89-B7BEF4FA3D19}" dt="2025-06-09T19:37:51.048" v="8"/>
+          <ac:spMkLst>
+            <pc:docMk/>
+            <pc:sldMk cId="2771342219" sldId="257"/>
+            <ac:spMk id="41" creationId="{F97A6F7E-F5CC-F190-F346-2E1A0222DE8B}"/>
+          </ac:spMkLst>
+        </pc:spChg>
+        <pc:spChg chg="mod">
+          <ac:chgData name="Barkasi, Michael" userId="604489e9-c8b5-4a18-ae0d-3a3e29c44efc" providerId="ADAL" clId="{D47298A3-9FB6-A94B-9B89-B7BEF4FA3D19}" dt="2025-06-09T19:37:51.048" v="8"/>
+          <ac:spMkLst>
+            <pc:docMk/>
+            <pc:sldMk cId="2771342219" sldId="257"/>
+            <ac:spMk id="49" creationId="{7AA1FB79-BAA9-EE7B-A53A-22EDF8632399}"/>
+          </ac:spMkLst>
+        </pc:spChg>
         <pc:picChg chg="mod">
           <ac:chgData name="Barkasi, Michael" userId="604489e9-c8b5-4a18-ae0d-3a3e29c44efc" providerId="ADAL" clId="{D47298A3-9FB6-A94B-9B89-B7BEF4FA3D19}" dt="2025-06-09T15:14:45.843" v="0" actId="14826"/>
           <ac:picMkLst>
@@ -593,6 +716,431 @@
           </ac:picMkLst>
         </pc:picChg>
       </pc:sldChg>
+      <pc:sldChg chg="addSp delSp modSp new mod">
+        <pc:chgData name="Barkasi, Michael" userId="604489e9-c8b5-4a18-ae0d-3a3e29c44efc" providerId="ADAL" clId="{D47298A3-9FB6-A94B-9B89-B7BEF4FA3D19}" dt="2025-06-09T21:49:37.171" v="223" actId="1076"/>
+        <pc:sldMkLst>
+          <pc:docMk/>
+          <pc:sldMk cId="1818165424" sldId="258"/>
+        </pc:sldMkLst>
+        <pc:spChg chg="add mod">
+          <ac:chgData name="Barkasi, Michael" userId="604489e9-c8b5-4a18-ae0d-3a3e29c44efc" providerId="ADAL" clId="{D47298A3-9FB6-A94B-9B89-B7BEF4FA3D19}" dt="2025-06-09T21:49:37.171" v="223" actId="1076"/>
+          <ac:spMkLst>
+            <pc:docMk/>
+            <pc:sldMk cId="1818165424" sldId="258"/>
+            <ac:spMk id="28" creationId="{2FB0084A-0F88-56F8-41AE-93C36CDE53A6}"/>
+          </ac:spMkLst>
+        </pc:spChg>
+        <pc:spChg chg="add mod">
+          <ac:chgData name="Barkasi, Michael" userId="604489e9-c8b5-4a18-ae0d-3a3e29c44efc" providerId="ADAL" clId="{D47298A3-9FB6-A94B-9B89-B7BEF4FA3D19}" dt="2025-06-09T21:49:29.775" v="222" actId="1076"/>
+          <ac:spMkLst>
+            <pc:docMk/>
+            <pc:sldMk cId="1818165424" sldId="258"/>
+            <ac:spMk id="29" creationId="{3AA82AD0-3729-820E-76B8-5C853C655B11}"/>
+          </ac:spMkLst>
+        </pc:spChg>
+        <pc:spChg chg="add del mod">
+          <ac:chgData name="Barkasi, Michael" userId="604489e9-c8b5-4a18-ae0d-3a3e29c44efc" providerId="ADAL" clId="{D47298A3-9FB6-A94B-9B89-B7BEF4FA3D19}" dt="2025-06-09T21:49:23.832" v="221" actId="478"/>
+          <ac:spMkLst>
+            <pc:docMk/>
+            <pc:sldMk cId="1818165424" sldId="258"/>
+            <ac:spMk id="30" creationId="{3172AC0E-10DF-B576-131D-3A74C2A7969D}"/>
+          </ac:spMkLst>
+        </pc:spChg>
+        <pc:spChg chg="add del mod">
+          <ac:chgData name="Barkasi, Michael" userId="604489e9-c8b5-4a18-ae0d-3a3e29c44efc" providerId="ADAL" clId="{D47298A3-9FB6-A94B-9B89-B7BEF4FA3D19}" dt="2025-06-09T21:49:21.211" v="220" actId="478"/>
+          <ac:spMkLst>
+            <pc:docMk/>
+            <pc:sldMk cId="1818165424" sldId="258"/>
+            <ac:spMk id="31" creationId="{045C14D3-D920-8A47-F540-7FEA927929D6}"/>
+          </ac:spMkLst>
+        </pc:spChg>
+        <pc:spChg chg="add del mod">
+          <ac:chgData name="Barkasi, Michael" userId="604489e9-c8b5-4a18-ae0d-3a3e29c44efc" providerId="ADAL" clId="{D47298A3-9FB6-A94B-9B89-B7BEF4FA3D19}" dt="2025-06-09T21:49:16.696" v="219" actId="478"/>
+          <ac:spMkLst>
+            <pc:docMk/>
+            <pc:sldMk cId="1818165424" sldId="258"/>
+            <ac:spMk id="32" creationId="{05F702CD-6E13-BE84-1EBB-5E7F82621552}"/>
+          </ac:spMkLst>
+        </pc:spChg>
+        <pc:picChg chg="add del mod">
+          <ac:chgData name="Barkasi, Michael" userId="604489e9-c8b5-4a18-ae0d-3a3e29c44efc" providerId="ADAL" clId="{D47298A3-9FB6-A94B-9B89-B7BEF4FA3D19}" dt="2025-06-09T19:37:54.549" v="9" actId="478"/>
+          <ac:picMkLst>
+            <pc:docMk/>
+            <pc:sldMk cId="1818165424" sldId="258"/>
+            <ac:picMk id="3" creationId="{87BBF8D0-F20C-20A5-CF9E-2B99C577FFD0}"/>
+          </ac:picMkLst>
+        </pc:picChg>
+        <pc:picChg chg="add mod">
+          <ac:chgData name="Barkasi, Michael" userId="604489e9-c8b5-4a18-ae0d-3a3e29c44efc" providerId="ADAL" clId="{D47298A3-9FB6-A94B-9B89-B7BEF4FA3D19}" dt="2025-06-09T19:38:43.482" v="15" actId="1076"/>
+          <ac:picMkLst>
+            <pc:docMk/>
+            <pc:sldMk cId="1818165424" sldId="258"/>
+            <ac:picMk id="5" creationId="{C3E7B175-9DF9-B4EF-14DF-93D788C725F3}"/>
+          </ac:picMkLst>
+        </pc:picChg>
+        <pc:picChg chg="add mod modCrop">
+          <ac:chgData name="Barkasi, Michael" userId="604489e9-c8b5-4a18-ae0d-3a3e29c44efc" providerId="ADAL" clId="{D47298A3-9FB6-A94B-9B89-B7BEF4FA3D19}" dt="2025-06-09T19:39:57.138" v="26" actId="14100"/>
+          <ac:picMkLst>
+            <pc:docMk/>
+            <pc:sldMk cId="1818165424" sldId="258"/>
+            <ac:picMk id="7" creationId="{15EAFB13-A535-C0F5-E9BA-042EE9FCC201}"/>
+          </ac:picMkLst>
+        </pc:picChg>
+        <pc:picChg chg="add del mod modCrop">
+          <ac:chgData name="Barkasi, Michael" userId="604489e9-c8b5-4a18-ae0d-3a3e29c44efc" providerId="ADAL" clId="{D47298A3-9FB6-A94B-9B89-B7BEF4FA3D19}" dt="2025-06-09T21:37:37.687" v="201" actId="478"/>
+          <ac:picMkLst>
+            <pc:docMk/>
+            <pc:sldMk cId="1818165424" sldId="258"/>
+            <ac:picMk id="19" creationId="{DFBDB3BE-115E-139B-329B-FA567FC60B30}"/>
+          </ac:picMkLst>
+        </pc:picChg>
+        <pc:picChg chg="add mod modCrop">
+          <ac:chgData name="Barkasi, Michael" userId="604489e9-c8b5-4a18-ae0d-3a3e29c44efc" providerId="ADAL" clId="{D47298A3-9FB6-A94B-9B89-B7BEF4FA3D19}" dt="2025-06-09T21:35:09.880" v="197" actId="14100"/>
+          <ac:picMkLst>
+            <pc:docMk/>
+            <pc:sldMk cId="1818165424" sldId="258"/>
+            <ac:picMk id="21" creationId="{8BC26F3E-F63D-8AB7-C8B3-750AA60A6083}"/>
+          </ac:picMkLst>
+        </pc:picChg>
+        <pc:picChg chg="add mod modCrop">
+          <ac:chgData name="Barkasi, Michael" userId="604489e9-c8b5-4a18-ae0d-3a3e29c44efc" providerId="ADAL" clId="{D47298A3-9FB6-A94B-9B89-B7BEF4FA3D19}" dt="2025-06-09T21:44:49.212" v="215" actId="1076"/>
+          <ac:picMkLst>
+            <pc:docMk/>
+            <pc:sldMk cId="1818165424" sldId="258"/>
+            <ac:picMk id="22" creationId="{0679FC23-ECF6-1034-3A65-2CD78A6D4DE5}"/>
+          </ac:picMkLst>
+        </pc:picChg>
+        <pc:picChg chg="add mod modCrop">
+          <ac:chgData name="Barkasi, Michael" userId="604489e9-c8b5-4a18-ae0d-3a3e29c44efc" providerId="ADAL" clId="{D47298A3-9FB6-A94B-9B89-B7BEF4FA3D19}" dt="2025-06-09T21:44:30.708" v="213" actId="1076"/>
+          <ac:picMkLst>
+            <pc:docMk/>
+            <pc:sldMk cId="1818165424" sldId="258"/>
+            <ac:picMk id="23" creationId="{47A24157-C39A-2030-97F0-007C49B9328C}"/>
+          </ac:picMkLst>
+        </pc:picChg>
+        <pc:picChg chg="add mod modCrop">
+          <ac:chgData name="Barkasi, Michael" userId="604489e9-c8b5-4a18-ae0d-3a3e29c44efc" providerId="ADAL" clId="{D47298A3-9FB6-A94B-9B89-B7BEF4FA3D19}" dt="2025-06-09T21:44:27.200" v="212" actId="1076"/>
+          <ac:picMkLst>
+            <pc:docMk/>
+            <pc:sldMk cId="1818165424" sldId="258"/>
+            <ac:picMk id="24" creationId="{ACA34BC5-6F47-D1AD-4CD7-730A42FB9A08}"/>
+          </ac:picMkLst>
+        </pc:picChg>
+        <pc:picChg chg="add mod modCrop">
+          <ac:chgData name="Barkasi, Michael" userId="604489e9-c8b5-4a18-ae0d-3a3e29c44efc" providerId="ADAL" clId="{D47298A3-9FB6-A94B-9B89-B7BEF4FA3D19}" dt="2025-06-09T21:41:11.586" v="210" actId="14826"/>
+          <ac:picMkLst>
+            <pc:docMk/>
+            <pc:sldMk cId="1818165424" sldId="258"/>
+            <ac:picMk id="25" creationId="{A0C6C6AA-766D-0131-D5A0-234556C53F52}"/>
+          </ac:picMkLst>
+        </pc:picChg>
+        <pc:picChg chg="add mod modCrop">
+          <ac:chgData name="Barkasi, Michael" userId="604489e9-c8b5-4a18-ae0d-3a3e29c44efc" providerId="ADAL" clId="{D47298A3-9FB6-A94B-9B89-B7BEF4FA3D19}" dt="2025-06-09T21:38:16.289" v="209" actId="1076"/>
+          <ac:picMkLst>
+            <pc:docMk/>
+            <pc:sldMk cId="1818165424" sldId="258"/>
+            <ac:picMk id="27" creationId="{5851A8B5-B339-EAD1-8444-F23EA994EB9C}"/>
+          </ac:picMkLst>
+        </pc:picChg>
+        <pc:cxnChg chg="add mod">
+          <ac:chgData name="Barkasi, Michael" userId="604489e9-c8b5-4a18-ae0d-3a3e29c44efc" providerId="ADAL" clId="{D47298A3-9FB6-A94B-9B89-B7BEF4FA3D19}" dt="2025-06-09T21:21:18.428" v="190" actId="1076"/>
+          <ac:cxnSpMkLst>
+            <pc:docMk/>
+            <pc:sldMk cId="1818165424" sldId="258"/>
+            <ac:cxnSpMk id="8" creationId="{92309F85-9444-21BC-07FE-50FFA00F0ED0}"/>
+          </ac:cxnSpMkLst>
+        </pc:cxnChg>
+        <pc:cxnChg chg="add mod">
+          <ac:chgData name="Barkasi, Michael" userId="604489e9-c8b5-4a18-ae0d-3a3e29c44efc" providerId="ADAL" clId="{D47298A3-9FB6-A94B-9B89-B7BEF4FA3D19}" dt="2025-06-09T19:44:02.048" v="120" actId="14100"/>
+          <ac:cxnSpMkLst>
+            <pc:docMk/>
+            <pc:sldMk cId="1818165424" sldId="258"/>
+            <ac:cxnSpMk id="10" creationId="{D928DCFB-D051-79B8-9420-10BDA995D950}"/>
+          </ac:cxnSpMkLst>
+        </pc:cxnChg>
+        <pc:cxnChg chg="add mod">
+          <ac:chgData name="Barkasi, Michael" userId="604489e9-c8b5-4a18-ae0d-3a3e29c44efc" providerId="ADAL" clId="{D47298A3-9FB6-A94B-9B89-B7BEF4FA3D19}" dt="2025-06-09T19:44:37.368" v="122" actId="14100"/>
+          <ac:cxnSpMkLst>
+            <pc:docMk/>
+            <pc:sldMk cId="1818165424" sldId="258"/>
+            <ac:cxnSpMk id="13" creationId="{02B9001C-20BD-4CA0-C2F9-755A24E8639B}"/>
+          </ac:cxnSpMkLst>
+        </pc:cxnChg>
+      </pc:sldChg>
+      <pc:sldMasterChg chg="modSp modSldLayout">
+        <pc:chgData name="Barkasi, Michael" userId="604489e9-c8b5-4a18-ae0d-3a3e29c44efc" providerId="ADAL" clId="{D47298A3-9FB6-A94B-9B89-B7BEF4FA3D19}" dt="2025-06-09T19:37:51.048" v="8"/>
+        <pc:sldMasterMkLst>
+          <pc:docMk/>
+          <pc:sldMasterMk cId="1238286571" sldId="2147483672"/>
+        </pc:sldMasterMkLst>
+        <pc:spChg chg="mod">
+          <ac:chgData name="Barkasi, Michael" userId="604489e9-c8b5-4a18-ae0d-3a3e29c44efc" providerId="ADAL" clId="{D47298A3-9FB6-A94B-9B89-B7BEF4FA3D19}" dt="2025-06-09T19:37:51.048" v="8"/>
+          <ac:spMkLst>
+            <pc:docMk/>
+            <pc:sldMasterMk cId="1238286571" sldId="2147483672"/>
+            <ac:spMk id="2" creationId="{00000000-0000-0000-0000-000000000000}"/>
+          </ac:spMkLst>
+        </pc:spChg>
+        <pc:spChg chg="mod">
+          <ac:chgData name="Barkasi, Michael" userId="604489e9-c8b5-4a18-ae0d-3a3e29c44efc" providerId="ADAL" clId="{D47298A3-9FB6-A94B-9B89-B7BEF4FA3D19}" dt="2025-06-09T19:37:51.048" v="8"/>
+          <ac:spMkLst>
+            <pc:docMk/>
+            <pc:sldMasterMk cId="1238286571" sldId="2147483672"/>
+            <ac:spMk id="3" creationId="{00000000-0000-0000-0000-000000000000}"/>
+          </ac:spMkLst>
+        </pc:spChg>
+        <pc:spChg chg="mod">
+          <ac:chgData name="Barkasi, Michael" userId="604489e9-c8b5-4a18-ae0d-3a3e29c44efc" providerId="ADAL" clId="{D47298A3-9FB6-A94B-9B89-B7BEF4FA3D19}" dt="2025-06-09T19:37:51.048" v="8"/>
+          <ac:spMkLst>
+            <pc:docMk/>
+            <pc:sldMasterMk cId="1238286571" sldId="2147483672"/>
+            <ac:spMk id="4" creationId="{00000000-0000-0000-0000-000000000000}"/>
+          </ac:spMkLst>
+        </pc:spChg>
+        <pc:spChg chg="mod">
+          <ac:chgData name="Barkasi, Michael" userId="604489e9-c8b5-4a18-ae0d-3a3e29c44efc" providerId="ADAL" clId="{D47298A3-9FB6-A94B-9B89-B7BEF4FA3D19}" dt="2025-06-09T19:37:51.048" v="8"/>
+          <ac:spMkLst>
+            <pc:docMk/>
+            <pc:sldMasterMk cId="1238286571" sldId="2147483672"/>
+            <ac:spMk id="5" creationId="{00000000-0000-0000-0000-000000000000}"/>
+          </ac:spMkLst>
+        </pc:spChg>
+        <pc:spChg chg="mod">
+          <ac:chgData name="Barkasi, Michael" userId="604489e9-c8b5-4a18-ae0d-3a3e29c44efc" providerId="ADAL" clId="{D47298A3-9FB6-A94B-9B89-B7BEF4FA3D19}" dt="2025-06-09T19:37:51.048" v="8"/>
+          <ac:spMkLst>
+            <pc:docMk/>
+            <pc:sldMasterMk cId="1238286571" sldId="2147483672"/>
+            <ac:spMk id="6" creationId="{00000000-0000-0000-0000-000000000000}"/>
+          </ac:spMkLst>
+        </pc:spChg>
+        <pc:sldLayoutChg chg="modSp">
+          <pc:chgData name="Barkasi, Michael" userId="604489e9-c8b5-4a18-ae0d-3a3e29c44efc" providerId="ADAL" clId="{D47298A3-9FB6-A94B-9B89-B7BEF4FA3D19}" dt="2025-06-09T19:37:51.048" v="8"/>
+          <pc:sldLayoutMkLst>
+            <pc:docMk/>
+            <pc:sldMasterMk cId="1238286571" sldId="2147483672"/>
+            <pc:sldLayoutMk cId="1126041070" sldId="2147483673"/>
+          </pc:sldLayoutMkLst>
+          <pc:spChg chg="mod">
+            <ac:chgData name="Barkasi, Michael" userId="604489e9-c8b5-4a18-ae0d-3a3e29c44efc" providerId="ADAL" clId="{D47298A3-9FB6-A94B-9B89-B7BEF4FA3D19}" dt="2025-06-09T19:37:51.048" v="8"/>
+            <ac:spMkLst>
+              <pc:docMk/>
+              <pc:sldMasterMk cId="1238286571" sldId="2147483672"/>
+              <pc:sldLayoutMk cId="1126041070" sldId="2147483673"/>
+              <ac:spMk id="2" creationId="{00000000-0000-0000-0000-000000000000}"/>
+            </ac:spMkLst>
+          </pc:spChg>
+          <pc:spChg chg="mod">
+            <ac:chgData name="Barkasi, Michael" userId="604489e9-c8b5-4a18-ae0d-3a3e29c44efc" providerId="ADAL" clId="{D47298A3-9FB6-A94B-9B89-B7BEF4FA3D19}" dt="2025-06-09T19:37:51.048" v="8"/>
+            <ac:spMkLst>
+              <pc:docMk/>
+              <pc:sldMasterMk cId="1238286571" sldId="2147483672"/>
+              <pc:sldLayoutMk cId="1126041070" sldId="2147483673"/>
+              <ac:spMk id="3" creationId="{00000000-0000-0000-0000-000000000000}"/>
+            </ac:spMkLst>
+          </pc:spChg>
+        </pc:sldLayoutChg>
+        <pc:sldLayoutChg chg="modSp">
+          <pc:chgData name="Barkasi, Michael" userId="604489e9-c8b5-4a18-ae0d-3a3e29c44efc" providerId="ADAL" clId="{D47298A3-9FB6-A94B-9B89-B7BEF4FA3D19}" dt="2025-06-09T19:37:51.048" v="8"/>
+          <pc:sldLayoutMkLst>
+            <pc:docMk/>
+            <pc:sldMasterMk cId="1238286571" sldId="2147483672"/>
+            <pc:sldLayoutMk cId="301873738" sldId="2147483675"/>
+          </pc:sldLayoutMkLst>
+          <pc:spChg chg="mod">
+            <ac:chgData name="Barkasi, Michael" userId="604489e9-c8b5-4a18-ae0d-3a3e29c44efc" providerId="ADAL" clId="{D47298A3-9FB6-A94B-9B89-B7BEF4FA3D19}" dt="2025-06-09T19:37:51.048" v="8"/>
+            <ac:spMkLst>
+              <pc:docMk/>
+              <pc:sldMasterMk cId="1238286571" sldId="2147483672"/>
+              <pc:sldLayoutMk cId="301873738" sldId="2147483675"/>
+              <ac:spMk id="2" creationId="{00000000-0000-0000-0000-000000000000}"/>
+            </ac:spMkLst>
+          </pc:spChg>
+          <pc:spChg chg="mod">
+            <ac:chgData name="Barkasi, Michael" userId="604489e9-c8b5-4a18-ae0d-3a3e29c44efc" providerId="ADAL" clId="{D47298A3-9FB6-A94B-9B89-B7BEF4FA3D19}" dt="2025-06-09T19:37:51.048" v="8"/>
+            <ac:spMkLst>
+              <pc:docMk/>
+              <pc:sldMasterMk cId="1238286571" sldId="2147483672"/>
+              <pc:sldLayoutMk cId="301873738" sldId="2147483675"/>
+              <ac:spMk id="3" creationId="{00000000-0000-0000-0000-000000000000}"/>
+            </ac:spMkLst>
+          </pc:spChg>
+        </pc:sldLayoutChg>
+        <pc:sldLayoutChg chg="modSp">
+          <pc:chgData name="Barkasi, Michael" userId="604489e9-c8b5-4a18-ae0d-3a3e29c44efc" providerId="ADAL" clId="{D47298A3-9FB6-A94B-9B89-B7BEF4FA3D19}" dt="2025-06-09T19:37:51.048" v="8"/>
+          <pc:sldLayoutMkLst>
+            <pc:docMk/>
+            <pc:sldMasterMk cId="1238286571" sldId="2147483672"/>
+            <pc:sldLayoutMk cId="1938351253" sldId="2147483676"/>
+          </pc:sldLayoutMkLst>
+          <pc:spChg chg="mod">
+            <ac:chgData name="Barkasi, Michael" userId="604489e9-c8b5-4a18-ae0d-3a3e29c44efc" providerId="ADAL" clId="{D47298A3-9FB6-A94B-9B89-B7BEF4FA3D19}" dt="2025-06-09T19:37:51.048" v="8"/>
+            <ac:spMkLst>
+              <pc:docMk/>
+              <pc:sldMasterMk cId="1238286571" sldId="2147483672"/>
+              <pc:sldLayoutMk cId="1938351253" sldId="2147483676"/>
+              <ac:spMk id="3" creationId="{00000000-0000-0000-0000-000000000000}"/>
+            </ac:spMkLst>
+          </pc:spChg>
+          <pc:spChg chg="mod">
+            <ac:chgData name="Barkasi, Michael" userId="604489e9-c8b5-4a18-ae0d-3a3e29c44efc" providerId="ADAL" clId="{D47298A3-9FB6-A94B-9B89-B7BEF4FA3D19}" dt="2025-06-09T19:37:51.048" v="8"/>
+            <ac:spMkLst>
+              <pc:docMk/>
+              <pc:sldMasterMk cId="1238286571" sldId="2147483672"/>
+              <pc:sldLayoutMk cId="1938351253" sldId="2147483676"/>
+              <ac:spMk id="4" creationId="{00000000-0000-0000-0000-000000000000}"/>
+            </ac:spMkLst>
+          </pc:spChg>
+        </pc:sldLayoutChg>
+        <pc:sldLayoutChg chg="modSp">
+          <pc:chgData name="Barkasi, Michael" userId="604489e9-c8b5-4a18-ae0d-3a3e29c44efc" providerId="ADAL" clId="{D47298A3-9FB6-A94B-9B89-B7BEF4FA3D19}" dt="2025-06-09T19:37:51.048" v="8"/>
+          <pc:sldLayoutMkLst>
+            <pc:docMk/>
+            <pc:sldMasterMk cId="1238286571" sldId="2147483672"/>
+            <pc:sldLayoutMk cId="3933334897" sldId="2147483677"/>
+          </pc:sldLayoutMkLst>
+          <pc:spChg chg="mod">
+            <ac:chgData name="Barkasi, Michael" userId="604489e9-c8b5-4a18-ae0d-3a3e29c44efc" providerId="ADAL" clId="{D47298A3-9FB6-A94B-9B89-B7BEF4FA3D19}" dt="2025-06-09T19:37:51.048" v="8"/>
+            <ac:spMkLst>
+              <pc:docMk/>
+              <pc:sldMasterMk cId="1238286571" sldId="2147483672"/>
+              <pc:sldLayoutMk cId="3933334897" sldId="2147483677"/>
+              <ac:spMk id="2" creationId="{00000000-0000-0000-0000-000000000000}"/>
+            </ac:spMkLst>
+          </pc:spChg>
+          <pc:spChg chg="mod">
+            <ac:chgData name="Barkasi, Michael" userId="604489e9-c8b5-4a18-ae0d-3a3e29c44efc" providerId="ADAL" clId="{D47298A3-9FB6-A94B-9B89-B7BEF4FA3D19}" dt="2025-06-09T19:37:51.048" v="8"/>
+            <ac:spMkLst>
+              <pc:docMk/>
+              <pc:sldMasterMk cId="1238286571" sldId="2147483672"/>
+              <pc:sldLayoutMk cId="3933334897" sldId="2147483677"/>
+              <ac:spMk id="3" creationId="{00000000-0000-0000-0000-000000000000}"/>
+            </ac:spMkLst>
+          </pc:spChg>
+          <pc:spChg chg="mod">
+            <ac:chgData name="Barkasi, Michael" userId="604489e9-c8b5-4a18-ae0d-3a3e29c44efc" providerId="ADAL" clId="{D47298A3-9FB6-A94B-9B89-B7BEF4FA3D19}" dt="2025-06-09T19:37:51.048" v="8"/>
+            <ac:spMkLst>
+              <pc:docMk/>
+              <pc:sldMasterMk cId="1238286571" sldId="2147483672"/>
+              <pc:sldLayoutMk cId="3933334897" sldId="2147483677"/>
+              <ac:spMk id="4" creationId="{00000000-0000-0000-0000-000000000000}"/>
+            </ac:spMkLst>
+          </pc:spChg>
+          <pc:spChg chg="mod">
+            <ac:chgData name="Barkasi, Michael" userId="604489e9-c8b5-4a18-ae0d-3a3e29c44efc" providerId="ADAL" clId="{D47298A3-9FB6-A94B-9B89-B7BEF4FA3D19}" dt="2025-06-09T19:37:51.048" v="8"/>
+            <ac:spMkLst>
+              <pc:docMk/>
+              <pc:sldMasterMk cId="1238286571" sldId="2147483672"/>
+              <pc:sldLayoutMk cId="3933334897" sldId="2147483677"/>
+              <ac:spMk id="5" creationId="{00000000-0000-0000-0000-000000000000}"/>
+            </ac:spMkLst>
+          </pc:spChg>
+          <pc:spChg chg="mod">
+            <ac:chgData name="Barkasi, Michael" userId="604489e9-c8b5-4a18-ae0d-3a3e29c44efc" providerId="ADAL" clId="{D47298A3-9FB6-A94B-9B89-B7BEF4FA3D19}" dt="2025-06-09T19:37:51.048" v="8"/>
+            <ac:spMkLst>
+              <pc:docMk/>
+              <pc:sldMasterMk cId="1238286571" sldId="2147483672"/>
+              <pc:sldLayoutMk cId="3933334897" sldId="2147483677"/>
+              <ac:spMk id="6" creationId="{00000000-0000-0000-0000-000000000000}"/>
+            </ac:spMkLst>
+          </pc:spChg>
+        </pc:sldLayoutChg>
+        <pc:sldLayoutChg chg="modSp">
+          <pc:chgData name="Barkasi, Michael" userId="604489e9-c8b5-4a18-ae0d-3a3e29c44efc" providerId="ADAL" clId="{D47298A3-9FB6-A94B-9B89-B7BEF4FA3D19}" dt="2025-06-09T19:37:51.048" v="8"/>
+          <pc:sldLayoutMkLst>
+            <pc:docMk/>
+            <pc:sldMasterMk cId="1238286571" sldId="2147483672"/>
+            <pc:sldLayoutMk cId="3117661625" sldId="2147483680"/>
+          </pc:sldLayoutMkLst>
+          <pc:spChg chg="mod">
+            <ac:chgData name="Barkasi, Michael" userId="604489e9-c8b5-4a18-ae0d-3a3e29c44efc" providerId="ADAL" clId="{D47298A3-9FB6-A94B-9B89-B7BEF4FA3D19}" dt="2025-06-09T19:37:51.048" v="8"/>
+            <ac:spMkLst>
+              <pc:docMk/>
+              <pc:sldMasterMk cId="1238286571" sldId="2147483672"/>
+              <pc:sldLayoutMk cId="3117661625" sldId="2147483680"/>
+              <ac:spMk id="2" creationId="{00000000-0000-0000-0000-000000000000}"/>
+            </ac:spMkLst>
+          </pc:spChg>
+          <pc:spChg chg="mod">
+            <ac:chgData name="Barkasi, Michael" userId="604489e9-c8b5-4a18-ae0d-3a3e29c44efc" providerId="ADAL" clId="{D47298A3-9FB6-A94B-9B89-B7BEF4FA3D19}" dt="2025-06-09T19:37:51.048" v="8"/>
+            <ac:spMkLst>
+              <pc:docMk/>
+              <pc:sldMasterMk cId="1238286571" sldId="2147483672"/>
+              <pc:sldLayoutMk cId="3117661625" sldId="2147483680"/>
+              <ac:spMk id="3" creationId="{00000000-0000-0000-0000-000000000000}"/>
+            </ac:spMkLst>
+          </pc:spChg>
+          <pc:spChg chg="mod">
+            <ac:chgData name="Barkasi, Michael" userId="604489e9-c8b5-4a18-ae0d-3a3e29c44efc" providerId="ADAL" clId="{D47298A3-9FB6-A94B-9B89-B7BEF4FA3D19}" dt="2025-06-09T19:37:51.048" v="8"/>
+            <ac:spMkLst>
+              <pc:docMk/>
+              <pc:sldMasterMk cId="1238286571" sldId="2147483672"/>
+              <pc:sldLayoutMk cId="3117661625" sldId="2147483680"/>
+              <ac:spMk id="4" creationId="{00000000-0000-0000-0000-000000000000}"/>
+            </ac:spMkLst>
+          </pc:spChg>
+        </pc:sldLayoutChg>
+        <pc:sldLayoutChg chg="modSp">
+          <pc:chgData name="Barkasi, Michael" userId="604489e9-c8b5-4a18-ae0d-3a3e29c44efc" providerId="ADAL" clId="{D47298A3-9FB6-A94B-9B89-B7BEF4FA3D19}" dt="2025-06-09T19:37:51.048" v="8"/>
+          <pc:sldLayoutMkLst>
+            <pc:docMk/>
+            <pc:sldMasterMk cId="1238286571" sldId="2147483672"/>
+            <pc:sldLayoutMk cId="3865056719" sldId="2147483681"/>
+          </pc:sldLayoutMkLst>
+          <pc:spChg chg="mod">
+            <ac:chgData name="Barkasi, Michael" userId="604489e9-c8b5-4a18-ae0d-3a3e29c44efc" providerId="ADAL" clId="{D47298A3-9FB6-A94B-9B89-B7BEF4FA3D19}" dt="2025-06-09T19:37:51.048" v="8"/>
+            <ac:spMkLst>
+              <pc:docMk/>
+              <pc:sldMasterMk cId="1238286571" sldId="2147483672"/>
+              <pc:sldLayoutMk cId="3865056719" sldId="2147483681"/>
+              <ac:spMk id="2" creationId="{00000000-0000-0000-0000-000000000000}"/>
+            </ac:spMkLst>
+          </pc:spChg>
+          <pc:spChg chg="mod">
+            <ac:chgData name="Barkasi, Michael" userId="604489e9-c8b5-4a18-ae0d-3a3e29c44efc" providerId="ADAL" clId="{D47298A3-9FB6-A94B-9B89-B7BEF4FA3D19}" dt="2025-06-09T19:37:51.048" v="8"/>
+            <ac:spMkLst>
+              <pc:docMk/>
+              <pc:sldMasterMk cId="1238286571" sldId="2147483672"/>
+              <pc:sldLayoutMk cId="3865056719" sldId="2147483681"/>
+              <ac:spMk id="3" creationId="{00000000-0000-0000-0000-000000000000}"/>
+            </ac:spMkLst>
+          </pc:spChg>
+          <pc:spChg chg="mod">
+            <ac:chgData name="Barkasi, Michael" userId="604489e9-c8b5-4a18-ae0d-3a3e29c44efc" providerId="ADAL" clId="{D47298A3-9FB6-A94B-9B89-B7BEF4FA3D19}" dt="2025-06-09T19:37:51.048" v="8"/>
+            <ac:spMkLst>
+              <pc:docMk/>
+              <pc:sldMasterMk cId="1238286571" sldId="2147483672"/>
+              <pc:sldLayoutMk cId="3865056719" sldId="2147483681"/>
+              <ac:spMk id="4" creationId="{00000000-0000-0000-0000-000000000000}"/>
+            </ac:spMkLst>
+          </pc:spChg>
+        </pc:sldLayoutChg>
+        <pc:sldLayoutChg chg="modSp">
+          <pc:chgData name="Barkasi, Michael" userId="604489e9-c8b5-4a18-ae0d-3a3e29c44efc" providerId="ADAL" clId="{D47298A3-9FB6-A94B-9B89-B7BEF4FA3D19}" dt="2025-06-09T19:37:51.048" v="8"/>
+          <pc:sldLayoutMkLst>
+            <pc:docMk/>
+            <pc:sldMasterMk cId="1238286571" sldId="2147483672"/>
+            <pc:sldLayoutMk cId="1535478862" sldId="2147483683"/>
+          </pc:sldLayoutMkLst>
+          <pc:spChg chg="mod">
+            <ac:chgData name="Barkasi, Michael" userId="604489e9-c8b5-4a18-ae0d-3a3e29c44efc" providerId="ADAL" clId="{D47298A3-9FB6-A94B-9B89-B7BEF4FA3D19}" dt="2025-06-09T19:37:51.048" v="8"/>
+            <ac:spMkLst>
+              <pc:docMk/>
+              <pc:sldMasterMk cId="1238286571" sldId="2147483672"/>
+              <pc:sldLayoutMk cId="1535478862" sldId="2147483683"/>
+              <ac:spMk id="2" creationId="{00000000-0000-0000-0000-000000000000}"/>
+            </ac:spMkLst>
+          </pc:spChg>
+          <pc:spChg chg="mod">
+            <ac:chgData name="Barkasi, Michael" userId="604489e9-c8b5-4a18-ae0d-3a3e29c44efc" providerId="ADAL" clId="{D47298A3-9FB6-A94B-9B89-B7BEF4FA3D19}" dt="2025-06-09T19:37:51.048" v="8"/>
+            <ac:spMkLst>
+              <pc:docMk/>
+              <pc:sldMasterMk cId="1238286571" sldId="2147483672"/>
+              <pc:sldLayoutMk cId="1535478862" sldId="2147483683"/>
+              <ac:spMk id="3" creationId="{00000000-0000-0000-0000-000000000000}"/>
+            </ac:spMkLst>
+          </pc:spChg>
+        </pc:sldLayoutChg>
+      </pc:sldMasterChg>
     </pc:docChg>
   </pc:docChgLst>
 </pc:chgInfo>
@@ -698,8 +1246,8 @@
         </p:nvSpPr>
         <p:spPr>
           <a:xfrm>
-            <a:off x="1524000" y="1143000"/>
-            <a:ext cx="3810000" cy="3086100"/>
+            <a:off x="1114425" y="1143000"/>
+            <a:ext cx="4629150" cy="3086100"/>
           </a:xfrm>
           <a:prstGeom prst="rect">
             <a:avLst/>
@@ -947,90 +1495,6 @@
 </p:notesMaster>
 </file>
 
-<file path=ppt/notesSlides/notesSlide1.xml><?xml version="1.0" encoding="utf-8"?>
-<p:notes xmlns:a="http://schemas.openxmlformats.org/drawingml/2006/main" xmlns:r="http://schemas.openxmlformats.org/officeDocument/2006/relationships" xmlns:p="http://schemas.openxmlformats.org/presentationml/2006/main">
-  <p:cSld>
-    <p:spTree>
-      <p:nvGrpSpPr>
-        <p:cNvPr id="1" name=""/>
-        <p:cNvGrpSpPr/>
-        <p:nvPr/>
-      </p:nvGrpSpPr>
-      <p:grpSpPr>
-        <a:xfrm>
-          <a:off x="0" y="0"/>
-          <a:ext cx="0" cy="0"/>
-          <a:chOff x="0" y="0"/>
-          <a:chExt cx="0" cy="0"/>
-        </a:xfrm>
-      </p:grpSpPr>
-      <p:sp>
-        <p:nvSpPr>
-          <p:cNvPr id="2" name="Slide Image Placeholder 1"/>
-          <p:cNvSpPr>
-            <a:spLocks noGrp="1" noRot="1" noChangeAspect="1"/>
-          </p:cNvSpPr>
-          <p:nvPr>
-            <p:ph type="sldImg"/>
-          </p:nvPr>
-        </p:nvSpPr>
-        <p:spPr/>
-      </p:sp>
-      <p:sp>
-        <p:nvSpPr>
-          <p:cNvPr id="3" name="Notes Placeholder 2"/>
-          <p:cNvSpPr>
-            <a:spLocks noGrp="1"/>
-          </p:cNvSpPr>
-          <p:nvPr>
-            <p:ph type="body" idx="1"/>
-          </p:nvPr>
-        </p:nvSpPr>
-        <p:spPr/>
-        <p:txBody>
-          <a:bodyPr/>
-          <a:lstStyle/>
-          <a:p>
-            <a:endParaRPr lang="en-US" dirty="0"/>
-          </a:p>
-        </p:txBody>
-      </p:sp>
-      <p:sp>
-        <p:nvSpPr>
-          <p:cNvPr id="4" name="Slide Number Placeholder 3"/>
-          <p:cNvSpPr>
-            <a:spLocks noGrp="1"/>
-          </p:cNvSpPr>
-          <p:nvPr>
-            <p:ph type="sldNum" sz="quarter" idx="5"/>
-          </p:nvPr>
-        </p:nvSpPr>
-        <p:spPr/>
-        <p:txBody>
-          <a:bodyPr/>
-          <a:lstStyle/>
-          <a:p>
-            <a:fld id="{D87355D0-5C22-A449-ACEB-669054485924}" type="slidenum">
-              <a:rPr lang="en-US" smtClean="0"/>
-              <a:t>1</a:t>
-            </a:fld>
-            <a:endParaRPr lang="en-US"/>
-          </a:p>
-        </p:txBody>
-      </p:sp>
-    </p:spTree>
-    <p:extLst>
-      <p:ext uri="{BB962C8B-B14F-4D97-AF65-F5344CB8AC3E}">
-        <p14:creationId xmlns:p14="http://schemas.microsoft.com/office/powerpoint/2010/main" val="306015718"/>
-      </p:ext>
-    </p:extLst>
-  </p:cSld>
-  <p:clrMapOvr>
-    <a:masterClrMapping/>
-  </p:clrMapOvr>
-</p:notes>
-</file>
-
 <file path=ppt/slideLayouts/slideLayout1.xml><?xml version="1.0" encoding="utf-8"?>
 <p:sldLayout xmlns:a="http://schemas.openxmlformats.org/drawingml/2006/main" xmlns:r="http://schemas.openxmlformats.org/officeDocument/2006/relationships" xmlns:p="http://schemas.openxmlformats.org/presentationml/2006/main" type="title" preserve="1">
   <p:cSld name="Title Slide">
@@ -1060,15 +1524,15 @@
         </p:nvSpPr>
         <p:spPr>
           <a:xfrm>
-            <a:off x="990957" y="1750834"/>
-            <a:ext cx="11230849" cy="3724546"/>
+            <a:off x="822960" y="1197187"/>
+            <a:ext cx="9326880" cy="2546773"/>
           </a:xfrm>
         </p:spPr>
         <p:txBody>
           <a:bodyPr anchor="b"/>
           <a:lstStyle>
             <a:lvl1pPr algn="ctr">
-              <a:defRPr sz="8670"/>
+              <a:defRPr sz="6400"/>
             </a:lvl1pPr>
           </a:lstStyle>
           <a:p>
@@ -1092,8 +1556,8 @@
         </p:nvSpPr>
         <p:spPr>
           <a:xfrm>
-            <a:off x="1651596" y="5619013"/>
-            <a:ext cx="9909572" cy="2582912"/>
+            <a:off x="1371600" y="3842174"/>
+            <a:ext cx="8229600" cy="1766146"/>
           </a:xfrm>
         </p:spPr>
         <p:txBody>
@@ -1101,39 +1565,39 @@
           <a:lstStyle>
             <a:lvl1pPr marL="0" indent="0" algn="ctr">
               <a:buNone/>
-              <a:defRPr sz="3468"/>
+              <a:defRPr sz="2560"/>
             </a:lvl1pPr>
-            <a:lvl2pPr marL="660654" indent="0" algn="ctr">
-              <a:buNone/>
-              <a:defRPr sz="2890"/>
+            <a:lvl2pPr marL="487695" indent="0" algn="ctr">
+              <a:buNone/>
+              <a:defRPr sz="2133"/>
             </a:lvl2pPr>
-            <a:lvl3pPr marL="1321308" indent="0" algn="ctr">
-              <a:buNone/>
-              <a:defRPr sz="2601"/>
+            <a:lvl3pPr marL="975390" indent="0" algn="ctr">
+              <a:buNone/>
+              <a:defRPr sz="1920"/>
             </a:lvl3pPr>
-            <a:lvl4pPr marL="1981962" indent="0" algn="ctr">
-              <a:buNone/>
-              <a:defRPr sz="2312"/>
+            <a:lvl4pPr marL="1463086" indent="0" algn="ctr">
+              <a:buNone/>
+              <a:defRPr sz="1707"/>
             </a:lvl4pPr>
-            <a:lvl5pPr marL="2642616" indent="0" algn="ctr">
-              <a:buNone/>
-              <a:defRPr sz="2312"/>
+            <a:lvl5pPr marL="1950781" indent="0" algn="ctr">
+              <a:buNone/>
+              <a:defRPr sz="1707"/>
             </a:lvl5pPr>
-            <a:lvl6pPr marL="3303270" indent="0" algn="ctr">
-              <a:buNone/>
-              <a:defRPr sz="2312"/>
+            <a:lvl6pPr marL="2438476" indent="0" algn="ctr">
+              <a:buNone/>
+              <a:defRPr sz="1707"/>
             </a:lvl6pPr>
-            <a:lvl7pPr marL="3963924" indent="0" algn="ctr">
-              <a:buNone/>
-              <a:defRPr sz="2312"/>
+            <a:lvl7pPr marL="2926171" indent="0" algn="ctr">
+              <a:buNone/>
+              <a:defRPr sz="1707"/>
             </a:lvl7pPr>
-            <a:lvl8pPr marL="4624578" indent="0" algn="ctr">
-              <a:buNone/>
-              <a:defRPr sz="2312"/>
+            <a:lvl8pPr marL="3413867" indent="0" algn="ctr">
+              <a:buNone/>
+              <a:defRPr sz="1707"/>
             </a:lvl8pPr>
-            <a:lvl9pPr marL="5285232" indent="0" algn="ctr">
-              <a:buNone/>
-              <a:defRPr sz="2312"/>
+            <a:lvl9pPr marL="3901562" indent="0" algn="ctr">
+              <a:buNone/>
+              <a:defRPr sz="1707"/>
             </a:lvl9pPr>
           </a:lstStyle>
           <a:p>
@@ -1213,7 +1677,7 @@
     </p:spTree>
     <p:extLst>
       <p:ext uri="{BB962C8B-B14F-4D97-AF65-F5344CB8AC3E}">
-        <p14:creationId xmlns:p14="http://schemas.microsoft.com/office/powerpoint/2010/main" val="1126041070"/>
+        <p14:creationId xmlns:p14="http://schemas.microsoft.com/office/powerpoint/2010/main" val="1106598043"/>
       </p:ext>
     </p:extLst>
   </p:cSld>
@@ -1383,7 +1847,7 @@
     </p:spTree>
     <p:extLst>
       <p:ext uri="{BB962C8B-B14F-4D97-AF65-F5344CB8AC3E}">
-        <p14:creationId xmlns:p14="http://schemas.microsoft.com/office/powerpoint/2010/main" val="3860965866"/>
+        <p14:creationId xmlns:p14="http://schemas.microsoft.com/office/powerpoint/2010/main" val="2833916787"/>
       </p:ext>
     </p:extLst>
   </p:cSld>
@@ -1422,8 +1886,8 @@
         </p:nvSpPr>
         <p:spPr>
           <a:xfrm>
-            <a:off x="9455384" y="569578"/>
-            <a:ext cx="2849002" cy="9066199"/>
+            <a:off x="7852411" y="389467"/>
+            <a:ext cx="2366010" cy="6199294"/>
           </a:xfrm>
         </p:spPr>
         <p:txBody>
@@ -1450,8 +1914,8 @@
         </p:nvSpPr>
         <p:spPr>
           <a:xfrm>
-            <a:off x="908378" y="569578"/>
-            <a:ext cx="8381847" cy="9066199"/>
+            <a:off x="754381" y="389467"/>
+            <a:ext cx="6960870" cy="6199294"/>
           </a:xfrm>
         </p:spPr>
         <p:txBody>
@@ -1563,7 +2027,7 @@
     </p:spTree>
     <p:extLst>
       <p:ext uri="{BB962C8B-B14F-4D97-AF65-F5344CB8AC3E}">
-        <p14:creationId xmlns:p14="http://schemas.microsoft.com/office/powerpoint/2010/main" val="1535478862"/>
+        <p14:creationId xmlns:p14="http://schemas.microsoft.com/office/powerpoint/2010/main" val="1288269833"/>
       </p:ext>
     </p:extLst>
   </p:cSld>
@@ -1733,7 +2197,7 @@
     </p:spTree>
     <p:extLst>
       <p:ext uri="{BB962C8B-B14F-4D97-AF65-F5344CB8AC3E}">
-        <p14:creationId xmlns:p14="http://schemas.microsoft.com/office/powerpoint/2010/main" val="1332273509"/>
+        <p14:creationId xmlns:p14="http://schemas.microsoft.com/office/powerpoint/2010/main" val="3016693533"/>
       </p:ext>
     </p:extLst>
   </p:cSld>
@@ -1772,15 +2236,15 @@
         </p:nvSpPr>
         <p:spPr>
           <a:xfrm>
-            <a:off x="901497" y="2667115"/>
-            <a:ext cx="11396008" cy="4450138"/>
+            <a:off x="748666" y="1823722"/>
+            <a:ext cx="9464040" cy="3042919"/>
           </a:xfrm>
         </p:spPr>
         <p:txBody>
           <a:bodyPr anchor="b"/>
           <a:lstStyle>
             <a:lvl1pPr>
-              <a:defRPr sz="8670"/>
+              <a:defRPr sz="6400"/>
             </a:lvl1pPr>
           </a:lstStyle>
           <a:p>
@@ -1804,8 +2268,8 @@
         </p:nvSpPr>
         <p:spPr>
           <a:xfrm>
-            <a:off x="901497" y="7159353"/>
-            <a:ext cx="11396008" cy="2340222"/>
+            <a:off x="748666" y="4895429"/>
+            <a:ext cx="9464040" cy="1600199"/>
           </a:xfrm>
         </p:spPr>
         <p:txBody>
@@ -1813,7 +2277,7 @@
           <a:lstStyle>
             <a:lvl1pPr marL="0" indent="0">
               <a:buNone/>
-              <a:defRPr sz="3468">
+              <a:defRPr sz="2560">
                 <a:solidFill>
                   <a:schemeClr val="tx1">
                     <a:tint val="82000"/>
@@ -1821,9 +2285,9 @@
                 </a:solidFill>
               </a:defRPr>
             </a:lvl1pPr>
-            <a:lvl2pPr marL="660654" indent="0">
-              <a:buNone/>
-              <a:defRPr sz="2890">
+            <a:lvl2pPr marL="487695" indent="0">
+              <a:buNone/>
+              <a:defRPr sz="2133">
                 <a:solidFill>
                   <a:schemeClr val="tx1">
                     <a:tint val="82000"/>
@@ -1831,9 +2295,9 @@
                 </a:solidFill>
               </a:defRPr>
             </a:lvl2pPr>
-            <a:lvl3pPr marL="1321308" indent="0">
-              <a:buNone/>
-              <a:defRPr sz="2601">
+            <a:lvl3pPr marL="975390" indent="0">
+              <a:buNone/>
+              <a:defRPr sz="1920">
                 <a:solidFill>
                   <a:schemeClr val="tx1">
                     <a:tint val="82000"/>
@@ -1841,9 +2305,9 @@
                 </a:solidFill>
               </a:defRPr>
             </a:lvl3pPr>
-            <a:lvl4pPr marL="1981962" indent="0">
-              <a:buNone/>
-              <a:defRPr sz="2312">
+            <a:lvl4pPr marL="1463086" indent="0">
+              <a:buNone/>
+              <a:defRPr sz="1707">
                 <a:solidFill>
                   <a:schemeClr val="tx1">
                     <a:tint val="82000"/>
@@ -1851,9 +2315,9 @@
                 </a:solidFill>
               </a:defRPr>
             </a:lvl4pPr>
-            <a:lvl5pPr marL="2642616" indent="0">
-              <a:buNone/>
-              <a:defRPr sz="2312">
+            <a:lvl5pPr marL="1950781" indent="0">
+              <a:buNone/>
+              <a:defRPr sz="1707">
                 <a:solidFill>
                   <a:schemeClr val="tx1">
                     <a:tint val="82000"/>
@@ -1861,9 +2325,9 @@
                 </a:solidFill>
               </a:defRPr>
             </a:lvl5pPr>
-            <a:lvl6pPr marL="3303270" indent="0">
-              <a:buNone/>
-              <a:defRPr sz="2312">
+            <a:lvl6pPr marL="2438476" indent="0">
+              <a:buNone/>
+              <a:defRPr sz="1707">
                 <a:solidFill>
                   <a:schemeClr val="tx1">
                     <a:tint val="82000"/>
@@ -1871,9 +2335,9 @@
                 </a:solidFill>
               </a:defRPr>
             </a:lvl6pPr>
-            <a:lvl7pPr marL="3963924" indent="0">
-              <a:buNone/>
-              <a:defRPr sz="2312">
+            <a:lvl7pPr marL="2926171" indent="0">
+              <a:buNone/>
+              <a:defRPr sz="1707">
                 <a:solidFill>
                   <a:schemeClr val="tx1">
                     <a:tint val="82000"/>
@@ -1881,9 +2345,9 @@
                 </a:solidFill>
               </a:defRPr>
             </a:lvl7pPr>
-            <a:lvl8pPr marL="4624578" indent="0">
-              <a:buNone/>
-              <a:defRPr sz="2312">
+            <a:lvl8pPr marL="3413867" indent="0">
+              <a:buNone/>
+              <a:defRPr sz="1707">
                 <a:solidFill>
                   <a:schemeClr val="tx1">
                     <a:tint val="82000"/>
@@ -1891,9 +2355,9 @@
                 </a:solidFill>
               </a:defRPr>
             </a:lvl8pPr>
-            <a:lvl9pPr marL="5285232" indent="0">
-              <a:buNone/>
-              <a:defRPr sz="2312">
+            <a:lvl9pPr marL="3901562" indent="0">
+              <a:buNone/>
+              <a:defRPr sz="1707">
                 <a:solidFill>
                   <a:schemeClr val="tx1">
                     <a:tint val="82000"/>
@@ -1979,7 +2443,7 @@
     </p:spTree>
     <p:extLst>
       <p:ext uri="{BB962C8B-B14F-4D97-AF65-F5344CB8AC3E}">
-        <p14:creationId xmlns:p14="http://schemas.microsoft.com/office/powerpoint/2010/main" val="301873738"/>
+        <p14:creationId xmlns:p14="http://schemas.microsoft.com/office/powerpoint/2010/main" val="2444515874"/>
       </p:ext>
     </p:extLst>
   </p:cSld>
@@ -2041,8 +2505,8 @@
         </p:nvSpPr>
         <p:spPr>
           <a:xfrm>
-            <a:off x="908378" y="2847891"/>
-            <a:ext cx="5615424" cy="6787886"/>
+            <a:off x="754380" y="1947333"/>
+            <a:ext cx="4663440" cy="4641427"/>
           </a:xfrm>
         </p:spPr>
         <p:txBody>
@@ -2098,8 +2562,8 @@
         </p:nvSpPr>
         <p:spPr>
           <a:xfrm>
-            <a:off x="6688961" y="2847891"/>
-            <a:ext cx="5615424" cy="6787886"/>
+            <a:off x="5554980" y="1947333"/>
+            <a:ext cx="4663440" cy="4641427"/>
           </a:xfrm>
         </p:spPr>
         <p:txBody>
@@ -2211,7 +2675,7 @@
     </p:spTree>
     <p:extLst>
       <p:ext uri="{BB962C8B-B14F-4D97-AF65-F5344CB8AC3E}">
-        <p14:creationId xmlns:p14="http://schemas.microsoft.com/office/powerpoint/2010/main" val="1938351253"/>
+        <p14:creationId xmlns:p14="http://schemas.microsoft.com/office/powerpoint/2010/main" val="4203583714"/>
       </p:ext>
     </p:extLst>
   </p:cSld>
@@ -2250,8 +2714,8 @@
         </p:nvSpPr>
         <p:spPr>
           <a:xfrm>
-            <a:off x="910098" y="569580"/>
-            <a:ext cx="11396008" cy="2067817"/>
+            <a:off x="755809" y="389468"/>
+            <a:ext cx="9464040" cy="1413934"/>
           </a:xfrm>
         </p:spPr>
         <p:txBody>
@@ -2278,8 +2742,8 @@
         </p:nvSpPr>
         <p:spPr>
           <a:xfrm>
-            <a:off x="910100" y="2622536"/>
-            <a:ext cx="5589617" cy="1285265"/>
+            <a:off x="755810" y="1793241"/>
+            <a:ext cx="4642008" cy="878839"/>
           </a:xfrm>
         </p:spPr>
         <p:txBody>
@@ -2287,39 +2751,39 @@
           <a:lstStyle>
             <a:lvl1pPr marL="0" indent="0">
               <a:buNone/>
-              <a:defRPr sz="3468" b="1"/>
+              <a:defRPr sz="2560" b="1"/>
             </a:lvl1pPr>
-            <a:lvl2pPr marL="660654" indent="0">
-              <a:buNone/>
-              <a:defRPr sz="2890" b="1"/>
+            <a:lvl2pPr marL="487695" indent="0">
+              <a:buNone/>
+              <a:defRPr sz="2133" b="1"/>
             </a:lvl2pPr>
-            <a:lvl3pPr marL="1321308" indent="0">
-              <a:buNone/>
-              <a:defRPr sz="2601" b="1"/>
+            <a:lvl3pPr marL="975390" indent="0">
+              <a:buNone/>
+              <a:defRPr sz="1920" b="1"/>
             </a:lvl3pPr>
-            <a:lvl4pPr marL="1981962" indent="0">
-              <a:buNone/>
-              <a:defRPr sz="2312" b="1"/>
+            <a:lvl4pPr marL="1463086" indent="0">
+              <a:buNone/>
+              <a:defRPr sz="1707" b="1"/>
             </a:lvl4pPr>
-            <a:lvl5pPr marL="2642616" indent="0">
-              <a:buNone/>
-              <a:defRPr sz="2312" b="1"/>
+            <a:lvl5pPr marL="1950781" indent="0">
+              <a:buNone/>
+              <a:defRPr sz="1707" b="1"/>
             </a:lvl5pPr>
-            <a:lvl6pPr marL="3303270" indent="0">
-              <a:buNone/>
-              <a:defRPr sz="2312" b="1"/>
+            <a:lvl6pPr marL="2438476" indent="0">
+              <a:buNone/>
+              <a:defRPr sz="1707" b="1"/>
             </a:lvl6pPr>
-            <a:lvl7pPr marL="3963924" indent="0">
-              <a:buNone/>
-              <a:defRPr sz="2312" b="1"/>
+            <a:lvl7pPr marL="2926171" indent="0">
+              <a:buNone/>
+              <a:defRPr sz="1707" b="1"/>
             </a:lvl7pPr>
-            <a:lvl8pPr marL="4624578" indent="0">
-              <a:buNone/>
-              <a:defRPr sz="2312" b="1"/>
+            <a:lvl8pPr marL="3413867" indent="0">
+              <a:buNone/>
+              <a:defRPr sz="1707" b="1"/>
             </a:lvl8pPr>
-            <a:lvl9pPr marL="5285232" indent="0">
-              <a:buNone/>
-              <a:defRPr sz="2312" b="1"/>
+            <a:lvl9pPr marL="3901562" indent="0">
+              <a:buNone/>
+              <a:defRPr sz="1707" b="1"/>
             </a:lvl9pPr>
           </a:lstStyle>
           <a:p>
@@ -2343,8 +2807,8 @@
         </p:nvSpPr>
         <p:spPr>
           <a:xfrm>
-            <a:off x="910100" y="3907801"/>
-            <a:ext cx="5589617" cy="5747787"/>
+            <a:off x="755810" y="2672080"/>
+            <a:ext cx="4642008" cy="3930227"/>
           </a:xfrm>
         </p:spPr>
         <p:txBody>
@@ -2400,8 +2864,8 @@
         </p:nvSpPr>
         <p:spPr>
           <a:xfrm>
-            <a:off x="6688962" y="2622536"/>
-            <a:ext cx="5617145" cy="1285265"/>
+            <a:off x="5554981" y="1793241"/>
+            <a:ext cx="4664869" cy="878839"/>
           </a:xfrm>
         </p:spPr>
         <p:txBody>
@@ -2409,39 +2873,39 @@
           <a:lstStyle>
             <a:lvl1pPr marL="0" indent="0">
               <a:buNone/>
-              <a:defRPr sz="3468" b="1"/>
+              <a:defRPr sz="2560" b="1"/>
             </a:lvl1pPr>
-            <a:lvl2pPr marL="660654" indent="0">
-              <a:buNone/>
-              <a:defRPr sz="2890" b="1"/>
+            <a:lvl2pPr marL="487695" indent="0">
+              <a:buNone/>
+              <a:defRPr sz="2133" b="1"/>
             </a:lvl2pPr>
-            <a:lvl3pPr marL="1321308" indent="0">
-              <a:buNone/>
-              <a:defRPr sz="2601" b="1"/>
+            <a:lvl3pPr marL="975390" indent="0">
+              <a:buNone/>
+              <a:defRPr sz="1920" b="1"/>
             </a:lvl3pPr>
-            <a:lvl4pPr marL="1981962" indent="0">
-              <a:buNone/>
-              <a:defRPr sz="2312" b="1"/>
+            <a:lvl4pPr marL="1463086" indent="0">
+              <a:buNone/>
+              <a:defRPr sz="1707" b="1"/>
             </a:lvl4pPr>
-            <a:lvl5pPr marL="2642616" indent="0">
-              <a:buNone/>
-              <a:defRPr sz="2312" b="1"/>
+            <a:lvl5pPr marL="1950781" indent="0">
+              <a:buNone/>
+              <a:defRPr sz="1707" b="1"/>
             </a:lvl5pPr>
-            <a:lvl6pPr marL="3303270" indent="0">
-              <a:buNone/>
-              <a:defRPr sz="2312" b="1"/>
+            <a:lvl6pPr marL="2438476" indent="0">
+              <a:buNone/>
+              <a:defRPr sz="1707" b="1"/>
             </a:lvl6pPr>
-            <a:lvl7pPr marL="3963924" indent="0">
-              <a:buNone/>
-              <a:defRPr sz="2312" b="1"/>
+            <a:lvl7pPr marL="2926171" indent="0">
+              <a:buNone/>
+              <a:defRPr sz="1707" b="1"/>
             </a:lvl7pPr>
-            <a:lvl8pPr marL="4624578" indent="0">
-              <a:buNone/>
-              <a:defRPr sz="2312" b="1"/>
+            <a:lvl8pPr marL="3413867" indent="0">
+              <a:buNone/>
+              <a:defRPr sz="1707" b="1"/>
             </a:lvl8pPr>
-            <a:lvl9pPr marL="5285232" indent="0">
-              <a:buNone/>
-              <a:defRPr sz="2312" b="1"/>
+            <a:lvl9pPr marL="3901562" indent="0">
+              <a:buNone/>
+              <a:defRPr sz="1707" b="1"/>
             </a:lvl9pPr>
           </a:lstStyle>
           <a:p>
@@ -2465,8 +2929,8 @@
         </p:nvSpPr>
         <p:spPr>
           <a:xfrm>
-            <a:off x="6688962" y="3907801"/>
-            <a:ext cx="5617145" cy="5747787"/>
+            <a:off x="5554981" y="2672080"/>
+            <a:ext cx="4664869" cy="3930227"/>
           </a:xfrm>
         </p:spPr>
         <p:txBody>
@@ -2578,7 +3042,7 @@
     </p:spTree>
     <p:extLst>
       <p:ext uri="{BB962C8B-B14F-4D97-AF65-F5344CB8AC3E}">
-        <p14:creationId xmlns:p14="http://schemas.microsoft.com/office/powerpoint/2010/main" val="3933334897"/>
+        <p14:creationId xmlns:p14="http://schemas.microsoft.com/office/powerpoint/2010/main" val="4235185925"/>
       </p:ext>
     </p:extLst>
   </p:cSld>
@@ -2696,7 +3160,7 @@
     </p:spTree>
     <p:extLst>
       <p:ext uri="{BB962C8B-B14F-4D97-AF65-F5344CB8AC3E}">
-        <p14:creationId xmlns:p14="http://schemas.microsoft.com/office/powerpoint/2010/main" val="3320229858"/>
+        <p14:creationId xmlns:p14="http://schemas.microsoft.com/office/powerpoint/2010/main" val="1868327055"/>
       </p:ext>
     </p:extLst>
   </p:cSld>
@@ -2791,7 +3255,7 @@
     </p:spTree>
     <p:extLst>
       <p:ext uri="{BB962C8B-B14F-4D97-AF65-F5344CB8AC3E}">
-        <p14:creationId xmlns:p14="http://schemas.microsoft.com/office/powerpoint/2010/main" val="268802114"/>
+        <p14:creationId xmlns:p14="http://schemas.microsoft.com/office/powerpoint/2010/main" val="2617443622"/>
       </p:ext>
     </p:extLst>
   </p:cSld>
@@ -2830,15 +3294,15 @@
         </p:nvSpPr>
         <p:spPr>
           <a:xfrm>
-            <a:off x="910098" y="713211"/>
-            <a:ext cx="4261460" cy="2496238"/>
+            <a:off x="755809" y="487680"/>
+            <a:ext cx="3539014" cy="1706880"/>
           </a:xfrm>
         </p:spPr>
         <p:txBody>
           <a:bodyPr anchor="b"/>
           <a:lstStyle>
             <a:lvl1pPr>
-              <a:defRPr sz="4624"/>
+              <a:defRPr sz="3413"/>
             </a:lvl1pPr>
           </a:lstStyle>
           <a:p>
@@ -2862,39 +3326,39 @@
         </p:nvSpPr>
         <p:spPr>
           <a:xfrm>
-            <a:off x="5617145" y="1540340"/>
-            <a:ext cx="6688961" cy="7602630"/>
+            <a:off x="4664869" y="1053255"/>
+            <a:ext cx="5554980" cy="5198533"/>
           </a:xfrm>
         </p:spPr>
         <p:txBody>
           <a:bodyPr/>
           <a:lstStyle>
             <a:lvl1pPr>
-              <a:defRPr sz="4624"/>
+              <a:defRPr sz="3413"/>
             </a:lvl1pPr>
             <a:lvl2pPr>
-              <a:defRPr sz="4046"/>
+              <a:defRPr sz="2987"/>
             </a:lvl2pPr>
             <a:lvl3pPr>
-              <a:defRPr sz="3468"/>
+              <a:defRPr sz="2560"/>
             </a:lvl3pPr>
             <a:lvl4pPr>
-              <a:defRPr sz="2890"/>
+              <a:defRPr sz="2133"/>
             </a:lvl4pPr>
             <a:lvl5pPr>
-              <a:defRPr sz="2890"/>
+              <a:defRPr sz="2133"/>
             </a:lvl5pPr>
             <a:lvl6pPr>
-              <a:defRPr sz="2890"/>
+              <a:defRPr sz="2133"/>
             </a:lvl6pPr>
             <a:lvl7pPr>
-              <a:defRPr sz="2890"/>
+              <a:defRPr sz="2133"/>
             </a:lvl7pPr>
             <a:lvl8pPr>
-              <a:defRPr sz="2890"/>
+              <a:defRPr sz="2133"/>
             </a:lvl8pPr>
             <a:lvl9pPr>
-              <a:defRPr sz="2890"/>
+              <a:defRPr sz="2133"/>
             </a:lvl9pPr>
           </a:lstStyle>
           <a:p>
@@ -2947,8 +3411,8 @@
         </p:nvSpPr>
         <p:spPr>
           <a:xfrm>
-            <a:off x="910098" y="3209449"/>
-            <a:ext cx="4261460" cy="5945901"/>
+            <a:off x="755809" y="2194560"/>
+            <a:ext cx="3539014" cy="4065694"/>
           </a:xfrm>
         </p:spPr>
         <p:txBody>
@@ -2956,39 +3420,39 @@
           <a:lstStyle>
             <a:lvl1pPr marL="0" indent="0">
               <a:buNone/>
-              <a:defRPr sz="2312"/>
+              <a:defRPr sz="1707"/>
             </a:lvl1pPr>
-            <a:lvl2pPr marL="660654" indent="0">
-              <a:buNone/>
-              <a:defRPr sz="2023"/>
+            <a:lvl2pPr marL="487695" indent="0">
+              <a:buNone/>
+              <a:defRPr sz="1493"/>
             </a:lvl2pPr>
-            <a:lvl3pPr marL="1321308" indent="0">
-              <a:buNone/>
-              <a:defRPr sz="1734"/>
+            <a:lvl3pPr marL="975390" indent="0">
+              <a:buNone/>
+              <a:defRPr sz="1280"/>
             </a:lvl3pPr>
-            <a:lvl4pPr marL="1981962" indent="0">
-              <a:buNone/>
-              <a:defRPr sz="1445"/>
+            <a:lvl4pPr marL="1463086" indent="0">
+              <a:buNone/>
+              <a:defRPr sz="1067"/>
             </a:lvl4pPr>
-            <a:lvl5pPr marL="2642616" indent="0">
-              <a:buNone/>
-              <a:defRPr sz="1445"/>
+            <a:lvl5pPr marL="1950781" indent="0">
+              <a:buNone/>
+              <a:defRPr sz="1067"/>
             </a:lvl5pPr>
-            <a:lvl6pPr marL="3303270" indent="0">
-              <a:buNone/>
-              <a:defRPr sz="1445"/>
+            <a:lvl6pPr marL="2438476" indent="0">
+              <a:buNone/>
+              <a:defRPr sz="1067"/>
             </a:lvl6pPr>
-            <a:lvl7pPr marL="3963924" indent="0">
-              <a:buNone/>
-              <a:defRPr sz="1445"/>
+            <a:lvl7pPr marL="2926171" indent="0">
+              <a:buNone/>
+              <a:defRPr sz="1067"/>
             </a:lvl7pPr>
-            <a:lvl8pPr marL="4624578" indent="0">
-              <a:buNone/>
-              <a:defRPr sz="1445"/>
+            <a:lvl8pPr marL="3413867" indent="0">
+              <a:buNone/>
+              <a:defRPr sz="1067"/>
             </a:lvl8pPr>
-            <a:lvl9pPr marL="5285232" indent="0">
-              <a:buNone/>
-              <a:defRPr sz="1445"/>
+            <a:lvl9pPr marL="3901562" indent="0">
+              <a:buNone/>
+              <a:defRPr sz="1067"/>
             </a:lvl9pPr>
           </a:lstStyle>
           <a:p>
@@ -3068,7 +3532,7 @@
     </p:spTree>
     <p:extLst>
       <p:ext uri="{BB962C8B-B14F-4D97-AF65-F5344CB8AC3E}">
-        <p14:creationId xmlns:p14="http://schemas.microsoft.com/office/powerpoint/2010/main" val="3117661625"/>
+        <p14:creationId xmlns:p14="http://schemas.microsoft.com/office/powerpoint/2010/main" val="2457652967"/>
       </p:ext>
     </p:extLst>
   </p:cSld>
@@ -3107,15 +3571,15 @@
         </p:nvSpPr>
         <p:spPr>
           <a:xfrm>
-            <a:off x="910098" y="713211"/>
-            <a:ext cx="4261460" cy="2496238"/>
+            <a:off x="755809" y="487680"/>
+            <a:ext cx="3539014" cy="1706880"/>
           </a:xfrm>
         </p:spPr>
         <p:txBody>
           <a:bodyPr anchor="b"/>
           <a:lstStyle>
             <a:lvl1pPr>
-              <a:defRPr sz="4624"/>
+              <a:defRPr sz="3413"/>
             </a:lvl1pPr>
           </a:lstStyle>
           <a:p>
@@ -3139,8 +3603,8 @@
         </p:nvSpPr>
         <p:spPr>
           <a:xfrm>
-            <a:off x="5617145" y="1540340"/>
-            <a:ext cx="6688961" cy="7602630"/>
+            <a:off x="4664869" y="1053255"/>
+            <a:ext cx="5554980" cy="5198533"/>
           </a:xfrm>
         </p:spPr>
         <p:txBody>
@@ -3148,39 +3612,39 @@
           <a:lstStyle>
             <a:lvl1pPr marL="0" indent="0">
               <a:buNone/>
-              <a:defRPr sz="4624"/>
+              <a:defRPr sz="3413"/>
             </a:lvl1pPr>
-            <a:lvl2pPr marL="660654" indent="0">
-              <a:buNone/>
-              <a:defRPr sz="4046"/>
+            <a:lvl2pPr marL="487695" indent="0">
+              <a:buNone/>
+              <a:defRPr sz="2987"/>
             </a:lvl2pPr>
-            <a:lvl3pPr marL="1321308" indent="0">
-              <a:buNone/>
-              <a:defRPr sz="3468"/>
+            <a:lvl3pPr marL="975390" indent="0">
+              <a:buNone/>
+              <a:defRPr sz="2560"/>
             </a:lvl3pPr>
-            <a:lvl4pPr marL="1981962" indent="0">
-              <a:buNone/>
-              <a:defRPr sz="2890"/>
+            <a:lvl4pPr marL="1463086" indent="0">
+              <a:buNone/>
+              <a:defRPr sz="2133"/>
             </a:lvl4pPr>
-            <a:lvl5pPr marL="2642616" indent="0">
-              <a:buNone/>
-              <a:defRPr sz="2890"/>
+            <a:lvl5pPr marL="1950781" indent="0">
+              <a:buNone/>
+              <a:defRPr sz="2133"/>
             </a:lvl5pPr>
-            <a:lvl6pPr marL="3303270" indent="0">
-              <a:buNone/>
-              <a:defRPr sz="2890"/>
+            <a:lvl6pPr marL="2438476" indent="0">
+              <a:buNone/>
+              <a:defRPr sz="2133"/>
             </a:lvl6pPr>
-            <a:lvl7pPr marL="3963924" indent="0">
-              <a:buNone/>
-              <a:defRPr sz="2890"/>
+            <a:lvl7pPr marL="2926171" indent="0">
+              <a:buNone/>
+              <a:defRPr sz="2133"/>
             </a:lvl7pPr>
-            <a:lvl8pPr marL="4624578" indent="0">
-              <a:buNone/>
-              <a:defRPr sz="2890"/>
+            <a:lvl8pPr marL="3413867" indent="0">
+              <a:buNone/>
+              <a:defRPr sz="2133"/>
             </a:lvl8pPr>
-            <a:lvl9pPr marL="5285232" indent="0">
-              <a:buNone/>
-              <a:defRPr sz="2890"/>
+            <a:lvl9pPr marL="3901562" indent="0">
+              <a:buNone/>
+              <a:defRPr sz="2133"/>
             </a:lvl9pPr>
           </a:lstStyle>
           <a:p>
@@ -3204,8 +3668,8 @@
         </p:nvSpPr>
         <p:spPr>
           <a:xfrm>
-            <a:off x="910098" y="3209449"/>
-            <a:ext cx="4261460" cy="5945901"/>
+            <a:off x="755809" y="2194560"/>
+            <a:ext cx="3539014" cy="4065694"/>
           </a:xfrm>
         </p:spPr>
         <p:txBody>
@@ -3213,39 +3677,39 @@
           <a:lstStyle>
             <a:lvl1pPr marL="0" indent="0">
               <a:buNone/>
-              <a:defRPr sz="2312"/>
+              <a:defRPr sz="1707"/>
             </a:lvl1pPr>
-            <a:lvl2pPr marL="660654" indent="0">
-              <a:buNone/>
-              <a:defRPr sz="2023"/>
+            <a:lvl2pPr marL="487695" indent="0">
+              <a:buNone/>
+              <a:defRPr sz="1493"/>
             </a:lvl2pPr>
-            <a:lvl3pPr marL="1321308" indent="0">
-              <a:buNone/>
-              <a:defRPr sz="1734"/>
+            <a:lvl3pPr marL="975390" indent="0">
+              <a:buNone/>
+              <a:defRPr sz="1280"/>
             </a:lvl3pPr>
-            <a:lvl4pPr marL="1981962" indent="0">
-              <a:buNone/>
-              <a:defRPr sz="1445"/>
+            <a:lvl4pPr marL="1463086" indent="0">
+              <a:buNone/>
+              <a:defRPr sz="1067"/>
             </a:lvl4pPr>
-            <a:lvl5pPr marL="2642616" indent="0">
-              <a:buNone/>
-              <a:defRPr sz="1445"/>
+            <a:lvl5pPr marL="1950781" indent="0">
+              <a:buNone/>
+              <a:defRPr sz="1067"/>
             </a:lvl5pPr>
-            <a:lvl6pPr marL="3303270" indent="0">
-              <a:buNone/>
-              <a:defRPr sz="1445"/>
+            <a:lvl6pPr marL="2438476" indent="0">
+              <a:buNone/>
+              <a:defRPr sz="1067"/>
             </a:lvl6pPr>
-            <a:lvl7pPr marL="3963924" indent="0">
-              <a:buNone/>
-              <a:defRPr sz="1445"/>
+            <a:lvl7pPr marL="2926171" indent="0">
+              <a:buNone/>
+              <a:defRPr sz="1067"/>
             </a:lvl7pPr>
-            <a:lvl8pPr marL="4624578" indent="0">
-              <a:buNone/>
-              <a:defRPr sz="1445"/>
+            <a:lvl8pPr marL="3413867" indent="0">
+              <a:buNone/>
+              <a:defRPr sz="1067"/>
             </a:lvl8pPr>
-            <a:lvl9pPr marL="5285232" indent="0">
-              <a:buNone/>
-              <a:defRPr sz="1445"/>
+            <a:lvl9pPr marL="3901562" indent="0">
+              <a:buNone/>
+              <a:defRPr sz="1067"/>
             </a:lvl9pPr>
           </a:lstStyle>
           <a:p>
@@ -3325,7 +3789,7 @@
     </p:spTree>
     <p:extLst>
       <p:ext uri="{BB962C8B-B14F-4D97-AF65-F5344CB8AC3E}">
-        <p14:creationId xmlns:p14="http://schemas.microsoft.com/office/powerpoint/2010/main" val="3865056719"/>
+        <p14:creationId xmlns:p14="http://schemas.microsoft.com/office/powerpoint/2010/main" val="97254799"/>
       </p:ext>
     </p:extLst>
   </p:cSld>
@@ -3369,8 +3833,8 @@
         </p:nvSpPr>
         <p:spPr>
           <a:xfrm>
-            <a:off x="908378" y="569580"/>
-            <a:ext cx="11396008" cy="2067817"/>
+            <a:off x="754380" y="389468"/>
+            <a:ext cx="9464040" cy="1413934"/>
           </a:xfrm>
           <a:prstGeom prst="rect">
             <a:avLst/>
@@ -3402,8 +3866,8 @@
         </p:nvSpPr>
         <p:spPr>
           <a:xfrm>
-            <a:off x="908378" y="2847891"/>
-            <a:ext cx="11396008" cy="6787886"/>
+            <a:off x="754380" y="1947333"/>
+            <a:ext cx="9464040" cy="4641427"/>
           </a:xfrm>
           <a:prstGeom prst="rect">
             <a:avLst/>
@@ -3464,8 +3928,8 @@
         </p:nvSpPr>
         <p:spPr>
           <a:xfrm>
-            <a:off x="908377" y="9915615"/>
-            <a:ext cx="2972872" cy="569578"/>
+            <a:off x="754380" y="6780108"/>
+            <a:ext cx="2468880" cy="389467"/>
           </a:xfrm>
           <a:prstGeom prst="rect">
             <a:avLst/>
@@ -3475,7 +3939,7 @@
           <a:bodyPr vert="horz" lIns="91440" tIns="45720" rIns="91440" bIns="45720" rtlCol="0" anchor="ctr"/>
           <a:lstStyle>
             <a:lvl1pPr algn="l">
-              <a:defRPr sz="1734">
+              <a:defRPr sz="1280">
                 <a:solidFill>
                   <a:schemeClr val="tx1">
                     <a:tint val="82000"/>
@@ -3505,8 +3969,8 @@
         </p:nvSpPr>
         <p:spPr>
           <a:xfrm>
-            <a:off x="4376728" y="9915615"/>
-            <a:ext cx="4459308" cy="569578"/>
+            <a:off x="3634740" y="6780108"/>
+            <a:ext cx="3703320" cy="389467"/>
           </a:xfrm>
           <a:prstGeom prst="rect">
             <a:avLst/>
@@ -3516,7 +3980,7 @@
           <a:bodyPr vert="horz" lIns="91440" tIns="45720" rIns="91440" bIns="45720" rtlCol="0" anchor="ctr"/>
           <a:lstStyle>
             <a:lvl1pPr algn="ctr">
-              <a:defRPr sz="1734">
+              <a:defRPr sz="1280">
                 <a:solidFill>
                   <a:schemeClr val="tx1">
                     <a:tint val="82000"/>
@@ -3542,8 +4006,8 @@
         </p:nvSpPr>
         <p:spPr>
           <a:xfrm>
-            <a:off x="9331514" y="9915615"/>
-            <a:ext cx="2972872" cy="569578"/>
+            <a:off x="7749540" y="6780108"/>
+            <a:ext cx="2468880" cy="389467"/>
           </a:xfrm>
           <a:prstGeom prst="rect">
             <a:avLst/>
@@ -3553,7 +4017,7 @@
           <a:bodyPr vert="horz" lIns="91440" tIns="45720" rIns="91440" bIns="45720" rtlCol="0" anchor="ctr"/>
           <a:lstStyle>
             <a:lvl1pPr algn="r">
-              <a:defRPr sz="1734">
+              <a:defRPr sz="1280">
                 <a:solidFill>
                   <a:schemeClr val="tx1">
                     <a:tint val="82000"/>
@@ -3574,27 +4038,27 @@
     </p:spTree>
     <p:extLst>
       <p:ext uri="{BB962C8B-B14F-4D97-AF65-F5344CB8AC3E}">
-        <p14:creationId xmlns:p14="http://schemas.microsoft.com/office/powerpoint/2010/main" val="1238286571"/>
+        <p14:creationId xmlns:p14="http://schemas.microsoft.com/office/powerpoint/2010/main" val="1350351158"/>
       </p:ext>
     </p:extLst>
   </p:cSld>
   <p:clrMap bg1="lt1" tx1="dk1" bg2="lt2" tx2="dk2" accent1="accent1" accent2="accent2" accent3="accent3" accent4="accent4" accent5="accent5" accent6="accent6" hlink="hlink" folHlink="folHlink"/>
   <p:sldLayoutIdLst>
-    <p:sldLayoutId id="2147483673" r:id="rId1"/>
-    <p:sldLayoutId id="2147483674" r:id="rId2"/>
-    <p:sldLayoutId id="2147483675" r:id="rId3"/>
-    <p:sldLayoutId id="2147483676" r:id="rId4"/>
-    <p:sldLayoutId id="2147483677" r:id="rId5"/>
-    <p:sldLayoutId id="2147483678" r:id="rId6"/>
-    <p:sldLayoutId id="2147483679" r:id="rId7"/>
-    <p:sldLayoutId id="2147483680" r:id="rId8"/>
-    <p:sldLayoutId id="2147483681" r:id="rId9"/>
-    <p:sldLayoutId id="2147483682" r:id="rId10"/>
-    <p:sldLayoutId id="2147483683" r:id="rId11"/>
+    <p:sldLayoutId id="2147483697" r:id="rId1"/>
+    <p:sldLayoutId id="2147483698" r:id="rId2"/>
+    <p:sldLayoutId id="2147483699" r:id="rId3"/>
+    <p:sldLayoutId id="2147483700" r:id="rId4"/>
+    <p:sldLayoutId id="2147483701" r:id="rId5"/>
+    <p:sldLayoutId id="2147483702" r:id="rId6"/>
+    <p:sldLayoutId id="2147483703" r:id="rId7"/>
+    <p:sldLayoutId id="2147483704" r:id="rId8"/>
+    <p:sldLayoutId id="2147483705" r:id="rId9"/>
+    <p:sldLayoutId id="2147483706" r:id="rId10"/>
+    <p:sldLayoutId id="2147483707" r:id="rId11"/>
   </p:sldLayoutIdLst>
   <p:txStyles>
     <p:titleStyle>
-      <a:lvl1pPr algn="l" defTabSz="1321308" rtl="0" eaLnBrk="1" latinLnBrk="0" hangingPunct="1">
+      <a:lvl1pPr algn="l" defTabSz="975390" rtl="0" eaLnBrk="1" latinLnBrk="0" hangingPunct="1">
         <a:lnSpc>
           <a:spcPct val="90000"/>
         </a:lnSpc>
@@ -3602,7 +4066,7 @@
           <a:spcPct val="0"/>
         </a:spcBef>
         <a:buNone/>
-        <a:defRPr sz="6358" kern="1200">
+        <a:defRPr sz="4693" kern="1200">
           <a:solidFill>
             <a:schemeClr val="tx1"/>
           </a:solidFill>
@@ -3613,16 +4077,16 @@
       </a:lvl1pPr>
     </p:titleStyle>
     <p:bodyStyle>
-      <a:lvl1pPr marL="330327" indent="-330327" algn="l" defTabSz="1321308" rtl="0" eaLnBrk="1" latinLnBrk="0" hangingPunct="1">
+      <a:lvl1pPr marL="243848" indent="-243848" algn="l" defTabSz="975390" rtl="0" eaLnBrk="1" latinLnBrk="0" hangingPunct="1">
         <a:lnSpc>
           <a:spcPct val="90000"/>
         </a:lnSpc>
         <a:spcBef>
-          <a:spcPts val="1445"/>
+          <a:spcPts val="1067"/>
         </a:spcBef>
         <a:buFont typeface="Arial" panose="020B0604020202020204" pitchFamily="34" charset="0"/>
         <a:buChar char="•"/>
-        <a:defRPr sz="4046" kern="1200">
+        <a:defRPr sz="2987" kern="1200">
           <a:solidFill>
             <a:schemeClr val="tx1"/>
           </a:solidFill>
@@ -3631,16 +4095,16 @@
           <a:cs typeface="+mn-cs"/>
         </a:defRPr>
       </a:lvl1pPr>
-      <a:lvl2pPr marL="990981" indent="-330327" algn="l" defTabSz="1321308" rtl="0" eaLnBrk="1" latinLnBrk="0" hangingPunct="1">
+      <a:lvl2pPr marL="731543" indent="-243848" algn="l" defTabSz="975390" rtl="0" eaLnBrk="1" latinLnBrk="0" hangingPunct="1">
         <a:lnSpc>
           <a:spcPct val="90000"/>
         </a:lnSpc>
         <a:spcBef>
-          <a:spcPts val="723"/>
+          <a:spcPts val="533"/>
         </a:spcBef>
         <a:buFont typeface="Arial" panose="020B0604020202020204" pitchFamily="34" charset="0"/>
         <a:buChar char="•"/>
-        <a:defRPr sz="3468" kern="1200">
+        <a:defRPr sz="2560" kern="1200">
           <a:solidFill>
             <a:schemeClr val="tx1"/>
           </a:solidFill>
@@ -3649,16 +4113,16 @@
           <a:cs typeface="+mn-cs"/>
         </a:defRPr>
       </a:lvl2pPr>
-      <a:lvl3pPr marL="1651635" indent="-330327" algn="l" defTabSz="1321308" rtl="0" eaLnBrk="1" latinLnBrk="0" hangingPunct="1">
+      <a:lvl3pPr marL="1219238" indent="-243848" algn="l" defTabSz="975390" rtl="0" eaLnBrk="1" latinLnBrk="0" hangingPunct="1">
         <a:lnSpc>
           <a:spcPct val="90000"/>
         </a:lnSpc>
         <a:spcBef>
-          <a:spcPts val="723"/>
+          <a:spcPts val="533"/>
         </a:spcBef>
         <a:buFont typeface="Arial" panose="020B0604020202020204" pitchFamily="34" charset="0"/>
         <a:buChar char="•"/>
-        <a:defRPr sz="2890" kern="1200">
+        <a:defRPr sz="2133" kern="1200">
           <a:solidFill>
             <a:schemeClr val="tx1"/>
           </a:solidFill>
@@ -3667,16 +4131,16 @@
           <a:cs typeface="+mn-cs"/>
         </a:defRPr>
       </a:lvl3pPr>
-      <a:lvl4pPr marL="2312289" indent="-330327" algn="l" defTabSz="1321308" rtl="0" eaLnBrk="1" latinLnBrk="0" hangingPunct="1">
+      <a:lvl4pPr marL="1706933" indent="-243848" algn="l" defTabSz="975390" rtl="0" eaLnBrk="1" latinLnBrk="0" hangingPunct="1">
         <a:lnSpc>
           <a:spcPct val="90000"/>
         </a:lnSpc>
         <a:spcBef>
-          <a:spcPts val="723"/>
+          <a:spcPts val="533"/>
         </a:spcBef>
         <a:buFont typeface="Arial" panose="020B0604020202020204" pitchFamily="34" charset="0"/>
         <a:buChar char="•"/>
-        <a:defRPr sz="2601" kern="1200">
+        <a:defRPr sz="1920" kern="1200">
           <a:solidFill>
             <a:schemeClr val="tx1"/>
           </a:solidFill>
@@ -3685,16 +4149,16 @@
           <a:cs typeface="+mn-cs"/>
         </a:defRPr>
       </a:lvl4pPr>
-      <a:lvl5pPr marL="2972943" indent="-330327" algn="l" defTabSz="1321308" rtl="0" eaLnBrk="1" latinLnBrk="0" hangingPunct="1">
+      <a:lvl5pPr marL="2194629" indent="-243848" algn="l" defTabSz="975390" rtl="0" eaLnBrk="1" latinLnBrk="0" hangingPunct="1">
         <a:lnSpc>
           <a:spcPct val="90000"/>
         </a:lnSpc>
         <a:spcBef>
-          <a:spcPts val="723"/>
+          <a:spcPts val="533"/>
         </a:spcBef>
         <a:buFont typeface="Arial" panose="020B0604020202020204" pitchFamily="34" charset="0"/>
         <a:buChar char="•"/>
-        <a:defRPr sz="2601" kern="1200">
+        <a:defRPr sz="1920" kern="1200">
           <a:solidFill>
             <a:schemeClr val="tx1"/>
           </a:solidFill>
@@ -3703,16 +4167,16 @@
           <a:cs typeface="+mn-cs"/>
         </a:defRPr>
       </a:lvl5pPr>
-      <a:lvl6pPr marL="3633597" indent="-330327" algn="l" defTabSz="1321308" rtl="0" eaLnBrk="1" latinLnBrk="0" hangingPunct="1">
+      <a:lvl6pPr marL="2682324" indent="-243848" algn="l" defTabSz="975390" rtl="0" eaLnBrk="1" latinLnBrk="0" hangingPunct="1">
         <a:lnSpc>
           <a:spcPct val="90000"/>
         </a:lnSpc>
         <a:spcBef>
-          <a:spcPts val="723"/>
+          <a:spcPts val="533"/>
         </a:spcBef>
         <a:buFont typeface="Arial" panose="020B0604020202020204" pitchFamily="34" charset="0"/>
         <a:buChar char="•"/>
-        <a:defRPr sz="2601" kern="1200">
+        <a:defRPr sz="1920" kern="1200">
           <a:solidFill>
             <a:schemeClr val="tx1"/>
           </a:solidFill>
@@ -3721,16 +4185,16 @@
           <a:cs typeface="+mn-cs"/>
         </a:defRPr>
       </a:lvl6pPr>
-      <a:lvl7pPr marL="4294251" indent="-330327" algn="l" defTabSz="1321308" rtl="0" eaLnBrk="1" latinLnBrk="0" hangingPunct="1">
+      <a:lvl7pPr marL="3170019" indent="-243848" algn="l" defTabSz="975390" rtl="0" eaLnBrk="1" latinLnBrk="0" hangingPunct="1">
         <a:lnSpc>
           <a:spcPct val="90000"/>
         </a:lnSpc>
         <a:spcBef>
-          <a:spcPts val="723"/>
+          <a:spcPts val="533"/>
         </a:spcBef>
         <a:buFont typeface="Arial" panose="020B0604020202020204" pitchFamily="34" charset="0"/>
         <a:buChar char="•"/>
-        <a:defRPr sz="2601" kern="1200">
+        <a:defRPr sz="1920" kern="1200">
           <a:solidFill>
             <a:schemeClr val="tx1"/>
           </a:solidFill>
@@ -3739,16 +4203,16 @@
           <a:cs typeface="+mn-cs"/>
         </a:defRPr>
       </a:lvl7pPr>
-      <a:lvl8pPr marL="4954905" indent="-330327" algn="l" defTabSz="1321308" rtl="0" eaLnBrk="1" latinLnBrk="0" hangingPunct="1">
+      <a:lvl8pPr marL="3657714" indent="-243848" algn="l" defTabSz="975390" rtl="0" eaLnBrk="1" latinLnBrk="0" hangingPunct="1">
         <a:lnSpc>
           <a:spcPct val="90000"/>
         </a:lnSpc>
         <a:spcBef>
-          <a:spcPts val="723"/>
+          <a:spcPts val="533"/>
         </a:spcBef>
         <a:buFont typeface="Arial" panose="020B0604020202020204" pitchFamily="34" charset="0"/>
         <a:buChar char="•"/>
-        <a:defRPr sz="2601" kern="1200">
+        <a:defRPr sz="1920" kern="1200">
           <a:solidFill>
             <a:schemeClr val="tx1"/>
           </a:solidFill>
@@ -3757,16 +4221,16 @@
           <a:cs typeface="+mn-cs"/>
         </a:defRPr>
       </a:lvl8pPr>
-      <a:lvl9pPr marL="5615559" indent="-330327" algn="l" defTabSz="1321308" rtl="0" eaLnBrk="1" latinLnBrk="0" hangingPunct="1">
+      <a:lvl9pPr marL="4145410" indent="-243848" algn="l" defTabSz="975390" rtl="0" eaLnBrk="1" latinLnBrk="0" hangingPunct="1">
         <a:lnSpc>
           <a:spcPct val="90000"/>
         </a:lnSpc>
         <a:spcBef>
-          <a:spcPts val="723"/>
+          <a:spcPts val="533"/>
         </a:spcBef>
         <a:buFont typeface="Arial" panose="020B0604020202020204" pitchFamily="34" charset="0"/>
         <a:buChar char="•"/>
-        <a:defRPr sz="2601" kern="1200">
+        <a:defRPr sz="1920" kern="1200">
           <a:solidFill>
             <a:schemeClr val="tx1"/>
           </a:solidFill>
@@ -3780,8 +4244,8 @@
       <a:defPPr>
         <a:defRPr lang="en-US"/>
       </a:defPPr>
-      <a:lvl1pPr marL="0" algn="l" defTabSz="1321308" rtl="0" eaLnBrk="1" latinLnBrk="0" hangingPunct="1">
-        <a:defRPr sz="2601" kern="1200">
+      <a:lvl1pPr marL="0" algn="l" defTabSz="975390" rtl="0" eaLnBrk="1" latinLnBrk="0" hangingPunct="1">
+        <a:defRPr sz="1920" kern="1200">
           <a:solidFill>
             <a:schemeClr val="tx1"/>
           </a:solidFill>
@@ -3790,8 +4254,8 @@
           <a:cs typeface="+mn-cs"/>
         </a:defRPr>
       </a:lvl1pPr>
-      <a:lvl2pPr marL="660654" algn="l" defTabSz="1321308" rtl="0" eaLnBrk="1" latinLnBrk="0" hangingPunct="1">
-        <a:defRPr sz="2601" kern="1200">
+      <a:lvl2pPr marL="487695" algn="l" defTabSz="975390" rtl="0" eaLnBrk="1" latinLnBrk="0" hangingPunct="1">
+        <a:defRPr sz="1920" kern="1200">
           <a:solidFill>
             <a:schemeClr val="tx1"/>
           </a:solidFill>
@@ -3800,8 +4264,8 @@
           <a:cs typeface="+mn-cs"/>
         </a:defRPr>
       </a:lvl2pPr>
-      <a:lvl3pPr marL="1321308" algn="l" defTabSz="1321308" rtl="0" eaLnBrk="1" latinLnBrk="0" hangingPunct="1">
-        <a:defRPr sz="2601" kern="1200">
+      <a:lvl3pPr marL="975390" algn="l" defTabSz="975390" rtl="0" eaLnBrk="1" latinLnBrk="0" hangingPunct="1">
+        <a:defRPr sz="1920" kern="1200">
           <a:solidFill>
             <a:schemeClr val="tx1"/>
           </a:solidFill>
@@ -3810,8 +4274,8 @@
           <a:cs typeface="+mn-cs"/>
         </a:defRPr>
       </a:lvl3pPr>
-      <a:lvl4pPr marL="1981962" algn="l" defTabSz="1321308" rtl="0" eaLnBrk="1" latinLnBrk="0" hangingPunct="1">
-        <a:defRPr sz="2601" kern="1200">
+      <a:lvl4pPr marL="1463086" algn="l" defTabSz="975390" rtl="0" eaLnBrk="1" latinLnBrk="0" hangingPunct="1">
+        <a:defRPr sz="1920" kern="1200">
           <a:solidFill>
             <a:schemeClr val="tx1"/>
           </a:solidFill>
@@ -3820,8 +4284,8 @@
           <a:cs typeface="+mn-cs"/>
         </a:defRPr>
       </a:lvl4pPr>
-      <a:lvl5pPr marL="2642616" algn="l" defTabSz="1321308" rtl="0" eaLnBrk="1" latinLnBrk="0" hangingPunct="1">
-        <a:defRPr sz="2601" kern="1200">
+      <a:lvl5pPr marL="1950781" algn="l" defTabSz="975390" rtl="0" eaLnBrk="1" latinLnBrk="0" hangingPunct="1">
+        <a:defRPr sz="1920" kern="1200">
           <a:solidFill>
             <a:schemeClr val="tx1"/>
           </a:solidFill>
@@ -3830,8 +4294,8 @@
           <a:cs typeface="+mn-cs"/>
         </a:defRPr>
       </a:lvl5pPr>
-      <a:lvl6pPr marL="3303270" algn="l" defTabSz="1321308" rtl="0" eaLnBrk="1" latinLnBrk="0" hangingPunct="1">
-        <a:defRPr sz="2601" kern="1200">
+      <a:lvl6pPr marL="2438476" algn="l" defTabSz="975390" rtl="0" eaLnBrk="1" latinLnBrk="0" hangingPunct="1">
+        <a:defRPr sz="1920" kern="1200">
           <a:solidFill>
             <a:schemeClr val="tx1"/>
           </a:solidFill>
@@ -3840,8 +4304,8 @@
           <a:cs typeface="+mn-cs"/>
         </a:defRPr>
       </a:lvl6pPr>
-      <a:lvl7pPr marL="3963924" algn="l" defTabSz="1321308" rtl="0" eaLnBrk="1" latinLnBrk="0" hangingPunct="1">
-        <a:defRPr sz="2601" kern="1200">
+      <a:lvl7pPr marL="2926171" algn="l" defTabSz="975390" rtl="0" eaLnBrk="1" latinLnBrk="0" hangingPunct="1">
+        <a:defRPr sz="1920" kern="1200">
           <a:solidFill>
             <a:schemeClr val="tx1"/>
           </a:solidFill>
@@ -3850,8 +4314,8 @@
           <a:cs typeface="+mn-cs"/>
         </a:defRPr>
       </a:lvl7pPr>
-      <a:lvl8pPr marL="4624578" algn="l" defTabSz="1321308" rtl="0" eaLnBrk="1" latinLnBrk="0" hangingPunct="1">
-        <a:defRPr sz="2601" kern="1200">
+      <a:lvl8pPr marL="3413867" algn="l" defTabSz="975390" rtl="0" eaLnBrk="1" latinLnBrk="0" hangingPunct="1">
+        <a:defRPr sz="1920" kern="1200">
           <a:solidFill>
             <a:schemeClr val="tx1"/>
           </a:solidFill>
@@ -3860,8 +4324,8 @@
           <a:cs typeface="+mn-cs"/>
         </a:defRPr>
       </a:lvl8pPr>
-      <a:lvl9pPr marL="5285232" algn="l" defTabSz="1321308" rtl="0" eaLnBrk="1" latinLnBrk="0" hangingPunct="1">
-        <a:defRPr sz="2601" kern="1200">
+      <a:lvl9pPr marL="3901562" algn="l" defTabSz="975390" rtl="0" eaLnBrk="1" latinLnBrk="0" hangingPunct="1">
+        <a:defRPr sz="1920" kern="1200">
           <a:solidFill>
             <a:schemeClr val="tx1"/>
           </a:solidFill>
@@ -3894,10 +4358,40 @@
       </p:grpSpPr>
       <p:pic>
         <p:nvPicPr>
-          <p:cNvPr id="9" name="Picture 8">
+          <p:cNvPr id="3" name="Picture 2" descr="A graph of a graph of a number of data&#10;&#10;AI-generated content may be incorrect.">
             <a:extLst>
               <a:ext uri="{FF2B5EF4-FFF2-40B4-BE49-F238E27FC236}">
-                <a16:creationId xmlns:a16="http://schemas.microsoft.com/office/drawing/2014/main" id="{E4016535-52E8-D9F4-FB39-29EEF06A2DFD}"/>
+                <a16:creationId xmlns:a16="http://schemas.microsoft.com/office/drawing/2014/main" id="{C5EFB158-0534-ADB5-9B76-D9CE1C18AA98}"/>
+              </a:ext>
+            </a:extLst>
+          </p:cNvPr>
+          <p:cNvPicPr>
+            <a:picLocks noChangeAspect="1"/>
+          </p:cNvPicPr>
+          <p:nvPr/>
+        </p:nvPicPr>
+        <p:blipFill>
+          <a:blip r:embed="rId2"/>
+          <a:stretch>
+            <a:fillRect/>
+          </a:stretch>
+        </p:blipFill>
+        <p:spPr>
+          <a:xfrm>
+            <a:off x="155227" y="233988"/>
+            <a:ext cx="10662346" cy="6515878"/>
+          </a:xfrm>
+          <a:prstGeom prst="rect">
+            <a:avLst/>
+          </a:prstGeom>
+        </p:spPr>
+      </p:pic>
+      <p:pic>
+        <p:nvPicPr>
+          <p:cNvPr id="4" name="Picture 3" descr="A graph of a graph of a mouse&#10;&#10;AI-generated content may be incorrect.">
+            <a:extLst>
+              <a:ext uri="{FF2B5EF4-FFF2-40B4-BE49-F238E27FC236}">
+                <a16:creationId xmlns:a16="http://schemas.microsoft.com/office/drawing/2014/main" id="{4D2EB087-DF16-8C83-5DBC-40C467B4EB5D}"/>
               </a:ext>
             </a:extLst>
           </p:cNvPr>
@@ -3908,2437 +4402,23 @@
         </p:nvPicPr>
         <p:blipFill>
           <a:blip r:embed="rId3"/>
-          <a:srcRect/>
+          <a:srcRect l="36421" t="2928" r="30326" b="94311"/>
           <a:stretch/>
         </p:blipFill>
         <p:spPr>
           <a:xfrm>
-            <a:off x="198654" y="163094"/>
-            <a:ext cx="12815452" cy="10371973"/>
+            <a:off x="3886200" y="6877469"/>
+            <a:ext cx="3200400" cy="265737"/>
           </a:xfrm>
           <a:prstGeom prst="rect">
             <a:avLst/>
           </a:prstGeom>
         </p:spPr>
       </p:pic>
-      <p:sp>
-        <p:nvSpPr>
-          <p:cNvPr id="10" name="TextBox 9">
-            <a:extLst>
-              <a:ext uri="{FF2B5EF4-FFF2-40B4-BE49-F238E27FC236}">
-                <a16:creationId xmlns:a16="http://schemas.microsoft.com/office/drawing/2014/main" id="{084C86F4-E1E9-30B7-FB39-681A6577B7C5}"/>
-              </a:ext>
-            </a:extLst>
-          </p:cNvPr>
-          <p:cNvSpPr txBox="1"/>
-          <p:nvPr/>
-        </p:nvSpPr>
-        <p:spPr>
-          <a:xfrm>
-            <a:off x="749983" y="5481935"/>
-            <a:ext cx="439544" cy="276999"/>
-          </a:xfrm>
-          <a:prstGeom prst="rect">
-            <a:avLst/>
-          </a:prstGeom>
-          <a:noFill/>
-        </p:spPr>
-        <p:txBody>
-          <a:bodyPr wrap="none" rtlCol="0">
-            <a:spAutoFit/>
-          </a:bodyPr>
-          <a:lstStyle/>
-          <a:p>
-            <a:r>
-              <a:rPr lang="en-US" sz="1200" dirty="0">
-                <a:solidFill>
-                  <a:schemeClr val="bg1">
-                    <a:lumMod val="50000"/>
-                  </a:schemeClr>
-                </a:solidFill>
-                <a:latin typeface="Arial" panose="020B0604020202020204" pitchFamily="34" charset="0"/>
-                <a:cs typeface="Arial" panose="020B0604020202020204" pitchFamily="34" charset="0"/>
-              </a:rPr>
-              <a:t>L6b</a:t>
-            </a:r>
-          </a:p>
-        </p:txBody>
-      </p:sp>
-      <p:sp>
-        <p:nvSpPr>
-          <p:cNvPr id="11" name="TextBox 10">
-            <a:extLst>
-              <a:ext uri="{FF2B5EF4-FFF2-40B4-BE49-F238E27FC236}">
-                <a16:creationId xmlns:a16="http://schemas.microsoft.com/office/drawing/2014/main" id="{73607309-C1CD-D192-385D-6E3686D3F848}"/>
-              </a:ext>
-            </a:extLst>
-          </p:cNvPr>
-          <p:cNvSpPr txBox="1"/>
-          <p:nvPr/>
-        </p:nvSpPr>
-        <p:spPr>
-          <a:xfrm>
-            <a:off x="1143336" y="5748543"/>
-            <a:ext cx="569387" cy="369332"/>
-          </a:xfrm>
-          <a:prstGeom prst="rect">
-            <a:avLst/>
-          </a:prstGeom>
-          <a:noFill/>
-        </p:spPr>
-        <p:txBody>
-          <a:bodyPr wrap="none" rtlCol="0">
-            <a:spAutoFit/>
-          </a:bodyPr>
-          <a:lstStyle/>
-          <a:p>
-            <a:r>
-              <a:rPr lang="en-US" dirty="0">
-                <a:solidFill>
-                  <a:schemeClr val="bg1">
-                    <a:lumMod val="50000"/>
-                  </a:schemeClr>
-                </a:solidFill>
-                <a:latin typeface="Arial" panose="020B0604020202020204" pitchFamily="34" charset="0"/>
-                <a:cs typeface="Arial" panose="020B0604020202020204" pitchFamily="34" charset="0"/>
-              </a:rPr>
-              <a:t>L6a</a:t>
-            </a:r>
-          </a:p>
-        </p:txBody>
-      </p:sp>
-      <p:sp>
-        <p:nvSpPr>
-          <p:cNvPr id="12" name="TextBox 11">
-            <a:extLst>
-              <a:ext uri="{FF2B5EF4-FFF2-40B4-BE49-F238E27FC236}">
-                <a16:creationId xmlns:a16="http://schemas.microsoft.com/office/drawing/2014/main" id="{88F88EC0-F378-44EA-C765-8C8BF2575E5E}"/>
-              </a:ext>
-            </a:extLst>
-          </p:cNvPr>
-          <p:cNvSpPr txBox="1"/>
-          <p:nvPr/>
-        </p:nvSpPr>
-        <p:spPr>
-          <a:xfrm>
-            <a:off x="4216052" y="5748543"/>
-            <a:ext cx="441146" cy="369332"/>
-          </a:xfrm>
-          <a:prstGeom prst="rect">
-            <a:avLst/>
-          </a:prstGeom>
-          <a:noFill/>
-        </p:spPr>
-        <p:txBody>
-          <a:bodyPr wrap="none" rtlCol="0">
-            <a:spAutoFit/>
-          </a:bodyPr>
-          <a:lstStyle/>
-          <a:p>
-            <a:r>
-              <a:rPr lang="en-US" dirty="0">
-                <a:solidFill>
-                  <a:schemeClr val="bg1">
-                    <a:lumMod val="50000"/>
-                  </a:schemeClr>
-                </a:solidFill>
-                <a:latin typeface="Arial" panose="020B0604020202020204" pitchFamily="34" charset="0"/>
-                <a:cs typeface="Arial" panose="020B0604020202020204" pitchFamily="34" charset="0"/>
-              </a:rPr>
-              <a:t>L5</a:t>
-            </a:r>
-          </a:p>
-        </p:txBody>
-      </p:sp>
-      <p:sp>
-        <p:nvSpPr>
-          <p:cNvPr id="13" name="TextBox 12">
-            <a:extLst>
-              <a:ext uri="{FF2B5EF4-FFF2-40B4-BE49-F238E27FC236}">
-                <a16:creationId xmlns:a16="http://schemas.microsoft.com/office/drawing/2014/main" id="{18EF2094-E0BF-2B4A-1D50-659B09E5A586}"/>
-              </a:ext>
-            </a:extLst>
-          </p:cNvPr>
-          <p:cNvSpPr txBox="1"/>
-          <p:nvPr/>
-        </p:nvSpPr>
-        <p:spPr>
-          <a:xfrm>
-            <a:off x="5769005" y="5748543"/>
-            <a:ext cx="441146" cy="369332"/>
-          </a:xfrm>
-          <a:prstGeom prst="rect">
-            <a:avLst/>
-          </a:prstGeom>
-          <a:noFill/>
-        </p:spPr>
-        <p:txBody>
-          <a:bodyPr wrap="none" rtlCol="0">
-            <a:spAutoFit/>
-          </a:bodyPr>
-          <a:lstStyle/>
-          <a:p>
-            <a:r>
-              <a:rPr lang="en-US" dirty="0">
-                <a:solidFill>
-                  <a:schemeClr val="bg1">
-                    <a:lumMod val="50000"/>
-                  </a:schemeClr>
-                </a:solidFill>
-                <a:latin typeface="Arial" panose="020B0604020202020204" pitchFamily="34" charset="0"/>
-                <a:cs typeface="Arial" panose="020B0604020202020204" pitchFamily="34" charset="0"/>
-              </a:rPr>
-              <a:t>L4</a:t>
-            </a:r>
-          </a:p>
-        </p:txBody>
-      </p:sp>
-      <p:sp>
-        <p:nvSpPr>
-          <p:cNvPr id="14" name="TextBox 13">
-            <a:extLst>
-              <a:ext uri="{FF2B5EF4-FFF2-40B4-BE49-F238E27FC236}">
-                <a16:creationId xmlns:a16="http://schemas.microsoft.com/office/drawing/2014/main" id="{F24465FB-E068-83A6-A618-BBA5CA19F9F2}"/>
-              </a:ext>
-            </a:extLst>
-          </p:cNvPr>
-          <p:cNvSpPr txBox="1"/>
-          <p:nvPr/>
-        </p:nvSpPr>
-        <p:spPr>
-          <a:xfrm>
-            <a:off x="6761969" y="5748543"/>
-            <a:ext cx="633507" cy="369332"/>
-          </a:xfrm>
-          <a:prstGeom prst="rect">
-            <a:avLst/>
-          </a:prstGeom>
-          <a:noFill/>
-        </p:spPr>
-        <p:txBody>
-          <a:bodyPr wrap="none" rtlCol="0">
-            <a:spAutoFit/>
-          </a:bodyPr>
-          <a:lstStyle/>
-          <a:p>
-            <a:r>
-              <a:rPr lang="en-US" dirty="0">
-                <a:solidFill>
-                  <a:schemeClr val="bg1">
-                    <a:lumMod val="50000"/>
-                  </a:schemeClr>
-                </a:solidFill>
-                <a:latin typeface="Arial" panose="020B0604020202020204" pitchFamily="34" charset="0"/>
-                <a:cs typeface="Arial" panose="020B0604020202020204" pitchFamily="34" charset="0"/>
-              </a:rPr>
-              <a:t>L2/3</a:t>
-            </a:r>
-          </a:p>
-        </p:txBody>
-      </p:sp>
-      <p:cxnSp>
-        <p:nvCxnSpPr>
-          <p:cNvPr id="15" name="Straight Arrow Connector 14">
-            <a:extLst>
-              <a:ext uri="{FF2B5EF4-FFF2-40B4-BE49-F238E27FC236}">
-                <a16:creationId xmlns:a16="http://schemas.microsoft.com/office/drawing/2014/main" id="{B27A5B33-7A71-E552-64D3-364CB213A3F0}"/>
-              </a:ext>
-            </a:extLst>
-          </p:cNvPr>
-          <p:cNvCxnSpPr>
-            <a:cxnSpLocks/>
-          </p:cNvCxnSpPr>
-          <p:nvPr/>
-        </p:nvCxnSpPr>
-        <p:spPr>
-          <a:xfrm flipV="1">
-            <a:off x="4961646" y="5930984"/>
-            <a:ext cx="0" cy="2124445"/>
-          </a:xfrm>
-          <a:prstGeom prst="straightConnector1">
-            <a:avLst/>
-          </a:prstGeom>
-          <a:ln w="31750">
-            <a:solidFill>
-              <a:schemeClr val="tx1"/>
-            </a:solidFill>
-            <a:prstDash val="sysDot"/>
-            <a:tailEnd type="triangle" w="lg" len="lg"/>
-          </a:ln>
-        </p:spPr>
-        <p:style>
-          <a:lnRef idx="2">
-            <a:schemeClr val="accent1"/>
-          </a:lnRef>
-          <a:fillRef idx="0">
-            <a:schemeClr val="accent1"/>
-          </a:fillRef>
-          <a:effectRef idx="1">
-            <a:schemeClr val="accent1"/>
-          </a:effectRef>
-          <a:fontRef idx="minor">
-            <a:schemeClr val="tx1"/>
-          </a:fontRef>
-        </p:style>
-      </p:cxnSp>
-      <p:cxnSp>
-        <p:nvCxnSpPr>
-          <p:cNvPr id="16" name="Straight Arrow Connector 15">
-            <a:extLst>
-              <a:ext uri="{FF2B5EF4-FFF2-40B4-BE49-F238E27FC236}">
-                <a16:creationId xmlns:a16="http://schemas.microsoft.com/office/drawing/2014/main" id="{4C50C9A7-AF1D-5559-BD8E-138D6774BD9E}"/>
-              </a:ext>
-            </a:extLst>
-          </p:cNvPr>
-          <p:cNvCxnSpPr>
-            <a:cxnSpLocks/>
-          </p:cNvCxnSpPr>
-          <p:nvPr/>
-        </p:nvCxnSpPr>
-        <p:spPr>
-          <a:xfrm>
-            <a:off x="4657198" y="6006008"/>
-            <a:ext cx="0" cy="526022"/>
-          </a:xfrm>
-          <a:prstGeom prst="straightConnector1">
-            <a:avLst/>
-          </a:prstGeom>
-          <a:ln w="31750">
-            <a:solidFill>
-              <a:schemeClr val="tx1"/>
-            </a:solidFill>
-            <a:prstDash val="sysDot"/>
-            <a:tailEnd type="triangle" w="lg" len="lg"/>
-          </a:ln>
-        </p:spPr>
-        <p:style>
-          <a:lnRef idx="2">
-            <a:schemeClr val="accent1"/>
-          </a:lnRef>
-          <a:fillRef idx="0">
-            <a:schemeClr val="accent1"/>
-          </a:fillRef>
-          <a:effectRef idx="1">
-            <a:schemeClr val="accent1"/>
-          </a:effectRef>
-          <a:fontRef idx="minor">
-            <a:schemeClr val="tx1"/>
-          </a:fontRef>
-        </p:style>
-      </p:cxnSp>
-      <p:sp>
-        <p:nvSpPr>
-          <p:cNvPr id="17" name="TextBox 16">
-            <a:extLst>
-              <a:ext uri="{FF2B5EF4-FFF2-40B4-BE49-F238E27FC236}">
-                <a16:creationId xmlns:a16="http://schemas.microsoft.com/office/drawing/2014/main" id="{7A705662-BC37-69B8-1D14-C84044BC25A3}"/>
-              </a:ext>
-            </a:extLst>
-          </p:cNvPr>
-          <p:cNvSpPr txBox="1"/>
-          <p:nvPr/>
-        </p:nvSpPr>
-        <p:spPr>
-          <a:xfrm>
-            <a:off x="4248756" y="6872359"/>
-            <a:ext cx="660400" cy="400110"/>
-          </a:xfrm>
-          <a:prstGeom prst="rect">
-            <a:avLst/>
-          </a:prstGeom>
-          <a:solidFill>
-            <a:schemeClr val="bg1">
-              <a:alpha val="65000"/>
-            </a:schemeClr>
-          </a:solidFill>
-        </p:spPr>
-        <p:txBody>
-          <a:bodyPr wrap="square" rtlCol="0">
-            <a:spAutoFit/>
-          </a:bodyPr>
-          <a:lstStyle/>
-          <a:p>
-            <a:r>
-              <a:rPr lang="en-US" sz="2000" dirty="0">
-                <a:latin typeface="Arial" panose="020B0604020202020204" pitchFamily="34" charset="0"/>
-                <a:cs typeface="Arial" panose="020B0604020202020204" pitchFamily="34" charset="0"/>
-              </a:rPr>
-              <a:t>β</a:t>
-            </a:r>
-            <a:r>
-              <a:rPr lang="en-US" sz="2000" baseline="-25000" dirty="0">
-                <a:latin typeface="Arial" panose="020B0604020202020204" pitchFamily="34" charset="0"/>
-                <a:cs typeface="Arial" panose="020B0604020202020204" pitchFamily="34" charset="0"/>
-              </a:rPr>
-              <a:t>P18</a:t>
-            </a:r>
-          </a:p>
-        </p:txBody>
-      </p:sp>
-      <p:sp>
-        <p:nvSpPr>
-          <p:cNvPr id="18" name="TextBox 17">
-            <a:extLst>
-              <a:ext uri="{FF2B5EF4-FFF2-40B4-BE49-F238E27FC236}">
-                <a16:creationId xmlns:a16="http://schemas.microsoft.com/office/drawing/2014/main" id="{22182B28-F2C6-42A3-660E-A91CEEBF1EEA}"/>
-              </a:ext>
-            </a:extLst>
-          </p:cNvPr>
-          <p:cNvSpPr txBox="1"/>
-          <p:nvPr/>
-        </p:nvSpPr>
-        <p:spPr>
-          <a:xfrm>
-            <a:off x="3515757" y="6041853"/>
-            <a:ext cx="1072888" cy="400110"/>
-          </a:xfrm>
-          <a:prstGeom prst="rect">
-            <a:avLst/>
-          </a:prstGeom>
-          <a:solidFill>
-            <a:schemeClr val="bg1">
-              <a:alpha val="65000"/>
-            </a:schemeClr>
-          </a:solidFill>
-        </p:spPr>
-        <p:txBody>
-          <a:bodyPr wrap="square" rtlCol="0">
-            <a:spAutoFit/>
-          </a:bodyPr>
-          <a:lstStyle/>
-          <a:p>
-            <a:r>
-              <a:rPr lang="en-US" sz="2000" dirty="0">
-                <a:latin typeface="Arial" panose="020B0604020202020204" pitchFamily="34" charset="0"/>
-                <a:cs typeface="Arial" panose="020B0604020202020204" pitchFamily="34" charset="0"/>
-              </a:rPr>
-              <a:t>β</a:t>
-            </a:r>
-            <a:r>
-              <a:rPr lang="en-US" sz="2000" baseline="-25000" dirty="0">
-                <a:latin typeface="Arial" panose="020B0604020202020204" pitchFamily="34" charset="0"/>
-                <a:cs typeface="Arial" panose="020B0604020202020204" pitchFamily="34" charset="0"/>
-              </a:rPr>
-              <a:t>right,P18</a:t>
-            </a:r>
-          </a:p>
-        </p:txBody>
-      </p:sp>
-      <p:sp>
-        <p:nvSpPr>
-          <p:cNvPr id="19" name="Rectangle 18">
-            <a:extLst>
-              <a:ext uri="{FF2B5EF4-FFF2-40B4-BE49-F238E27FC236}">
-                <a16:creationId xmlns:a16="http://schemas.microsoft.com/office/drawing/2014/main" id="{87EC310C-7343-7C0B-A984-1CECBB1B4D1D}"/>
-              </a:ext>
-            </a:extLst>
-          </p:cNvPr>
-          <p:cNvSpPr/>
-          <p:nvPr/>
-        </p:nvSpPr>
-        <p:spPr>
-          <a:xfrm>
-            <a:off x="3439926" y="5788525"/>
-            <a:ext cx="2096822" cy="2432365"/>
-          </a:xfrm>
-          <a:prstGeom prst="rect">
-            <a:avLst/>
-          </a:prstGeom>
-          <a:noFill/>
-          <a:ln w="31750">
-            <a:solidFill>
-              <a:srgbClr val="FF9300"/>
-            </a:solidFill>
-          </a:ln>
-        </p:spPr>
-        <p:style>
-          <a:lnRef idx="2">
-            <a:schemeClr val="accent1">
-              <a:shade val="15000"/>
-            </a:schemeClr>
-          </a:lnRef>
-          <a:fillRef idx="1">
-            <a:schemeClr val="accent1"/>
-          </a:fillRef>
-          <a:effectRef idx="0">
-            <a:schemeClr val="accent1"/>
-          </a:effectRef>
-          <a:fontRef idx="minor">
-            <a:schemeClr val="lt1"/>
-          </a:fontRef>
-        </p:style>
-        <p:txBody>
-          <a:bodyPr rtlCol="0" anchor="ctr"/>
-          <a:lstStyle/>
-          <a:p>
-            <a:pPr algn="ctr"/>
-            <a:endParaRPr lang="en-US"/>
-          </a:p>
-        </p:txBody>
-      </p:sp>
-      <p:sp>
-        <p:nvSpPr>
-          <p:cNvPr id="20" name="TextBox 19">
-            <a:extLst>
-              <a:ext uri="{FF2B5EF4-FFF2-40B4-BE49-F238E27FC236}">
-                <a16:creationId xmlns:a16="http://schemas.microsoft.com/office/drawing/2014/main" id="{3CEAAFA4-4B14-C560-6D6B-5B0E73157F60}"/>
-              </a:ext>
-            </a:extLst>
-          </p:cNvPr>
-          <p:cNvSpPr txBox="1"/>
-          <p:nvPr/>
-        </p:nvSpPr>
-        <p:spPr>
-          <a:xfrm>
-            <a:off x="2888581" y="6615596"/>
-            <a:ext cx="498855" cy="400110"/>
-          </a:xfrm>
-          <a:prstGeom prst="rect">
-            <a:avLst/>
-          </a:prstGeom>
-          <a:noFill/>
-        </p:spPr>
-        <p:txBody>
-          <a:bodyPr wrap="none" rtlCol="0">
-            <a:spAutoFit/>
-          </a:bodyPr>
-          <a:lstStyle/>
-          <a:p>
-            <a:r>
-              <a:rPr lang="en-US" sz="2000" dirty="0">
-                <a:solidFill>
-                  <a:srgbClr val="FF9300"/>
-                </a:solidFill>
-                <a:latin typeface="Arial" panose="020B0604020202020204" pitchFamily="34" charset="0"/>
-                <a:cs typeface="Arial" panose="020B0604020202020204" pitchFamily="34" charset="0"/>
-              </a:rPr>
-              <a:t>B1</a:t>
-            </a:r>
-          </a:p>
-        </p:txBody>
-      </p:sp>
-      <p:sp>
-        <p:nvSpPr>
-          <p:cNvPr id="27" name="TextBox 26">
-            <a:extLst>
-              <a:ext uri="{FF2B5EF4-FFF2-40B4-BE49-F238E27FC236}">
-                <a16:creationId xmlns:a16="http://schemas.microsoft.com/office/drawing/2014/main" id="{958F7C7A-1B34-A3E0-726D-A3261E3F2D4C}"/>
-              </a:ext>
-            </a:extLst>
-          </p:cNvPr>
-          <p:cNvSpPr txBox="1"/>
-          <p:nvPr/>
-        </p:nvSpPr>
-        <p:spPr>
-          <a:xfrm>
-            <a:off x="2173644" y="9314669"/>
-            <a:ext cx="660400" cy="400110"/>
-          </a:xfrm>
-          <a:prstGeom prst="rect">
-            <a:avLst/>
-          </a:prstGeom>
-          <a:noFill/>
-        </p:spPr>
-        <p:txBody>
-          <a:bodyPr wrap="square" rtlCol="0">
-            <a:spAutoFit/>
-          </a:bodyPr>
-          <a:lstStyle/>
-          <a:p>
-            <a:r>
-              <a:rPr lang="en-US" sz="2000" dirty="0">
-                <a:latin typeface="Arial" panose="020B0604020202020204" pitchFamily="34" charset="0"/>
-                <a:cs typeface="Arial" panose="020B0604020202020204" pitchFamily="34" charset="0"/>
-              </a:rPr>
-              <a:t>β</a:t>
-            </a:r>
-            <a:r>
-              <a:rPr lang="en-US" sz="2000" baseline="-25000" dirty="0">
-                <a:latin typeface="Arial" panose="020B0604020202020204" pitchFamily="34" charset="0"/>
-                <a:cs typeface="Arial" panose="020B0604020202020204" pitchFamily="34" charset="0"/>
-              </a:rPr>
-              <a:t>P18</a:t>
-            </a:r>
-          </a:p>
-        </p:txBody>
-      </p:sp>
-      <p:cxnSp>
-        <p:nvCxnSpPr>
-          <p:cNvPr id="28" name="Straight Arrow Connector 27">
-            <a:extLst>
-              <a:ext uri="{FF2B5EF4-FFF2-40B4-BE49-F238E27FC236}">
-                <a16:creationId xmlns:a16="http://schemas.microsoft.com/office/drawing/2014/main" id="{8850A432-B56E-ACDF-A4FB-A43F62321A0E}"/>
-              </a:ext>
-            </a:extLst>
-          </p:cNvPr>
-          <p:cNvCxnSpPr>
-            <a:cxnSpLocks/>
-          </p:cNvCxnSpPr>
-          <p:nvPr/>
-        </p:nvCxnSpPr>
-        <p:spPr>
-          <a:xfrm>
-            <a:off x="7242198" y="9766802"/>
-            <a:ext cx="153278" cy="0"/>
-          </a:xfrm>
-          <a:prstGeom prst="straightConnector1">
-            <a:avLst/>
-          </a:prstGeom>
-          <a:ln w="31750">
-            <a:solidFill>
-              <a:schemeClr val="tx1"/>
-            </a:solidFill>
-            <a:prstDash val="sysDot"/>
-            <a:tailEnd type="triangle" w="med" len="med"/>
-          </a:ln>
-        </p:spPr>
-        <p:style>
-          <a:lnRef idx="2">
-            <a:schemeClr val="accent1"/>
-          </a:lnRef>
-          <a:fillRef idx="0">
-            <a:schemeClr val="accent1"/>
-          </a:fillRef>
-          <a:effectRef idx="1">
-            <a:schemeClr val="accent1"/>
-          </a:effectRef>
-          <a:fontRef idx="minor">
-            <a:schemeClr val="tx1"/>
-          </a:fontRef>
-        </p:style>
-      </p:cxnSp>
-      <p:cxnSp>
-        <p:nvCxnSpPr>
-          <p:cNvPr id="29" name="Straight Arrow Connector 28">
-            <a:extLst>
-              <a:ext uri="{FF2B5EF4-FFF2-40B4-BE49-F238E27FC236}">
-                <a16:creationId xmlns:a16="http://schemas.microsoft.com/office/drawing/2014/main" id="{1CD26346-E81A-4470-528F-3277BD56AF43}"/>
-              </a:ext>
-            </a:extLst>
-          </p:cNvPr>
-          <p:cNvCxnSpPr>
-            <a:cxnSpLocks/>
-          </p:cNvCxnSpPr>
-          <p:nvPr/>
-        </p:nvCxnSpPr>
-        <p:spPr>
-          <a:xfrm flipH="1">
-            <a:off x="5651016" y="9728647"/>
-            <a:ext cx="117989" cy="1397"/>
-          </a:xfrm>
-          <a:prstGeom prst="straightConnector1">
-            <a:avLst/>
-          </a:prstGeom>
-          <a:ln w="31750">
-            <a:solidFill>
-              <a:schemeClr val="tx1"/>
-            </a:solidFill>
-            <a:prstDash val="sysDot"/>
-            <a:tailEnd type="triangle" w="med" len="med"/>
-          </a:ln>
-        </p:spPr>
-        <p:style>
-          <a:lnRef idx="2">
-            <a:schemeClr val="accent1"/>
-          </a:lnRef>
-          <a:fillRef idx="0">
-            <a:schemeClr val="accent1"/>
-          </a:fillRef>
-          <a:effectRef idx="1">
-            <a:schemeClr val="accent1"/>
-          </a:effectRef>
-          <a:fontRef idx="minor">
-            <a:schemeClr val="tx1"/>
-          </a:fontRef>
-        </p:style>
-      </p:cxnSp>
-      <p:cxnSp>
-        <p:nvCxnSpPr>
-          <p:cNvPr id="30" name="Straight Arrow Connector 29">
-            <a:extLst>
-              <a:ext uri="{FF2B5EF4-FFF2-40B4-BE49-F238E27FC236}">
-                <a16:creationId xmlns:a16="http://schemas.microsoft.com/office/drawing/2014/main" id="{97CA7731-B0BA-57F1-65CE-F9D9A821826C}"/>
-              </a:ext>
-            </a:extLst>
-          </p:cNvPr>
-          <p:cNvCxnSpPr>
-            <a:cxnSpLocks/>
-          </p:cNvCxnSpPr>
-          <p:nvPr/>
-        </p:nvCxnSpPr>
-        <p:spPr>
-          <a:xfrm>
-            <a:off x="2214692" y="9728278"/>
-            <a:ext cx="387394" cy="0"/>
-          </a:xfrm>
-          <a:prstGeom prst="straightConnector1">
-            <a:avLst/>
-          </a:prstGeom>
-          <a:ln w="31750">
-            <a:solidFill>
-              <a:schemeClr val="tx1"/>
-            </a:solidFill>
-            <a:prstDash val="sysDot"/>
-            <a:tailEnd type="triangle" w="med" len="med"/>
-          </a:ln>
-        </p:spPr>
-        <p:style>
-          <a:lnRef idx="2">
-            <a:schemeClr val="accent1"/>
-          </a:lnRef>
-          <a:fillRef idx="0">
-            <a:schemeClr val="accent1"/>
-          </a:fillRef>
-          <a:effectRef idx="1">
-            <a:schemeClr val="accent1"/>
-          </a:effectRef>
-          <a:fontRef idx="minor">
-            <a:schemeClr val="tx1"/>
-          </a:fontRef>
-        </p:style>
-      </p:cxnSp>
-      <p:sp>
-        <p:nvSpPr>
-          <p:cNvPr id="31" name="Freeform 30">
-            <a:extLst>
-              <a:ext uri="{FF2B5EF4-FFF2-40B4-BE49-F238E27FC236}">
-                <a16:creationId xmlns:a16="http://schemas.microsoft.com/office/drawing/2014/main" id="{1950F63D-2984-1F88-CF6A-5B08256A2FE2}"/>
-              </a:ext>
-            </a:extLst>
-          </p:cNvPr>
-          <p:cNvSpPr/>
-          <p:nvPr/>
-        </p:nvSpPr>
-        <p:spPr>
-          <a:xfrm rot="10000805">
-            <a:off x="1462925" y="9275912"/>
-            <a:ext cx="515192" cy="135611"/>
-          </a:xfrm>
-          <a:custGeom>
-            <a:avLst/>
-            <a:gdLst>
-              <a:gd name="connsiteX0" fmla="*/ 0 w 220133"/>
-              <a:gd name="connsiteY0" fmla="*/ 0 h 203601"/>
-              <a:gd name="connsiteX1" fmla="*/ 118533 w 220133"/>
-              <a:gd name="connsiteY1" fmla="*/ 194733 h 203601"/>
-              <a:gd name="connsiteX2" fmla="*/ 220133 w 220133"/>
-              <a:gd name="connsiteY2" fmla="*/ 152400 h 203601"/>
-              <a:gd name="connsiteX0" fmla="*/ 0 w 220133"/>
-              <a:gd name="connsiteY0" fmla="*/ 0 h 178971"/>
-              <a:gd name="connsiteX1" fmla="*/ 25399 w 220133"/>
-              <a:gd name="connsiteY1" fmla="*/ 160866 h 178971"/>
-              <a:gd name="connsiteX2" fmla="*/ 220133 w 220133"/>
-              <a:gd name="connsiteY2" fmla="*/ 152400 h 178971"/>
-              <a:gd name="connsiteX0" fmla="*/ 54882 w 275015"/>
-              <a:gd name="connsiteY0" fmla="*/ 0 h 178971"/>
-              <a:gd name="connsiteX1" fmla="*/ 80281 w 275015"/>
-              <a:gd name="connsiteY1" fmla="*/ 160866 h 178971"/>
-              <a:gd name="connsiteX2" fmla="*/ 275015 w 275015"/>
-              <a:gd name="connsiteY2" fmla="*/ 152400 h 178971"/>
-              <a:gd name="connsiteX0" fmla="*/ 21024 w 241157"/>
-              <a:gd name="connsiteY0" fmla="*/ 0 h 178971"/>
-              <a:gd name="connsiteX1" fmla="*/ 46423 w 241157"/>
-              <a:gd name="connsiteY1" fmla="*/ 160866 h 178971"/>
-              <a:gd name="connsiteX2" fmla="*/ 241157 w 241157"/>
-              <a:gd name="connsiteY2" fmla="*/ 152400 h 178971"/>
-              <a:gd name="connsiteX0" fmla="*/ 21024 w 241157"/>
-              <a:gd name="connsiteY0" fmla="*/ 0 h 195723"/>
-              <a:gd name="connsiteX1" fmla="*/ 46423 w 241157"/>
-              <a:gd name="connsiteY1" fmla="*/ 160866 h 195723"/>
-              <a:gd name="connsiteX2" fmla="*/ 241157 w 241157"/>
-              <a:gd name="connsiteY2" fmla="*/ 152400 h 195723"/>
-              <a:gd name="connsiteX0" fmla="*/ 28307 w 248440"/>
-              <a:gd name="connsiteY0" fmla="*/ 0 h 208539"/>
-              <a:gd name="connsiteX1" fmla="*/ 32577 w 248440"/>
-              <a:gd name="connsiteY1" fmla="*/ 187730 h 208539"/>
-              <a:gd name="connsiteX2" fmla="*/ 248440 w 248440"/>
-              <a:gd name="connsiteY2" fmla="*/ 152400 h 208539"/>
-              <a:gd name="connsiteX0" fmla="*/ 33312 w 253445"/>
-              <a:gd name="connsiteY0" fmla="*/ 0 h 208539"/>
-              <a:gd name="connsiteX1" fmla="*/ 37582 w 253445"/>
-              <a:gd name="connsiteY1" fmla="*/ 187730 h 208539"/>
-              <a:gd name="connsiteX2" fmla="*/ 253445 w 253445"/>
-              <a:gd name="connsiteY2" fmla="*/ 152400 h 208539"/>
-              <a:gd name="connsiteX0" fmla="*/ 33312 w 253445"/>
-              <a:gd name="connsiteY0" fmla="*/ 0 h 214931"/>
-              <a:gd name="connsiteX1" fmla="*/ 37582 w 253445"/>
-              <a:gd name="connsiteY1" fmla="*/ 187730 h 214931"/>
-              <a:gd name="connsiteX2" fmla="*/ 253445 w 253445"/>
-              <a:gd name="connsiteY2" fmla="*/ 152400 h 214931"/>
-              <a:gd name="connsiteX0" fmla="*/ 0 w 220133"/>
-              <a:gd name="connsiteY0" fmla="*/ 0 h 152400"/>
-              <a:gd name="connsiteX1" fmla="*/ 220133 w 220133"/>
-              <a:gd name="connsiteY1" fmla="*/ 152400 h 152400"/>
-              <a:gd name="connsiteX0" fmla="*/ 1389 w 221522"/>
-              <a:gd name="connsiteY0" fmla="*/ 0 h 152400"/>
-              <a:gd name="connsiteX1" fmla="*/ 221522 w 221522"/>
-              <a:gd name="connsiteY1" fmla="*/ 152400 h 152400"/>
-              <a:gd name="connsiteX0" fmla="*/ 1801 w 221934"/>
-              <a:gd name="connsiteY0" fmla="*/ 0 h 179760"/>
-              <a:gd name="connsiteX1" fmla="*/ 221934 w 221934"/>
-              <a:gd name="connsiteY1" fmla="*/ 152400 h 179760"/>
-              <a:gd name="connsiteX0" fmla="*/ 2659 w 177013"/>
-              <a:gd name="connsiteY0" fmla="*/ 0 h 141774"/>
-              <a:gd name="connsiteX1" fmla="*/ 177013 w 177013"/>
-              <a:gd name="connsiteY1" fmla="*/ 102510 h 141774"/>
-              <a:gd name="connsiteX0" fmla="*/ 9706 w 103067"/>
-              <a:gd name="connsiteY0" fmla="*/ 0 h 126667"/>
-              <a:gd name="connsiteX1" fmla="*/ 103067 w 103067"/>
-              <a:gd name="connsiteY1" fmla="*/ 79484 h 126667"/>
-              <a:gd name="connsiteX0" fmla="*/ 3352 w 96713"/>
-              <a:gd name="connsiteY0" fmla="*/ 0 h 125045"/>
-              <a:gd name="connsiteX1" fmla="*/ 96713 w 96713"/>
-              <a:gd name="connsiteY1" fmla="*/ 79484 h 125045"/>
-              <a:gd name="connsiteX0" fmla="*/ 11771 w 105132"/>
-              <a:gd name="connsiteY0" fmla="*/ 0 h 120453"/>
-              <a:gd name="connsiteX1" fmla="*/ 105132 w 105132"/>
-              <a:gd name="connsiteY1" fmla="*/ 79484 h 120453"/>
-              <a:gd name="connsiteX0" fmla="*/ 4407 w 97768"/>
-              <a:gd name="connsiteY0" fmla="*/ 0 h 135170"/>
-              <a:gd name="connsiteX1" fmla="*/ 97768 w 97768"/>
-              <a:gd name="connsiteY1" fmla="*/ 79484 h 135170"/>
-              <a:gd name="connsiteX0" fmla="*/ 3766 w 111213"/>
-              <a:gd name="connsiteY0" fmla="*/ 0 h 108212"/>
-              <a:gd name="connsiteX1" fmla="*/ 111213 w 111213"/>
-              <a:gd name="connsiteY1" fmla="*/ 21918 h 108212"/>
-              <a:gd name="connsiteX0" fmla="*/ 3182 w 128236"/>
-              <a:gd name="connsiteY0" fmla="*/ 0 h 117891"/>
-              <a:gd name="connsiteX1" fmla="*/ 128236 w 128236"/>
-              <a:gd name="connsiteY1" fmla="*/ 44944 h 117891"/>
-              <a:gd name="connsiteX0" fmla="*/ 0 w 125054"/>
-              <a:gd name="connsiteY0" fmla="*/ 0 h 98853"/>
-              <a:gd name="connsiteX1" fmla="*/ 125054 w 125054"/>
-              <a:gd name="connsiteY1" fmla="*/ 44944 h 98853"/>
-              <a:gd name="connsiteX0" fmla="*/ 0 w 214277"/>
-              <a:gd name="connsiteY0" fmla="*/ 0 h 83077"/>
-              <a:gd name="connsiteX1" fmla="*/ 214277 w 214277"/>
-              <a:gd name="connsiteY1" fmla="*/ 11175 h 83077"/>
-              <a:gd name="connsiteX0" fmla="*/ 0 w 214277"/>
-              <a:gd name="connsiteY0" fmla="*/ 0 h 80153"/>
-              <a:gd name="connsiteX1" fmla="*/ 214277 w 214277"/>
-              <a:gd name="connsiteY1" fmla="*/ 11175 h 80153"/>
-              <a:gd name="connsiteX0" fmla="*/ 0 w 214277"/>
-              <a:gd name="connsiteY0" fmla="*/ 0 h 61469"/>
-              <a:gd name="connsiteX1" fmla="*/ 214277 w 214277"/>
-              <a:gd name="connsiteY1" fmla="*/ 11175 h 61469"/>
-            </a:gdLst>
-            <a:ahLst/>
-            <a:cxnLst>
-              <a:cxn ang="0">
-                <a:pos x="connsiteX0" y="connsiteY0"/>
-              </a:cxn>
-              <a:cxn ang="0">
-                <a:pos x="connsiteX1" y="connsiteY1"/>
-              </a:cxn>
-            </a:cxnLst>
-            <a:rect l="l" t="t" r="r" b="b"/>
-            <a:pathLst>
-              <a:path w="214277" h="61469">
-                <a:moveTo>
-                  <a:pt x="0" y="0"/>
-                </a:moveTo>
-                <a:cubicBezTo>
-                  <a:pt x="59431" y="84680"/>
-                  <a:pt x="162027" y="75506"/>
-                  <a:pt x="214277" y="11175"/>
-                </a:cubicBezTo>
-              </a:path>
-            </a:pathLst>
-          </a:custGeom>
-          <a:noFill/>
-          <a:ln w="31750">
-            <a:solidFill>
-              <a:schemeClr val="tx1"/>
-            </a:solidFill>
-            <a:prstDash val="sysDot"/>
-            <a:headEnd type="triangle"/>
-            <a:tailEnd type="none"/>
-          </a:ln>
-        </p:spPr>
-        <p:style>
-          <a:lnRef idx="2">
-            <a:schemeClr val="accent1">
-              <a:shade val="15000"/>
-            </a:schemeClr>
-          </a:lnRef>
-          <a:fillRef idx="1">
-            <a:schemeClr val="accent1"/>
-          </a:fillRef>
-          <a:effectRef idx="0">
-            <a:schemeClr val="accent1"/>
-          </a:effectRef>
-          <a:fontRef idx="minor">
-            <a:schemeClr val="lt1"/>
-          </a:fontRef>
-        </p:style>
-        <p:txBody>
-          <a:bodyPr rtlCol="0" anchor="ctr"/>
-          <a:lstStyle/>
-          <a:p>
-            <a:pPr algn="ctr"/>
-            <a:endParaRPr lang="en-US"/>
-          </a:p>
-        </p:txBody>
-      </p:sp>
-      <p:sp>
-        <p:nvSpPr>
-          <p:cNvPr id="32" name="Freeform 31">
-            <a:extLst>
-              <a:ext uri="{FF2B5EF4-FFF2-40B4-BE49-F238E27FC236}">
-                <a16:creationId xmlns:a16="http://schemas.microsoft.com/office/drawing/2014/main" id="{D5F83796-D4C3-8395-EAB4-1AD4829DEB34}"/>
-              </a:ext>
-            </a:extLst>
-          </p:cNvPr>
-          <p:cNvSpPr/>
-          <p:nvPr/>
-        </p:nvSpPr>
-        <p:spPr>
-          <a:xfrm rot="17669824">
-            <a:off x="5255183" y="9627986"/>
-            <a:ext cx="89257" cy="240005"/>
-          </a:xfrm>
-          <a:custGeom>
-            <a:avLst/>
-            <a:gdLst>
-              <a:gd name="connsiteX0" fmla="*/ 0 w 220133"/>
-              <a:gd name="connsiteY0" fmla="*/ 0 h 203601"/>
-              <a:gd name="connsiteX1" fmla="*/ 118533 w 220133"/>
-              <a:gd name="connsiteY1" fmla="*/ 194733 h 203601"/>
-              <a:gd name="connsiteX2" fmla="*/ 220133 w 220133"/>
-              <a:gd name="connsiteY2" fmla="*/ 152400 h 203601"/>
-              <a:gd name="connsiteX0" fmla="*/ 0 w 220133"/>
-              <a:gd name="connsiteY0" fmla="*/ 0 h 178971"/>
-              <a:gd name="connsiteX1" fmla="*/ 25399 w 220133"/>
-              <a:gd name="connsiteY1" fmla="*/ 160866 h 178971"/>
-              <a:gd name="connsiteX2" fmla="*/ 220133 w 220133"/>
-              <a:gd name="connsiteY2" fmla="*/ 152400 h 178971"/>
-              <a:gd name="connsiteX0" fmla="*/ 54882 w 275015"/>
-              <a:gd name="connsiteY0" fmla="*/ 0 h 178971"/>
-              <a:gd name="connsiteX1" fmla="*/ 80281 w 275015"/>
-              <a:gd name="connsiteY1" fmla="*/ 160866 h 178971"/>
-              <a:gd name="connsiteX2" fmla="*/ 275015 w 275015"/>
-              <a:gd name="connsiteY2" fmla="*/ 152400 h 178971"/>
-              <a:gd name="connsiteX0" fmla="*/ 21024 w 241157"/>
-              <a:gd name="connsiteY0" fmla="*/ 0 h 178971"/>
-              <a:gd name="connsiteX1" fmla="*/ 46423 w 241157"/>
-              <a:gd name="connsiteY1" fmla="*/ 160866 h 178971"/>
-              <a:gd name="connsiteX2" fmla="*/ 241157 w 241157"/>
-              <a:gd name="connsiteY2" fmla="*/ 152400 h 178971"/>
-              <a:gd name="connsiteX0" fmla="*/ 21024 w 241157"/>
-              <a:gd name="connsiteY0" fmla="*/ 0 h 195723"/>
-              <a:gd name="connsiteX1" fmla="*/ 46423 w 241157"/>
-              <a:gd name="connsiteY1" fmla="*/ 160866 h 195723"/>
-              <a:gd name="connsiteX2" fmla="*/ 241157 w 241157"/>
-              <a:gd name="connsiteY2" fmla="*/ 152400 h 195723"/>
-              <a:gd name="connsiteX0" fmla="*/ 28307 w 248440"/>
-              <a:gd name="connsiteY0" fmla="*/ 0 h 208539"/>
-              <a:gd name="connsiteX1" fmla="*/ 32577 w 248440"/>
-              <a:gd name="connsiteY1" fmla="*/ 187730 h 208539"/>
-              <a:gd name="connsiteX2" fmla="*/ 248440 w 248440"/>
-              <a:gd name="connsiteY2" fmla="*/ 152400 h 208539"/>
-              <a:gd name="connsiteX0" fmla="*/ 33312 w 253445"/>
-              <a:gd name="connsiteY0" fmla="*/ 0 h 208539"/>
-              <a:gd name="connsiteX1" fmla="*/ 37582 w 253445"/>
-              <a:gd name="connsiteY1" fmla="*/ 187730 h 208539"/>
-              <a:gd name="connsiteX2" fmla="*/ 253445 w 253445"/>
-              <a:gd name="connsiteY2" fmla="*/ 152400 h 208539"/>
-              <a:gd name="connsiteX0" fmla="*/ 33312 w 253445"/>
-              <a:gd name="connsiteY0" fmla="*/ 0 h 214931"/>
-              <a:gd name="connsiteX1" fmla="*/ 37582 w 253445"/>
-              <a:gd name="connsiteY1" fmla="*/ 187730 h 214931"/>
-              <a:gd name="connsiteX2" fmla="*/ 253445 w 253445"/>
-              <a:gd name="connsiteY2" fmla="*/ 152400 h 214931"/>
-              <a:gd name="connsiteX0" fmla="*/ 0 w 220133"/>
-              <a:gd name="connsiteY0" fmla="*/ 0 h 152400"/>
-              <a:gd name="connsiteX1" fmla="*/ 220133 w 220133"/>
-              <a:gd name="connsiteY1" fmla="*/ 152400 h 152400"/>
-              <a:gd name="connsiteX0" fmla="*/ 1389 w 221522"/>
-              <a:gd name="connsiteY0" fmla="*/ 0 h 152400"/>
-              <a:gd name="connsiteX1" fmla="*/ 221522 w 221522"/>
-              <a:gd name="connsiteY1" fmla="*/ 152400 h 152400"/>
-              <a:gd name="connsiteX0" fmla="*/ 1801 w 221934"/>
-              <a:gd name="connsiteY0" fmla="*/ 0 h 179760"/>
-              <a:gd name="connsiteX1" fmla="*/ 221934 w 221934"/>
-              <a:gd name="connsiteY1" fmla="*/ 152400 h 179760"/>
-              <a:gd name="connsiteX0" fmla="*/ 2659 w 177013"/>
-              <a:gd name="connsiteY0" fmla="*/ 0 h 141774"/>
-              <a:gd name="connsiteX1" fmla="*/ 177013 w 177013"/>
-              <a:gd name="connsiteY1" fmla="*/ 102510 h 141774"/>
-              <a:gd name="connsiteX0" fmla="*/ 9706 w 103067"/>
-              <a:gd name="connsiteY0" fmla="*/ 0 h 126667"/>
-              <a:gd name="connsiteX1" fmla="*/ 103067 w 103067"/>
-              <a:gd name="connsiteY1" fmla="*/ 79484 h 126667"/>
-              <a:gd name="connsiteX0" fmla="*/ 3352 w 96713"/>
-              <a:gd name="connsiteY0" fmla="*/ 0 h 125045"/>
-              <a:gd name="connsiteX1" fmla="*/ 96713 w 96713"/>
-              <a:gd name="connsiteY1" fmla="*/ 79484 h 125045"/>
-              <a:gd name="connsiteX0" fmla="*/ 11771 w 105132"/>
-              <a:gd name="connsiteY0" fmla="*/ 0 h 120453"/>
-              <a:gd name="connsiteX1" fmla="*/ 105132 w 105132"/>
-              <a:gd name="connsiteY1" fmla="*/ 79484 h 120453"/>
-              <a:gd name="connsiteX0" fmla="*/ 4407 w 97768"/>
-              <a:gd name="connsiteY0" fmla="*/ 0 h 135170"/>
-              <a:gd name="connsiteX1" fmla="*/ 97768 w 97768"/>
-              <a:gd name="connsiteY1" fmla="*/ 79484 h 135170"/>
-              <a:gd name="connsiteX0" fmla="*/ 3766 w 111213"/>
-              <a:gd name="connsiteY0" fmla="*/ 0 h 108212"/>
-              <a:gd name="connsiteX1" fmla="*/ 111213 w 111213"/>
-              <a:gd name="connsiteY1" fmla="*/ 21918 h 108212"/>
-              <a:gd name="connsiteX0" fmla="*/ 3182 w 128236"/>
-              <a:gd name="connsiteY0" fmla="*/ 0 h 117891"/>
-              <a:gd name="connsiteX1" fmla="*/ 128236 w 128236"/>
-              <a:gd name="connsiteY1" fmla="*/ 44944 h 117891"/>
-              <a:gd name="connsiteX0" fmla="*/ 0 w 125054"/>
-              <a:gd name="connsiteY0" fmla="*/ 0 h 98853"/>
-              <a:gd name="connsiteX1" fmla="*/ 125054 w 125054"/>
-              <a:gd name="connsiteY1" fmla="*/ 44944 h 98853"/>
-              <a:gd name="connsiteX0" fmla="*/ 0 w 125054"/>
-              <a:gd name="connsiteY0" fmla="*/ 0 h 75921"/>
-              <a:gd name="connsiteX1" fmla="*/ 125054 w 125054"/>
-              <a:gd name="connsiteY1" fmla="*/ 44944 h 75921"/>
-              <a:gd name="connsiteX0" fmla="*/ 0 w 125054"/>
-              <a:gd name="connsiteY0" fmla="*/ 0 h 72268"/>
-              <a:gd name="connsiteX1" fmla="*/ 125054 w 125054"/>
-              <a:gd name="connsiteY1" fmla="*/ 44944 h 72268"/>
-              <a:gd name="connsiteX0" fmla="*/ 0 w 125054"/>
-              <a:gd name="connsiteY0" fmla="*/ 0 h 71063"/>
-              <a:gd name="connsiteX1" fmla="*/ 125054 w 125054"/>
-              <a:gd name="connsiteY1" fmla="*/ 44944 h 71063"/>
-              <a:gd name="connsiteX0" fmla="*/ 0 w 86885"/>
-              <a:gd name="connsiteY0" fmla="*/ 0 h 79138"/>
-              <a:gd name="connsiteX1" fmla="*/ 86885 w 86885"/>
-              <a:gd name="connsiteY1" fmla="*/ 55463 h 79138"/>
-              <a:gd name="connsiteX0" fmla="*/ 9051 w 39716"/>
-              <a:gd name="connsiteY0" fmla="*/ 0 h 105837"/>
-              <a:gd name="connsiteX1" fmla="*/ 39716 w 39716"/>
-              <a:gd name="connsiteY1" fmla="*/ 87599 h 105837"/>
-              <a:gd name="connsiteX0" fmla="*/ 28671 w 59336"/>
-              <a:gd name="connsiteY0" fmla="*/ 0 h 105961"/>
-              <a:gd name="connsiteX1" fmla="*/ 59336 w 59336"/>
-              <a:gd name="connsiteY1" fmla="*/ 87599 h 105961"/>
-              <a:gd name="connsiteX0" fmla="*/ 23983 w 65114"/>
-              <a:gd name="connsiteY0" fmla="*/ 0 h 80616"/>
-              <a:gd name="connsiteX1" fmla="*/ 65114 w 65114"/>
-              <a:gd name="connsiteY1" fmla="*/ 57098 h 80616"/>
-              <a:gd name="connsiteX0" fmla="*/ 22410 w 63541"/>
-              <a:gd name="connsiteY0" fmla="*/ 0 h 58012"/>
-              <a:gd name="connsiteX1" fmla="*/ 63541 w 63541"/>
-              <a:gd name="connsiteY1" fmla="*/ 57098 h 58012"/>
-              <a:gd name="connsiteX0" fmla="*/ 9544 w 106611"/>
-              <a:gd name="connsiteY0" fmla="*/ 0 h 40155"/>
-              <a:gd name="connsiteX1" fmla="*/ 106611 w 106611"/>
-              <a:gd name="connsiteY1" fmla="*/ 33538 h 40155"/>
-              <a:gd name="connsiteX0" fmla="*/ 18042 w 71707"/>
-              <a:gd name="connsiteY0" fmla="*/ 0 h 60072"/>
-              <a:gd name="connsiteX1" fmla="*/ 71707 w 71707"/>
-              <a:gd name="connsiteY1" fmla="*/ 59309 h 60072"/>
-              <a:gd name="connsiteX0" fmla="*/ 19196 w 72861"/>
-              <a:gd name="connsiteY0" fmla="*/ 0 h 59309"/>
-              <a:gd name="connsiteX1" fmla="*/ 72861 w 72861"/>
-              <a:gd name="connsiteY1" fmla="*/ 59309 h 59309"/>
-              <a:gd name="connsiteX0" fmla="*/ 20475 w 70367"/>
-              <a:gd name="connsiteY0" fmla="*/ 0 h 78052"/>
-              <a:gd name="connsiteX1" fmla="*/ 70367 w 70367"/>
-              <a:gd name="connsiteY1" fmla="*/ 78052 h 78052"/>
-              <a:gd name="connsiteX0" fmla="*/ 28718 w 78610"/>
-              <a:gd name="connsiteY0" fmla="*/ 0 h 78052"/>
-              <a:gd name="connsiteX1" fmla="*/ 78610 w 78610"/>
-              <a:gd name="connsiteY1" fmla="*/ 78052 h 78052"/>
-              <a:gd name="connsiteX0" fmla="*/ 16706 w 66598"/>
-              <a:gd name="connsiteY0" fmla="*/ 0 h 78052"/>
-              <a:gd name="connsiteX1" fmla="*/ 66598 w 66598"/>
-              <a:gd name="connsiteY1" fmla="*/ 78052 h 78052"/>
-              <a:gd name="connsiteX0" fmla="*/ 27565 w 77457"/>
-              <a:gd name="connsiteY0" fmla="*/ 0 h 78052"/>
-              <a:gd name="connsiteX1" fmla="*/ 77457 w 77457"/>
-              <a:gd name="connsiteY1" fmla="*/ 78052 h 78052"/>
-              <a:gd name="connsiteX0" fmla="*/ 27798 w 77690"/>
-              <a:gd name="connsiteY0" fmla="*/ 0 h 84261"/>
-              <a:gd name="connsiteX1" fmla="*/ 77690 w 77690"/>
-              <a:gd name="connsiteY1" fmla="*/ 78052 h 84261"/>
-              <a:gd name="connsiteX0" fmla="*/ 15010 w 64902"/>
-              <a:gd name="connsiteY0" fmla="*/ 0 h 83289"/>
-              <a:gd name="connsiteX1" fmla="*/ 64902 w 64902"/>
-              <a:gd name="connsiteY1" fmla="*/ 78052 h 83289"/>
-              <a:gd name="connsiteX0" fmla="*/ 17093 w 66985"/>
-              <a:gd name="connsiteY0" fmla="*/ 0 h 78052"/>
-              <a:gd name="connsiteX1" fmla="*/ 66985 w 66985"/>
-              <a:gd name="connsiteY1" fmla="*/ 78052 h 78052"/>
-              <a:gd name="connsiteX0" fmla="*/ 9496 w 59388"/>
-              <a:gd name="connsiteY0" fmla="*/ 0 h 78052"/>
-              <a:gd name="connsiteX1" fmla="*/ 59388 w 59388"/>
-              <a:gd name="connsiteY1" fmla="*/ 78052 h 78052"/>
-              <a:gd name="connsiteX0" fmla="*/ 19912 w 42852"/>
-              <a:gd name="connsiteY0" fmla="*/ 0 h 108788"/>
-              <a:gd name="connsiteX1" fmla="*/ 42852 w 42852"/>
-              <a:gd name="connsiteY1" fmla="*/ 108788 h 108788"/>
-              <a:gd name="connsiteX0" fmla="*/ 14183 w 37123"/>
-              <a:gd name="connsiteY0" fmla="*/ 0 h 108788"/>
-              <a:gd name="connsiteX1" fmla="*/ 37123 w 37123"/>
-              <a:gd name="connsiteY1" fmla="*/ 108788 h 108788"/>
-            </a:gdLst>
-            <a:ahLst/>
-            <a:cxnLst>
-              <a:cxn ang="0">
-                <a:pos x="connsiteX0" y="connsiteY0"/>
-              </a:cxn>
-              <a:cxn ang="0">
-                <a:pos x="connsiteX1" y="connsiteY1"/>
-              </a:cxn>
-            </a:cxnLst>
-            <a:rect l="l" t="t" r="r" b="b"/>
-            <a:pathLst>
-              <a:path w="37123" h="108788">
-                <a:moveTo>
-                  <a:pt x="14183" y="0"/>
-                </a:moveTo>
-                <a:cubicBezTo>
-                  <a:pt x="-3099" y="65788"/>
-                  <a:pt x="-13397" y="57693"/>
-                  <a:pt x="37123" y="108788"/>
-                </a:cubicBezTo>
-              </a:path>
-            </a:pathLst>
-          </a:custGeom>
-          <a:noFill/>
-          <a:ln w="31750">
-            <a:solidFill>
-              <a:schemeClr val="tx1"/>
-            </a:solidFill>
-            <a:prstDash val="sysDot"/>
-            <a:headEnd type="triangle"/>
-            <a:tailEnd type="none"/>
-          </a:ln>
-        </p:spPr>
-        <p:style>
-          <a:lnRef idx="2">
-            <a:schemeClr val="accent1">
-              <a:shade val="15000"/>
-            </a:schemeClr>
-          </a:lnRef>
-          <a:fillRef idx="1">
-            <a:schemeClr val="accent1"/>
-          </a:fillRef>
-          <a:effectRef idx="0">
-            <a:schemeClr val="accent1"/>
-          </a:effectRef>
-          <a:fontRef idx="minor">
-            <a:schemeClr val="lt1"/>
-          </a:fontRef>
-        </p:style>
-        <p:txBody>
-          <a:bodyPr rtlCol="0" anchor="ctr"/>
-          <a:lstStyle/>
-          <a:p>
-            <a:pPr algn="ctr"/>
-            <a:endParaRPr lang="en-US"/>
-          </a:p>
-        </p:txBody>
-      </p:sp>
-      <p:grpSp>
-        <p:nvGrpSpPr>
-          <p:cNvPr id="42" name="Group 41">
-            <a:extLst>
-              <a:ext uri="{FF2B5EF4-FFF2-40B4-BE49-F238E27FC236}">
-                <a16:creationId xmlns:a16="http://schemas.microsoft.com/office/drawing/2014/main" id="{D4891DC2-75E2-F321-052E-B91DAF56A534}"/>
-              </a:ext>
-            </a:extLst>
-          </p:cNvPr>
-          <p:cNvGrpSpPr/>
-          <p:nvPr/>
-        </p:nvGrpSpPr>
-        <p:grpSpPr>
-          <a:xfrm>
-            <a:off x="941108" y="9016611"/>
-            <a:ext cx="1852568" cy="873203"/>
-            <a:chOff x="3387436" y="9196988"/>
-            <a:chExt cx="1662546" cy="788676"/>
-          </a:xfrm>
-        </p:grpSpPr>
-        <p:sp>
-          <p:nvSpPr>
-            <p:cNvPr id="34" name="Rectangle 33">
-              <a:extLst>
-                <a:ext uri="{FF2B5EF4-FFF2-40B4-BE49-F238E27FC236}">
-                  <a16:creationId xmlns:a16="http://schemas.microsoft.com/office/drawing/2014/main" id="{47D5AC6D-AFDB-4FD0-0618-A6C60C0F28E2}"/>
-                </a:ext>
-              </a:extLst>
-            </p:cNvPr>
-            <p:cNvSpPr/>
-            <p:nvPr/>
-          </p:nvSpPr>
-          <p:spPr>
-            <a:xfrm>
-              <a:off x="3387436" y="9206345"/>
-              <a:ext cx="1662545" cy="779319"/>
-            </a:xfrm>
-            <a:prstGeom prst="rect">
-              <a:avLst/>
-            </a:prstGeom>
-            <a:noFill/>
-            <a:ln w="79375">
-              <a:solidFill>
-                <a:schemeClr val="bg1">
-                  <a:alpha val="65000"/>
-                </a:schemeClr>
-              </a:solidFill>
-            </a:ln>
-          </p:spPr>
-          <p:style>
-            <a:lnRef idx="2">
-              <a:schemeClr val="accent1">
-                <a:shade val="15000"/>
-              </a:schemeClr>
-            </a:lnRef>
-            <a:fillRef idx="1">
-              <a:schemeClr val="accent1"/>
-            </a:fillRef>
-            <a:effectRef idx="0">
-              <a:schemeClr val="accent1"/>
-            </a:effectRef>
-            <a:fontRef idx="minor">
-              <a:schemeClr val="lt1"/>
-            </a:fontRef>
-          </p:style>
-          <p:txBody>
-            <a:bodyPr rtlCol="0" anchor="ctr"/>
-            <a:lstStyle/>
-            <a:p>
-              <a:pPr algn="ctr"/>
-              <a:endParaRPr lang="en-US"/>
-            </a:p>
-          </p:txBody>
-        </p:sp>
-        <p:sp>
-          <p:nvSpPr>
-            <p:cNvPr id="35" name="Rectangle 34">
-              <a:extLst>
-                <a:ext uri="{FF2B5EF4-FFF2-40B4-BE49-F238E27FC236}">
-                  <a16:creationId xmlns:a16="http://schemas.microsoft.com/office/drawing/2014/main" id="{54A0724D-2BD7-7638-2498-BF1771EB37AC}"/>
-                </a:ext>
-              </a:extLst>
-            </p:cNvPr>
-            <p:cNvSpPr/>
-            <p:nvPr/>
-          </p:nvSpPr>
-          <p:spPr>
-            <a:xfrm>
-              <a:off x="3397828" y="9196988"/>
-              <a:ext cx="1652154" cy="778119"/>
-            </a:xfrm>
-            <a:prstGeom prst="rect">
-              <a:avLst/>
-            </a:prstGeom>
-            <a:noFill/>
-            <a:ln w="31750">
-              <a:solidFill>
-                <a:srgbClr val="FF9300"/>
-              </a:solidFill>
-            </a:ln>
-          </p:spPr>
-          <p:style>
-            <a:lnRef idx="2">
-              <a:schemeClr val="accent1">
-                <a:shade val="15000"/>
-              </a:schemeClr>
-            </a:lnRef>
-            <a:fillRef idx="1">
-              <a:schemeClr val="accent1"/>
-            </a:fillRef>
-            <a:effectRef idx="0">
-              <a:schemeClr val="accent1"/>
-            </a:effectRef>
-            <a:fontRef idx="minor">
-              <a:schemeClr val="lt1"/>
-            </a:fontRef>
-          </p:style>
-          <p:txBody>
-            <a:bodyPr rtlCol="0" anchor="ctr"/>
-            <a:lstStyle/>
-            <a:p>
-              <a:pPr algn="ctr"/>
-              <a:endParaRPr lang="en-US"/>
-            </a:p>
-          </p:txBody>
-        </p:sp>
-      </p:grpSp>
-      <p:grpSp>
-        <p:nvGrpSpPr>
-          <p:cNvPr id="36" name="Group 35">
-            <a:extLst>
-              <a:ext uri="{FF2B5EF4-FFF2-40B4-BE49-F238E27FC236}">
-                <a16:creationId xmlns:a16="http://schemas.microsoft.com/office/drawing/2014/main" id="{B8BA6957-FC42-8D1F-B405-D825FD885781}"/>
-              </a:ext>
-            </a:extLst>
-          </p:cNvPr>
-          <p:cNvGrpSpPr/>
-          <p:nvPr/>
-        </p:nvGrpSpPr>
-        <p:grpSpPr>
-          <a:xfrm>
-            <a:off x="7037854" y="9026971"/>
-            <a:ext cx="834695" cy="868065"/>
-            <a:chOff x="6095271" y="5125876"/>
-            <a:chExt cx="750147" cy="666834"/>
-          </a:xfrm>
-        </p:grpSpPr>
-        <p:sp>
-          <p:nvSpPr>
-            <p:cNvPr id="37" name="Rectangle 36">
-              <a:extLst>
-                <a:ext uri="{FF2B5EF4-FFF2-40B4-BE49-F238E27FC236}">
-                  <a16:creationId xmlns:a16="http://schemas.microsoft.com/office/drawing/2014/main" id="{76003F91-7471-8420-E059-ADDD50B0D6D8}"/>
-                </a:ext>
-              </a:extLst>
-            </p:cNvPr>
-            <p:cNvSpPr/>
-            <p:nvPr/>
-          </p:nvSpPr>
-          <p:spPr>
-            <a:xfrm>
-              <a:off x="6095271" y="5129800"/>
-              <a:ext cx="750147" cy="662910"/>
-            </a:xfrm>
-            <a:prstGeom prst="rect">
-              <a:avLst/>
-            </a:prstGeom>
-            <a:noFill/>
-            <a:ln w="79375">
-              <a:solidFill>
-                <a:schemeClr val="bg1">
-                  <a:alpha val="65000"/>
-                </a:schemeClr>
-              </a:solidFill>
-            </a:ln>
-          </p:spPr>
-          <p:style>
-            <a:lnRef idx="2">
-              <a:schemeClr val="accent1">
-                <a:shade val="15000"/>
-              </a:schemeClr>
-            </a:lnRef>
-            <a:fillRef idx="1">
-              <a:schemeClr val="accent1"/>
-            </a:fillRef>
-            <a:effectRef idx="0">
-              <a:schemeClr val="accent1"/>
-            </a:effectRef>
-            <a:fontRef idx="minor">
-              <a:schemeClr val="lt1"/>
-            </a:fontRef>
-          </p:style>
-          <p:txBody>
-            <a:bodyPr rtlCol="0" anchor="ctr"/>
-            <a:lstStyle/>
-            <a:p>
-              <a:pPr algn="ctr"/>
-              <a:endParaRPr lang="en-US"/>
-            </a:p>
-          </p:txBody>
-        </p:sp>
-        <p:sp>
-          <p:nvSpPr>
-            <p:cNvPr id="38" name="Rectangle 37">
-              <a:extLst>
-                <a:ext uri="{FF2B5EF4-FFF2-40B4-BE49-F238E27FC236}">
-                  <a16:creationId xmlns:a16="http://schemas.microsoft.com/office/drawing/2014/main" id="{62281851-1479-B76A-DC3A-AAA57F88E356}"/>
-                </a:ext>
-              </a:extLst>
-            </p:cNvPr>
-            <p:cNvSpPr/>
-            <p:nvPr/>
-          </p:nvSpPr>
-          <p:spPr>
-            <a:xfrm>
-              <a:off x="6095272" y="5125876"/>
-              <a:ext cx="750146" cy="662910"/>
-            </a:xfrm>
-            <a:prstGeom prst="rect">
-              <a:avLst/>
-            </a:prstGeom>
-            <a:noFill/>
-            <a:ln w="31750">
-              <a:solidFill>
-                <a:srgbClr val="FF9300"/>
-              </a:solidFill>
-            </a:ln>
-          </p:spPr>
-          <p:style>
-            <a:lnRef idx="2">
-              <a:schemeClr val="accent1">
-                <a:shade val="15000"/>
-              </a:schemeClr>
-            </a:lnRef>
-            <a:fillRef idx="1">
-              <a:schemeClr val="accent1"/>
-            </a:fillRef>
-            <a:effectRef idx="0">
-              <a:schemeClr val="accent1"/>
-            </a:effectRef>
-            <a:fontRef idx="minor">
-              <a:schemeClr val="lt1"/>
-            </a:fontRef>
-          </p:style>
-          <p:txBody>
-            <a:bodyPr rtlCol="0" anchor="ctr"/>
-            <a:lstStyle/>
-            <a:p>
-              <a:pPr algn="ctr"/>
-              <a:endParaRPr lang="en-US"/>
-            </a:p>
-          </p:txBody>
-        </p:sp>
-      </p:grpSp>
-      <p:sp>
-        <p:nvSpPr>
-          <p:cNvPr id="39" name="TextBox 38">
-            <a:extLst>
-              <a:ext uri="{FF2B5EF4-FFF2-40B4-BE49-F238E27FC236}">
-                <a16:creationId xmlns:a16="http://schemas.microsoft.com/office/drawing/2014/main" id="{36DD74EB-BE2B-2179-C13B-58B0D28CB09E}"/>
-              </a:ext>
-            </a:extLst>
-          </p:cNvPr>
-          <p:cNvSpPr txBox="1"/>
-          <p:nvPr/>
-        </p:nvSpPr>
-        <p:spPr>
-          <a:xfrm>
-            <a:off x="2793190" y="9255726"/>
-            <a:ext cx="498855" cy="400110"/>
-          </a:xfrm>
-          <a:prstGeom prst="rect">
-            <a:avLst/>
-          </a:prstGeom>
-          <a:noFill/>
-        </p:spPr>
-        <p:txBody>
-          <a:bodyPr wrap="none" rtlCol="0">
-            <a:spAutoFit/>
-          </a:bodyPr>
-          <a:lstStyle/>
-          <a:p>
-            <a:r>
-              <a:rPr lang="en-US" sz="2000" dirty="0">
-                <a:solidFill>
-                  <a:srgbClr val="FF9300"/>
-                </a:solidFill>
-                <a:latin typeface="Arial" panose="020B0604020202020204" pitchFamily="34" charset="0"/>
-                <a:cs typeface="Arial" panose="020B0604020202020204" pitchFamily="34" charset="0"/>
-              </a:rPr>
-              <a:t>B2</a:t>
-            </a:r>
-          </a:p>
-        </p:txBody>
-      </p:sp>
-      <p:sp>
-        <p:nvSpPr>
-          <p:cNvPr id="40" name="TextBox 39">
-            <a:extLst>
-              <a:ext uri="{FF2B5EF4-FFF2-40B4-BE49-F238E27FC236}">
-                <a16:creationId xmlns:a16="http://schemas.microsoft.com/office/drawing/2014/main" id="{B2D754C9-0945-9116-1F5A-E4A85BC910C9}"/>
-              </a:ext>
-            </a:extLst>
-          </p:cNvPr>
-          <p:cNvSpPr txBox="1"/>
-          <p:nvPr/>
-        </p:nvSpPr>
-        <p:spPr>
-          <a:xfrm>
-            <a:off x="7885021" y="9255726"/>
-            <a:ext cx="498855" cy="400110"/>
-          </a:xfrm>
-          <a:prstGeom prst="rect">
-            <a:avLst/>
-          </a:prstGeom>
-          <a:noFill/>
-        </p:spPr>
-        <p:txBody>
-          <a:bodyPr wrap="none" rtlCol="0">
-            <a:spAutoFit/>
-          </a:bodyPr>
-          <a:lstStyle/>
-          <a:p>
-            <a:r>
-              <a:rPr lang="en-US" sz="2000" dirty="0">
-                <a:solidFill>
-                  <a:srgbClr val="FF9300"/>
-                </a:solidFill>
-                <a:latin typeface="Arial" panose="020B0604020202020204" pitchFamily="34" charset="0"/>
-                <a:cs typeface="Arial" panose="020B0604020202020204" pitchFamily="34" charset="0"/>
-              </a:rPr>
-              <a:t>B4</a:t>
-            </a:r>
-          </a:p>
-        </p:txBody>
-      </p:sp>
-      <p:sp>
-        <p:nvSpPr>
-          <p:cNvPr id="2" name="TextBox 1">
-            <a:extLst>
-              <a:ext uri="{FF2B5EF4-FFF2-40B4-BE49-F238E27FC236}">
-                <a16:creationId xmlns:a16="http://schemas.microsoft.com/office/drawing/2014/main" id="{EF73ECB2-138A-46A0-9274-40B73B8DE9AF}"/>
-              </a:ext>
-            </a:extLst>
-          </p:cNvPr>
-          <p:cNvSpPr txBox="1"/>
-          <p:nvPr/>
-        </p:nvSpPr>
-        <p:spPr>
-          <a:xfrm>
-            <a:off x="366218" y="153191"/>
-            <a:ext cx="356188" cy="400110"/>
-          </a:xfrm>
-          <a:prstGeom prst="rect">
-            <a:avLst/>
-          </a:prstGeom>
-          <a:noFill/>
-        </p:spPr>
-        <p:txBody>
-          <a:bodyPr wrap="none" rtlCol="0">
-            <a:spAutoFit/>
-          </a:bodyPr>
-          <a:lstStyle/>
-          <a:p>
-            <a:r>
-              <a:rPr lang="en-US" sz="2000" dirty="0">
-                <a:latin typeface="Arial" panose="020B0604020202020204" pitchFamily="34" charset="0"/>
-                <a:cs typeface="Arial" panose="020B0604020202020204" pitchFamily="34" charset="0"/>
-              </a:rPr>
-              <a:t>A</a:t>
-            </a:r>
-          </a:p>
-        </p:txBody>
-      </p:sp>
-      <p:sp>
-        <p:nvSpPr>
-          <p:cNvPr id="3" name="TextBox 2">
-            <a:extLst>
-              <a:ext uri="{FF2B5EF4-FFF2-40B4-BE49-F238E27FC236}">
-                <a16:creationId xmlns:a16="http://schemas.microsoft.com/office/drawing/2014/main" id="{CA1D5E9D-2276-76F4-325E-D63964C9F823}"/>
-              </a:ext>
-            </a:extLst>
-          </p:cNvPr>
-          <p:cNvSpPr txBox="1"/>
-          <p:nvPr/>
-        </p:nvSpPr>
-        <p:spPr>
-          <a:xfrm>
-            <a:off x="4625917" y="150518"/>
-            <a:ext cx="356188" cy="400110"/>
-          </a:xfrm>
-          <a:prstGeom prst="rect">
-            <a:avLst/>
-          </a:prstGeom>
-          <a:noFill/>
-        </p:spPr>
-        <p:txBody>
-          <a:bodyPr wrap="none" rtlCol="0">
-            <a:spAutoFit/>
-          </a:bodyPr>
-          <a:lstStyle/>
-          <a:p>
-            <a:r>
-              <a:rPr lang="en-US" sz="2000" dirty="0">
-                <a:latin typeface="Arial" panose="020B0604020202020204" pitchFamily="34" charset="0"/>
-                <a:cs typeface="Arial" panose="020B0604020202020204" pitchFamily="34" charset="0"/>
-              </a:rPr>
-              <a:t>B</a:t>
-            </a:r>
-          </a:p>
-        </p:txBody>
-      </p:sp>
-      <p:sp>
-        <p:nvSpPr>
-          <p:cNvPr id="4" name="TextBox 3">
-            <a:extLst>
-              <a:ext uri="{FF2B5EF4-FFF2-40B4-BE49-F238E27FC236}">
-                <a16:creationId xmlns:a16="http://schemas.microsoft.com/office/drawing/2014/main" id="{EA0706E9-AEF1-077B-72C6-8673863940A8}"/>
-              </a:ext>
-            </a:extLst>
-          </p:cNvPr>
-          <p:cNvSpPr txBox="1"/>
-          <p:nvPr/>
-        </p:nvSpPr>
-        <p:spPr>
-          <a:xfrm>
-            <a:off x="366218" y="2771281"/>
-            <a:ext cx="370614" cy="400110"/>
-          </a:xfrm>
-          <a:prstGeom prst="rect">
-            <a:avLst/>
-          </a:prstGeom>
-          <a:noFill/>
-        </p:spPr>
-        <p:txBody>
-          <a:bodyPr wrap="none" rtlCol="0">
-            <a:spAutoFit/>
-          </a:bodyPr>
-          <a:lstStyle/>
-          <a:p>
-            <a:r>
-              <a:rPr lang="en-US" sz="2000" dirty="0">
-                <a:latin typeface="Arial" panose="020B0604020202020204" pitchFamily="34" charset="0"/>
-                <a:cs typeface="Arial" panose="020B0604020202020204" pitchFamily="34" charset="0"/>
-              </a:rPr>
-              <a:t>C</a:t>
-            </a:r>
-          </a:p>
-        </p:txBody>
-      </p:sp>
-      <p:sp>
-        <p:nvSpPr>
-          <p:cNvPr id="5" name="TextBox 4">
-            <a:extLst>
-              <a:ext uri="{FF2B5EF4-FFF2-40B4-BE49-F238E27FC236}">
-                <a16:creationId xmlns:a16="http://schemas.microsoft.com/office/drawing/2014/main" id="{7938405D-DE20-98D2-1FF3-62B7F54A8349}"/>
-              </a:ext>
-            </a:extLst>
-          </p:cNvPr>
-          <p:cNvSpPr txBox="1"/>
-          <p:nvPr/>
-        </p:nvSpPr>
-        <p:spPr>
-          <a:xfrm>
-            <a:off x="4621646" y="2771281"/>
-            <a:ext cx="370614" cy="400110"/>
-          </a:xfrm>
-          <a:prstGeom prst="rect">
-            <a:avLst/>
-          </a:prstGeom>
-          <a:noFill/>
-        </p:spPr>
-        <p:txBody>
-          <a:bodyPr wrap="none" rtlCol="0">
-            <a:spAutoFit/>
-          </a:bodyPr>
-          <a:lstStyle/>
-          <a:p>
-            <a:r>
-              <a:rPr lang="en-US" sz="2000" dirty="0">
-                <a:latin typeface="Arial" panose="020B0604020202020204" pitchFamily="34" charset="0"/>
-                <a:cs typeface="Arial" panose="020B0604020202020204" pitchFamily="34" charset="0"/>
-              </a:rPr>
-              <a:t>D</a:t>
-            </a:r>
-          </a:p>
-        </p:txBody>
-      </p:sp>
-      <p:sp>
-        <p:nvSpPr>
-          <p:cNvPr id="6" name="TextBox 5">
-            <a:extLst>
-              <a:ext uri="{FF2B5EF4-FFF2-40B4-BE49-F238E27FC236}">
-                <a16:creationId xmlns:a16="http://schemas.microsoft.com/office/drawing/2014/main" id="{30162D44-F5CD-47B5-5B97-8F7674656F8C}"/>
-              </a:ext>
-            </a:extLst>
-          </p:cNvPr>
-          <p:cNvSpPr txBox="1"/>
-          <p:nvPr/>
-        </p:nvSpPr>
-        <p:spPr>
-          <a:xfrm>
-            <a:off x="8926598" y="150518"/>
-            <a:ext cx="341760" cy="400110"/>
-          </a:xfrm>
-          <a:prstGeom prst="rect">
-            <a:avLst/>
-          </a:prstGeom>
-          <a:noFill/>
-        </p:spPr>
-        <p:txBody>
-          <a:bodyPr wrap="none" rtlCol="0">
-            <a:spAutoFit/>
-          </a:bodyPr>
-          <a:lstStyle/>
-          <a:p>
-            <a:r>
-              <a:rPr lang="en-US" sz="2000" dirty="0">
-                <a:latin typeface="Arial" panose="020B0604020202020204" pitchFamily="34" charset="0"/>
-                <a:cs typeface="Arial" panose="020B0604020202020204" pitchFamily="34" charset="0"/>
-              </a:rPr>
-              <a:t>F</a:t>
-            </a:r>
-          </a:p>
-        </p:txBody>
-      </p:sp>
-      <p:sp>
-        <p:nvSpPr>
-          <p:cNvPr id="8" name="TextBox 7">
-            <a:extLst>
-              <a:ext uri="{FF2B5EF4-FFF2-40B4-BE49-F238E27FC236}">
-                <a16:creationId xmlns:a16="http://schemas.microsoft.com/office/drawing/2014/main" id="{4366D932-45ED-729C-8325-15DA12B9EBD2}"/>
-              </a:ext>
-            </a:extLst>
-          </p:cNvPr>
-          <p:cNvSpPr txBox="1"/>
-          <p:nvPr/>
-        </p:nvSpPr>
-        <p:spPr>
-          <a:xfrm>
-            <a:off x="8926598" y="8392461"/>
-            <a:ext cx="312906" cy="400110"/>
-          </a:xfrm>
-          <a:prstGeom prst="rect">
-            <a:avLst/>
-          </a:prstGeom>
-          <a:noFill/>
-        </p:spPr>
-        <p:txBody>
-          <a:bodyPr wrap="none" rtlCol="0">
-            <a:spAutoFit/>
-          </a:bodyPr>
-          <a:lstStyle/>
-          <a:p>
-            <a:r>
-              <a:rPr lang="en-US" sz="2000" dirty="0">
-                <a:latin typeface="Arial" panose="020B0604020202020204" pitchFamily="34" charset="0"/>
-                <a:cs typeface="Arial" panose="020B0604020202020204" pitchFamily="34" charset="0"/>
-              </a:rPr>
-              <a:t>J</a:t>
-            </a:r>
-          </a:p>
-        </p:txBody>
-      </p:sp>
-      <p:sp>
-        <p:nvSpPr>
-          <p:cNvPr id="21" name="TextBox 20">
-            <a:extLst>
-              <a:ext uri="{FF2B5EF4-FFF2-40B4-BE49-F238E27FC236}">
-                <a16:creationId xmlns:a16="http://schemas.microsoft.com/office/drawing/2014/main" id="{99B94336-7AAB-9A8C-3599-00C1C65E7458}"/>
-              </a:ext>
-            </a:extLst>
-          </p:cNvPr>
-          <p:cNvSpPr txBox="1"/>
-          <p:nvPr/>
-        </p:nvSpPr>
-        <p:spPr>
-          <a:xfrm>
-            <a:off x="8926598" y="6331975"/>
-            <a:ext cx="255198" cy="400110"/>
-          </a:xfrm>
-          <a:prstGeom prst="rect">
-            <a:avLst/>
-          </a:prstGeom>
-          <a:noFill/>
-        </p:spPr>
-        <p:txBody>
-          <a:bodyPr wrap="none" rtlCol="0">
-            <a:spAutoFit/>
-          </a:bodyPr>
-          <a:lstStyle/>
-          <a:p>
-            <a:r>
-              <a:rPr lang="en-US" sz="2000" dirty="0">
-                <a:latin typeface="Arial" panose="020B0604020202020204" pitchFamily="34" charset="0"/>
-                <a:cs typeface="Arial" panose="020B0604020202020204" pitchFamily="34" charset="0"/>
-              </a:rPr>
-              <a:t>I</a:t>
-            </a:r>
-          </a:p>
-        </p:txBody>
-      </p:sp>
-      <p:sp>
-        <p:nvSpPr>
-          <p:cNvPr id="22" name="TextBox 21">
-            <a:extLst>
-              <a:ext uri="{FF2B5EF4-FFF2-40B4-BE49-F238E27FC236}">
-                <a16:creationId xmlns:a16="http://schemas.microsoft.com/office/drawing/2014/main" id="{C5F9E485-263D-575D-3AC7-2F1481FF45F5}"/>
-              </a:ext>
-            </a:extLst>
-          </p:cNvPr>
-          <p:cNvSpPr txBox="1"/>
-          <p:nvPr/>
-        </p:nvSpPr>
-        <p:spPr>
-          <a:xfrm>
-            <a:off x="8926598" y="4271489"/>
-            <a:ext cx="370614" cy="400110"/>
-          </a:xfrm>
-          <a:prstGeom prst="rect">
-            <a:avLst/>
-          </a:prstGeom>
-          <a:noFill/>
-        </p:spPr>
-        <p:txBody>
-          <a:bodyPr wrap="none" rtlCol="0">
-            <a:spAutoFit/>
-          </a:bodyPr>
-          <a:lstStyle/>
-          <a:p>
-            <a:r>
-              <a:rPr lang="en-US" sz="2000" dirty="0">
-                <a:latin typeface="Arial" panose="020B0604020202020204" pitchFamily="34" charset="0"/>
-                <a:cs typeface="Arial" panose="020B0604020202020204" pitchFamily="34" charset="0"/>
-              </a:rPr>
-              <a:t>H</a:t>
-            </a:r>
-          </a:p>
-        </p:txBody>
-      </p:sp>
-      <p:sp>
-        <p:nvSpPr>
-          <p:cNvPr id="23" name="TextBox 22">
-            <a:extLst>
-              <a:ext uri="{FF2B5EF4-FFF2-40B4-BE49-F238E27FC236}">
-                <a16:creationId xmlns:a16="http://schemas.microsoft.com/office/drawing/2014/main" id="{6C3F63B6-DBA5-F65A-D8D7-3FF717630A5D}"/>
-              </a:ext>
-            </a:extLst>
-          </p:cNvPr>
-          <p:cNvSpPr txBox="1"/>
-          <p:nvPr/>
-        </p:nvSpPr>
-        <p:spPr>
-          <a:xfrm>
-            <a:off x="8926598" y="2211003"/>
-            <a:ext cx="383438" cy="400110"/>
-          </a:xfrm>
-          <a:prstGeom prst="rect">
-            <a:avLst/>
-          </a:prstGeom>
-          <a:noFill/>
-        </p:spPr>
-        <p:txBody>
-          <a:bodyPr wrap="none" rtlCol="0">
-            <a:spAutoFit/>
-          </a:bodyPr>
-          <a:lstStyle/>
-          <a:p>
-            <a:r>
-              <a:rPr lang="en-US" sz="2000" dirty="0">
-                <a:latin typeface="Arial" panose="020B0604020202020204" pitchFamily="34" charset="0"/>
-                <a:cs typeface="Arial" panose="020B0604020202020204" pitchFamily="34" charset="0"/>
-              </a:rPr>
-              <a:t>G</a:t>
-            </a:r>
-          </a:p>
-        </p:txBody>
-      </p:sp>
-      <p:sp>
-        <p:nvSpPr>
-          <p:cNvPr id="24" name="TextBox 23">
-            <a:extLst>
-              <a:ext uri="{FF2B5EF4-FFF2-40B4-BE49-F238E27FC236}">
-                <a16:creationId xmlns:a16="http://schemas.microsoft.com/office/drawing/2014/main" id="{E8AD2673-73AD-1F92-DEFD-EABD10A48FCD}"/>
-              </a:ext>
-            </a:extLst>
-          </p:cNvPr>
-          <p:cNvSpPr txBox="1"/>
-          <p:nvPr/>
-        </p:nvSpPr>
-        <p:spPr>
-          <a:xfrm>
-            <a:off x="366218" y="5388416"/>
-            <a:ext cx="356188" cy="400110"/>
-          </a:xfrm>
-          <a:prstGeom prst="rect">
-            <a:avLst/>
-          </a:prstGeom>
-          <a:noFill/>
-        </p:spPr>
-        <p:txBody>
-          <a:bodyPr wrap="none" rtlCol="0">
-            <a:spAutoFit/>
-          </a:bodyPr>
-          <a:lstStyle/>
-          <a:p>
-            <a:r>
-              <a:rPr lang="en-US" sz="2000" dirty="0">
-                <a:latin typeface="Arial" panose="020B0604020202020204" pitchFamily="34" charset="0"/>
-                <a:cs typeface="Arial" panose="020B0604020202020204" pitchFamily="34" charset="0"/>
-              </a:rPr>
-              <a:t>E</a:t>
-            </a:r>
-          </a:p>
-        </p:txBody>
-      </p:sp>
-      <p:grpSp>
-        <p:nvGrpSpPr>
-          <p:cNvPr id="25" name="Group 24">
-            <a:extLst>
-              <a:ext uri="{FF2B5EF4-FFF2-40B4-BE49-F238E27FC236}">
-                <a16:creationId xmlns:a16="http://schemas.microsoft.com/office/drawing/2014/main" id="{B2BCED9B-9057-BD4C-5EE0-BC1B88037D1D}"/>
-              </a:ext>
-            </a:extLst>
-          </p:cNvPr>
-          <p:cNvGrpSpPr/>
-          <p:nvPr/>
-        </p:nvGrpSpPr>
-        <p:grpSpPr>
-          <a:xfrm>
-            <a:off x="5041057" y="9010766"/>
-            <a:ext cx="962727" cy="873203"/>
-            <a:chOff x="6095271" y="5125876"/>
-            <a:chExt cx="750147" cy="666834"/>
-          </a:xfrm>
-        </p:grpSpPr>
-        <p:sp>
-          <p:nvSpPr>
-            <p:cNvPr id="26" name="Rectangle 25">
-              <a:extLst>
-                <a:ext uri="{FF2B5EF4-FFF2-40B4-BE49-F238E27FC236}">
-                  <a16:creationId xmlns:a16="http://schemas.microsoft.com/office/drawing/2014/main" id="{FA67CFD9-9CFA-CF40-3D41-9EF4EE1D765D}"/>
-                </a:ext>
-              </a:extLst>
-            </p:cNvPr>
-            <p:cNvSpPr/>
-            <p:nvPr/>
-          </p:nvSpPr>
-          <p:spPr>
-            <a:xfrm>
-              <a:off x="6095271" y="5129800"/>
-              <a:ext cx="750147" cy="662910"/>
-            </a:xfrm>
-            <a:prstGeom prst="rect">
-              <a:avLst/>
-            </a:prstGeom>
-            <a:noFill/>
-            <a:ln w="79375">
-              <a:solidFill>
-                <a:schemeClr val="bg1">
-                  <a:alpha val="65000"/>
-                </a:schemeClr>
-              </a:solidFill>
-            </a:ln>
-          </p:spPr>
-          <p:style>
-            <a:lnRef idx="2">
-              <a:schemeClr val="accent1">
-                <a:shade val="15000"/>
-              </a:schemeClr>
-            </a:lnRef>
-            <a:fillRef idx="1">
-              <a:schemeClr val="accent1"/>
-            </a:fillRef>
-            <a:effectRef idx="0">
-              <a:schemeClr val="accent1"/>
-            </a:effectRef>
-            <a:fontRef idx="minor">
-              <a:schemeClr val="lt1"/>
-            </a:fontRef>
-          </p:style>
-          <p:txBody>
-            <a:bodyPr rtlCol="0" anchor="ctr"/>
-            <a:lstStyle/>
-            <a:p>
-              <a:pPr algn="ctr"/>
-              <a:endParaRPr lang="en-US"/>
-            </a:p>
-          </p:txBody>
-        </p:sp>
-        <p:sp>
-          <p:nvSpPr>
-            <p:cNvPr id="41" name="Rectangle 40">
-              <a:extLst>
-                <a:ext uri="{FF2B5EF4-FFF2-40B4-BE49-F238E27FC236}">
-                  <a16:creationId xmlns:a16="http://schemas.microsoft.com/office/drawing/2014/main" id="{F97A6F7E-F5CC-F190-F346-2E1A0222DE8B}"/>
-                </a:ext>
-              </a:extLst>
-            </p:cNvPr>
-            <p:cNvSpPr/>
-            <p:nvPr/>
-          </p:nvSpPr>
-          <p:spPr>
-            <a:xfrm>
-              <a:off x="6095272" y="5125876"/>
-              <a:ext cx="750146" cy="662910"/>
-            </a:xfrm>
-            <a:prstGeom prst="rect">
-              <a:avLst/>
-            </a:prstGeom>
-            <a:noFill/>
-            <a:ln w="31750">
-              <a:solidFill>
-                <a:srgbClr val="FF9300"/>
-              </a:solidFill>
-            </a:ln>
-          </p:spPr>
-          <p:style>
-            <a:lnRef idx="2">
-              <a:schemeClr val="accent1">
-                <a:shade val="15000"/>
-              </a:schemeClr>
-            </a:lnRef>
-            <a:fillRef idx="1">
-              <a:schemeClr val="accent1"/>
-            </a:fillRef>
-            <a:effectRef idx="0">
-              <a:schemeClr val="accent1"/>
-            </a:effectRef>
-            <a:fontRef idx="minor">
-              <a:schemeClr val="lt1"/>
-            </a:fontRef>
-          </p:style>
-          <p:txBody>
-            <a:bodyPr rtlCol="0" anchor="ctr"/>
-            <a:lstStyle/>
-            <a:p>
-              <a:pPr algn="ctr"/>
-              <a:endParaRPr lang="en-US"/>
-            </a:p>
-          </p:txBody>
-        </p:sp>
-      </p:grpSp>
-      <p:sp>
-        <p:nvSpPr>
-          <p:cNvPr id="43" name="TextBox 42">
-            <a:extLst>
-              <a:ext uri="{FF2B5EF4-FFF2-40B4-BE49-F238E27FC236}">
-                <a16:creationId xmlns:a16="http://schemas.microsoft.com/office/drawing/2014/main" id="{1E68B2E2-C50B-369A-527A-ABC53E53F4B9}"/>
-              </a:ext>
-            </a:extLst>
-          </p:cNvPr>
-          <p:cNvSpPr txBox="1"/>
-          <p:nvPr/>
-        </p:nvSpPr>
-        <p:spPr>
-          <a:xfrm>
-            <a:off x="6003299" y="9255726"/>
-            <a:ext cx="498855" cy="400110"/>
-          </a:xfrm>
-          <a:prstGeom prst="rect">
-            <a:avLst/>
-          </a:prstGeom>
-          <a:noFill/>
-        </p:spPr>
-        <p:txBody>
-          <a:bodyPr wrap="none" rtlCol="0">
-            <a:spAutoFit/>
-          </a:bodyPr>
-          <a:lstStyle/>
-          <a:p>
-            <a:r>
-              <a:rPr lang="en-US" sz="2000" dirty="0">
-                <a:solidFill>
-                  <a:srgbClr val="FF9300"/>
-                </a:solidFill>
-                <a:latin typeface="Arial" panose="020B0604020202020204" pitchFamily="34" charset="0"/>
-                <a:cs typeface="Arial" panose="020B0604020202020204" pitchFamily="34" charset="0"/>
-              </a:rPr>
-              <a:t>B3</a:t>
-            </a:r>
-          </a:p>
-        </p:txBody>
-      </p:sp>
-      <p:pic>
-        <p:nvPicPr>
-          <p:cNvPr id="45" name="Picture 44">
-            <a:extLst>
-              <a:ext uri="{FF2B5EF4-FFF2-40B4-BE49-F238E27FC236}">
-                <a16:creationId xmlns:a16="http://schemas.microsoft.com/office/drawing/2014/main" id="{BF5C619C-27EE-EAD0-E771-38CC614A9E9F}"/>
-              </a:ext>
-            </a:extLst>
-          </p:cNvPr>
-          <p:cNvPicPr>
-            <a:picLocks noChangeAspect="1"/>
-          </p:cNvPicPr>
-          <p:nvPr/>
-        </p:nvPicPr>
-        <p:blipFill>
-          <a:blip r:embed="rId4"/>
-          <a:stretch>
-            <a:fillRect/>
-          </a:stretch>
-        </p:blipFill>
-        <p:spPr>
-          <a:xfrm>
-            <a:off x="1931990" y="10129968"/>
-            <a:ext cx="5497844" cy="546191"/>
-          </a:xfrm>
-          <a:prstGeom prst="rect">
-            <a:avLst/>
-          </a:prstGeom>
-        </p:spPr>
-      </p:pic>
-      <p:sp>
-        <p:nvSpPr>
-          <p:cNvPr id="46" name="Freeform 45">
-            <a:extLst>
-              <a:ext uri="{FF2B5EF4-FFF2-40B4-BE49-F238E27FC236}">
-                <a16:creationId xmlns:a16="http://schemas.microsoft.com/office/drawing/2014/main" id="{F8FF86A7-E8C4-8CF9-C137-FC19A95F66FA}"/>
-              </a:ext>
-            </a:extLst>
-          </p:cNvPr>
-          <p:cNvSpPr/>
-          <p:nvPr/>
-        </p:nvSpPr>
-        <p:spPr>
-          <a:xfrm rot="17669824">
-            <a:off x="7491758" y="9661890"/>
-            <a:ext cx="142789" cy="172196"/>
-          </a:xfrm>
-          <a:custGeom>
-            <a:avLst/>
-            <a:gdLst>
-              <a:gd name="connsiteX0" fmla="*/ 0 w 220133"/>
-              <a:gd name="connsiteY0" fmla="*/ 0 h 203601"/>
-              <a:gd name="connsiteX1" fmla="*/ 118533 w 220133"/>
-              <a:gd name="connsiteY1" fmla="*/ 194733 h 203601"/>
-              <a:gd name="connsiteX2" fmla="*/ 220133 w 220133"/>
-              <a:gd name="connsiteY2" fmla="*/ 152400 h 203601"/>
-              <a:gd name="connsiteX0" fmla="*/ 0 w 220133"/>
-              <a:gd name="connsiteY0" fmla="*/ 0 h 178971"/>
-              <a:gd name="connsiteX1" fmla="*/ 25399 w 220133"/>
-              <a:gd name="connsiteY1" fmla="*/ 160866 h 178971"/>
-              <a:gd name="connsiteX2" fmla="*/ 220133 w 220133"/>
-              <a:gd name="connsiteY2" fmla="*/ 152400 h 178971"/>
-              <a:gd name="connsiteX0" fmla="*/ 54882 w 275015"/>
-              <a:gd name="connsiteY0" fmla="*/ 0 h 178971"/>
-              <a:gd name="connsiteX1" fmla="*/ 80281 w 275015"/>
-              <a:gd name="connsiteY1" fmla="*/ 160866 h 178971"/>
-              <a:gd name="connsiteX2" fmla="*/ 275015 w 275015"/>
-              <a:gd name="connsiteY2" fmla="*/ 152400 h 178971"/>
-              <a:gd name="connsiteX0" fmla="*/ 21024 w 241157"/>
-              <a:gd name="connsiteY0" fmla="*/ 0 h 178971"/>
-              <a:gd name="connsiteX1" fmla="*/ 46423 w 241157"/>
-              <a:gd name="connsiteY1" fmla="*/ 160866 h 178971"/>
-              <a:gd name="connsiteX2" fmla="*/ 241157 w 241157"/>
-              <a:gd name="connsiteY2" fmla="*/ 152400 h 178971"/>
-              <a:gd name="connsiteX0" fmla="*/ 21024 w 241157"/>
-              <a:gd name="connsiteY0" fmla="*/ 0 h 195723"/>
-              <a:gd name="connsiteX1" fmla="*/ 46423 w 241157"/>
-              <a:gd name="connsiteY1" fmla="*/ 160866 h 195723"/>
-              <a:gd name="connsiteX2" fmla="*/ 241157 w 241157"/>
-              <a:gd name="connsiteY2" fmla="*/ 152400 h 195723"/>
-              <a:gd name="connsiteX0" fmla="*/ 28307 w 248440"/>
-              <a:gd name="connsiteY0" fmla="*/ 0 h 208539"/>
-              <a:gd name="connsiteX1" fmla="*/ 32577 w 248440"/>
-              <a:gd name="connsiteY1" fmla="*/ 187730 h 208539"/>
-              <a:gd name="connsiteX2" fmla="*/ 248440 w 248440"/>
-              <a:gd name="connsiteY2" fmla="*/ 152400 h 208539"/>
-              <a:gd name="connsiteX0" fmla="*/ 33312 w 253445"/>
-              <a:gd name="connsiteY0" fmla="*/ 0 h 208539"/>
-              <a:gd name="connsiteX1" fmla="*/ 37582 w 253445"/>
-              <a:gd name="connsiteY1" fmla="*/ 187730 h 208539"/>
-              <a:gd name="connsiteX2" fmla="*/ 253445 w 253445"/>
-              <a:gd name="connsiteY2" fmla="*/ 152400 h 208539"/>
-              <a:gd name="connsiteX0" fmla="*/ 33312 w 253445"/>
-              <a:gd name="connsiteY0" fmla="*/ 0 h 214931"/>
-              <a:gd name="connsiteX1" fmla="*/ 37582 w 253445"/>
-              <a:gd name="connsiteY1" fmla="*/ 187730 h 214931"/>
-              <a:gd name="connsiteX2" fmla="*/ 253445 w 253445"/>
-              <a:gd name="connsiteY2" fmla="*/ 152400 h 214931"/>
-              <a:gd name="connsiteX0" fmla="*/ 0 w 220133"/>
-              <a:gd name="connsiteY0" fmla="*/ 0 h 152400"/>
-              <a:gd name="connsiteX1" fmla="*/ 220133 w 220133"/>
-              <a:gd name="connsiteY1" fmla="*/ 152400 h 152400"/>
-              <a:gd name="connsiteX0" fmla="*/ 1389 w 221522"/>
-              <a:gd name="connsiteY0" fmla="*/ 0 h 152400"/>
-              <a:gd name="connsiteX1" fmla="*/ 221522 w 221522"/>
-              <a:gd name="connsiteY1" fmla="*/ 152400 h 152400"/>
-              <a:gd name="connsiteX0" fmla="*/ 1801 w 221934"/>
-              <a:gd name="connsiteY0" fmla="*/ 0 h 179760"/>
-              <a:gd name="connsiteX1" fmla="*/ 221934 w 221934"/>
-              <a:gd name="connsiteY1" fmla="*/ 152400 h 179760"/>
-              <a:gd name="connsiteX0" fmla="*/ 2659 w 177013"/>
-              <a:gd name="connsiteY0" fmla="*/ 0 h 141774"/>
-              <a:gd name="connsiteX1" fmla="*/ 177013 w 177013"/>
-              <a:gd name="connsiteY1" fmla="*/ 102510 h 141774"/>
-              <a:gd name="connsiteX0" fmla="*/ 9706 w 103067"/>
-              <a:gd name="connsiteY0" fmla="*/ 0 h 126667"/>
-              <a:gd name="connsiteX1" fmla="*/ 103067 w 103067"/>
-              <a:gd name="connsiteY1" fmla="*/ 79484 h 126667"/>
-              <a:gd name="connsiteX0" fmla="*/ 3352 w 96713"/>
-              <a:gd name="connsiteY0" fmla="*/ 0 h 125045"/>
-              <a:gd name="connsiteX1" fmla="*/ 96713 w 96713"/>
-              <a:gd name="connsiteY1" fmla="*/ 79484 h 125045"/>
-              <a:gd name="connsiteX0" fmla="*/ 11771 w 105132"/>
-              <a:gd name="connsiteY0" fmla="*/ 0 h 120453"/>
-              <a:gd name="connsiteX1" fmla="*/ 105132 w 105132"/>
-              <a:gd name="connsiteY1" fmla="*/ 79484 h 120453"/>
-              <a:gd name="connsiteX0" fmla="*/ 4407 w 97768"/>
-              <a:gd name="connsiteY0" fmla="*/ 0 h 135170"/>
-              <a:gd name="connsiteX1" fmla="*/ 97768 w 97768"/>
-              <a:gd name="connsiteY1" fmla="*/ 79484 h 135170"/>
-              <a:gd name="connsiteX0" fmla="*/ 3766 w 111213"/>
-              <a:gd name="connsiteY0" fmla="*/ 0 h 108212"/>
-              <a:gd name="connsiteX1" fmla="*/ 111213 w 111213"/>
-              <a:gd name="connsiteY1" fmla="*/ 21918 h 108212"/>
-              <a:gd name="connsiteX0" fmla="*/ 3182 w 128236"/>
-              <a:gd name="connsiteY0" fmla="*/ 0 h 117891"/>
-              <a:gd name="connsiteX1" fmla="*/ 128236 w 128236"/>
-              <a:gd name="connsiteY1" fmla="*/ 44944 h 117891"/>
-              <a:gd name="connsiteX0" fmla="*/ 0 w 125054"/>
-              <a:gd name="connsiteY0" fmla="*/ 0 h 98853"/>
-              <a:gd name="connsiteX1" fmla="*/ 125054 w 125054"/>
-              <a:gd name="connsiteY1" fmla="*/ 44944 h 98853"/>
-              <a:gd name="connsiteX0" fmla="*/ 0 w 125054"/>
-              <a:gd name="connsiteY0" fmla="*/ 0 h 75921"/>
-              <a:gd name="connsiteX1" fmla="*/ 125054 w 125054"/>
-              <a:gd name="connsiteY1" fmla="*/ 44944 h 75921"/>
-              <a:gd name="connsiteX0" fmla="*/ 0 w 125054"/>
-              <a:gd name="connsiteY0" fmla="*/ 0 h 72268"/>
-              <a:gd name="connsiteX1" fmla="*/ 125054 w 125054"/>
-              <a:gd name="connsiteY1" fmla="*/ 44944 h 72268"/>
-              <a:gd name="connsiteX0" fmla="*/ 0 w 125054"/>
-              <a:gd name="connsiteY0" fmla="*/ 0 h 71063"/>
-              <a:gd name="connsiteX1" fmla="*/ 125054 w 125054"/>
-              <a:gd name="connsiteY1" fmla="*/ 44944 h 71063"/>
-              <a:gd name="connsiteX0" fmla="*/ 0 w 86885"/>
-              <a:gd name="connsiteY0" fmla="*/ 0 h 79138"/>
-              <a:gd name="connsiteX1" fmla="*/ 86885 w 86885"/>
-              <a:gd name="connsiteY1" fmla="*/ 55463 h 79138"/>
-              <a:gd name="connsiteX0" fmla="*/ 9051 w 39716"/>
-              <a:gd name="connsiteY0" fmla="*/ 0 h 105837"/>
-              <a:gd name="connsiteX1" fmla="*/ 39716 w 39716"/>
-              <a:gd name="connsiteY1" fmla="*/ 87599 h 105837"/>
-              <a:gd name="connsiteX0" fmla="*/ 28671 w 59336"/>
-              <a:gd name="connsiteY0" fmla="*/ 0 h 105961"/>
-              <a:gd name="connsiteX1" fmla="*/ 59336 w 59336"/>
-              <a:gd name="connsiteY1" fmla="*/ 87599 h 105961"/>
-              <a:gd name="connsiteX0" fmla="*/ 23983 w 65114"/>
-              <a:gd name="connsiteY0" fmla="*/ 0 h 80616"/>
-              <a:gd name="connsiteX1" fmla="*/ 65114 w 65114"/>
-              <a:gd name="connsiteY1" fmla="*/ 57098 h 80616"/>
-              <a:gd name="connsiteX0" fmla="*/ 22410 w 63541"/>
-              <a:gd name="connsiteY0" fmla="*/ 0 h 58012"/>
-              <a:gd name="connsiteX1" fmla="*/ 63541 w 63541"/>
-              <a:gd name="connsiteY1" fmla="*/ 57098 h 58012"/>
-              <a:gd name="connsiteX0" fmla="*/ 9544 w 106611"/>
-              <a:gd name="connsiteY0" fmla="*/ 0 h 40155"/>
-              <a:gd name="connsiteX1" fmla="*/ 106611 w 106611"/>
-              <a:gd name="connsiteY1" fmla="*/ 33538 h 40155"/>
-              <a:gd name="connsiteX0" fmla="*/ 18042 w 71707"/>
-              <a:gd name="connsiteY0" fmla="*/ 0 h 60072"/>
-              <a:gd name="connsiteX1" fmla="*/ 71707 w 71707"/>
-              <a:gd name="connsiteY1" fmla="*/ 59309 h 60072"/>
-              <a:gd name="connsiteX0" fmla="*/ 19196 w 72861"/>
-              <a:gd name="connsiteY0" fmla="*/ 0 h 59309"/>
-              <a:gd name="connsiteX1" fmla="*/ 72861 w 72861"/>
-              <a:gd name="connsiteY1" fmla="*/ 59309 h 59309"/>
-              <a:gd name="connsiteX0" fmla="*/ 20475 w 70367"/>
-              <a:gd name="connsiteY0" fmla="*/ 0 h 78052"/>
-              <a:gd name="connsiteX1" fmla="*/ 70367 w 70367"/>
-              <a:gd name="connsiteY1" fmla="*/ 78052 h 78052"/>
-              <a:gd name="connsiteX0" fmla="*/ 28718 w 78610"/>
-              <a:gd name="connsiteY0" fmla="*/ 0 h 78052"/>
-              <a:gd name="connsiteX1" fmla="*/ 78610 w 78610"/>
-              <a:gd name="connsiteY1" fmla="*/ 78052 h 78052"/>
-              <a:gd name="connsiteX0" fmla="*/ 16706 w 66598"/>
-              <a:gd name="connsiteY0" fmla="*/ 0 h 78052"/>
-              <a:gd name="connsiteX1" fmla="*/ 66598 w 66598"/>
-              <a:gd name="connsiteY1" fmla="*/ 78052 h 78052"/>
-              <a:gd name="connsiteX0" fmla="*/ 27565 w 77457"/>
-              <a:gd name="connsiteY0" fmla="*/ 0 h 78052"/>
-              <a:gd name="connsiteX1" fmla="*/ 77457 w 77457"/>
-              <a:gd name="connsiteY1" fmla="*/ 78052 h 78052"/>
-              <a:gd name="connsiteX0" fmla="*/ 27798 w 77690"/>
-              <a:gd name="connsiteY0" fmla="*/ 0 h 84261"/>
-              <a:gd name="connsiteX1" fmla="*/ 77690 w 77690"/>
-              <a:gd name="connsiteY1" fmla="*/ 78052 h 84261"/>
-              <a:gd name="connsiteX0" fmla="*/ 15010 w 64902"/>
-              <a:gd name="connsiteY0" fmla="*/ 0 h 83289"/>
-              <a:gd name="connsiteX1" fmla="*/ 64902 w 64902"/>
-              <a:gd name="connsiteY1" fmla="*/ 78052 h 83289"/>
-              <a:gd name="connsiteX0" fmla="*/ 17093 w 66985"/>
-              <a:gd name="connsiteY0" fmla="*/ 0 h 78052"/>
-              <a:gd name="connsiteX1" fmla="*/ 66985 w 66985"/>
-              <a:gd name="connsiteY1" fmla="*/ 78052 h 78052"/>
-              <a:gd name="connsiteX0" fmla="*/ 9496 w 59388"/>
-              <a:gd name="connsiteY0" fmla="*/ 0 h 78052"/>
-              <a:gd name="connsiteX1" fmla="*/ 59388 w 59388"/>
-              <a:gd name="connsiteY1" fmla="*/ 78052 h 78052"/>
-            </a:gdLst>
-            <a:ahLst/>
-            <a:cxnLst>
-              <a:cxn ang="0">
-                <a:pos x="connsiteX0" y="connsiteY0"/>
-              </a:cxn>
-              <a:cxn ang="0">
-                <a:pos x="connsiteX1" y="connsiteY1"/>
-              </a:cxn>
-            </a:cxnLst>
-            <a:rect l="l" t="t" r="r" b="b"/>
-            <a:pathLst>
-              <a:path w="59388" h="78052">
-                <a:moveTo>
-                  <a:pt x="9496" y="0"/>
-                </a:moveTo>
-                <a:cubicBezTo>
-                  <a:pt x="-7786" y="65788"/>
-                  <a:pt x="-6987" y="65196"/>
-                  <a:pt x="59388" y="78052"/>
-                </a:cubicBezTo>
-              </a:path>
-            </a:pathLst>
-          </a:custGeom>
-          <a:noFill/>
-          <a:ln w="31750">
-            <a:solidFill>
-              <a:schemeClr val="tx1"/>
-            </a:solidFill>
-            <a:prstDash val="sysDot"/>
-            <a:headEnd type="none"/>
-            <a:tailEnd type="triangle"/>
-          </a:ln>
-        </p:spPr>
-        <p:style>
-          <a:lnRef idx="2">
-            <a:schemeClr val="accent1">
-              <a:shade val="15000"/>
-            </a:schemeClr>
-          </a:lnRef>
-          <a:fillRef idx="1">
-            <a:schemeClr val="accent1"/>
-          </a:fillRef>
-          <a:effectRef idx="0">
-            <a:schemeClr val="accent1"/>
-          </a:effectRef>
-          <a:fontRef idx="minor">
-            <a:schemeClr val="lt1"/>
-          </a:fontRef>
-        </p:style>
-        <p:txBody>
-          <a:bodyPr rtlCol="0" anchor="ctr"/>
-          <a:lstStyle/>
-          <a:p>
-            <a:pPr algn="ctr"/>
-            <a:endParaRPr lang="en-US"/>
-          </a:p>
-        </p:txBody>
-      </p:sp>
-      <p:sp>
-        <p:nvSpPr>
-          <p:cNvPr id="33" name="TextBox 32">
-            <a:extLst>
-              <a:ext uri="{FF2B5EF4-FFF2-40B4-BE49-F238E27FC236}">
-                <a16:creationId xmlns:a16="http://schemas.microsoft.com/office/drawing/2014/main" id="{7B7F27CA-12F2-327E-D923-43F430D0DDF3}"/>
-              </a:ext>
-            </a:extLst>
-          </p:cNvPr>
-          <p:cNvSpPr txBox="1"/>
-          <p:nvPr/>
-        </p:nvSpPr>
-        <p:spPr>
-          <a:xfrm>
-            <a:off x="6276181" y="8748049"/>
-            <a:ext cx="660400" cy="400110"/>
-          </a:xfrm>
-          <a:prstGeom prst="rect">
-            <a:avLst/>
-          </a:prstGeom>
-          <a:noFill/>
-        </p:spPr>
-        <p:txBody>
-          <a:bodyPr wrap="square" rtlCol="0">
-            <a:spAutoFit/>
-          </a:bodyPr>
-          <a:lstStyle/>
-          <a:p>
-            <a:r>
-              <a:rPr lang="en-US" sz="2000" dirty="0">
-                <a:latin typeface="Arial" panose="020B0604020202020204" pitchFamily="34" charset="0"/>
-                <a:cs typeface="Arial" panose="020B0604020202020204" pitchFamily="34" charset="0"/>
-              </a:rPr>
-              <a:t>β</a:t>
-            </a:r>
-            <a:r>
-              <a:rPr lang="en-US" sz="2000" baseline="-25000" dirty="0">
-                <a:latin typeface="Arial" panose="020B0604020202020204" pitchFamily="34" charset="0"/>
-                <a:cs typeface="Arial" panose="020B0604020202020204" pitchFamily="34" charset="0"/>
-              </a:rPr>
-              <a:t>P18</a:t>
-            </a:r>
-          </a:p>
-        </p:txBody>
-      </p:sp>
-      <p:cxnSp>
-        <p:nvCxnSpPr>
-          <p:cNvPr id="7" name="Straight Arrow Connector 6">
-            <a:extLst>
-              <a:ext uri="{FF2B5EF4-FFF2-40B4-BE49-F238E27FC236}">
-                <a16:creationId xmlns:a16="http://schemas.microsoft.com/office/drawing/2014/main" id="{5874C93C-D9B6-A9F1-2B89-7F142ADBC8AB}"/>
-              </a:ext>
-            </a:extLst>
-          </p:cNvPr>
-          <p:cNvCxnSpPr>
-            <a:cxnSpLocks/>
-          </p:cNvCxnSpPr>
-          <p:nvPr/>
-        </p:nvCxnSpPr>
-        <p:spPr>
-          <a:xfrm flipV="1">
-            <a:off x="4657198" y="7672451"/>
-            <a:ext cx="0" cy="382978"/>
-          </a:xfrm>
-          <a:prstGeom prst="straightConnector1">
-            <a:avLst/>
-          </a:prstGeom>
-          <a:ln w="31750">
-            <a:solidFill>
-              <a:schemeClr val="tx1"/>
-            </a:solidFill>
-            <a:prstDash val="sysDot"/>
-            <a:tailEnd type="triangle" w="lg" len="lg"/>
-          </a:ln>
-        </p:spPr>
-        <p:style>
-          <a:lnRef idx="2">
-            <a:schemeClr val="accent1"/>
-          </a:lnRef>
-          <a:fillRef idx="0">
-            <a:schemeClr val="accent1"/>
-          </a:fillRef>
-          <a:effectRef idx="1">
-            <a:schemeClr val="accent1"/>
-          </a:effectRef>
-          <a:fontRef idx="minor">
-            <a:schemeClr val="tx1"/>
-          </a:fontRef>
-        </p:style>
-      </p:cxnSp>
-      <p:sp>
-        <p:nvSpPr>
-          <p:cNvPr id="49" name="TextBox 48">
-            <a:extLst>
-              <a:ext uri="{FF2B5EF4-FFF2-40B4-BE49-F238E27FC236}">
-                <a16:creationId xmlns:a16="http://schemas.microsoft.com/office/drawing/2014/main" id="{7AA1FB79-BAA9-EE7B-A53A-22EDF8632399}"/>
-              </a:ext>
-            </a:extLst>
-          </p:cNvPr>
-          <p:cNvSpPr txBox="1"/>
-          <p:nvPr/>
-        </p:nvSpPr>
-        <p:spPr>
-          <a:xfrm>
-            <a:off x="3870586" y="7710863"/>
-            <a:ext cx="660400" cy="400110"/>
-          </a:xfrm>
-          <a:prstGeom prst="rect">
-            <a:avLst/>
-          </a:prstGeom>
-          <a:solidFill>
-            <a:schemeClr val="bg1">
-              <a:alpha val="65000"/>
-            </a:schemeClr>
-          </a:solidFill>
-        </p:spPr>
-        <p:txBody>
-          <a:bodyPr wrap="square" rtlCol="0">
-            <a:spAutoFit/>
-          </a:bodyPr>
-          <a:lstStyle/>
-          <a:p>
-            <a:r>
-              <a:rPr lang="en-US" sz="2000" dirty="0">
-                <a:latin typeface="Arial" panose="020B0604020202020204" pitchFamily="34" charset="0"/>
-                <a:cs typeface="Arial" panose="020B0604020202020204" pitchFamily="34" charset="0"/>
-              </a:rPr>
-              <a:t>β</a:t>
-            </a:r>
-            <a:r>
-              <a:rPr lang="en-US" sz="2000" baseline="-25000" dirty="0">
-                <a:latin typeface="Arial" panose="020B0604020202020204" pitchFamily="34" charset="0"/>
-                <a:cs typeface="Arial" panose="020B0604020202020204" pitchFamily="34" charset="0"/>
-              </a:rPr>
-              <a:t>right</a:t>
-            </a:r>
-          </a:p>
-        </p:txBody>
-      </p:sp>
     </p:spTree>
     <p:extLst>
       <p:ext uri="{BB962C8B-B14F-4D97-AF65-F5344CB8AC3E}">
-        <p14:creationId xmlns:p14="http://schemas.microsoft.com/office/powerpoint/2010/main" val="2771342219"/>
+        <p14:creationId xmlns:p14="http://schemas.microsoft.com/office/powerpoint/2010/main" val="1818165424"/>
       </p:ext>
     </p:extLst>
   </p:cSld>

--- a/figs/fig_results_ratecount_annotated.pptx
+++ b/figs/fig_results_ratecount_annotated.pptx
@@ -118,6 +118,7 @@
 <file path=ppt/revisionInfo.xml><?xml version="1.0" encoding="utf-8"?>
 <p1510:revInfo xmlns:a="http://schemas.openxmlformats.org/drawingml/2006/main" xmlns:r="http://schemas.openxmlformats.org/officeDocument/2006/relationships" xmlns:p1510="http://schemas.microsoft.com/office/powerpoint/2015/10/main">
   <p1510:revLst>
+    <p1510:client id="{58472BA0-42E1-BD42-A3C7-12B984693CAF}" v="1" dt="2025-06-09T23:41:00.856"/>
     <p1510:client id="{746B359B-EBD2-2446-9CA8-430C5011EB4A}" v="3" dt="2025-06-09T21:54:11.252"/>
     <p1510:client id="{D47298A3-9FB6-A94B-9B89-B7BEF4FA3D19}" v="16" dt="2025-06-09T21:48:51.784"/>
   </p1510:revLst>
@@ -126,6 +127,62 @@
 
 <file path=ppt/changesInfos/changesInfo1.xml><?xml version="1.0" encoding="utf-8"?>
 <pc:chgInfo xmlns:a="http://schemas.openxmlformats.org/drawingml/2006/main" xmlns:r="http://schemas.openxmlformats.org/officeDocument/2006/relationships" xmlns:ac="http://schemas.microsoft.com/office/drawing/2013/main/command" xmlns:pc="http://schemas.microsoft.com/office/powerpoint/2013/main/command">
+  <pc:docChgLst>
+    <pc:chgData name="Barkasi, Michael" userId="604489e9-c8b5-4a18-ae0d-3a3e29c44efc" providerId="ADAL" clId="{58472BA0-42E1-BD42-A3C7-12B984693CAF}"/>
+    <pc:docChg chg="modSld">
+      <pc:chgData name="Barkasi, Michael" userId="604489e9-c8b5-4a18-ae0d-3a3e29c44efc" providerId="ADAL" clId="{58472BA0-42E1-BD42-A3C7-12B984693CAF}" dt="2025-06-09T23:42:23.181" v="169" actId="207"/>
+      <pc:docMkLst>
+        <pc:docMk/>
+      </pc:docMkLst>
+      <pc:sldChg chg="addSp modSp mod">
+        <pc:chgData name="Barkasi, Michael" userId="604489e9-c8b5-4a18-ae0d-3a3e29c44efc" providerId="ADAL" clId="{58472BA0-42E1-BD42-A3C7-12B984693CAF}" dt="2025-06-09T23:42:23.181" v="169" actId="207"/>
+        <pc:sldMkLst>
+          <pc:docMk/>
+          <pc:sldMk cId="1818165424" sldId="258"/>
+        </pc:sldMkLst>
+        <pc:spChg chg="add mod">
+          <ac:chgData name="Barkasi, Michael" userId="604489e9-c8b5-4a18-ae0d-3a3e29c44efc" providerId="ADAL" clId="{58472BA0-42E1-BD42-A3C7-12B984693CAF}" dt="2025-06-09T23:41:38.844" v="7" actId="1076"/>
+          <ac:spMkLst>
+            <pc:docMk/>
+            <pc:sldMk cId="1818165424" sldId="258"/>
+            <ac:spMk id="2" creationId="{9733002C-A463-3714-D92B-D8C00B4DDB42}"/>
+          </ac:spMkLst>
+        </pc:spChg>
+        <pc:spChg chg="add mod">
+          <ac:chgData name="Barkasi, Michael" userId="604489e9-c8b5-4a18-ae0d-3a3e29c44efc" providerId="ADAL" clId="{58472BA0-42E1-BD42-A3C7-12B984693CAF}" dt="2025-06-09T23:41:54.353" v="9" actId="1076"/>
+          <ac:spMkLst>
+            <pc:docMk/>
+            <pc:sldMk cId="1818165424" sldId="258"/>
+            <ac:spMk id="5" creationId="{266C79F3-3E54-6CE6-F41E-0B5405DEA3DF}"/>
+          </ac:spMkLst>
+        </pc:spChg>
+        <pc:spChg chg="add mod">
+          <ac:chgData name="Barkasi, Michael" userId="604489e9-c8b5-4a18-ae0d-3a3e29c44efc" providerId="ADAL" clId="{58472BA0-42E1-BD42-A3C7-12B984693CAF}" dt="2025-06-09T23:42:23.181" v="169" actId="207"/>
+          <ac:spMkLst>
+            <pc:docMk/>
+            <pc:sldMk cId="1818165424" sldId="258"/>
+            <ac:spMk id="6" creationId="{C2F5A44F-C727-34BC-5D33-BD707EAFE5EC}"/>
+          </ac:spMkLst>
+        </pc:spChg>
+        <pc:spChg chg="add mod">
+          <ac:chgData name="Barkasi, Michael" userId="604489e9-c8b5-4a18-ae0d-3a3e29c44efc" providerId="ADAL" clId="{58472BA0-42E1-BD42-A3C7-12B984693CAF}" dt="2025-06-09T23:41:44.883" v="8" actId="1076"/>
+          <ac:spMkLst>
+            <pc:docMk/>
+            <pc:sldMk cId="1818165424" sldId="258"/>
+            <ac:spMk id="7" creationId="{721E2091-E052-2C10-C748-A2159DA8EBA1}"/>
+          </ac:spMkLst>
+        </pc:spChg>
+        <pc:spChg chg="add mod">
+          <ac:chgData name="Barkasi, Michael" userId="604489e9-c8b5-4a18-ae0d-3a3e29c44efc" providerId="ADAL" clId="{58472BA0-42E1-BD42-A3C7-12B984693CAF}" dt="2025-06-09T23:41:34.291" v="6" actId="1076"/>
+          <ac:spMkLst>
+            <pc:docMk/>
+            <pc:sldMk cId="1818165424" sldId="258"/>
+            <ac:spMk id="8" creationId="{F5CDAE5D-9887-34AA-E2B8-329E2E1EB337}"/>
+          </ac:spMkLst>
+        </pc:spChg>
+      </pc:sldChg>
+    </pc:docChg>
+  </pc:docChgLst>
   <pc:docChgLst>
     <pc:chgData name="Barkasi, Michael" userId="604489e9-c8b5-4a18-ae0d-3a3e29c44efc" providerId="ADAL" clId="{AE73B4D5-7497-0F41-8DCD-42BE02F6FF1D}"/>
     <pc:docChg chg="undo custSel addSld delSld modSld modMainMaster modNotesMaster">
@@ -4415,6 +4472,225 @@
           </a:prstGeom>
         </p:spPr>
       </p:pic>
+      <p:sp>
+        <p:nvSpPr>
+          <p:cNvPr id="2" name="TextBox 1">
+            <a:extLst>
+              <a:ext uri="{FF2B5EF4-FFF2-40B4-BE49-F238E27FC236}">
+                <a16:creationId xmlns:a16="http://schemas.microsoft.com/office/drawing/2014/main" id="{9733002C-A463-3714-D92B-D8C00B4DDB42}"/>
+              </a:ext>
+            </a:extLst>
+          </p:cNvPr>
+          <p:cNvSpPr txBox="1"/>
+          <p:nvPr/>
+        </p:nvSpPr>
+        <p:spPr>
+          <a:xfrm>
+            <a:off x="635042" y="541765"/>
+            <a:ext cx="492443" cy="307777"/>
+          </a:xfrm>
+          <a:prstGeom prst="rect">
+            <a:avLst/>
+          </a:prstGeom>
+          <a:noFill/>
+        </p:spPr>
+        <p:txBody>
+          <a:bodyPr wrap="none" rtlCol="0">
+            <a:spAutoFit/>
+          </a:bodyPr>
+          <a:lstStyle/>
+          <a:p>
+            <a:r>
+              <a:rPr lang="en-US" sz="1400" b="1" dirty="0">
+                <a:solidFill>
+                  <a:schemeClr val="bg1">
+                    <a:lumMod val="50000"/>
+                  </a:schemeClr>
+                </a:solidFill>
+                <a:latin typeface="Arial" panose="020B0604020202020204" pitchFamily="34" charset="0"/>
+                <a:cs typeface="Arial" panose="020B0604020202020204" pitchFamily="34" charset="0"/>
+              </a:rPr>
+              <a:t>L6a</a:t>
+            </a:r>
+          </a:p>
+        </p:txBody>
+      </p:sp>
+      <p:sp>
+        <p:nvSpPr>
+          <p:cNvPr id="5" name="TextBox 4">
+            <a:extLst>
+              <a:ext uri="{FF2B5EF4-FFF2-40B4-BE49-F238E27FC236}">
+                <a16:creationId xmlns:a16="http://schemas.microsoft.com/office/drawing/2014/main" id="{266C79F3-3E54-6CE6-F41E-0B5405DEA3DF}"/>
+              </a:ext>
+            </a:extLst>
+          </p:cNvPr>
+          <p:cNvSpPr txBox="1"/>
+          <p:nvPr/>
+        </p:nvSpPr>
+        <p:spPr>
+          <a:xfrm>
+            <a:off x="2488913" y="541764"/>
+            <a:ext cx="393056" cy="307777"/>
+          </a:xfrm>
+          <a:prstGeom prst="rect">
+            <a:avLst/>
+          </a:prstGeom>
+          <a:noFill/>
+        </p:spPr>
+        <p:txBody>
+          <a:bodyPr wrap="none" rtlCol="0">
+            <a:spAutoFit/>
+          </a:bodyPr>
+          <a:lstStyle/>
+          <a:p>
+            <a:r>
+              <a:rPr lang="en-US" sz="1400" b="1" dirty="0">
+                <a:solidFill>
+                  <a:schemeClr val="bg1">
+                    <a:lumMod val="50000"/>
+                  </a:schemeClr>
+                </a:solidFill>
+                <a:latin typeface="Arial" panose="020B0604020202020204" pitchFamily="34" charset="0"/>
+                <a:cs typeface="Arial" panose="020B0604020202020204" pitchFamily="34" charset="0"/>
+              </a:rPr>
+              <a:t>L4</a:t>
+            </a:r>
+          </a:p>
+        </p:txBody>
+      </p:sp>
+      <p:sp>
+        <p:nvSpPr>
+          <p:cNvPr id="6" name="TextBox 5">
+            <a:extLst>
+              <a:ext uri="{FF2B5EF4-FFF2-40B4-BE49-F238E27FC236}">
+                <a16:creationId xmlns:a16="http://schemas.microsoft.com/office/drawing/2014/main" id="{C2F5A44F-C727-34BC-5D33-BD707EAFE5EC}"/>
+              </a:ext>
+            </a:extLst>
+          </p:cNvPr>
+          <p:cNvSpPr txBox="1"/>
+          <p:nvPr/>
+        </p:nvSpPr>
+        <p:spPr>
+          <a:xfrm>
+            <a:off x="2881969" y="541763"/>
+            <a:ext cx="542136" cy="307777"/>
+          </a:xfrm>
+          <a:prstGeom prst="rect">
+            <a:avLst/>
+          </a:prstGeom>
+          <a:solidFill>
+            <a:schemeClr val="bg1">
+              <a:alpha val="35236"/>
+            </a:schemeClr>
+          </a:solidFill>
+        </p:spPr>
+        <p:txBody>
+          <a:bodyPr wrap="none" rtlCol="0">
+            <a:spAutoFit/>
+          </a:bodyPr>
+          <a:lstStyle/>
+          <a:p>
+            <a:r>
+              <a:rPr lang="en-US" sz="1400" b="1" dirty="0">
+                <a:solidFill>
+                  <a:schemeClr val="bg1">
+                    <a:lumMod val="50000"/>
+                  </a:schemeClr>
+                </a:solidFill>
+                <a:latin typeface="Arial" panose="020B0604020202020204" pitchFamily="34" charset="0"/>
+                <a:cs typeface="Arial" panose="020B0604020202020204" pitchFamily="34" charset="0"/>
+              </a:rPr>
+              <a:t>L2/3</a:t>
+            </a:r>
+          </a:p>
+        </p:txBody>
+      </p:sp>
+      <p:sp>
+        <p:nvSpPr>
+          <p:cNvPr id="7" name="TextBox 6">
+            <a:extLst>
+              <a:ext uri="{FF2B5EF4-FFF2-40B4-BE49-F238E27FC236}">
+                <a16:creationId xmlns:a16="http://schemas.microsoft.com/office/drawing/2014/main" id="{721E2091-E052-2C10-C748-A2159DA8EBA1}"/>
+              </a:ext>
+            </a:extLst>
+          </p:cNvPr>
+          <p:cNvSpPr txBox="1"/>
+          <p:nvPr/>
+        </p:nvSpPr>
+        <p:spPr>
+          <a:xfrm>
+            <a:off x="1874042" y="541764"/>
+            <a:ext cx="393056" cy="307777"/>
+          </a:xfrm>
+          <a:prstGeom prst="rect">
+            <a:avLst/>
+          </a:prstGeom>
+          <a:noFill/>
+        </p:spPr>
+        <p:txBody>
+          <a:bodyPr wrap="none" rtlCol="0">
+            <a:spAutoFit/>
+          </a:bodyPr>
+          <a:lstStyle/>
+          <a:p>
+            <a:r>
+              <a:rPr lang="en-US" sz="1400" b="1" dirty="0">
+                <a:solidFill>
+                  <a:schemeClr val="bg1">
+                    <a:lumMod val="50000"/>
+                  </a:schemeClr>
+                </a:solidFill>
+                <a:latin typeface="Arial" panose="020B0604020202020204" pitchFamily="34" charset="0"/>
+                <a:cs typeface="Arial" panose="020B0604020202020204" pitchFamily="34" charset="0"/>
+              </a:rPr>
+              <a:t>L5</a:t>
+            </a:r>
+          </a:p>
+        </p:txBody>
+      </p:sp>
+      <p:sp>
+        <p:nvSpPr>
+          <p:cNvPr id="8" name="TextBox 7">
+            <a:extLst>
+              <a:ext uri="{FF2B5EF4-FFF2-40B4-BE49-F238E27FC236}">
+                <a16:creationId xmlns:a16="http://schemas.microsoft.com/office/drawing/2014/main" id="{F5CDAE5D-9887-34AA-E2B8-329E2E1EB337}"/>
+              </a:ext>
+            </a:extLst>
+          </p:cNvPr>
+          <p:cNvSpPr txBox="1"/>
+          <p:nvPr/>
+        </p:nvSpPr>
+        <p:spPr>
+          <a:xfrm>
+            <a:off x="379203" y="233988"/>
+            <a:ext cx="502061" cy="307777"/>
+          </a:xfrm>
+          <a:prstGeom prst="rect">
+            <a:avLst/>
+          </a:prstGeom>
+          <a:noFill/>
+        </p:spPr>
+        <p:txBody>
+          <a:bodyPr wrap="none" rtlCol="0">
+            <a:spAutoFit/>
+          </a:bodyPr>
+          <a:lstStyle/>
+          <a:p>
+            <a:r>
+              <a:rPr lang="en-US" sz="1400" b="1" dirty="0">
+                <a:solidFill>
+                  <a:schemeClr val="bg1">
+                    <a:lumMod val="50000"/>
+                  </a:schemeClr>
+                </a:solidFill>
+                <a:latin typeface="Arial" panose="020B0604020202020204" pitchFamily="34" charset="0"/>
+                <a:cs typeface="Arial" panose="020B0604020202020204" pitchFamily="34" charset="0"/>
+              </a:rPr>
+              <a:t>L6b</a:t>
+            </a:r>
+          </a:p>
+        </p:txBody>
+      </p:sp>
     </p:spTree>
     <p:extLst>
       <p:ext uri="{BB962C8B-B14F-4D97-AF65-F5344CB8AC3E}">
